--- a/CYBER360-6.5-Jobs-Scheduled-Tasks.pptx
+++ b/CYBER360-6.5-Jobs-Scheduled-Tasks.pptx
@@ -142,6 +142,1484 @@
 <file path=ppt/changesInfos/changesInfo1.xml><?xml version="1.0" encoding="utf-8"?>
 <pc:chgInfo xmlns:a="http://schemas.openxmlformats.org/drawingml/2006/main" xmlns:r="http://schemas.openxmlformats.org/officeDocument/2006/relationships" xmlns:ac="http://schemas.microsoft.com/office/drawing/2013/main/command" xmlns:pc="http://schemas.microsoft.com/office/powerpoint/2013/main/command">
   <pc:docChgLst>
+    <pc:chgData name="Gibbons, Carl" userId="d2b037bc-8fb4-4222-845c-61440543a456" providerId="ADAL" clId="{3CE3119B-1917-4F7B-A5AD-6C146E3F914B}"/>
+    <pc:docChg chg="undo custSel addSld delSld modSld sldOrd">
+      <pc:chgData name="Gibbons, Carl" userId="d2b037bc-8fb4-4222-845c-61440543a456" providerId="ADAL" clId="{3CE3119B-1917-4F7B-A5AD-6C146E3F914B}" dt="2023-12-28T21:57:42.900" v="13126" actId="20577"/>
+      <pc:docMkLst>
+        <pc:docMk/>
+      </pc:docMkLst>
+      <pc:sldChg chg="modSp mod">
+        <pc:chgData name="Gibbons, Carl" userId="d2b037bc-8fb4-4222-845c-61440543a456" providerId="ADAL" clId="{3CE3119B-1917-4F7B-A5AD-6C146E3F914B}" dt="2023-12-24T03:25:35.899" v="17" actId="20577"/>
+        <pc:sldMkLst>
+          <pc:docMk/>
+          <pc:sldMk cId="3308175748" sldId="256"/>
+        </pc:sldMkLst>
+        <pc:spChg chg="mod">
+          <ac:chgData name="Gibbons, Carl" userId="d2b037bc-8fb4-4222-845c-61440543a456" providerId="ADAL" clId="{3CE3119B-1917-4F7B-A5AD-6C146E3F914B}" dt="2023-12-24T03:25:35.899" v="17" actId="20577"/>
+          <ac:spMkLst>
+            <pc:docMk/>
+            <pc:sldMk cId="3308175748" sldId="256"/>
+            <ac:spMk id="3" creationId="{EEC4D41B-E776-05F2-BE0B-89BB339485AB}"/>
+          </ac:spMkLst>
+        </pc:spChg>
+      </pc:sldChg>
+      <pc:sldChg chg="del">
+        <pc:chgData name="Gibbons, Carl" userId="d2b037bc-8fb4-4222-845c-61440543a456" providerId="ADAL" clId="{3CE3119B-1917-4F7B-A5AD-6C146E3F914B}" dt="2023-12-24T04:15:13.652" v="2206" actId="47"/>
+        <pc:sldMkLst>
+          <pc:docMk/>
+          <pc:sldMk cId="519357719" sldId="260"/>
+        </pc:sldMkLst>
+      </pc:sldChg>
+      <pc:sldChg chg="delSp modSp mod">
+        <pc:chgData name="Gibbons, Carl" userId="d2b037bc-8fb4-4222-845c-61440543a456" providerId="ADAL" clId="{3CE3119B-1917-4F7B-A5AD-6C146E3F914B}" dt="2023-12-28T19:44:28.921" v="4873" actId="20577"/>
+        <pc:sldMkLst>
+          <pc:docMk/>
+          <pc:sldMk cId="2312486803" sldId="261"/>
+        </pc:sldMkLst>
+        <pc:spChg chg="mod">
+          <ac:chgData name="Gibbons, Carl" userId="d2b037bc-8fb4-4222-845c-61440543a456" providerId="ADAL" clId="{3CE3119B-1917-4F7B-A5AD-6C146E3F914B}" dt="2023-12-24T03:44:40.577" v="592" actId="20577"/>
+          <ac:spMkLst>
+            <pc:docMk/>
+            <pc:sldMk cId="2312486803" sldId="261"/>
+            <ac:spMk id="2" creationId="{31B75992-5098-A283-4925-2CCEBB801DC5}"/>
+          </ac:spMkLst>
+        </pc:spChg>
+        <pc:spChg chg="mod">
+          <ac:chgData name="Gibbons, Carl" userId="d2b037bc-8fb4-4222-845c-61440543a456" providerId="ADAL" clId="{3CE3119B-1917-4F7B-A5AD-6C146E3F914B}" dt="2023-12-28T19:44:28.921" v="4873" actId="20577"/>
+          <ac:spMkLst>
+            <pc:docMk/>
+            <pc:sldMk cId="2312486803" sldId="261"/>
+            <ac:spMk id="3" creationId="{B5924E0F-A977-1710-779D-EEB74261AF34}"/>
+          </ac:spMkLst>
+        </pc:spChg>
+        <pc:picChg chg="del">
+          <ac:chgData name="Gibbons, Carl" userId="d2b037bc-8fb4-4222-845c-61440543a456" providerId="ADAL" clId="{3CE3119B-1917-4F7B-A5AD-6C146E3F914B}" dt="2023-12-24T03:25:42.885" v="18" actId="478"/>
+          <ac:picMkLst>
+            <pc:docMk/>
+            <pc:sldMk cId="2312486803" sldId="261"/>
+            <ac:picMk id="5" creationId="{95F1B758-8221-A28F-F68D-1A79ADBC274D}"/>
+          </ac:picMkLst>
+        </pc:picChg>
+      </pc:sldChg>
+      <pc:sldChg chg="del">
+        <pc:chgData name="Gibbons, Carl" userId="d2b037bc-8fb4-4222-845c-61440543a456" providerId="ADAL" clId="{3CE3119B-1917-4F7B-A5AD-6C146E3F914B}" dt="2023-12-24T04:15:12.349" v="2205" actId="47"/>
+        <pc:sldMkLst>
+          <pc:docMk/>
+          <pc:sldMk cId="378743348" sldId="270"/>
+        </pc:sldMkLst>
+      </pc:sldChg>
+      <pc:sldChg chg="modSp mod">
+        <pc:chgData name="Gibbons, Carl" userId="d2b037bc-8fb4-4222-845c-61440543a456" providerId="ADAL" clId="{3CE3119B-1917-4F7B-A5AD-6C146E3F914B}" dt="2023-12-28T21:57:42.900" v="13126" actId="20577"/>
+        <pc:sldMkLst>
+          <pc:docMk/>
+          <pc:sldMk cId="657795359" sldId="277"/>
+        </pc:sldMkLst>
+        <pc:spChg chg="mod">
+          <ac:chgData name="Gibbons, Carl" userId="d2b037bc-8fb4-4222-845c-61440543a456" providerId="ADAL" clId="{3CE3119B-1917-4F7B-A5AD-6C146E3F914B}" dt="2023-12-28T21:57:42.900" v="13126" actId="20577"/>
+          <ac:spMkLst>
+            <pc:docMk/>
+            <pc:sldMk cId="657795359" sldId="277"/>
+            <ac:spMk id="2" creationId="{1862E903-3C56-BB42-2361-009F2336475A}"/>
+          </ac:spMkLst>
+        </pc:spChg>
+        <pc:spChg chg="mod">
+          <ac:chgData name="Gibbons, Carl" userId="d2b037bc-8fb4-4222-845c-61440543a456" providerId="ADAL" clId="{3CE3119B-1917-4F7B-A5AD-6C146E3F914B}" dt="2023-12-28T21:57:39.566" v="13125" actId="20577"/>
+          <ac:spMkLst>
+            <pc:docMk/>
+            <pc:sldMk cId="657795359" sldId="277"/>
+            <ac:spMk id="3" creationId="{90179172-96B3-95D0-A137-257770BE7642}"/>
+          </ac:spMkLst>
+        </pc:spChg>
+      </pc:sldChg>
+      <pc:sldChg chg="del">
+        <pc:chgData name="Gibbons, Carl" userId="d2b037bc-8fb4-4222-845c-61440543a456" providerId="ADAL" clId="{3CE3119B-1917-4F7B-A5AD-6C146E3F914B}" dt="2023-12-24T04:15:14.863" v="2207" actId="47"/>
+        <pc:sldMkLst>
+          <pc:docMk/>
+          <pc:sldMk cId="376509629" sldId="278"/>
+        </pc:sldMkLst>
+      </pc:sldChg>
+      <pc:sldChg chg="del">
+        <pc:chgData name="Gibbons, Carl" userId="d2b037bc-8fb4-4222-845c-61440543a456" providerId="ADAL" clId="{3CE3119B-1917-4F7B-A5AD-6C146E3F914B}" dt="2023-12-24T04:15:16.084" v="2208" actId="47"/>
+        <pc:sldMkLst>
+          <pc:docMk/>
+          <pc:sldMk cId="3153831418" sldId="279"/>
+        </pc:sldMkLst>
+      </pc:sldChg>
+      <pc:sldChg chg="del">
+        <pc:chgData name="Gibbons, Carl" userId="d2b037bc-8fb4-4222-845c-61440543a456" providerId="ADAL" clId="{3CE3119B-1917-4F7B-A5AD-6C146E3F914B}" dt="2023-12-24T04:15:16.999" v="2209" actId="47"/>
+        <pc:sldMkLst>
+          <pc:docMk/>
+          <pc:sldMk cId="1730491475" sldId="280"/>
+        </pc:sldMkLst>
+      </pc:sldChg>
+      <pc:sldChg chg="del">
+        <pc:chgData name="Gibbons, Carl" userId="d2b037bc-8fb4-4222-845c-61440543a456" providerId="ADAL" clId="{3CE3119B-1917-4F7B-A5AD-6C146E3F914B}" dt="2023-12-24T04:15:17.902" v="2210" actId="47"/>
+        <pc:sldMkLst>
+          <pc:docMk/>
+          <pc:sldMk cId="2142935958" sldId="281"/>
+        </pc:sldMkLst>
+      </pc:sldChg>
+      <pc:sldChg chg="del">
+        <pc:chgData name="Gibbons, Carl" userId="d2b037bc-8fb4-4222-845c-61440543a456" providerId="ADAL" clId="{3CE3119B-1917-4F7B-A5AD-6C146E3F914B}" dt="2023-12-24T04:15:18.904" v="2211" actId="47"/>
+        <pc:sldMkLst>
+          <pc:docMk/>
+          <pc:sldMk cId="1371681654" sldId="282"/>
+        </pc:sldMkLst>
+      </pc:sldChg>
+      <pc:sldChg chg="addSp modSp mod">
+        <pc:chgData name="Gibbons, Carl" userId="d2b037bc-8fb4-4222-845c-61440543a456" providerId="ADAL" clId="{3CE3119B-1917-4F7B-A5AD-6C146E3F914B}" dt="2023-12-24T04:21:46.824" v="2699" actId="20577"/>
+        <pc:sldMkLst>
+          <pc:docMk/>
+          <pc:sldMk cId="2959024232" sldId="283"/>
+        </pc:sldMkLst>
+        <pc:spChg chg="mod">
+          <ac:chgData name="Gibbons, Carl" userId="d2b037bc-8fb4-4222-845c-61440543a456" providerId="ADAL" clId="{3CE3119B-1917-4F7B-A5AD-6C146E3F914B}" dt="2023-12-24T03:51:38.841" v="820" actId="20577"/>
+          <ac:spMkLst>
+            <pc:docMk/>
+            <pc:sldMk cId="2959024232" sldId="283"/>
+            <ac:spMk id="2" creationId="{31B75992-5098-A283-4925-2CCEBB801DC5}"/>
+          </ac:spMkLst>
+        </pc:spChg>
+        <pc:spChg chg="mod">
+          <ac:chgData name="Gibbons, Carl" userId="d2b037bc-8fb4-4222-845c-61440543a456" providerId="ADAL" clId="{3CE3119B-1917-4F7B-A5AD-6C146E3F914B}" dt="2023-12-24T03:50:43.198" v="773" actId="20577"/>
+          <ac:spMkLst>
+            <pc:docMk/>
+            <pc:sldMk cId="2959024232" sldId="283"/>
+            <ac:spMk id="3" creationId="{B5924E0F-A977-1710-779D-EEB74261AF34}"/>
+          </ac:spMkLst>
+        </pc:spChg>
+        <pc:spChg chg="add mod">
+          <ac:chgData name="Gibbons, Carl" userId="d2b037bc-8fb4-4222-845c-61440543a456" providerId="ADAL" clId="{3CE3119B-1917-4F7B-A5AD-6C146E3F914B}" dt="2023-12-24T03:51:05.835" v="812" actId="20577"/>
+          <ac:spMkLst>
+            <pc:docMk/>
+            <pc:sldMk cId="2959024232" sldId="283"/>
+            <ac:spMk id="4" creationId="{6B5EF911-ED83-01C5-8F00-FD1AD80E90D2}"/>
+          </ac:spMkLst>
+        </pc:spChg>
+        <pc:spChg chg="add mod">
+          <ac:chgData name="Gibbons, Carl" userId="d2b037bc-8fb4-4222-845c-61440543a456" providerId="ADAL" clId="{3CE3119B-1917-4F7B-A5AD-6C146E3F914B}" dt="2023-12-24T04:21:46.824" v="2699" actId="20577"/>
+          <ac:spMkLst>
+            <pc:docMk/>
+            <pc:sldMk cId="2959024232" sldId="283"/>
+            <ac:spMk id="5" creationId="{746F0B3D-627C-BF49-CF83-A524927EBEDE}"/>
+          </ac:spMkLst>
+        </pc:spChg>
+      </pc:sldChg>
+      <pc:sldChg chg="delSp modSp mod">
+        <pc:chgData name="Gibbons, Carl" userId="d2b037bc-8fb4-4222-845c-61440543a456" providerId="ADAL" clId="{3CE3119B-1917-4F7B-A5AD-6C146E3F914B}" dt="2023-12-28T21:03:44.041" v="10649" actId="20577"/>
+        <pc:sldMkLst>
+          <pc:docMk/>
+          <pc:sldMk cId="3114675387" sldId="284"/>
+        </pc:sldMkLst>
+        <pc:spChg chg="mod">
+          <ac:chgData name="Gibbons, Carl" userId="d2b037bc-8fb4-4222-845c-61440543a456" providerId="ADAL" clId="{3CE3119B-1917-4F7B-A5AD-6C146E3F914B}" dt="2023-12-24T04:15:28.805" v="2213" actId="20577"/>
+          <ac:spMkLst>
+            <pc:docMk/>
+            <pc:sldMk cId="3114675387" sldId="284"/>
+            <ac:spMk id="2" creationId="{31B75992-5098-A283-4925-2CCEBB801DC5}"/>
+          </ac:spMkLst>
+        </pc:spChg>
+        <pc:spChg chg="mod">
+          <ac:chgData name="Gibbons, Carl" userId="d2b037bc-8fb4-4222-845c-61440543a456" providerId="ADAL" clId="{3CE3119B-1917-4F7B-A5AD-6C146E3F914B}" dt="2023-12-28T21:03:44.041" v="10649" actId="20577"/>
+          <ac:spMkLst>
+            <pc:docMk/>
+            <pc:sldMk cId="3114675387" sldId="284"/>
+            <ac:spMk id="3" creationId="{B5924E0F-A977-1710-779D-EEB74261AF34}"/>
+          </ac:spMkLst>
+        </pc:spChg>
+        <pc:spChg chg="del mod">
+          <ac:chgData name="Gibbons, Carl" userId="d2b037bc-8fb4-4222-845c-61440543a456" providerId="ADAL" clId="{3CE3119B-1917-4F7B-A5AD-6C146E3F914B}" dt="2023-12-24T04:17:34.876" v="2369" actId="478"/>
+          <ac:spMkLst>
+            <pc:docMk/>
+            <pc:sldMk cId="3114675387" sldId="284"/>
+            <ac:spMk id="4" creationId="{6B5EF911-ED83-01C5-8F00-FD1AD80E90D2}"/>
+          </ac:spMkLst>
+        </pc:spChg>
+        <pc:spChg chg="mod">
+          <ac:chgData name="Gibbons, Carl" userId="d2b037bc-8fb4-4222-845c-61440543a456" providerId="ADAL" clId="{3CE3119B-1917-4F7B-A5AD-6C146E3F914B}" dt="2023-12-24T04:25:41.312" v="2946" actId="20577"/>
+          <ac:spMkLst>
+            <pc:docMk/>
+            <pc:sldMk cId="3114675387" sldId="284"/>
+            <ac:spMk id="5" creationId="{746F0B3D-627C-BF49-CF83-A524927EBEDE}"/>
+          </ac:spMkLst>
+        </pc:spChg>
+      </pc:sldChg>
+      <pc:sldChg chg="modSp mod">
+        <pc:chgData name="Gibbons, Carl" userId="d2b037bc-8fb4-4222-845c-61440543a456" providerId="ADAL" clId="{3CE3119B-1917-4F7B-A5AD-6C146E3F914B}" dt="2023-12-28T20:27:51.520" v="8472" actId="20577"/>
+        <pc:sldMkLst>
+          <pc:docMk/>
+          <pc:sldMk cId="1243134729" sldId="285"/>
+        </pc:sldMkLst>
+        <pc:spChg chg="mod">
+          <ac:chgData name="Gibbons, Carl" userId="d2b037bc-8fb4-4222-845c-61440543a456" providerId="ADAL" clId="{3CE3119B-1917-4F7B-A5AD-6C146E3F914B}" dt="2023-12-28T18:55:00.802" v="3019" actId="20577"/>
+          <ac:spMkLst>
+            <pc:docMk/>
+            <pc:sldMk cId="1243134729" sldId="285"/>
+            <ac:spMk id="2" creationId="{31B75992-5098-A283-4925-2CCEBB801DC5}"/>
+          </ac:spMkLst>
+        </pc:spChg>
+        <pc:spChg chg="mod">
+          <ac:chgData name="Gibbons, Carl" userId="d2b037bc-8fb4-4222-845c-61440543a456" providerId="ADAL" clId="{3CE3119B-1917-4F7B-A5AD-6C146E3F914B}" dt="2023-12-28T19:11:28.137" v="4139" actId="20577"/>
+          <ac:spMkLst>
+            <pc:docMk/>
+            <pc:sldMk cId="1243134729" sldId="285"/>
+            <ac:spMk id="3" creationId="{B5924E0F-A977-1710-779D-EEB74261AF34}"/>
+          </ac:spMkLst>
+        </pc:spChg>
+        <pc:spChg chg="mod">
+          <ac:chgData name="Gibbons, Carl" userId="d2b037bc-8fb4-4222-845c-61440543a456" providerId="ADAL" clId="{3CE3119B-1917-4F7B-A5AD-6C146E3F914B}" dt="2023-12-28T20:27:51.520" v="8472" actId="20577"/>
+          <ac:spMkLst>
+            <pc:docMk/>
+            <pc:sldMk cId="1243134729" sldId="285"/>
+            <ac:spMk id="5" creationId="{746F0B3D-627C-BF49-CF83-A524927EBEDE}"/>
+          </ac:spMkLst>
+        </pc:spChg>
+      </pc:sldChg>
+      <pc:sldChg chg="modSp mod ord">
+        <pc:chgData name="Gibbons, Carl" userId="d2b037bc-8fb4-4222-845c-61440543a456" providerId="ADAL" clId="{3CE3119B-1917-4F7B-A5AD-6C146E3F914B}" dt="2023-12-28T20:26:55.852" v="8407" actId="20577"/>
+        <pc:sldMkLst>
+          <pc:docMk/>
+          <pc:sldMk cId="954591853" sldId="286"/>
+        </pc:sldMkLst>
+        <pc:spChg chg="mod">
+          <ac:chgData name="Gibbons, Carl" userId="d2b037bc-8fb4-4222-845c-61440543a456" providerId="ADAL" clId="{3CE3119B-1917-4F7B-A5AD-6C146E3F914B}" dt="2023-12-28T19:12:25.523" v="4250" actId="20577"/>
+          <ac:spMkLst>
+            <pc:docMk/>
+            <pc:sldMk cId="954591853" sldId="286"/>
+            <ac:spMk id="2" creationId="{31B75992-5098-A283-4925-2CCEBB801DC5}"/>
+          </ac:spMkLst>
+        </pc:spChg>
+        <pc:spChg chg="mod">
+          <ac:chgData name="Gibbons, Carl" userId="d2b037bc-8fb4-4222-845c-61440543a456" providerId="ADAL" clId="{3CE3119B-1917-4F7B-A5AD-6C146E3F914B}" dt="2023-12-28T20:11:15.517" v="7216" actId="20577"/>
+          <ac:spMkLst>
+            <pc:docMk/>
+            <pc:sldMk cId="954591853" sldId="286"/>
+            <ac:spMk id="3" creationId="{B5924E0F-A977-1710-779D-EEB74261AF34}"/>
+          </ac:spMkLst>
+        </pc:spChg>
+        <pc:spChg chg="mod">
+          <ac:chgData name="Gibbons, Carl" userId="d2b037bc-8fb4-4222-845c-61440543a456" providerId="ADAL" clId="{3CE3119B-1917-4F7B-A5AD-6C146E3F914B}" dt="2023-12-28T20:26:55.852" v="8407" actId="20577"/>
+          <ac:spMkLst>
+            <pc:docMk/>
+            <pc:sldMk cId="954591853" sldId="286"/>
+            <ac:spMk id="5" creationId="{746F0B3D-627C-BF49-CF83-A524927EBEDE}"/>
+          </ac:spMkLst>
+        </pc:spChg>
+      </pc:sldChg>
+      <pc:sldChg chg="addSp modSp mod">
+        <pc:chgData name="Gibbons, Carl" userId="d2b037bc-8fb4-4222-845c-61440543a456" providerId="ADAL" clId="{3CE3119B-1917-4F7B-A5AD-6C146E3F914B}" dt="2023-12-28T20:10:30.792" v="7202" actId="122"/>
+        <pc:sldMkLst>
+          <pc:docMk/>
+          <pc:sldMk cId="2614091779" sldId="287"/>
+        </pc:sldMkLst>
+        <pc:spChg chg="mod">
+          <ac:chgData name="Gibbons, Carl" userId="d2b037bc-8fb4-4222-845c-61440543a456" providerId="ADAL" clId="{3CE3119B-1917-4F7B-A5AD-6C146E3F914B}" dt="2023-12-28T19:52:51.742" v="5814" actId="20577"/>
+          <ac:spMkLst>
+            <pc:docMk/>
+            <pc:sldMk cId="2614091779" sldId="287"/>
+            <ac:spMk id="2" creationId="{31B75992-5098-A283-4925-2CCEBB801DC5}"/>
+          </ac:spMkLst>
+        </pc:spChg>
+        <pc:spChg chg="mod">
+          <ac:chgData name="Gibbons, Carl" userId="d2b037bc-8fb4-4222-845c-61440543a456" providerId="ADAL" clId="{3CE3119B-1917-4F7B-A5AD-6C146E3F914B}" dt="2023-12-28T19:48:55.211" v="5618" actId="14100"/>
+          <ac:spMkLst>
+            <pc:docMk/>
+            <pc:sldMk cId="2614091779" sldId="287"/>
+            <ac:spMk id="3" creationId="{B5924E0F-A977-1710-779D-EEB74261AF34}"/>
+          </ac:spMkLst>
+        </pc:spChg>
+        <pc:graphicFrameChg chg="add mod modGraphic">
+          <ac:chgData name="Gibbons, Carl" userId="d2b037bc-8fb4-4222-845c-61440543a456" providerId="ADAL" clId="{3CE3119B-1917-4F7B-A5AD-6C146E3F914B}" dt="2023-12-28T20:10:30.792" v="7202" actId="122"/>
+          <ac:graphicFrameMkLst>
+            <pc:docMk/>
+            <pc:sldMk cId="2614091779" sldId="287"/>
+            <ac:graphicFrameMk id="4" creationId="{3CFEF9C3-22C7-2157-EBC8-9116E36A6081}"/>
+          </ac:graphicFrameMkLst>
+        </pc:graphicFrameChg>
+      </pc:sldChg>
+      <pc:sldChg chg="delSp modSp mod">
+        <pc:chgData name="Gibbons, Carl" userId="d2b037bc-8fb4-4222-845c-61440543a456" providerId="ADAL" clId="{3CE3119B-1917-4F7B-A5AD-6C146E3F914B}" dt="2023-12-28T20:10:52.990" v="7204" actId="114"/>
+        <pc:sldMkLst>
+          <pc:docMk/>
+          <pc:sldMk cId="1341659426" sldId="288"/>
+        </pc:sldMkLst>
+        <pc:spChg chg="mod">
+          <ac:chgData name="Gibbons, Carl" userId="d2b037bc-8fb4-4222-845c-61440543a456" providerId="ADAL" clId="{3CE3119B-1917-4F7B-A5AD-6C146E3F914B}" dt="2023-12-28T19:53:19.425" v="5816" actId="20577"/>
+          <ac:spMkLst>
+            <pc:docMk/>
+            <pc:sldMk cId="1341659426" sldId="288"/>
+            <ac:spMk id="2" creationId="{31B75992-5098-A283-4925-2CCEBB801DC5}"/>
+          </ac:spMkLst>
+        </pc:spChg>
+        <pc:spChg chg="mod">
+          <ac:chgData name="Gibbons, Carl" userId="d2b037bc-8fb4-4222-845c-61440543a456" providerId="ADAL" clId="{3CE3119B-1917-4F7B-A5AD-6C146E3F914B}" dt="2023-12-28T20:10:52.990" v="7204" actId="114"/>
+          <ac:spMkLst>
+            <pc:docMk/>
+            <pc:sldMk cId="1341659426" sldId="288"/>
+            <ac:spMk id="3" creationId="{B5924E0F-A977-1710-779D-EEB74261AF34}"/>
+          </ac:spMkLst>
+        </pc:spChg>
+        <pc:graphicFrameChg chg="del modGraphic">
+          <ac:chgData name="Gibbons, Carl" userId="d2b037bc-8fb4-4222-845c-61440543a456" providerId="ADAL" clId="{3CE3119B-1917-4F7B-A5AD-6C146E3F914B}" dt="2023-12-28T19:53:27.454" v="5818" actId="21"/>
+          <ac:graphicFrameMkLst>
+            <pc:docMk/>
+            <pc:sldMk cId="1341659426" sldId="288"/>
+            <ac:graphicFrameMk id="4" creationId="{3CFEF9C3-22C7-2157-EBC8-9116E36A6081}"/>
+          </ac:graphicFrameMkLst>
+        </pc:graphicFrameChg>
+      </pc:sldChg>
+      <pc:sldChg chg="addSp modSp new mod">
+        <pc:chgData name="Gibbons, Carl" userId="d2b037bc-8fb4-4222-845c-61440543a456" providerId="ADAL" clId="{3CE3119B-1917-4F7B-A5AD-6C146E3F914B}" dt="2023-12-28T21:20:58.470" v="11391" actId="27636"/>
+        <pc:sldMkLst>
+          <pc:docMk/>
+          <pc:sldMk cId="2966054478" sldId="289"/>
+        </pc:sldMkLst>
+        <pc:spChg chg="mod">
+          <ac:chgData name="Gibbons, Carl" userId="d2b037bc-8fb4-4222-845c-61440543a456" providerId="ADAL" clId="{3CE3119B-1917-4F7B-A5AD-6C146E3F914B}" dt="2023-12-28T21:20:58.470" v="11391" actId="27636"/>
+          <ac:spMkLst>
+            <pc:docMk/>
+            <pc:sldMk cId="2966054478" sldId="289"/>
+            <ac:spMk id="2" creationId="{264BAEB2-591D-DEE6-3C00-0BAAC69880F0}"/>
+          </ac:spMkLst>
+        </pc:spChg>
+        <pc:spChg chg="add mod">
+          <ac:chgData name="Gibbons, Carl" userId="d2b037bc-8fb4-4222-845c-61440543a456" providerId="ADAL" clId="{3CE3119B-1917-4F7B-A5AD-6C146E3F914B}" dt="2023-12-28T21:02:37.455" v="10592" actId="20577"/>
+          <ac:spMkLst>
+            <pc:docMk/>
+            <pc:sldMk cId="2966054478" sldId="289"/>
+            <ac:spMk id="3" creationId="{0620B8A1-699E-C7B4-0A32-7D9C4529CA27}"/>
+          </ac:spMkLst>
+        </pc:spChg>
+      </pc:sldChg>
+      <pc:sldChg chg="modSp mod">
+        <pc:chgData name="Gibbons, Carl" userId="d2b037bc-8fb4-4222-845c-61440543a456" providerId="ADAL" clId="{3CE3119B-1917-4F7B-A5AD-6C146E3F914B}" dt="2023-12-28T20:25:14.044" v="8347" actId="20577"/>
+        <pc:sldMkLst>
+          <pc:docMk/>
+          <pc:sldMk cId="1014272238" sldId="290"/>
+        </pc:sldMkLst>
+        <pc:spChg chg="mod">
+          <ac:chgData name="Gibbons, Carl" userId="d2b037bc-8fb4-4222-845c-61440543a456" providerId="ADAL" clId="{3CE3119B-1917-4F7B-A5AD-6C146E3F914B}" dt="2023-12-28T20:14:14.888" v="7303" actId="20577"/>
+          <ac:spMkLst>
+            <pc:docMk/>
+            <pc:sldMk cId="1014272238" sldId="290"/>
+            <ac:spMk id="2" creationId="{31B75992-5098-A283-4925-2CCEBB801DC5}"/>
+          </ac:spMkLst>
+        </pc:spChg>
+        <pc:spChg chg="mod">
+          <ac:chgData name="Gibbons, Carl" userId="d2b037bc-8fb4-4222-845c-61440543a456" providerId="ADAL" clId="{3CE3119B-1917-4F7B-A5AD-6C146E3F914B}" dt="2023-12-28T20:25:14.044" v="8347" actId="20577"/>
+          <ac:spMkLst>
+            <pc:docMk/>
+            <pc:sldMk cId="1014272238" sldId="290"/>
+            <ac:spMk id="3" creationId="{B5924E0F-A977-1710-779D-EEB74261AF34}"/>
+          </ac:spMkLst>
+        </pc:spChg>
+      </pc:sldChg>
+      <pc:sldChg chg="modSp mod">
+        <pc:chgData name="Gibbons, Carl" userId="d2b037bc-8fb4-4222-845c-61440543a456" providerId="ADAL" clId="{3CE3119B-1917-4F7B-A5AD-6C146E3F914B}" dt="2023-12-28T21:21:03.949" v="11393" actId="27636"/>
+        <pc:sldMkLst>
+          <pc:docMk/>
+          <pc:sldMk cId="3689580349" sldId="291"/>
+        </pc:sldMkLst>
+        <pc:spChg chg="mod">
+          <ac:chgData name="Gibbons, Carl" userId="d2b037bc-8fb4-4222-845c-61440543a456" providerId="ADAL" clId="{3CE3119B-1917-4F7B-A5AD-6C146E3F914B}" dt="2023-12-28T21:21:03.949" v="11393" actId="27636"/>
+          <ac:spMkLst>
+            <pc:docMk/>
+            <pc:sldMk cId="3689580349" sldId="291"/>
+            <ac:spMk id="2" creationId="{264BAEB2-591D-DEE6-3C00-0BAAC69880F0}"/>
+          </ac:spMkLst>
+        </pc:spChg>
+        <pc:spChg chg="mod">
+          <ac:chgData name="Gibbons, Carl" userId="d2b037bc-8fb4-4222-845c-61440543a456" providerId="ADAL" clId="{3CE3119B-1917-4F7B-A5AD-6C146E3F914B}" dt="2023-12-28T21:02:59.174" v="10621" actId="20577"/>
+          <ac:spMkLst>
+            <pc:docMk/>
+            <pc:sldMk cId="3689580349" sldId="291"/>
+            <ac:spMk id="3" creationId="{0620B8A1-699E-C7B4-0A32-7D9C4529CA27}"/>
+          </ac:spMkLst>
+        </pc:spChg>
+      </pc:sldChg>
+      <pc:sldChg chg="modSp mod">
+        <pc:chgData name="Gibbons, Carl" userId="d2b037bc-8fb4-4222-845c-61440543a456" providerId="ADAL" clId="{3CE3119B-1917-4F7B-A5AD-6C146E3F914B}" dt="2023-12-28T21:30:34.709" v="11884" actId="20577"/>
+        <pc:sldMkLst>
+          <pc:docMk/>
+          <pc:sldMk cId="2738411615" sldId="292"/>
+        </pc:sldMkLst>
+        <pc:spChg chg="mod">
+          <ac:chgData name="Gibbons, Carl" userId="d2b037bc-8fb4-4222-845c-61440543a456" providerId="ADAL" clId="{3CE3119B-1917-4F7B-A5AD-6C146E3F914B}" dt="2023-12-28T21:27:00.893" v="11646" actId="20577"/>
+          <ac:spMkLst>
+            <pc:docMk/>
+            <pc:sldMk cId="2738411615" sldId="292"/>
+            <ac:spMk id="2" creationId="{31B75992-5098-A283-4925-2CCEBB801DC5}"/>
+          </ac:spMkLst>
+        </pc:spChg>
+        <pc:spChg chg="mod">
+          <ac:chgData name="Gibbons, Carl" userId="d2b037bc-8fb4-4222-845c-61440543a456" providerId="ADAL" clId="{3CE3119B-1917-4F7B-A5AD-6C146E3F914B}" dt="2023-12-28T21:30:34.709" v="11884" actId="20577"/>
+          <ac:spMkLst>
+            <pc:docMk/>
+            <pc:sldMk cId="2738411615" sldId="292"/>
+            <ac:spMk id="3" creationId="{B5924E0F-A977-1710-779D-EEB74261AF34}"/>
+          </ac:spMkLst>
+        </pc:spChg>
+      </pc:sldChg>
+      <pc:sldChg chg="modSp mod">
+        <pc:chgData name="Gibbons, Carl" userId="d2b037bc-8fb4-4222-845c-61440543a456" providerId="ADAL" clId="{3CE3119B-1917-4F7B-A5AD-6C146E3F914B}" dt="2023-12-28T21:56:49.002" v="13100" actId="20577"/>
+        <pc:sldMkLst>
+          <pc:docMk/>
+          <pc:sldMk cId="852415543" sldId="293"/>
+        </pc:sldMkLst>
+        <pc:spChg chg="mod">
+          <ac:chgData name="Gibbons, Carl" userId="d2b037bc-8fb4-4222-845c-61440543a456" providerId="ADAL" clId="{3CE3119B-1917-4F7B-A5AD-6C146E3F914B}" dt="2023-12-28T21:32:23.582" v="11900" actId="20577"/>
+          <ac:spMkLst>
+            <pc:docMk/>
+            <pc:sldMk cId="852415543" sldId="293"/>
+            <ac:spMk id="2" creationId="{264BAEB2-591D-DEE6-3C00-0BAAC69880F0}"/>
+          </ac:spMkLst>
+        </pc:spChg>
+        <pc:spChg chg="mod">
+          <ac:chgData name="Gibbons, Carl" userId="d2b037bc-8fb4-4222-845c-61440543a456" providerId="ADAL" clId="{3CE3119B-1917-4F7B-A5AD-6C146E3F914B}" dt="2023-12-28T21:56:49.002" v="13100" actId="20577"/>
+          <ac:spMkLst>
+            <pc:docMk/>
+            <pc:sldMk cId="852415543" sldId="293"/>
+            <ac:spMk id="3" creationId="{0620B8A1-699E-C7B4-0A32-7D9C4529CA27}"/>
+          </ac:spMkLst>
+        </pc:spChg>
+      </pc:sldChg>
+      <pc:sldMasterChg chg="delSldLayout">
+        <pc:chgData name="Gibbons, Carl" userId="d2b037bc-8fb4-4222-845c-61440543a456" providerId="ADAL" clId="{3CE3119B-1917-4F7B-A5AD-6C146E3F914B}" dt="2023-12-24T04:15:18.904" v="2211" actId="47"/>
+        <pc:sldMasterMkLst>
+          <pc:docMk/>
+          <pc:sldMasterMk cId="3616380004" sldId="2147483712"/>
+        </pc:sldMasterMkLst>
+        <pc:sldLayoutChg chg="del">
+          <pc:chgData name="Gibbons, Carl" userId="d2b037bc-8fb4-4222-845c-61440543a456" providerId="ADAL" clId="{3CE3119B-1917-4F7B-A5AD-6C146E3F914B}" dt="2023-12-24T04:15:18.904" v="2211" actId="47"/>
+          <pc:sldLayoutMkLst>
+            <pc:docMk/>
+            <pc:sldMasterMk cId="3616380004" sldId="2147483712"/>
+            <pc:sldLayoutMk cId="2633931619" sldId="2147483725"/>
+          </pc:sldLayoutMkLst>
+        </pc:sldLayoutChg>
+      </pc:sldMasterChg>
+    </pc:docChg>
+  </pc:docChgLst>
+  <pc:docChgLst>
+    <pc:chgData name="Gibbons, Carl" userId="d2b037bc-8fb4-4222-845c-61440543a456" providerId="ADAL" clId="{6FB22382-79C8-4292-898E-4F4477C84372}"/>
+    <pc:docChg chg="custSel addSld modSld">
+      <pc:chgData name="Gibbons, Carl" userId="d2b037bc-8fb4-4222-845c-61440543a456" providerId="ADAL" clId="{6FB22382-79C8-4292-898E-4F4477C84372}" dt="2024-02-04T06:13:38.323" v="4155" actId="20577"/>
+      <pc:docMkLst>
+        <pc:docMk/>
+      </pc:docMkLst>
+      <pc:sldChg chg="modSp mod">
+        <pc:chgData name="Gibbons, Carl" userId="d2b037bc-8fb4-4222-845c-61440543a456" providerId="ADAL" clId="{6FB22382-79C8-4292-898E-4F4477C84372}" dt="2024-02-04T05:20:30.900" v="17" actId="20577"/>
+        <pc:sldMkLst>
+          <pc:docMk/>
+          <pc:sldMk cId="3308175748" sldId="256"/>
+        </pc:sldMkLst>
+        <pc:spChg chg="mod">
+          <ac:chgData name="Gibbons, Carl" userId="d2b037bc-8fb4-4222-845c-61440543a456" providerId="ADAL" clId="{6FB22382-79C8-4292-898E-4F4477C84372}" dt="2024-02-04T05:20:30.900" v="17" actId="20577"/>
+          <ac:spMkLst>
+            <pc:docMk/>
+            <pc:sldMk cId="3308175748" sldId="256"/>
+            <ac:spMk id="3" creationId="{EEC4D41B-E776-05F2-BE0B-89BB339485AB}"/>
+          </ac:spMkLst>
+        </pc:spChg>
+      </pc:sldChg>
+      <pc:sldChg chg="modSp mod">
+        <pc:chgData name="Gibbons, Carl" userId="d2b037bc-8fb4-4222-845c-61440543a456" providerId="ADAL" clId="{6FB22382-79C8-4292-898E-4F4477C84372}" dt="2024-02-04T06:13:38.323" v="4155" actId="20577"/>
+        <pc:sldMkLst>
+          <pc:docMk/>
+          <pc:sldMk cId="2312486803" sldId="261"/>
+        </pc:sldMkLst>
+        <pc:spChg chg="mod">
+          <ac:chgData name="Gibbons, Carl" userId="d2b037bc-8fb4-4222-845c-61440543a456" providerId="ADAL" clId="{6FB22382-79C8-4292-898E-4F4477C84372}" dt="2024-02-04T05:21:30.141" v="60" actId="20577"/>
+          <ac:spMkLst>
+            <pc:docMk/>
+            <pc:sldMk cId="2312486803" sldId="261"/>
+            <ac:spMk id="2" creationId="{31B75992-5098-A283-4925-2CCEBB801DC5}"/>
+          </ac:spMkLst>
+        </pc:spChg>
+        <pc:spChg chg="mod">
+          <ac:chgData name="Gibbons, Carl" userId="d2b037bc-8fb4-4222-845c-61440543a456" providerId="ADAL" clId="{6FB22382-79C8-4292-898E-4F4477C84372}" dt="2024-02-04T06:13:38.323" v="4155" actId="20577"/>
+          <ac:spMkLst>
+            <pc:docMk/>
+            <pc:sldMk cId="2312486803" sldId="261"/>
+            <ac:spMk id="3" creationId="{B5924E0F-A977-1710-779D-EEB74261AF34}"/>
+          </ac:spMkLst>
+        </pc:spChg>
+      </pc:sldChg>
+      <pc:sldChg chg="modSp mod">
+        <pc:chgData name="Gibbons, Carl" userId="d2b037bc-8fb4-4222-845c-61440543a456" providerId="ADAL" clId="{6FB22382-79C8-4292-898E-4F4477C84372}" dt="2024-02-04T06:07:58.163" v="3852" actId="20577"/>
+        <pc:sldMkLst>
+          <pc:docMk/>
+          <pc:sldMk cId="3885141102" sldId="262"/>
+        </pc:sldMkLst>
+        <pc:spChg chg="mod">
+          <ac:chgData name="Gibbons, Carl" userId="d2b037bc-8fb4-4222-845c-61440543a456" providerId="ADAL" clId="{6FB22382-79C8-4292-898E-4F4477C84372}" dt="2024-02-04T06:07:58.163" v="3852" actId="20577"/>
+          <ac:spMkLst>
+            <pc:docMk/>
+            <pc:sldMk cId="3885141102" sldId="262"/>
+            <ac:spMk id="3" creationId="{B5924E0F-A977-1710-779D-EEB74261AF34}"/>
+          </ac:spMkLst>
+        </pc:spChg>
+      </pc:sldChg>
+      <pc:sldChg chg="modSp mod">
+        <pc:chgData name="Gibbons, Carl" userId="d2b037bc-8fb4-4222-845c-61440543a456" providerId="ADAL" clId="{6FB22382-79C8-4292-898E-4F4477C84372}" dt="2024-02-04T05:35:49.521" v="1241" actId="20577"/>
+        <pc:sldMkLst>
+          <pc:docMk/>
+          <pc:sldMk cId="2993794741" sldId="265"/>
+        </pc:sldMkLst>
+        <pc:spChg chg="mod">
+          <ac:chgData name="Gibbons, Carl" userId="d2b037bc-8fb4-4222-845c-61440543a456" providerId="ADAL" clId="{6FB22382-79C8-4292-898E-4F4477C84372}" dt="2024-02-04T05:26:32.059" v="571" actId="20577"/>
+          <ac:spMkLst>
+            <pc:docMk/>
+            <pc:sldMk cId="2993794741" sldId="265"/>
+            <ac:spMk id="2" creationId="{31B75992-5098-A283-4925-2CCEBB801DC5}"/>
+          </ac:spMkLst>
+        </pc:spChg>
+        <pc:spChg chg="mod">
+          <ac:chgData name="Gibbons, Carl" userId="d2b037bc-8fb4-4222-845c-61440543a456" providerId="ADAL" clId="{6FB22382-79C8-4292-898E-4F4477C84372}" dt="2024-02-04T05:35:49.521" v="1241" actId="20577"/>
+          <ac:spMkLst>
+            <pc:docMk/>
+            <pc:sldMk cId="2993794741" sldId="265"/>
+            <ac:spMk id="3" creationId="{B5924E0F-A977-1710-779D-EEB74261AF34}"/>
+          </ac:spMkLst>
+        </pc:spChg>
+      </pc:sldChg>
+      <pc:sldChg chg="modSp mod">
+        <pc:chgData name="Gibbons, Carl" userId="d2b037bc-8fb4-4222-845c-61440543a456" providerId="ADAL" clId="{6FB22382-79C8-4292-898E-4F4477C84372}" dt="2024-02-04T05:45:18.786" v="1941" actId="20577"/>
+        <pc:sldMkLst>
+          <pc:docMk/>
+          <pc:sldMk cId="1337022352" sldId="266"/>
+        </pc:sldMkLst>
+        <pc:spChg chg="mod">
+          <ac:chgData name="Gibbons, Carl" userId="d2b037bc-8fb4-4222-845c-61440543a456" providerId="ADAL" clId="{6FB22382-79C8-4292-898E-4F4477C84372}" dt="2024-02-04T05:36:29.682" v="1255" actId="20577"/>
+          <ac:spMkLst>
+            <pc:docMk/>
+            <pc:sldMk cId="1337022352" sldId="266"/>
+            <ac:spMk id="2" creationId="{31B75992-5098-A283-4925-2CCEBB801DC5}"/>
+          </ac:spMkLst>
+        </pc:spChg>
+        <pc:spChg chg="mod">
+          <ac:chgData name="Gibbons, Carl" userId="d2b037bc-8fb4-4222-845c-61440543a456" providerId="ADAL" clId="{6FB22382-79C8-4292-898E-4F4477C84372}" dt="2024-02-04T05:45:18.786" v="1941" actId="20577"/>
+          <ac:spMkLst>
+            <pc:docMk/>
+            <pc:sldMk cId="1337022352" sldId="266"/>
+            <ac:spMk id="3" creationId="{B5924E0F-A977-1710-779D-EEB74261AF34}"/>
+          </ac:spMkLst>
+        </pc:spChg>
+      </pc:sldChg>
+      <pc:sldChg chg="modSp add mod">
+        <pc:chgData name="Gibbons, Carl" userId="d2b037bc-8fb4-4222-845c-61440543a456" providerId="ADAL" clId="{6FB22382-79C8-4292-898E-4F4477C84372}" dt="2024-02-04T05:44:39.205" v="1897" actId="12"/>
+        <pc:sldMkLst>
+          <pc:docMk/>
+          <pc:sldMk cId="3576168196" sldId="267"/>
+        </pc:sldMkLst>
+        <pc:spChg chg="mod">
+          <ac:chgData name="Gibbons, Carl" userId="d2b037bc-8fb4-4222-845c-61440543a456" providerId="ADAL" clId="{6FB22382-79C8-4292-898E-4F4477C84372}" dt="2024-02-04T05:41:13.380" v="1714" actId="20577"/>
+          <ac:spMkLst>
+            <pc:docMk/>
+            <pc:sldMk cId="3576168196" sldId="267"/>
+            <ac:spMk id="2" creationId="{31B75992-5098-A283-4925-2CCEBB801DC5}"/>
+          </ac:spMkLst>
+        </pc:spChg>
+        <pc:spChg chg="mod">
+          <ac:chgData name="Gibbons, Carl" userId="d2b037bc-8fb4-4222-845c-61440543a456" providerId="ADAL" clId="{6FB22382-79C8-4292-898E-4F4477C84372}" dt="2024-02-04T05:44:39.205" v="1897" actId="12"/>
+          <ac:spMkLst>
+            <pc:docMk/>
+            <pc:sldMk cId="3576168196" sldId="267"/>
+            <ac:spMk id="3" creationId="{B5924E0F-A977-1710-779D-EEB74261AF34}"/>
+          </ac:spMkLst>
+        </pc:spChg>
+      </pc:sldChg>
+      <pc:sldChg chg="addSp modSp new mod">
+        <pc:chgData name="Gibbons, Carl" userId="d2b037bc-8fb4-4222-845c-61440543a456" providerId="ADAL" clId="{6FB22382-79C8-4292-898E-4F4477C84372}" dt="2024-02-04T06:11:39.022" v="4076" actId="20577"/>
+        <pc:sldMkLst>
+          <pc:docMk/>
+          <pc:sldMk cId="1066671753" sldId="268"/>
+        </pc:sldMkLst>
+        <pc:spChg chg="mod">
+          <ac:chgData name="Gibbons, Carl" userId="d2b037bc-8fb4-4222-845c-61440543a456" providerId="ADAL" clId="{6FB22382-79C8-4292-898E-4F4477C84372}" dt="2024-02-04T05:45:07.756" v="1926" actId="20577"/>
+          <ac:spMkLst>
+            <pc:docMk/>
+            <pc:sldMk cId="1066671753" sldId="268"/>
+            <ac:spMk id="2" creationId="{1697FD53-1B2D-FA1E-85ED-8261A111660A}"/>
+          </ac:spMkLst>
+        </pc:spChg>
+        <pc:spChg chg="add mod">
+          <ac:chgData name="Gibbons, Carl" userId="d2b037bc-8fb4-4222-845c-61440543a456" providerId="ADAL" clId="{6FB22382-79C8-4292-898E-4F4477C84372}" dt="2024-02-04T06:11:39.022" v="4076" actId="20577"/>
+          <ac:spMkLst>
+            <pc:docMk/>
+            <pc:sldMk cId="1066671753" sldId="268"/>
+            <ac:spMk id="3" creationId="{76A2A896-1BFA-0E85-4155-672FD7F5CC95}"/>
+          </ac:spMkLst>
+        </pc:spChg>
+      </pc:sldChg>
+      <pc:sldChg chg="modSp mod">
+        <pc:chgData name="Gibbons, Carl" userId="d2b037bc-8fb4-4222-845c-61440543a456" providerId="ADAL" clId="{6FB22382-79C8-4292-898E-4F4477C84372}" dt="2024-02-04T06:10:10.836" v="3893" actId="12"/>
+        <pc:sldMkLst>
+          <pc:docMk/>
+          <pc:sldMk cId="465083765" sldId="269"/>
+        </pc:sldMkLst>
+        <pc:spChg chg="mod">
+          <ac:chgData name="Gibbons, Carl" userId="d2b037bc-8fb4-4222-845c-61440543a456" providerId="ADAL" clId="{6FB22382-79C8-4292-898E-4F4477C84372}" dt="2024-02-04T06:09:43.021" v="3884" actId="20577"/>
+          <ac:spMkLst>
+            <pc:docMk/>
+            <pc:sldMk cId="465083765" sldId="269"/>
+            <ac:spMk id="2" creationId="{1697FD53-1B2D-FA1E-85ED-8261A111660A}"/>
+          </ac:spMkLst>
+        </pc:spChg>
+        <pc:spChg chg="mod">
+          <ac:chgData name="Gibbons, Carl" userId="d2b037bc-8fb4-4222-845c-61440543a456" providerId="ADAL" clId="{6FB22382-79C8-4292-898E-4F4477C84372}" dt="2024-02-04T06:10:10.836" v="3893" actId="12"/>
+          <ac:spMkLst>
+            <pc:docMk/>
+            <pc:sldMk cId="465083765" sldId="269"/>
+            <ac:spMk id="3" creationId="{76A2A896-1BFA-0E85-4155-672FD7F5CC95}"/>
+          </ac:spMkLst>
+        </pc:spChg>
+      </pc:sldChg>
+    </pc:docChg>
+  </pc:docChgLst>
+  <pc:docChgLst>
+    <pc:chgData name="Gibbons, Carl" userId="d2b037bc-8fb4-4222-845c-61440543a456" providerId="ADAL" clId="{0E0ED151-5F6D-4269-8E91-753BA0E65D54}"/>
+    <pc:docChg chg="undo redo custSel addSld delSld modSld">
+      <pc:chgData name="Gibbons, Carl" userId="d2b037bc-8fb4-4222-845c-61440543a456" providerId="ADAL" clId="{0E0ED151-5F6D-4269-8E91-753BA0E65D54}" dt="2024-02-20T17:52:12.549" v="3818" actId="20577"/>
+      <pc:docMkLst>
+        <pc:docMk/>
+      </pc:docMkLst>
+      <pc:sldChg chg="modSp mod">
+        <pc:chgData name="Gibbons, Carl" userId="d2b037bc-8fb4-4222-845c-61440543a456" providerId="ADAL" clId="{0E0ED151-5F6D-4269-8E91-753BA0E65D54}" dt="2024-02-20T17:21:53.283" v="1184" actId="20577"/>
+        <pc:sldMkLst>
+          <pc:docMk/>
+          <pc:sldMk cId="3308175748" sldId="256"/>
+        </pc:sldMkLst>
+        <pc:spChg chg="mod">
+          <ac:chgData name="Gibbons, Carl" userId="d2b037bc-8fb4-4222-845c-61440543a456" providerId="ADAL" clId="{0E0ED151-5F6D-4269-8E91-753BA0E65D54}" dt="2024-02-20T17:21:53.283" v="1184" actId="20577"/>
+          <ac:spMkLst>
+            <pc:docMk/>
+            <pc:sldMk cId="3308175748" sldId="256"/>
+            <ac:spMk id="3" creationId="{EEC4D41B-E776-05F2-BE0B-89BB339485AB}"/>
+          </ac:spMkLst>
+        </pc:spChg>
+      </pc:sldChg>
+      <pc:sldChg chg="addSp delSp modSp add mod">
+        <pc:chgData name="Gibbons, Carl" userId="d2b037bc-8fb4-4222-845c-61440543a456" providerId="ADAL" clId="{0E0ED151-5F6D-4269-8E91-753BA0E65D54}" dt="2024-02-20T17:21:20.491" v="1182" actId="20577"/>
+        <pc:sldMkLst>
+          <pc:docMk/>
+          <pc:sldMk cId="3979649407" sldId="259"/>
+        </pc:sldMkLst>
+        <pc:spChg chg="mod">
+          <ac:chgData name="Gibbons, Carl" userId="d2b037bc-8fb4-4222-845c-61440543a456" providerId="ADAL" clId="{0E0ED151-5F6D-4269-8E91-753BA0E65D54}" dt="2024-02-20T17:20:59.732" v="1170" actId="27636"/>
+          <ac:spMkLst>
+            <pc:docMk/>
+            <pc:sldMk cId="3979649407" sldId="259"/>
+            <ac:spMk id="2" creationId="{D9B85F3A-0D98-4AE5-8CED-AA4A4CF82188}"/>
+          </ac:spMkLst>
+        </pc:spChg>
+        <pc:spChg chg="add del">
+          <ac:chgData name="Gibbons, Carl" userId="d2b037bc-8fb4-4222-845c-61440543a456" providerId="ADAL" clId="{0E0ED151-5F6D-4269-8E91-753BA0E65D54}" dt="2024-02-20T17:12:54.823" v="955" actId="22"/>
+          <ac:spMkLst>
+            <pc:docMk/>
+            <pc:sldMk cId="3979649407" sldId="259"/>
+            <ac:spMk id="4" creationId="{F0A2166F-D3DC-6D6A-F3ED-70C2F2497263}"/>
+          </ac:spMkLst>
+        </pc:spChg>
+        <pc:spChg chg="mod">
+          <ac:chgData name="Gibbons, Carl" userId="d2b037bc-8fb4-4222-845c-61440543a456" providerId="ADAL" clId="{0E0ED151-5F6D-4269-8E91-753BA0E65D54}" dt="2024-02-20T17:12:22.348" v="947" actId="20577"/>
+          <ac:spMkLst>
+            <pc:docMk/>
+            <pc:sldMk cId="3979649407" sldId="259"/>
+            <ac:spMk id="52" creationId="{E9C172F0-0344-4EFE-B8E9-E58FDC2037A8}"/>
+          </ac:spMkLst>
+        </pc:spChg>
+        <pc:spChg chg="mod">
+          <ac:chgData name="Gibbons, Carl" userId="d2b037bc-8fb4-4222-845c-61440543a456" providerId="ADAL" clId="{0E0ED151-5F6D-4269-8E91-753BA0E65D54}" dt="2024-02-20T17:12:18.760" v="945" actId="20577"/>
+          <ac:spMkLst>
+            <pc:docMk/>
+            <pc:sldMk cId="3979649407" sldId="259"/>
+            <ac:spMk id="53" creationId="{F227699E-2FB2-4BA5-A6C0-07FCED90486F}"/>
+          </ac:spMkLst>
+        </pc:spChg>
+        <pc:spChg chg="mod">
+          <ac:chgData name="Gibbons, Carl" userId="d2b037bc-8fb4-4222-845c-61440543a456" providerId="ADAL" clId="{0E0ED151-5F6D-4269-8E91-753BA0E65D54}" dt="2024-02-20T17:12:12.996" v="941" actId="20577"/>
+          <ac:spMkLst>
+            <pc:docMk/>
+            <pc:sldMk cId="3979649407" sldId="259"/>
+            <ac:spMk id="54" creationId="{B53FCE22-8AE6-48B3-955A-06B8C516DF87}"/>
+          </ac:spMkLst>
+        </pc:spChg>
+        <pc:spChg chg="mod">
+          <ac:chgData name="Gibbons, Carl" userId="d2b037bc-8fb4-4222-845c-61440543a456" providerId="ADAL" clId="{0E0ED151-5F6D-4269-8E91-753BA0E65D54}" dt="2024-02-20T17:05:37.390" v="811" actId="20577"/>
+          <ac:spMkLst>
+            <pc:docMk/>
+            <pc:sldMk cId="3979649407" sldId="259"/>
+            <ac:spMk id="55" creationId="{CCE5A865-2455-4CF3-9E59-2E7499CAA85B}"/>
+          </ac:spMkLst>
+        </pc:spChg>
+        <pc:spChg chg="mod">
+          <ac:chgData name="Gibbons, Carl" userId="d2b037bc-8fb4-4222-845c-61440543a456" providerId="ADAL" clId="{0E0ED151-5F6D-4269-8E91-753BA0E65D54}" dt="2024-02-20T16:59:55.203" v="614" actId="20577"/>
+          <ac:spMkLst>
+            <pc:docMk/>
+            <pc:sldMk cId="3979649407" sldId="259"/>
+            <ac:spMk id="56" creationId="{70E32A94-B611-430A-B0D8-E075104FD478}"/>
+          </ac:spMkLst>
+        </pc:spChg>
+        <pc:spChg chg="mod">
+          <ac:chgData name="Gibbons, Carl" userId="d2b037bc-8fb4-4222-845c-61440543a456" providerId="ADAL" clId="{0E0ED151-5F6D-4269-8E91-753BA0E65D54}" dt="2024-02-20T16:55:13.809" v="450" actId="20577"/>
+          <ac:spMkLst>
+            <pc:docMk/>
+            <pc:sldMk cId="3979649407" sldId="259"/>
+            <ac:spMk id="57" creationId="{F7492B77-4D76-47C3-B338-BB6B8EDE5AAE}"/>
+          </ac:spMkLst>
+        </pc:spChg>
+        <pc:spChg chg="mod">
+          <ac:chgData name="Gibbons, Carl" userId="d2b037bc-8fb4-4222-845c-61440543a456" providerId="ADAL" clId="{0E0ED151-5F6D-4269-8E91-753BA0E65D54}" dt="2024-02-20T16:58:49.779" v="539" actId="20577"/>
+          <ac:spMkLst>
+            <pc:docMk/>
+            <pc:sldMk cId="3979649407" sldId="259"/>
+            <ac:spMk id="58" creationId="{8B46B6D0-199C-4EDD-9F52-809A17CFFA16}"/>
+          </ac:spMkLst>
+        </pc:spChg>
+        <pc:spChg chg="mod">
+          <ac:chgData name="Gibbons, Carl" userId="d2b037bc-8fb4-4222-845c-61440543a456" providerId="ADAL" clId="{0E0ED151-5F6D-4269-8E91-753BA0E65D54}" dt="2024-02-20T16:58:46.562" v="535" actId="20577"/>
+          <ac:spMkLst>
+            <pc:docMk/>
+            <pc:sldMk cId="3979649407" sldId="259"/>
+            <ac:spMk id="59" creationId="{D3EA3205-70F4-44BB-8BBC-4CA5F503DDFB}"/>
+          </ac:spMkLst>
+        </pc:spChg>
+        <pc:spChg chg="mod">
+          <ac:chgData name="Gibbons, Carl" userId="d2b037bc-8fb4-4222-845c-61440543a456" providerId="ADAL" clId="{0E0ED151-5F6D-4269-8E91-753BA0E65D54}" dt="2024-02-20T16:58:56.593" v="545" actId="20577"/>
+          <ac:spMkLst>
+            <pc:docMk/>
+            <pc:sldMk cId="3979649407" sldId="259"/>
+            <ac:spMk id="111" creationId="{A69036BC-0D44-4D27-9355-CA4588CF33E0}"/>
+          </ac:spMkLst>
+        </pc:spChg>
+        <pc:spChg chg="mod">
+          <ac:chgData name="Gibbons, Carl" userId="d2b037bc-8fb4-4222-845c-61440543a456" providerId="ADAL" clId="{0E0ED151-5F6D-4269-8E91-753BA0E65D54}" dt="2024-02-20T17:20:00.789" v="1149" actId="20577"/>
+          <ac:spMkLst>
+            <pc:docMk/>
+            <pc:sldMk cId="3979649407" sldId="259"/>
+            <ac:spMk id="112" creationId="{A36E9339-30D7-4E6E-808F-ECFECF9CA3E2}"/>
+          </ac:spMkLst>
+        </pc:spChg>
+        <pc:spChg chg="mod">
+          <ac:chgData name="Gibbons, Carl" userId="d2b037bc-8fb4-4222-845c-61440543a456" providerId="ADAL" clId="{0E0ED151-5F6D-4269-8E91-753BA0E65D54}" dt="2024-02-20T17:05:43.041" v="814" actId="20577"/>
+          <ac:spMkLst>
+            <pc:docMk/>
+            <pc:sldMk cId="3979649407" sldId="259"/>
+            <ac:spMk id="137" creationId="{DAB08F72-3AC3-4808-A6D6-55A2A22F8F08}"/>
+          </ac:spMkLst>
+        </pc:spChg>
+        <pc:spChg chg="mod">
+          <ac:chgData name="Gibbons, Carl" userId="d2b037bc-8fb4-4222-845c-61440543a456" providerId="ADAL" clId="{0E0ED151-5F6D-4269-8E91-753BA0E65D54}" dt="2024-02-20T17:06:38.049" v="890" actId="20577"/>
+          <ac:spMkLst>
+            <pc:docMk/>
+            <pc:sldMk cId="3979649407" sldId="259"/>
+            <ac:spMk id="138" creationId="{929E33A3-822C-41F0-8233-0F0986CC6786}"/>
+          </ac:spMkLst>
+        </pc:spChg>
+        <pc:spChg chg="mod">
+          <ac:chgData name="Gibbons, Carl" userId="d2b037bc-8fb4-4222-845c-61440543a456" providerId="ADAL" clId="{0E0ED151-5F6D-4269-8E91-753BA0E65D54}" dt="2024-02-20T17:14:08.242" v="1001" actId="20577"/>
+          <ac:spMkLst>
+            <pc:docMk/>
+            <pc:sldMk cId="3979649407" sldId="259"/>
+            <ac:spMk id="144" creationId="{AB47C076-B5BC-4BCF-996C-94C6360B8473}"/>
+          </ac:spMkLst>
+        </pc:spChg>
+        <pc:spChg chg="mod">
+          <ac:chgData name="Gibbons, Carl" userId="d2b037bc-8fb4-4222-845c-61440543a456" providerId="ADAL" clId="{0E0ED151-5F6D-4269-8E91-753BA0E65D54}" dt="2024-02-20T17:14:00.584" v="997"/>
+          <ac:spMkLst>
+            <pc:docMk/>
+            <pc:sldMk cId="3979649407" sldId="259"/>
+            <ac:spMk id="145" creationId="{454D4AE5-FDF0-4C13-8C2E-E03A1A8AAC2E}"/>
+          </ac:spMkLst>
+        </pc:spChg>
+        <pc:spChg chg="mod">
+          <ac:chgData name="Gibbons, Carl" userId="d2b037bc-8fb4-4222-845c-61440543a456" providerId="ADAL" clId="{0E0ED151-5F6D-4269-8E91-753BA0E65D54}" dt="2024-02-20T17:00:09.986" v="621" actId="20577"/>
+          <ac:spMkLst>
+            <pc:docMk/>
+            <pc:sldMk cId="3979649407" sldId="259"/>
+            <ac:spMk id="151" creationId="{83D0279C-C95D-4C6F-9E15-A12E3C06835F}"/>
+          </ac:spMkLst>
+        </pc:spChg>
+        <pc:spChg chg="mod">
+          <ac:chgData name="Gibbons, Carl" userId="d2b037bc-8fb4-4222-845c-61440543a456" providerId="ADAL" clId="{0E0ED151-5F6D-4269-8E91-753BA0E65D54}" dt="2024-02-20T16:57:57.026" v="530"/>
+          <ac:spMkLst>
+            <pc:docMk/>
+            <pc:sldMk cId="3979649407" sldId="259"/>
+            <ac:spMk id="152" creationId="{7F026F40-90E8-4664-8E43-32DC9077DF30}"/>
+          </ac:spMkLst>
+        </pc:spChg>
+        <pc:spChg chg="mod">
+          <ac:chgData name="Gibbons, Carl" userId="d2b037bc-8fb4-4222-845c-61440543a456" providerId="ADAL" clId="{0E0ED151-5F6D-4269-8E91-753BA0E65D54}" dt="2024-02-20T17:00:06.323" v="620" actId="20577"/>
+          <ac:spMkLst>
+            <pc:docMk/>
+            <pc:sldMk cId="3979649407" sldId="259"/>
+            <ac:spMk id="158" creationId="{8C583893-9F20-4A4B-8C02-0B77CF59D083}"/>
+          </ac:spMkLst>
+        </pc:spChg>
+        <pc:spChg chg="mod">
+          <ac:chgData name="Gibbons, Carl" userId="d2b037bc-8fb4-4222-845c-61440543a456" providerId="ADAL" clId="{0E0ED151-5F6D-4269-8E91-753BA0E65D54}" dt="2024-02-20T17:20:24.130" v="1151" actId="20577"/>
+          <ac:spMkLst>
+            <pc:docMk/>
+            <pc:sldMk cId="3979649407" sldId="259"/>
+            <ac:spMk id="159" creationId="{947547AB-256C-4012-93A7-2F832B6982B0}"/>
+          </ac:spMkLst>
+        </pc:spChg>
+        <pc:spChg chg="mod">
+          <ac:chgData name="Gibbons, Carl" userId="d2b037bc-8fb4-4222-845c-61440543a456" providerId="ADAL" clId="{0E0ED151-5F6D-4269-8E91-753BA0E65D54}" dt="2024-02-20T17:00:16.637" v="626" actId="20577"/>
+          <ac:spMkLst>
+            <pc:docMk/>
+            <pc:sldMk cId="3979649407" sldId="259"/>
+            <ac:spMk id="165" creationId="{0CA9E7E8-CA5E-4B65-8E41-21A53C41E5BB}"/>
+          </ac:spMkLst>
+        </pc:spChg>
+        <pc:spChg chg="mod">
+          <ac:chgData name="Gibbons, Carl" userId="d2b037bc-8fb4-4222-845c-61440543a456" providerId="ADAL" clId="{0E0ED151-5F6D-4269-8E91-753BA0E65D54}" dt="2024-02-20T16:57:51.193" v="529"/>
+          <ac:spMkLst>
+            <pc:docMk/>
+            <pc:sldMk cId="3979649407" sldId="259"/>
+            <ac:spMk id="166" creationId="{71CD5A9F-AED8-4979-A461-FC8E9ABDFE9F}"/>
+          </ac:spMkLst>
+        </pc:spChg>
+        <pc:spChg chg="mod">
+          <ac:chgData name="Gibbons, Carl" userId="d2b037bc-8fb4-4222-845c-61440543a456" providerId="ADAL" clId="{0E0ED151-5F6D-4269-8E91-753BA0E65D54}" dt="2024-02-20T17:12:30.771" v="951" actId="20577"/>
+          <ac:spMkLst>
+            <pc:docMk/>
+            <pc:sldMk cId="3979649407" sldId="259"/>
+            <ac:spMk id="172" creationId="{7A424591-E369-471C-BD8B-390A96A72053}"/>
+          </ac:spMkLst>
+        </pc:spChg>
+        <pc:spChg chg="mod">
+          <ac:chgData name="Gibbons, Carl" userId="d2b037bc-8fb4-4222-845c-61440543a456" providerId="ADAL" clId="{0E0ED151-5F6D-4269-8E91-753BA0E65D54}" dt="2024-02-20T17:16:07.812" v="1131" actId="20577"/>
+          <ac:spMkLst>
+            <pc:docMk/>
+            <pc:sldMk cId="3979649407" sldId="259"/>
+            <ac:spMk id="173" creationId="{E3FC1453-B301-4320-A2D9-DC78DC8B790F}"/>
+          </ac:spMkLst>
+        </pc:spChg>
+        <pc:spChg chg="mod">
+          <ac:chgData name="Gibbons, Carl" userId="d2b037bc-8fb4-4222-845c-61440543a456" providerId="ADAL" clId="{0E0ED151-5F6D-4269-8E91-753BA0E65D54}" dt="2024-02-20T17:13:19.660" v="960" actId="20577"/>
+          <ac:spMkLst>
+            <pc:docMk/>
+            <pc:sldMk cId="3979649407" sldId="259"/>
+            <ac:spMk id="179" creationId="{AD420581-041E-4C71-ACC5-CBCDD9519107}"/>
+          </ac:spMkLst>
+        </pc:spChg>
+        <pc:spChg chg="mod">
+          <ac:chgData name="Gibbons, Carl" userId="d2b037bc-8fb4-4222-845c-61440543a456" providerId="ADAL" clId="{0E0ED151-5F6D-4269-8E91-753BA0E65D54}" dt="2024-02-20T17:21:20.491" v="1182" actId="20577"/>
+          <ac:spMkLst>
+            <pc:docMk/>
+            <pc:sldMk cId="3979649407" sldId="259"/>
+            <ac:spMk id="180" creationId="{33D04C2E-0885-496F-9A39-A93E05B81CB2}"/>
+          </ac:spMkLst>
+        </pc:spChg>
+      </pc:sldChg>
+      <pc:sldChg chg="del">
+        <pc:chgData name="Gibbons, Carl" userId="d2b037bc-8fb4-4222-845c-61440543a456" providerId="ADAL" clId="{0E0ED151-5F6D-4269-8E91-753BA0E65D54}" dt="2024-02-20T16:48:13.621" v="24" actId="47"/>
+        <pc:sldMkLst>
+          <pc:docMk/>
+          <pc:sldMk cId="2312486803" sldId="261"/>
+        </pc:sldMkLst>
+      </pc:sldChg>
+      <pc:sldChg chg="modSp mod">
+        <pc:chgData name="Gibbons, Carl" userId="d2b037bc-8fb4-4222-845c-61440543a456" providerId="ADAL" clId="{0E0ED151-5F6D-4269-8E91-753BA0E65D54}" dt="2024-02-20T17:52:12.549" v="3818" actId="20577"/>
+        <pc:sldMkLst>
+          <pc:docMk/>
+          <pc:sldMk cId="3885141102" sldId="262"/>
+        </pc:sldMkLst>
+        <pc:spChg chg="mod">
+          <ac:chgData name="Gibbons, Carl" userId="d2b037bc-8fb4-4222-845c-61440543a456" providerId="ADAL" clId="{0E0ED151-5F6D-4269-8E91-753BA0E65D54}" dt="2024-02-20T17:52:12.549" v="3818" actId="20577"/>
+          <ac:spMkLst>
+            <pc:docMk/>
+            <pc:sldMk cId="3885141102" sldId="262"/>
+            <ac:spMk id="3" creationId="{B5924E0F-A977-1710-779D-EEB74261AF34}"/>
+          </ac:spMkLst>
+        </pc:spChg>
+      </pc:sldChg>
+      <pc:sldChg chg="del">
+        <pc:chgData name="Gibbons, Carl" userId="d2b037bc-8fb4-4222-845c-61440543a456" providerId="ADAL" clId="{0E0ED151-5F6D-4269-8E91-753BA0E65D54}" dt="2024-02-20T17:50:12.612" v="3668" actId="2696"/>
+        <pc:sldMkLst>
+          <pc:docMk/>
+          <pc:sldMk cId="538849350" sldId="263"/>
+        </pc:sldMkLst>
+      </pc:sldChg>
+      <pc:sldChg chg="addSp modSp mod">
+        <pc:chgData name="Gibbons, Carl" userId="d2b037bc-8fb4-4222-845c-61440543a456" providerId="ADAL" clId="{0E0ED151-5F6D-4269-8E91-753BA0E65D54}" dt="2024-02-20T17:34:25.197" v="2152" actId="20577"/>
+        <pc:sldMkLst>
+          <pc:docMk/>
+          <pc:sldMk cId="1196559129" sldId="264"/>
+        </pc:sldMkLst>
+        <pc:spChg chg="mod">
+          <ac:chgData name="Gibbons, Carl" userId="d2b037bc-8fb4-4222-845c-61440543a456" providerId="ADAL" clId="{0E0ED151-5F6D-4269-8E91-753BA0E65D54}" dt="2024-02-20T17:34:25.197" v="2152" actId="20577"/>
+          <ac:spMkLst>
+            <pc:docMk/>
+            <pc:sldMk cId="1196559129" sldId="264"/>
+            <ac:spMk id="2" creationId="{0E6A2DEF-4501-FAEA-A31C-4FDCBD076712}"/>
+          </ac:spMkLst>
+        </pc:spChg>
+        <pc:spChg chg="add mod">
+          <ac:chgData name="Gibbons, Carl" userId="d2b037bc-8fb4-4222-845c-61440543a456" providerId="ADAL" clId="{0E0ED151-5F6D-4269-8E91-753BA0E65D54}" dt="2024-02-20T17:31:33.001" v="1837" actId="20577"/>
+          <ac:spMkLst>
+            <pc:docMk/>
+            <pc:sldMk cId="1196559129" sldId="264"/>
+            <ac:spMk id="3" creationId="{3D14E407-E782-7E7A-34C1-5C9B517D7996}"/>
+          </ac:spMkLst>
+        </pc:spChg>
+        <pc:spChg chg="add mod">
+          <ac:chgData name="Gibbons, Carl" userId="d2b037bc-8fb4-4222-845c-61440543a456" providerId="ADAL" clId="{0E0ED151-5F6D-4269-8E91-753BA0E65D54}" dt="2024-02-20T17:34:09.182" v="2149" actId="20577"/>
+          <ac:spMkLst>
+            <pc:docMk/>
+            <pc:sldMk cId="1196559129" sldId="264"/>
+            <ac:spMk id="4" creationId="{A5C2117C-95FD-BD27-85E2-3A7873734773}"/>
+          </ac:spMkLst>
+        </pc:spChg>
+        <pc:spChg chg="mod">
+          <ac:chgData name="Gibbons, Carl" userId="d2b037bc-8fb4-4222-845c-61440543a456" providerId="ADAL" clId="{0E0ED151-5F6D-4269-8E91-753BA0E65D54}" dt="2024-02-20T17:31:36.749" v="1839" actId="20577"/>
+          <ac:spMkLst>
+            <pc:docMk/>
+            <pc:sldMk cId="1196559129" sldId="264"/>
+            <ac:spMk id="7" creationId="{4247D23F-F3F9-676F-BDEB-E69E1F0AB32C}"/>
+          </ac:spMkLst>
+        </pc:spChg>
+      </pc:sldChg>
+      <pc:sldChg chg="modSp mod">
+        <pc:chgData name="Gibbons, Carl" userId="d2b037bc-8fb4-4222-845c-61440543a456" providerId="ADAL" clId="{0E0ED151-5F6D-4269-8E91-753BA0E65D54}" dt="2024-02-20T17:40:43.651" v="2961" actId="20577"/>
+        <pc:sldMkLst>
+          <pc:docMk/>
+          <pc:sldMk cId="1400208519" sldId="265"/>
+        </pc:sldMkLst>
+        <pc:spChg chg="mod">
+          <ac:chgData name="Gibbons, Carl" userId="d2b037bc-8fb4-4222-845c-61440543a456" providerId="ADAL" clId="{0E0ED151-5F6D-4269-8E91-753BA0E65D54}" dt="2024-02-20T17:35:05.056" v="2176" actId="20577"/>
+          <ac:spMkLst>
+            <pc:docMk/>
+            <pc:sldMk cId="1400208519" sldId="265"/>
+            <ac:spMk id="2" creationId="{832B45BA-6309-D8F6-D552-10D836B4EB21}"/>
+          </ac:spMkLst>
+        </pc:spChg>
+        <pc:spChg chg="mod">
+          <ac:chgData name="Gibbons, Carl" userId="d2b037bc-8fb4-4222-845c-61440543a456" providerId="ADAL" clId="{0E0ED151-5F6D-4269-8E91-753BA0E65D54}" dt="2024-02-20T17:40:43.651" v="2961" actId="20577"/>
+          <ac:spMkLst>
+            <pc:docMk/>
+            <pc:sldMk cId="1400208519" sldId="265"/>
+            <ac:spMk id="7" creationId="{3CE889EF-4605-DB73-C7B2-D7E3C4957F48}"/>
+          </ac:spMkLst>
+        </pc:spChg>
+      </pc:sldChg>
+      <pc:sldChg chg="modSp mod">
+        <pc:chgData name="Gibbons, Carl" userId="d2b037bc-8fb4-4222-845c-61440543a456" providerId="ADAL" clId="{0E0ED151-5F6D-4269-8E91-753BA0E65D54}" dt="2024-02-20T17:49:26.156" v="3667" actId="2711"/>
+        <pc:sldMkLst>
+          <pc:docMk/>
+          <pc:sldMk cId="1959728496" sldId="266"/>
+        </pc:sldMkLst>
+        <pc:spChg chg="mod">
+          <ac:chgData name="Gibbons, Carl" userId="d2b037bc-8fb4-4222-845c-61440543a456" providerId="ADAL" clId="{0E0ED151-5F6D-4269-8E91-753BA0E65D54}" dt="2024-02-20T17:45:19.461" v="3199" actId="20577"/>
+          <ac:spMkLst>
+            <pc:docMk/>
+            <pc:sldMk cId="1959728496" sldId="266"/>
+            <ac:spMk id="2" creationId="{CE563C74-E990-3B77-1F46-668B8C1F1663}"/>
+          </ac:spMkLst>
+        </pc:spChg>
+        <pc:spChg chg="mod">
+          <ac:chgData name="Gibbons, Carl" userId="d2b037bc-8fb4-4222-845c-61440543a456" providerId="ADAL" clId="{0E0ED151-5F6D-4269-8E91-753BA0E65D54}" dt="2024-02-20T17:49:26.156" v="3667" actId="2711"/>
+          <ac:spMkLst>
+            <pc:docMk/>
+            <pc:sldMk cId="1959728496" sldId="266"/>
+            <ac:spMk id="7" creationId="{90027281-906B-E8EC-9F0D-DB9DF0665C9C}"/>
+          </ac:spMkLst>
+        </pc:spChg>
+      </pc:sldChg>
+    </pc:docChg>
+  </pc:docChgLst>
+  <pc:docChgLst>
+    <pc:chgData name="Gibbons, Carl" userId="d2b037bc-8fb4-4222-845c-61440543a456" providerId="ADAL" clId="{06905CFC-A46E-472D-890F-9117438C8D89}"/>
+    <pc:docChg chg="custSel addSld delSld modSld">
+      <pc:chgData name="Gibbons, Carl" userId="d2b037bc-8fb4-4222-845c-61440543a456" providerId="ADAL" clId="{06905CFC-A46E-472D-890F-9117438C8D89}" dt="2024-02-04T04:33:39.872" v="4931" actId="20577"/>
+      <pc:docMkLst>
+        <pc:docMk/>
+      </pc:docMkLst>
+      <pc:sldChg chg="modSp mod">
+        <pc:chgData name="Gibbons, Carl" userId="d2b037bc-8fb4-4222-845c-61440543a456" providerId="ADAL" clId="{06905CFC-A46E-472D-890F-9117438C8D89}" dt="2024-02-04T02:59:56.129" v="48" actId="20577"/>
+        <pc:sldMkLst>
+          <pc:docMk/>
+          <pc:sldMk cId="3308175748" sldId="256"/>
+        </pc:sldMkLst>
+        <pc:spChg chg="mod">
+          <ac:chgData name="Gibbons, Carl" userId="d2b037bc-8fb4-4222-845c-61440543a456" providerId="ADAL" clId="{06905CFC-A46E-472D-890F-9117438C8D89}" dt="2024-02-04T02:59:56.129" v="48" actId="20577"/>
+          <ac:spMkLst>
+            <pc:docMk/>
+            <pc:sldMk cId="3308175748" sldId="256"/>
+            <ac:spMk id="3" creationId="{EEC4D41B-E776-05F2-BE0B-89BB339485AB}"/>
+          </ac:spMkLst>
+        </pc:spChg>
+      </pc:sldChg>
+      <pc:sldChg chg="modSp mod">
+        <pc:chgData name="Gibbons, Carl" userId="d2b037bc-8fb4-4222-845c-61440543a456" providerId="ADAL" clId="{06905CFC-A46E-472D-890F-9117438C8D89}" dt="2024-02-04T03:54:18.112" v="2151" actId="15"/>
+        <pc:sldMkLst>
+          <pc:docMk/>
+          <pc:sldMk cId="2312486803" sldId="261"/>
+        </pc:sldMkLst>
+        <pc:spChg chg="mod">
+          <ac:chgData name="Gibbons, Carl" userId="d2b037bc-8fb4-4222-845c-61440543a456" providerId="ADAL" clId="{06905CFC-A46E-472D-890F-9117438C8D89}" dt="2024-02-04T03:52:20.850" v="2087" actId="20577"/>
+          <ac:spMkLst>
+            <pc:docMk/>
+            <pc:sldMk cId="2312486803" sldId="261"/>
+            <ac:spMk id="2" creationId="{31B75992-5098-A283-4925-2CCEBB801DC5}"/>
+          </ac:spMkLst>
+        </pc:spChg>
+        <pc:spChg chg="mod">
+          <ac:chgData name="Gibbons, Carl" userId="d2b037bc-8fb4-4222-845c-61440543a456" providerId="ADAL" clId="{06905CFC-A46E-472D-890F-9117438C8D89}" dt="2024-02-04T03:54:18.112" v="2151" actId="15"/>
+          <ac:spMkLst>
+            <pc:docMk/>
+            <pc:sldMk cId="2312486803" sldId="261"/>
+            <ac:spMk id="3" creationId="{B5924E0F-A977-1710-779D-EEB74261AF34}"/>
+          </ac:spMkLst>
+        </pc:spChg>
+      </pc:sldChg>
+      <pc:sldChg chg="modSp mod">
+        <pc:chgData name="Gibbons, Carl" userId="d2b037bc-8fb4-4222-845c-61440543a456" providerId="ADAL" clId="{06905CFC-A46E-472D-890F-9117438C8D89}" dt="2024-02-04T04:33:39.872" v="4931" actId="20577"/>
+        <pc:sldMkLst>
+          <pc:docMk/>
+          <pc:sldMk cId="3885141102" sldId="262"/>
+        </pc:sldMkLst>
+        <pc:spChg chg="mod">
+          <ac:chgData name="Gibbons, Carl" userId="d2b037bc-8fb4-4222-845c-61440543a456" providerId="ADAL" clId="{06905CFC-A46E-472D-890F-9117438C8D89}" dt="2024-02-04T04:33:39.872" v="4931" actId="20577"/>
+          <ac:spMkLst>
+            <pc:docMk/>
+            <pc:sldMk cId="3885141102" sldId="262"/>
+            <ac:spMk id="3" creationId="{B5924E0F-A977-1710-779D-EEB74261AF34}"/>
+          </ac:spMkLst>
+        </pc:spChg>
+      </pc:sldChg>
+      <pc:sldChg chg="modSp mod">
+        <pc:chgData name="Gibbons, Carl" userId="d2b037bc-8fb4-4222-845c-61440543a456" providerId="ADAL" clId="{06905CFC-A46E-472D-890F-9117438C8D89}" dt="2024-02-04T04:32:40.613" v="4865" actId="20577"/>
+        <pc:sldMkLst>
+          <pc:docMk/>
+          <pc:sldMk cId="1719402288" sldId="263"/>
+        </pc:sldMkLst>
+        <pc:spChg chg="mod">
+          <ac:chgData name="Gibbons, Carl" userId="d2b037bc-8fb4-4222-845c-61440543a456" providerId="ADAL" clId="{06905CFC-A46E-472D-890F-9117438C8D89}" dt="2024-02-04T04:12:26.573" v="3314" actId="20577"/>
+          <ac:spMkLst>
+            <pc:docMk/>
+            <pc:sldMk cId="1719402288" sldId="263"/>
+            <ac:spMk id="2" creationId="{31B75992-5098-A283-4925-2CCEBB801DC5}"/>
+          </ac:spMkLst>
+        </pc:spChg>
+        <pc:spChg chg="mod">
+          <ac:chgData name="Gibbons, Carl" userId="d2b037bc-8fb4-4222-845c-61440543a456" providerId="ADAL" clId="{06905CFC-A46E-472D-890F-9117438C8D89}" dt="2024-02-04T04:32:40.613" v="4865" actId="20577"/>
+          <ac:spMkLst>
+            <pc:docMk/>
+            <pc:sldMk cId="1719402288" sldId="263"/>
+            <ac:spMk id="3" creationId="{B5924E0F-A977-1710-779D-EEB74261AF34}"/>
+          </ac:spMkLst>
+        </pc:spChg>
+      </pc:sldChg>
+      <pc:sldChg chg="modSp new del mod">
+        <pc:chgData name="Gibbons, Carl" userId="d2b037bc-8fb4-4222-845c-61440543a456" providerId="ADAL" clId="{06905CFC-A46E-472D-890F-9117438C8D89}" dt="2024-02-04T03:52:51.701" v="2091" actId="2696"/>
+        <pc:sldMkLst>
+          <pc:docMk/>
+          <pc:sldMk cId="122773691" sldId="264"/>
+        </pc:sldMkLst>
+        <pc:spChg chg="mod">
+          <ac:chgData name="Gibbons, Carl" userId="d2b037bc-8fb4-4222-845c-61440543a456" providerId="ADAL" clId="{06905CFC-A46E-472D-890F-9117438C8D89}" dt="2024-02-04T03:52:47.108" v="2090" actId="27636"/>
+          <ac:spMkLst>
+            <pc:docMk/>
+            <pc:sldMk cId="122773691" sldId="264"/>
+            <ac:spMk id="2" creationId="{25B9B666-A3B3-5530-8F45-BA2562A6655A}"/>
+          </ac:spMkLst>
+        </pc:spChg>
+      </pc:sldChg>
+      <pc:sldChg chg="modSp add mod">
+        <pc:chgData name="Gibbons, Carl" userId="d2b037bc-8fb4-4222-845c-61440543a456" providerId="ADAL" clId="{06905CFC-A46E-472D-890F-9117438C8D89}" dt="2024-02-04T04:11:43.510" v="3278" actId="20577"/>
+        <pc:sldMkLst>
+          <pc:docMk/>
+          <pc:sldMk cId="2993794741" sldId="265"/>
+        </pc:sldMkLst>
+        <pc:spChg chg="mod">
+          <ac:chgData name="Gibbons, Carl" userId="d2b037bc-8fb4-4222-845c-61440543a456" providerId="ADAL" clId="{06905CFC-A46E-472D-890F-9117438C8D89}" dt="2024-02-04T03:53:00.875" v="2111" actId="20577"/>
+          <ac:spMkLst>
+            <pc:docMk/>
+            <pc:sldMk cId="2993794741" sldId="265"/>
+            <ac:spMk id="2" creationId="{31B75992-5098-A283-4925-2CCEBB801DC5}"/>
+          </ac:spMkLst>
+        </pc:spChg>
+        <pc:spChg chg="mod">
+          <ac:chgData name="Gibbons, Carl" userId="d2b037bc-8fb4-4222-845c-61440543a456" providerId="ADAL" clId="{06905CFC-A46E-472D-890F-9117438C8D89}" dt="2024-02-04T04:11:43.510" v="3278" actId="20577"/>
+          <ac:spMkLst>
+            <pc:docMk/>
+            <pc:sldMk cId="2993794741" sldId="265"/>
+            <ac:spMk id="3" creationId="{B5924E0F-A977-1710-779D-EEB74261AF34}"/>
+          </ac:spMkLst>
+        </pc:spChg>
+      </pc:sldChg>
+    </pc:docChg>
+  </pc:docChgLst>
+  <pc:docChgLst>
+    <pc:chgData name="Gibbons, Carl" userId="d2b037bc-8fb4-4222-845c-61440543a456" providerId="ADAL" clId="{14F797DE-E75B-4062-A6FB-AA9F07155580}"/>
+    <pc:docChg chg="undo custSel addSld modSld">
+      <pc:chgData name="Gibbons, Carl" userId="d2b037bc-8fb4-4222-845c-61440543a456" providerId="ADAL" clId="{14F797DE-E75B-4062-A6FB-AA9F07155580}" dt="2023-12-29T21:55:15.574" v="6853" actId="255"/>
+      <pc:docMkLst>
+        <pc:docMk/>
+      </pc:docMkLst>
+      <pc:sldChg chg="modSp mod">
+        <pc:chgData name="Gibbons, Carl" userId="d2b037bc-8fb4-4222-845c-61440543a456" providerId="ADAL" clId="{14F797DE-E75B-4062-A6FB-AA9F07155580}" dt="2023-12-29T17:10:38.181" v="10" actId="20577"/>
+        <pc:sldMkLst>
+          <pc:docMk/>
+          <pc:sldMk cId="3308175748" sldId="256"/>
+        </pc:sldMkLst>
+        <pc:spChg chg="mod">
+          <ac:chgData name="Gibbons, Carl" userId="d2b037bc-8fb4-4222-845c-61440543a456" providerId="ADAL" clId="{14F797DE-E75B-4062-A6FB-AA9F07155580}" dt="2023-12-29T17:10:38.181" v="10" actId="20577"/>
+          <ac:spMkLst>
+            <pc:docMk/>
+            <pc:sldMk cId="3308175748" sldId="256"/>
+            <ac:spMk id="3" creationId="{EEC4D41B-E776-05F2-BE0B-89BB339485AB}"/>
+          </ac:spMkLst>
+        </pc:spChg>
+      </pc:sldChg>
+      <pc:sldChg chg="modSp mod">
+        <pc:chgData name="Gibbons, Carl" userId="d2b037bc-8fb4-4222-845c-61440543a456" providerId="ADAL" clId="{14F797DE-E75B-4062-A6FB-AA9F07155580}" dt="2023-12-29T17:51:52.012" v="2089" actId="20577"/>
+        <pc:sldMkLst>
+          <pc:docMk/>
+          <pc:sldMk cId="2312486803" sldId="261"/>
+        </pc:sldMkLst>
+        <pc:spChg chg="mod">
+          <ac:chgData name="Gibbons, Carl" userId="d2b037bc-8fb4-4222-845c-61440543a456" providerId="ADAL" clId="{14F797DE-E75B-4062-A6FB-AA9F07155580}" dt="2023-12-29T17:23:59.510" v="341" actId="20577"/>
+          <ac:spMkLst>
+            <pc:docMk/>
+            <pc:sldMk cId="2312486803" sldId="261"/>
+            <ac:spMk id="2" creationId="{31B75992-5098-A283-4925-2CCEBB801DC5}"/>
+          </ac:spMkLst>
+        </pc:spChg>
+        <pc:spChg chg="mod">
+          <ac:chgData name="Gibbons, Carl" userId="d2b037bc-8fb4-4222-845c-61440543a456" providerId="ADAL" clId="{14F797DE-E75B-4062-A6FB-AA9F07155580}" dt="2023-12-29T17:51:52.012" v="2089" actId="20577"/>
+          <ac:spMkLst>
+            <pc:docMk/>
+            <pc:sldMk cId="2312486803" sldId="261"/>
+            <ac:spMk id="3" creationId="{B5924E0F-A977-1710-779D-EEB74261AF34}"/>
+          </ac:spMkLst>
+        </pc:spChg>
+      </pc:sldChg>
+      <pc:sldChg chg="addSp modSp mod">
+        <pc:chgData name="Gibbons, Carl" userId="d2b037bc-8fb4-4222-845c-61440543a456" providerId="ADAL" clId="{14F797DE-E75B-4062-A6FB-AA9F07155580}" dt="2023-12-29T21:53:53.831" v="6845" actId="20577"/>
+        <pc:sldMkLst>
+          <pc:docMk/>
+          <pc:sldMk cId="657795359" sldId="277"/>
+        </pc:sldMkLst>
+        <pc:spChg chg="mod">
+          <ac:chgData name="Gibbons, Carl" userId="d2b037bc-8fb4-4222-845c-61440543a456" providerId="ADAL" clId="{14F797DE-E75B-4062-A6FB-AA9F07155580}" dt="2023-12-29T21:45:47.422" v="6393" actId="20577"/>
+          <ac:spMkLst>
+            <pc:docMk/>
+            <pc:sldMk cId="657795359" sldId="277"/>
+            <ac:spMk id="2" creationId="{1862E903-3C56-BB42-2361-009F2336475A}"/>
+          </ac:spMkLst>
+        </pc:spChg>
+        <pc:spChg chg="add mod">
+          <ac:chgData name="Gibbons, Carl" userId="d2b037bc-8fb4-4222-845c-61440543a456" providerId="ADAL" clId="{14F797DE-E75B-4062-A6FB-AA9F07155580}" dt="2023-12-29T21:53:53.831" v="6845" actId="20577"/>
+          <ac:spMkLst>
+            <pc:docMk/>
+            <pc:sldMk cId="657795359" sldId="277"/>
+            <ac:spMk id="3" creationId="{D9D594D6-F4EE-B0AB-C128-26D2D32F8E21}"/>
+          </ac:spMkLst>
+        </pc:spChg>
+      </pc:sldChg>
+      <pc:sldChg chg="modSp mod">
+        <pc:chgData name="Gibbons, Carl" userId="d2b037bc-8fb4-4222-845c-61440543a456" providerId="ADAL" clId="{14F797DE-E75B-4062-A6FB-AA9F07155580}" dt="2023-12-29T18:26:31.431" v="3669" actId="20577"/>
+        <pc:sldMkLst>
+          <pc:docMk/>
+          <pc:sldMk cId="3989541258" sldId="278"/>
+        </pc:sldMkLst>
+        <pc:spChg chg="mod">
+          <ac:chgData name="Gibbons, Carl" userId="d2b037bc-8fb4-4222-845c-61440543a456" providerId="ADAL" clId="{14F797DE-E75B-4062-A6FB-AA9F07155580}" dt="2023-12-29T17:53:20.837" v="2147" actId="20577"/>
+          <ac:spMkLst>
+            <pc:docMk/>
+            <pc:sldMk cId="3989541258" sldId="278"/>
+            <ac:spMk id="2" creationId="{31B75992-5098-A283-4925-2CCEBB801DC5}"/>
+          </ac:spMkLst>
+        </pc:spChg>
+        <pc:spChg chg="mod">
+          <ac:chgData name="Gibbons, Carl" userId="d2b037bc-8fb4-4222-845c-61440543a456" providerId="ADAL" clId="{14F797DE-E75B-4062-A6FB-AA9F07155580}" dt="2023-12-29T18:26:31.431" v="3669" actId="20577"/>
+          <ac:spMkLst>
+            <pc:docMk/>
+            <pc:sldMk cId="3989541258" sldId="278"/>
+            <ac:spMk id="3" creationId="{B5924E0F-A977-1710-779D-EEB74261AF34}"/>
+          </ac:spMkLst>
+        </pc:spChg>
+      </pc:sldChg>
+      <pc:sldChg chg="modSp mod">
+        <pc:chgData name="Gibbons, Carl" userId="d2b037bc-8fb4-4222-845c-61440543a456" providerId="ADAL" clId="{14F797DE-E75B-4062-A6FB-AA9F07155580}" dt="2023-12-29T21:55:15.574" v="6853" actId="255"/>
+        <pc:sldMkLst>
+          <pc:docMk/>
+          <pc:sldMk cId="1861646120" sldId="293"/>
+        </pc:sldMkLst>
+        <pc:spChg chg="mod">
+          <ac:chgData name="Gibbons, Carl" userId="d2b037bc-8fb4-4222-845c-61440543a456" providerId="ADAL" clId="{14F797DE-E75B-4062-A6FB-AA9F07155580}" dt="2023-12-29T18:01:10.039" v="2767" actId="20577"/>
+          <ac:spMkLst>
+            <pc:docMk/>
+            <pc:sldMk cId="1861646120" sldId="293"/>
+            <ac:spMk id="2" creationId="{31B75992-5098-A283-4925-2CCEBB801DC5}"/>
+          </ac:spMkLst>
+        </pc:spChg>
+        <pc:spChg chg="mod">
+          <ac:chgData name="Gibbons, Carl" userId="d2b037bc-8fb4-4222-845c-61440543a456" providerId="ADAL" clId="{14F797DE-E75B-4062-A6FB-AA9F07155580}" dt="2023-12-29T21:55:15.574" v="6853" actId="255"/>
+          <ac:spMkLst>
+            <pc:docMk/>
+            <pc:sldMk cId="1861646120" sldId="293"/>
+            <ac:spMk id="3" creationId="{B5924E0F-A977-1710-779D-EEB74261AF34}"/>
+          </ac:spMkLst>
+        </pc:spChg>
+      </pc:sldChg>
+      <pc:sldChg chg="modSp mod">
+        <pc:chgData name="Gibbons, Carl" userId="d2b037bc-8fb4-4222-845c-61440543a456" providerId="ADAL" clId="{14F797DE-E75B-4062-A6FB-AA9F07155580}" dt="2023-12-29T21:55:08.313" v="6852" actId="255"/>
+        <pc:sldMkLst>
+          <pc:docMk/>
+          <pc:sldMk cId="2232562783" sldId="294"/>
+        </pc:sldMkLst>
+        <pc:spChg chg="mod">
+          <ac:chgData name="Gibbons, Carl" userId="d2b037bc-8fb4-4222-845c-61440543a456" providerId="ADAL" clId="{14F797DE-E75B-4062-A6FB-AA9F07155580}" dt="2023-12-29T18:24:14.937" v="3546" actId="20577"/>
+          <ac:spMkLst>
+            <pc:docMk/>
+            <pc:sldMk cId="2232562783" sldId="294"/>
+            <ac:spMk id="2" creationId="{31B75992-5098-A283-4925-2CCEBB801DC5}"/>
+          </ac:spMkLst>
+        </pc:spChg>
+        <pc:spChg chg="mod">
+          <ac:chgData name="Gibbons, Carl" userId="d2b037bc-8fb4-4222-845c-61440543a456" providerId="ADAL" clId="{14F797DE-E75B-4062-A6FB-AA9F07155580}" dt="2023-12-29T21:55:08.313" v="6852" actId="255"/>
+          <ac:spMkLst>
+            <pc:docMk/>
+            <pc:sldMk cId="2232562783" sldId="294"/>
+            <ac:spMk id="3" creationId="{B5924E0F-A977-1710-779D-EEB74261AF34}"/>
+          </ac:spMkLst>
+        </pc:spChg>
+      </pc:sldChg>
+      <pc:sldChg chg="modSp add mod">
+        <pc:chgData name="Gibbons, Carl" userId="d2b037bc-8fb4-4222-845c-61440543a456" providerId="ADAL" clId="{14F797DE-E75B-4062-A6FB-AA9F07155580}" dt="2023-12-29T21:55:02.689" v="6851" actId="255"/>
+        <pc:sldMkLst>
+          <pc:docMk/>
+          <pc:sldMk cId="806767687" sldId="295"/>
+        </pc:sldMkLst>
+        <pc:spChg chg="mod">
+          <ac:chgData name="Gibbons, Carl" userId="d2b037bc-8fb4-4222-845c-61440543a456" providerId="ADAL" clId="{14F797DE-E75B-4062-A6FB-AA9F07155580}" dt="2023-12-29T18:50:33.208" v="4036" actId="113"/>
+          <ac:spMkLst>
+            <pc:docMk/>
+            <pc:sldMk cId="806767687" sldId="295"/>
+            <ac:spMk id="2" creationId="{31B75992-5098-A283-4925-2CCEBB801DC5}"/>
+          </ac:spMkLst>
+        </pc:spChg>
+        <pc:spChg chg="mod">
+          <ac:chgData name="Gibbons, Carl" userId="d2b037bc-8fb4-4222-845c-61440543a456" providerId="ADAL" clId="{14F797DE-E75B-4062-A6FB-AA9F07155580}" dt="2023-12-29T21:55:02.689" v="6851" actId="255"/>
+          <ac:spMkLst>
+            <pc:docMk/>
+            <pc:sldMk cId="806767687" sldId="295"/>
+            <ac:spMk id="3" creationId="{B5924E0F-A977-1710-779D-EEB74261AF34}"/>
+          </ac:spMkLst>
+        </pc:spChg>
+      </pc:sldChg>
+      <pc:sldChg chg="modSp mod">
+        <pc:chgData name="Gibbons, Carl" userId="d2b037bc-8fb4-4222-845c-61440543a456" providerId="ADAL" clId="{14F797DE-E75B-4062-A6FB-AA9F07155580}" dt="2023-12-29T21:54:48.370" v="6850" actId="255"/>
+        <pc:sldMkLst>
+          <pc:docMk/>
+          <pc:sldMk cId="3145157247" sldId="296"/>
+        </pc:sldMkLst>
+        <pc:spChg chg="mod">
+          <ac:chgData name="Gibbons, Carl" userId="d2b037bc-8fb4-4222-845c-61440543a456" providerId="ADAL" clId="{14F797DE-E75B-4062-A6FB-AA9F07155580}" dt="2023-12-29T21:07:20.782" v="4695" actId="20577"/>
+          <ac:spMkLst>
+            <pc:docMk/>
+            <pc:sldMk cId="3145157247" sldId="296"/>
+            <ac:spMk id="2" creationId="{31B75992-5098-A283-4925-2CCEBB801DC5}"/>
+          </ac:spMkLst>
+        </pc:spChg>
+        <pc:spChg chg="mod">
+          <ac:chgData name="Gibbons, Carl" userId="d2b037bc-8fb4-4222-845c-61440543a456" providerId="ADAL" clId="{14F797DE-E75B-4062-A6FB-AA9F07155580}" dt="2023-12-29T21:54:48.370" v="6850" actId="255"/>
+          <ac:spMkLst>
+            <pc:docMk/>
+            <pc:sldMk cId="3145157247" sldId="296"/>
+            <ac:spMk id="3" creationId="{B5924E0F-A977-1710-779D-EEB74261AF34}"/>
+          </ac:spMkLst>
+        </pc:spChg>
+      </pc:sldChg>
+      <pc:sldChg chg="modSp mod">
+        <pc:chgData name="Gibbons, Carl" userId="d2b037bc-8fb4-4222-845c-61440543a456" providerId="ADAL" clId="{14F797DE-E75B-4062-A6FB-AA9F07155580}" dt="2023-12-29T21:54:42.630" v="6849" actId="255"/>
+        <pc:sldMkLst>
+          <pc:docMk/>
+          <pc:sldMk cId="2424714671" sldId="297"/>
+        </pc:sldMkLst>
+        <pc:spChg chg="mod">
+          <ac:chgData name="Gibbons, Carl" userId="d2b037bc-8fb4-4222-845c-61440543a456" providerId="ADAL" clId="{14F797DE-E75B-4062-A6FB-AA9F07155580}" dt="2023-12-29T21:07:54.964" v="4712" actId="20577"/>
+          <ac:spMkLst>
+            <pc:docMk/>
+            <pc:sldMk cId="2424714671" sldId="297"/>
+            <ac:spMk id="2" creationId="{31B75992-5098-A283-4925-2CCEBB801DC5}"/>
+          </ac:spMkLst>
+        </pc:spChg>
+        <pc:spChg chg="mod">
+          <ac:chgData name="Gibbons, Carl" userId="d2b037bc-8fb4-4222-845c-61440543a456" providerId="ADAL" clId="{14F797DE-E75B-4062-A6FB-AA9F07155580}" dt="2023-12-29T21:54:42.630" v="6849" actId="255"/>
+          <ac:spMkLst>
+            <pc:docMk/>
+            <pc:sldMk cId="2424714671" sldId="297"/>
+            <ac:spMk id="3" creationId="{B5924E0F-A977-1710-779D-EEB74261AF34}"/>
+          </ac:spMkLst>
+        </pc:spChg>
+      </pc:sldChg>
+      <pc:sldChg chg="modSp mod">
+        <pc:chgData name="Gibbons, Carl" userId="d2b037bc-8fb4-4222-845c-61440543a456" providerId="ADAL" clId="{14F797DE-E75B-4062-A6FB-AA9F07155580}" dt="2023-12-29T21:54:28.975" v="6848" actId="255"/>
+        <pc:sldMkLst>
+          <pc:docMk/>
+          <pc:sldMk cId="3450195044" sldId="298"/>
+        </pc:sldMkLst>
+        <pc:spChg chg="mod">
+          <ac:chgData name="Gibbons, Carl" userId="d2b037bc-8fb4-4222-845c-61440543a456" providerId="ADAL" clId="{14F797DE-E75B-4062-A6FB-AA9F07155580}" dt="2023-12-29T21:23:42.216" v="5202" actId="20577"/>
+          <ac:spMkLst>
+            <pc:docMk/>
+            <pc:sldMk cId="3450195044" sldId="298"/>
+            <ac:spMk id="2" creationId="{31B75992-5098-A283-4925-2CCEBB801DC5}"/>
+          </ac:spMkLst>
+        </pc:spChg>
+        <pc:spChg chg="mod">
+          <ac:chgData name="Gibbons, Carl" userId="d2b037bc-8fb4-4222-845c-61440543a456" providerId="ADAL" clId="{14F797DE-E75B-4062-A6FB-AA9F07155580}" dt="2023-12-29T21:54:28.975" v="6848" actId="255"/>
+          <ac:spMkLst>
+            <pc:docMk/>
+            <pc:sldMk cId="3450195044" sldId="298"/>
+            <ac:spMk id="3" creationId="{B5924E0F-A977-1710-779D-EEB74261AF34}"/>
+          </ac:spMkLst>
+        </pc:spChg>
+      </pc:sldChg>
+      <pc:sldChg chg="modSp mod">
+        <pc:chgData name="Gibbons, Carl" userId="d2b037bc-8fb4-4222-845c-61440543a456" providerId="ADAL" clId="{14F797DE-E75B-4062-A6FB-AA9F07155580}" dt="2023-12-29T21:54:18.720" v="6846" actId="255"/>
+        <pc:sldMkLst>
+          <pc:docMk/>
+          <pc:sldMk cId="3633122843" sldId="299"/>
+        </pc:sldMkLst>
+        <pc:spChg chg="mod">
+          <ac:chgData name="Gibbons, Carl" userId="d2b037bc-8fb4-4222-845c-61440543a456" providerId="ADAL" clId="{14F797DE-E75B-4062-A6FB-AA9F07155580}" dt="2023-12-29T21:31:23.761" v="5684" actId="20577"/>
+          <ac:spMkLst>
+            <pc:docMk/>
+            <pc:sldMk cId="3633122843" sldId="299"/>
+            <ac:spMk id="2" creationId="{31B75992-5098-A283-4925-2CCEBB801DC5}"/>
+          </ac:spMkLst>
+        </pc:spChg>
+        <pc:spChg chg="mod">
+          <ac:chgData name="Gibbons, Carl" userId="d2b037bc-8fb4-4222-845c-61440543a456" providerId="ADAL" clId="{14F797DE-E75B-4062-A6FB-AA9F07155580}" dt="2023-12-29T21:54:18.720" v="6846" actId="255"/>
+          <ac:spMkLst>
+            <pc:docMk/>
+            <pc:sldMk cId="3633122843" sldId="299"/>
+            <ac:spMk id="3" creationId="{B5924E0F-A977-1710-779D-EEB74261AF34}"/>
+          </ac:spMkLst>
+        </pc:spChg>
+      </pc:sldChg>
+    </pc:docChg>
+  </pc:docChgLst>
+  <pc:docChgLst>
+    <pc:chgData name="Gibbons, Carl" userId="d2b037bc-8fb4-4222-845c-61440543a456" providerId="ADAL" clId="{8B117223-2596-4D61-9C62-CC9BD4B9A421}"/>
+    <pc:docChg chg="custSel addSld delSld modSld">
+      <pc:chgData name="Gibbons, Carl" userId="d2b037bc-8fb4-4222-845c-61440543a456" providerId="ADAL" clId="{8B117223-2596-4D61-9C62-CC9BD4B9A421}" dt="2024-01-24T22:00:55.310" v="2286" actId="20577"/>
+      <pc:docMkLst>
+        <pc:docMk/>
+      </pc:docMkLst>
+      <pc:sldChg chg="modSp mod">
+        <pc:chgData name="Gibbons, Carl" userId="d2b037bc-8fb4-4222-845c-61440543a456" providerId="ADAL" clId="{8B117223-2596-4D61-9C62-CC9BD4B9A421}" dt="2024-01-16T00:57:55.449" v="2005" actId="20577"/>
+        <pc:sldMkLst>
+          <pc:docMk/>
+          <pc:sldMk cId="3308175748" sldId="256"/>
+        </pc:sldMkLst>
+        <pc:spChg chg="mod">
+          <ac:chgData name="Gibbons, Carl" userId="d2b037bc-8fb4-4222-845c-61440543a456" providerId="ADAL" clId="{8B117223-2596-4D61-9C62-CC9BD4B9A421}" dt="2024-01-16T00:57:55.449" v="2005" actId="20577"/>
+          <ac:spMkLst>
+            <pc:docMk/>
+            <pc:sldMk cId="3308175748" sldId="256"/>
+            <ac:spMk id="3" creationId="{EEC4D41B-E776-05F2-BE0B-89BB339485AB}"/>
+          </ac:spMkLst>
+        </pc:spChg>
+      </pc:sldChg>
+      <pc:sldChg chg="modSp mod">
+        <pc:chgData name="Gibbons, Carl" userId="d2b037bc-8fb4-4222-845c-61440543a456" providerId="ADAL" clId="{8B117223-2596-4D61-9C62-CC9BD4B9A421}" dt="2024-01-24T22:00:55.310" v="2286" actId="20577"/>
+        <pc:sldMkLst>
+          <pc:docMk/>
+          <pc:sldMk cId="2312486803" sldId="261"/>
+        </pc:sldMkLst>
+        <pc:spChg chg="mod">
+          <ac:chgData name="Gibbons, Carl" userId="d2b037bc-8fb4-4222-845c-61440543a456" providerId="ADAL" clId="{8B117223-2596-4D61-9C62-CC9BD4B9A421}" dt="2024-01-16T00:15:29.289" v="286" actId="20577"/>
+          <ac:spMkLst>
+            <pc:docMk/>
+            <pc:sldMk cId="2312486803" sldId="261"/>
+            <ac:spMk id="2" creationId="{31B75992-5098-A283-4925-2CCEBB801DC5}"/>
+          </ac:spMkLst>
+        </pc:spChg>
+        <pc:spChg chg="mod">
+          <ac:chgData name="Gibbons, Carl" userId="d2b037bc-8fb4-4222-845c-61440543a456" providerId="ADAL" clId="{8B117223-2596-4D61-9C62-CC9BD4B9A421}" dt="2024-01-24T22:00:55.310" v="2286" actId="20577"/>
+          <ac:spMkLst>
+            <pc:docMk/>
+            <pc:sldMk cId="2312486803" sldId="261"/>
+            <ac:spMk id="3" creationId="{B5924E0F-A977-1710-779D-EEB74261AF34}"/>
+          </ac:spMkLst>
+        </pc:spChg>
+      </pc:sldChg>
+      <pc:sldChg chg="modSp add mod">
+        <pc:chgData name="Gibbons, Carl" userId="d2b037bc-8fb4-4222-845c-61440543a456" providerId="ADAL" clId="{8B117223-2596-4D61-9C62-CC9BD4B9A421}" dt="2024-01-16T01:00:51.762" v="2281" actId="313"/>
+        <pc:sldMkLst>
+          <pc:docMk/>
+          <pc:sldMk cId="3885141102" sldId="262"/>
+        </pc:sldMkLst>
+        <pc:spChg chg="mod">
+          <ac:chgData name="Gibbons, Carl" userId="d2b037bc-8fb4-4222-845c-61440543a456" providerId="ADAL" clId="{8B117223-2596-4D61-9C62-CC9BD4B9A421}" dt="2024-01-16T00:42:42.463" v="1503" actId="20577"/>
+          <ac:spMkLst>
+            <pc:docMk/>
+            <pc:sldMk cId="3885141102" sldId="262"/>
+            <ac:spMk id="2" creationId="{31B75992-5098-A283-4925-2CCEBB801DC5}"/>
+          </ac:spMkLst>
+        </pc:spChg>
+        <pc:spChg chg="mod">
+          <ac:chgData name="Gibbons, Carl" userId="d2b037bc-8fb4-4222-845c-61440543a456" providerId="ADAL" clId="{8B117223-2596-4D61-9C62-CC9BD4B9A421}" dt="2024-01-16T01:00:51.762" v="2281" actId="313"/>
+          <ac:spMkLst>
+            <pc:docMk/>
+            <pc:sldMk cId="3885141102" sldId="262"/>
+            <ac:spMk id="3" creationId="{B5924E0F-A977-1710-779D-EEB74261AF34}"/>
+          </ac:spMkLst>
+        </pc:spChg>
+      </pc:sldChg>
+      <pc:sldChg chg="add">
+        <pc:chgData name="Gibbons, Carl" userId="d2b037bc-8fb4-4222-845c-61440543a456" providerId="ADAL" clId="{8B117223-2596-4D61-9C62-CC9BD4B9A421}" dt="2024-01-16T00:58:20.162" v="2006"/>
+        <pc:sldMkLst>
+          <pc:docMk/>
+          <pc:sldMk cId="1719402288" sldId="263"/>
+        </pc:sldMkLst>
+      </pc:sldChg>
+      <pc:sldChg chg="del">
+        <pc:chgData name="Gibbons, Carl" userId="d2b037bc-8fb4-4222-845c-61440543a456" providerId="ADAL" clId="{8B117223-2596-4D61-9C62-CC9BD4B9A421}" dt="2024-01-16T00:11:26.015" v="227" actId="47"/>
+        <pc:sldMkLst>
+          <pc:docMk/>
+          <pc:sldMk cId="3989541258" sldId="278"/>
+        </pc:sldMkLst>
+      </pc:sldChg>
+      <pc:sldChg chg="del">
+        <pc:chgData name="Gibbons, Carl" userId="d2b037bc-8fb4-4222-845c-61440543a456" providerId="ADAL" clId="{8B117223-2596-4D61-9C62-CC9BD4B9A421}" dt="2024-01-16T00:11:26.575" v="228" actId="47"/>
+        <pc:sldMkLst>
+          <pc:docMk/>
+          <pc:sldMk cId="1861646120" sldId="293"/>
+        </pc:sldMkLst>
+      </pc:sldChg>
+      <pc:sldChg chg="del">
+        <pc:chgData name="Gibbons, Carl" userId="d2b037bc-8fb4-4222-845c-61440543a456" providerId="ADAL" clId="{8B117223-2596-4D61-9C62-CC9BD4B9A421}" dt="2024-01-16T00:11:27.206" v="229" actId="47"/>
+        <pc:sldMkLst>
+          <pc:docMk/>
+          <pc:sldMk cId="2232562783" sldId="294"/>
+        </pc:sldMkLst>
+      </pc:sldChg>
+      <pc:sldChg chg="del">
+        <pc:chgData name="Gibbons, Carl" userId="d2b037bc-8fb4-4222-845c-61440543a456" providerId="ADAL" clId="{8B117223-2596-4D61-9C62-CC9BD4B9A421}" dt="2024-01-16T00:11:27.766" v="230" actId="47"/>
+        <pc:sldMkLst>
+          <pc:docMk/>
+          <pc:sldMk cId="845747584" sldId="300"/>
+        </pc:sldMkLst>
+      </pc:sldChg>
+      <pc:sldChg chg="del">
+        <pc:chgData name="Gibbons, Carl" userId="d2b037bc-8fb4-4222-845c-61440543a456" providerId="ADAL" clId="{8B117223-2596-4D61-9C62-CC9BD4B9A421}" dt="2024-01-16T00:11:30.314" v="231" actId="47"/>
+        <pc:sldMkLst>
+          <pc:docMk/>
+          <pc:sldMk cId="3372579319" sldId="301"/>
+        </pc:sldMkLst>
+      </pc:sldChg>
+    </pc:docChg>
+  </pc:docChgLst>
+  <pc:docChgLst>
     <pc:chgData name="Gibbons, Carl" userId="d2b037bc-8fb4-4222-845c-61440543a456" providerId="ADAL" clId="{5B3FBBC5-B788-4A9E-9FD4-842EBD374311}"/>
     <pc:docChg chg="custSel addSld delSld modSld sldOrd">
       <pc:chgData name="Gibbons, Carl" userId="d2b037bc-8fb4-4222-845c-61440543a456" providerId="ADAL" clId="{5B3FBBC5-B788-4A9E-9FD4-842EBD374311}" dt="2024-02-20T16:44:24.138" v="4925" actId="20577"/>
@@ -322,6 +1800,516 @@
           <pc:docMk/>
           <pc:sldMk cId="2838032763" sldId="267"/>
         </pc:sldMkLst>
+      </pc:sldChg>
+    </pc:docChg>
+  </pc:docChgLst>
+  <pc:docChgLst>
+    <pc:chgData name="Gibbons, Carl" userId="d2b037bc-8fb4-4222-845c-61440543a456" providerId="ADAL" clId="{3D73FC3D-A932-426E-A7E0-475220CAB957}"/>
+    <pc:docChg chg="undo redo custSel addSld delSld modSld">
+      <pc:chgData name="Gibbons, Carl" userId="d2b037bc-8fb4-4222-845c-61440543a456" providerId="ADAL" clId="{3D73FC3D-A932-426E-A7E0-475220CAB957}" dt="2023-12-24T03:24:28.415" v="11663" actId="20577"/>
+      <pc:docMkLst>
+        <pc:docMk/>
+      </pc:docMkLst>
+      <pc:sldChg chg="modSp mod">
+        <pc:chgData name="Gibbons, Carl" userId="d2b037bc-8fb4-4222-845c-61440543a456" providerId="ADAL" clId="{3D73FC3D-A932-426E-A7E0-475220CAB957}" dt="2023-12-23T23:38:20.022" v="49" actId="20577"/>
+        <pc:sldMkLst>
+          <pc:docMk/>
+          <pc:sldMk cId="3308175748" sldId="256"/>
+        </pc:sldMkLst>
+        <pc:spChg chg="mod">
+          <ac:chgData name="Gibbons, Carl" userId="d2b037bc-8fb4-4222-845c-61440543a456" providerId="ADAL" clId="{3D73FC3D-A932-426E-A7E0-475220CAB957}" dt="2023-12-23T23:38:20.022" v="49" actId="20577"/>
+          <ac:spMkLst>
+            <pc:docMk/>
+            <pc:sldMk cId="3308175748" sldId="256"/>
+            <ac:spMk id="3" creationId="{EEC4D41B-E776-05F2-BE0B-89BB339485AB}"/>
+          </ac:spMkLst>
+        </pc:spChg>
+      </pc:sldChg>
+      <pc:sldChg chg="modSp mod">
+        <pc:chgData name="Gibbons, Carl" userId="d2b037bc-8fb4-4222-845c-61440543a456" providerId="ADAL" clId="{3D73FC3D-A932-426E-A7E0-475220CAB957}" dt="2023-12-24T01:13:09.893" v="3743" actId="20577"/>
+        <pc:sldMkLst>
+          <pc:docMk/>
+          <pc:sldMk cId="519357719" sldId="260"/>
+        </pc:sldMkLst>
+        <pc:spChg chg="mod">
+          <ac:chgData name="Gibbons, Carl" userId="d2b037bc-8fb4-4222-845c-61440543a456" providerId="ADAL" clId="{3D73FC3D-A932-426E-A7E0-475220CAB957}" dt="2023-12-24T00:45:38.249" v="1787" actId="20577"/>
+          <ac:spMkLst>
+            <pc:docMk/>
+            <pc:sldMk cId="519357719" sldId="260"/>
+            <ac:spMk id="2" creationId="{E8E7C5B6-3D55-D6F8-C2DE-9B6E32C23A9C}"/>
+          </ac:spMkLst>
+        </pc:spChg>
+        <pc:spChg chg="mod">
+          <ac:chgData name="Gibbons, Carl" userId="d2b037bc-8fb4-4222-845c-61440543a456" providerId="ADAL" clId="{3D73FC3D-A932-426E-A7E0-475220CAB957}" dt="2023-12-24T01:13:09.893" v="3743" actId="20577"/>
+          <ac:spMkLst>
+            <pc:docMk/>
+            <pc:sldMk cId="519357719" sldId="260"/>
+            <ac:spMk id="3" creationId="{17D02A72-79B4-B4A1-5F2B-4922B2F25909}"/>
+          </ac:spMkLst>
+        </pc:spChg>
+      </pc:sldChg>
+      <pc:sldChg chg="addSp modSp mod">
+        <pc:chgData name="Gibbons, Carl" userId="d2b037bc-8fb4-4222-845c-61440543a456" providerId="ADAL" clId="{3D73FC3D-A932-426E-A7E0-475220CAB957}" dt="2023-12-24T00:00:09.105" v="711" actId="20577"/>
+        <pc:sldMkLst>
+          <pc:docMk/>
+          <pc:sldMk cId="2312486803" sldId="261"/>
+        </pc:sldMkLst>
+        <pc:spChg chg="mod">
+          <ac:chgData name="Gibbons, Carl" userId="d2b037bc-8fb4-4222-845c-61440543a456" providerId="ADAL" clId="{3D73FC3D-A932-426E-A7E0-475220CAB957}" dt="2023-12-23T23:50:04.782" v="85" actId="20577"/>
+          <ac:spMkLst>
+            <pc:docMk/>
+            <pc:sldMk cId="2312486803" sldId="261"/>
+            <ac:spMk id="2" creationId="{31B75992-5098-A283-4925-2CCEBB801DC5}"/>
+          </ac:spMkLst>
+        </pc:spChg>
+        <pc:spChg chg="mod">
+          <ac:chgData name="Gibbons, Carl" userId="d2b037bc-8fb4-4222-845c-61440543a456" providerId="ADAL" clId="{3D73FC3D-A932-426E-A7E0-475220CAB957}" dt="2023-12-24T00:00:09.105" v="711" actId="20577"/>
+          <ac:spMkLst>
+            <pc:docMk/>
+            <pc:sldMk cId="2312486803" sldId="261"/>
+            <ac:spMk id="3" creationId="{B5924E0F-A977-1710-779D-EEB74261AF34}"/>
+          </ac:spMkLst>
+        </pc:spChg>
+        <pc:picChg chg="add mod">
+          <ac:chgData name="Gibbons, Carl" userId="d2b037bc-8fb4-4222-845c-61440543a456" providerId="ADAL" clId="{3D73FC3D-A932-426E-A7E0-475220CAB957}" dt="2023-12-23T23:51:02.278" v="91" actId="1076"/>
+          <ac:picMkLst>
+            <pc:docMk/>
+            <pc:sldMk cId="2312486803" sldId="261"/>
+            <ac:picMk id="5" creationId="{95F1B758-8221-A28F-F68D-1A79ADBC274D}"/>
+          </ac:picMkLst>
+        </pc:picChg>
+      </pc:sldChg>
+      <pc:sldChg chg="modSp mod">
+        <pc:chgData name="Gibbons, Carl" userId="d2b037bc-8fb4-4222-845c-61440543a456" providerId="ADAL" clId="{3D73FC3D-A932-426E-A7E0-475220CAB957}" dt="2023-12-24T00:44:00.546" v="1681" actId="20577"/>
+        <pc:sldMkLst>
+          <pc:docMk/>
+          <pc:sldMk cId="378743348" sldId="270"/>
+        </pc:sldMkLst>
+        <pc:spChg chg="mod">
+          <ac:chgData name="Gibbons, Carl" userId="d2b037bc-8fb4-4222-845c-61440543a456" providerId="ADAL" clId="{3D73FC3D-A932-426E-A7E0-475220CAB957}" dt="2023-12-24T00:42:29.049" v="1647" actId="114"/>
+          <ac:spMkLst>
+            <pc:docMk/>
+            <pc:sldMk cId="378743348" sldId="270"/>
+            <ac:spMk id="2" creationId="{C5822466-AC61-5579-F313-7B8A3FE65CC8}"/>
+          </ac:spMkLst>
+        </pc:spChg>
+        <pc:spChg chg="mod">
+          <ac:chgData name="Gibbons, Carl" userId="d2b037bc-8fb4-4222-845c-61440543a456" providerId="ADAL" clId="{3D73FC3D-A932-426E-A7E0-475220CAB957}" dt="2023-12-24T00:44:00.546" v="1681" actId="20577"/>
+          <ac:spMkLst>
+            <pc:docMk/>
+            <pc:sldMk cId="378743348" sldId="270"/>
+            <ac:spMk id="3" creationId="{80041865-9773-290D-EB35-F8AF8BFC505C}"/>
+          </ac:spMkLst>
+        </pc:spChg>
+      </pc:sldChg>
+      <pc:sldChg chg="modSp mod">
+        <pc:chgData name="Gibbons, Carl" userId="d2b037bc-8fb4-4222-845c-61440543a456" providerId="ADAL" clId="{3D73FC3D-A932-426E-A7E0-475220CAB957}" dt="2023-12-24T03:24:28.415" v="11663" actId="20577"/>
+        <pc:sldMkLst>
+          <pc:docMk/>
+          <pc:sldMk cId="657795359" sldId="277"/>
+        </pc:sldMkLst>
+        <pc:spChg chg="mod">
+          <ac:chgData name="Gibbons, Carl" userId="d2b037bc-8fb4-4222-845c-61440543a456" providerId="ADAL" clId="{3D73FC3D-A932-426E-A7E0-475220CAB957}" dt="2023-12-24T03:22:59.669" v="11407" actId="20577"/>
+          <ac:spMkLst>
+            <pc:docMk/>
+            <pc:sldMk cId="657795359" sldId="277"/>
+            <ac:spMk id="2" creationId="{1862E903-3C56-BB42-2361-009F2336475A}"/>
+          </ac:spMkLst>
+        </pc:spChg>
+        <pc:spChg chg="mod">
+          <ac:chgData name="Gibbons, Carl" userId="d2b037bc-8fb4-4222-845c-61440543a456" providerId="ADAL" clId="{3D73FC3D-A932-426E-A7E0-475220CAB957}" dt="2023-12-24T03:24:28.415" v="11663" actId="20577"/>
+          <ac:spMkLst>
+            <pc:docMk/>
+            <pc:sldMk cId="657795359" sldId="277"/>
+            <ac:spMk id="3" creationId="{90179172-96B3-95D0-A137-257770BE7642}"/>
+          </ac:spMkLst>
+        </pc:spChg>
+      </pc:sldChg>
+      <pc:sldChg chg="modSp mod">
+        <pc:chgData name="Gibbons, Carl" userId="d2b037bc-8fb4-4222-845c-61440543a456" providerId="ADAL" clId="{3D73FC3D-A932-426E-A7E0-475220CAB957}" dt="2023-12-24T01:34:56.666" v="4550" actId="20577"/>
+        <pc:sldMkLst>
+          <pc:docMk/>
+          <pc:sldMk cId="376509629" sldId="278"/>
+        </pc:sldMkLst>
+        <pc:spChg chg="mod">
+          <ac:chgData name="Gibbons, Carl" userId="d2b037bc-8fb4-4222-845c-61440543a456" providerId="ADAL" clId="{3D73FC3D-A932-426E-A7E0-475220CAB957}" dt="2023-12-24T01:29:35.543" v="4429" actId="20577"/>
+          <ac:spMkLst>
+            <pc:docMk/>
+            <pc:sldMk cId="376509629" sldId="278"/>
+            <ac:spMk id="2" creationId="{E8E7C5B6-3D55-D6F8-C2DE-9B6E32C23A9C}"/>
+          </ac:spMkLst>
+        </pc:spChg>
+        <pc:spChg chg="mod">
+          <ac:chgData name="Gibbons, Carl" userId="d2b037bc-8fb4-4222-845c-61440543a456" providerId="ADAL" clId="{3D73FC3D-A932-426E-A7E0-475220CAB957}" dt="2023-12-24T01:34:56.666" v="4550" actId="20577"/>
+          <ac:spMkLst>
+            <pc:docMk/>
+            <pc:sldMk cId="376509629" sldId="278"/>
+            <ac:spMk id="3" creationId="{17D02A72-79B4-B4A1-5F2B-4922B2F25909}"/>
+          </ac:spMkLst>
+        </pc:spChg>
+      </pc:sldChg>
+      <pc:sldChg chg="modSp add mod">
+        <pc:chgData name="Gibbons, Carl" userId="d2b037bc-8fb4-4222-845c-61440543a456" providerId="ADAL" clId="{3D73FC3D-A932-426E-A7E0-475220CAB957}" dt="2023-12-24T01:50:22.304" v="5579" actId="20577"/>
+        <pc:sldMkLst>
+          <pc:docMk/>
+          <pc:sldMk cId="3153831418" sldId="279"/>
+        </pc:sldMkLst>
+        <pc:spChg chg="mod">
+          <ac:chgData name="Gibbons, Carl" userId="d2b037bc-8fb4-4222-845c-61440543a456" providerId="ADAL" clId="{3D73FC3D-A932-426E-A7E0-475220CAB957}" dt="2023-12-24T01:36:49.541" v="4576" actId="20577"/>
+          <ac:spMkLst>
+            <pc:docMk/>
+            <pc:sldMk cId="3153831418" sldId="279"/>
+            <ac:spMk id="2" creationId="{E8E7C5B6-3D55-D6F8-C2DE-9B6E32C23A9C}"/>
+          </ac:spMkLst>
+        </pc:spChg>
+        <pc:spChg chg="mod">
+          <ac:chgData name="Gibbons, Carl" userId="d2b037bc-8fb4-4222-845c-61440543a456" providerId="ADAL" clId="{3D73FC3D-A932-426E-A7E0-475220CAB957}" dt="2023-12-24T01:50:22.304" v="5579" actId="20577"/>
+          <ac:spMkLst>
+            <pc:docMk/>
+            <pc:sldMk cId="3153831418" sldId="279"/>
+            <ac:spMk id="3" creationId="{17D02A72-79B4-B4A1-5F2B-4922B2F25909}"/>
+          </ac:spMkLst>
+        </pc:spChg>
+      </pc:sldChg>
+      <pc:sldChg chg="del">
+        <pc:chgData name="Gibbons, Carl" userId="d2b037bc-8fb4-4222-845c-61440543a456" providerId="ADAL" clId="{3D73FC3D-A932-426E-A7E0-475220CAB957}" dt="2023-12-24T01:36:36.846" v="4551"/>
+        <pc:sldMkLst>
+          <pc:docMk/>
+          <pc:sldMk cId="3319441950" sldId="279"/>
+        </pc:sldMkLst>
+      </pc:sldChg>
+      <pc:sldChg chg="addSp delSp modSp mod">
+        <pc:chgData name="Gibbons, Carl" userId="d2b037bc-8fb4-4222-845c-61440543a456" providerId="ADAL" clId="{3D73FC3D-A932-426E-A7E0-475220CAB957}" dt="2023-12-24T02:38:37.357" v="8076" actId="22"/>
+        <pc:sldMkLst>
+          <pc:docMk/>
+          <pc:sldMk cId="1730491475" sldId="280"/>
+        </pc:sldMkLst>
+        <pc:spChg chg="mod">
+          <ac:chgData name="Gibbons, Carl" userId="d2b037bc-8fb4-4222-845c-61440543a456" providerId="ADAL" clId="{3D73FC3D-A932-426E-A7E0-475220CAB957}" dt="2023-12-24T01:50:32.554" v="5581" actId="20577"/>
+          <ac:spMkLst>
+            <pc:docMk/>
+            <pc:sldMk cId="1730491475" sldId="280"/>
+            <ac:spMk id="2" creationId="{E8E7C5B6-3D55-D6F8-C2DE-9B6E32C23A9C}"/>
+          </ac:spMkLst>
+        </pc:spChg>
+        <pc:spChg chg="mod">
+          <ac:chgData name="Gibbons, Carl" userId="d2b037bc-8fb4-4222-845c-61440543a456" providerId="ADAL" clId="{3D73FC3D-A932-426E-A7E0-475220CAB957}" dt="2023-12-24T02:35:28.836" v="8074" actId="12"/>
+          <ac:spMkLst>
+            <pc:docMk/>
+            <pc:sldMk cId="1730491475" sldId="280"/>
+            <ac:spMk id="3" creationId="{17D02A72-79B4-B4A1-5F2B-4922B2F25909}"/>
+          </ac:spMkLst>
+        </pc:spChg>
+        <pc:spChg chg="add del">
+          <ac:chgData name="Gibbons, Carl" userId="d2b037bc-8fb4-4222-845c-61440543a456" providerId="ADAL" clId="{3D73FC3D-A932-426E-A7E0-475220CAB957}" dt="2023-12-24T02:38:37.357" v="8076" actId="22"/>
+          <ac:spMkLst>
+            <pc:docMk/>
+            <pc:sldMk cId="1730491475" sldId="280"/>
+            <ac:spMk id="5" creationId="{8BB9020B-ED8A-501F-CC80-C270A0022D15}"/>
+          </ac:spMkLst>
+        </pc:spChg>
+      </pc:sldChg>
+      <pc:sldChg chg="modSp mod">
+        <pc:chgData name="Gibbons, Carl" userId="d2b037bc-8fb4-4222-845c-61440543a456" providerId="ADAL" clId="{3D73FC3D-A932-426E-A7E0-475220CAB957}" dt="2023-12-24T03:05:20.109" v="10364" actId="20577"/>
+        <pc:sldMkLst>
+          <pc:docMk/>
+          <pc:sldMk cId="2142935958" sldId="281"/>
+        </pc:sldMkLst>
+        <pc:spChg chg="mod">
+          <ac:chgData name="Gibbons, Carl" userId="d2b037bc-8fb4-4222-845c-61440543a456" providerId="ADAL" clId="{3D73FC3D-A932-426E-A7E0-475220CAB957}" dt="2023-12-24T02:43:01.996" v="8436" actId="20577"/>
+          <ac:spMkLst>
+            <pc:docMk/>
+            <pc:sldMk cId="2142935958" sldId="281"/>
+            <ac:spMk id="2" creationId="{E8E7C5B6-3D55-D6F8-C2DE-9B6E32C23A9C}"/>
+          </ac:spMkLst>
+        </pc:spChg>
+        <pc:spChg chg="mod">
+          <ac:chgData name="Gibbons, Carl" userId="d2b037bc-8fb4-4222-845c-61440543a456" providerId="ADAL" clId="{3D73FC3D-A932-426E-A7E0-475220CAB957}" dt="2023-12-24T03:05:20.109" v="10364" actId="20577"/>
+          <ac:spMkLst>
+            <pc:docMk/>
+            <pc:sldMk cId="2142935958" sldId="281"/>
+            <ac:spMk id="3" creationId="{17D02A72-79B4-B4A1-5F2B-4922B2F25909}"/>
+          </ac:spMkLst>
+        </pc:spChg>
+      </pc:sldChg>
+      <pc:sldChg chg="modSp mod">
+        <pc:chgData name="Gibbons, Carl" userId="d2b037bc-8fb4-4222-845c-61440543a456" providerId="ADAL" clId="{3D73FC3D-A932-426E-A7E0-475220CAB957}" dt="2023-12-24T03:22:15.893" v="11397" actId="2711"/>
+        <pc:sldMkLst>
+          <pc:docMk/>
+          <pc:sldMk cId="1371681654" sldId="282"/>
+        </pc:sldMkLst>
+        <pc:spChg chg="mod">
+          <ac:chgData name="Gibbons, Carl" userId="d2b037bc-8fb4-4222-845c-61440543a456" providerId="ADAL" clId="{3D73FC3D-A932-426E-A7E0-475220CAB957}" dt="2023-12-24T03:12:22.296" v="10563" actId="1036"/>
+          <ac:spMkLst>
+            <pc:docMk/>
+            <pc:sldMk cId="1371681654" sldId="282"/>
+            <ac:spMk id="2" creationId="{E8E7C5B6-3D55-D6F8-C2DE-9B6E32C23A9C}"/>
+          </ac:spMkLst>
+        </pc:spChg>
+        <pc:spChg chg="mod">
+          <ac:chgData name="Gibbons, Carl" userId="d2b037bc-8fb4-4222-845c-61440543a456" providerId="ADAL" clId="{3D73FC3D-A932-426E-A7E0-475220CAB957}" dt="2023-12-24T03:22:15.893" v="11397" actId="2711"/>
+          <ac:spMkLst>
+            <pc:docMk/>
+            <pc:sldMk cId="1371681654" sldId="282"/>
+            <ac:spMk id="3" creationId="{17D02A72-79B4-B4A1-5F2B-4922B2F25909}"/>
+          </ac:spMkLst>
+        </pc:spChg>
+      </pc:sldChg>
+    </pc:docChg>
+  </pc:docChgLst>
+  <pc:docChgLst>
+    <pc:chgData name="Gibbons, Carl" userId="d2b037bc-8fb4-4222-845c-61440543a456" providerId="ADAL" clId="{6BB3E98D-F381-4EFF-81EB-11D831A89BCC}"/>
+    <pc:docChg chg="undo redo custSel addSld modSld">
+      <pc:chgData name="Gibbons, Carl" userId="d2b037bc-8fb4-4222-845c-61440543a456" providerId="ADAL" clId="{6BB3E98D-F381-4EFF-81EB-11D831A89BCC}" dt="2024-02-20T18:56:54.558" v="3667" actId="20577"/>
+      <pc:docMkLst>
+        <pc:docMk/>
+      </pc:docMkLst>
+      <pc:sldChg chg="modSp mod">
+        <pc:chgData name="Gibbons, Carl" userId="d2b037bc-8fb4-4222-845c-61440543a456" providerId="ADAL" clId="{6BB3E98D-F381-4EFF-81EB-11D831A89BCC}" dt="2024-02-20T18:19:38.071" v="41" actId="20577"/>
+        <pc:sldMkLst>
+          <pc:docMk/>
+          <pc:sldMk cId="3308175748" sldId="256"/>
+        </pc:sldMkLst>
+        <pc:spChg chg="mod">
+          <ac:chgData name="Gibbons, Carl" userId="d2b037bc-8fb4-4222-845c-61440543a456" providerId="ADAL" clId="{6BB3E98D-F381-4EFF-81EB-11D831A89BCC}" dt="2024-02-20T18:19:38.071" v="41" actId="20577"/>
+          <ac:spMkLst>
+            <pc:docMk/>
+            <pc:sldMk cId="3308175748" sldId="256"/>
+            <ac:spMk id="3" creationId="{EEC4D41B-E776-05F2-BE0B-89BB339485AB}"/>
+          </ac:spMkLst>
+        </pc:spChg>
+      </pc:sldChg>
+      <pc:sldChg chg="modSp mod">
+        <pc:chgData name="Gibbons, Carl" userId="d2b037bc-8fb4-4222-845c-61440543a456" providerId="ADAL" clId="{6BB3E98D-F381-4EFF-81EB-11D831A89BCC}" dt="2024-02-20T18:56:54.558" v="3667" actId="20577"/>
+        <pc:sldMkLst>
+          <pc:docMk/>
+          <pc:sldMk cId="3885141102" sldId="262"/>
+        </pc:sldMkLst>
+        <pc:spChg chg="mod">
+          <ac:chgData name="Gibbons, Carl" userId="d2b037bc-8fb4-4222-845c-61440543a456" providerId="ADAL" clId="{6BB3E98D-F381-4EFF-81EB-11D831A89BCC}" dt="2024-02-20T18:56:54.558" v="3667" actId="20577"/>
+          <ac:spMkLst>
+            <pc:docMk/>
+            <pc:sldMk cId="3885141102" sldId="262"/>
+            <ac:spMk id="3" creationId="{B5924E0F-A977-1710-779D-EEB74261AF34}"/>
+          </ac:spMkLst>
+        </pc:spChg>
+      </pc:sldChg>
+      <pc:sldChg chg="modSp mod">
+        <pc:chgData name="Gibbons, Carl" userId="d2b037bc-8fb4-4222-845c-61440543a456" providerId="ADAL" clId="{6BB3E98D-F381-4EFF-81EB-11D831A89BCC}" dt="2024-02-20T18:31:47.994" v="1288" actId="20577"/>
+        <pc:sldMkLst>
+          <pc:docMk/>
+          <pc:sldMk cId="1196559129" sldId="264"/>
+        </pc:sldMkLst>
+        <pc:spChg chg="mod">
+          <ac:chgData name="Gibbons, Carl" userId="d2b037bc-8fb4-4222-845c-61440543a456" providerId="ADAL" clId="{6BB3E98D-F381-4EFF-81EB-11D831A89BCC}" dt="2024-02-20T18:24:05.868" v="485" actId="20577"/>
+          <ac:spMkLst>
+            <pc:docMk/>
+            <pc:sldMk cId="1196559129" sldId="264"/>
+            <ac:spMk id="2" creationId="{0E6A2DEF-4501-FAEA-A31C-4FDCBD076712}"/>
+          </ac:spMkLst>
+        </pc:spChg>
+        <pc:spChg chg="mod">
+          <ac:chgData name="Gibbons, Carl" userId="d2b037bc-8fb4-4222-845c-61440543a456" providerId="ADAL" clId="{6BB3E98D-F381-4EFF-81EB-11D831A89BCC}" dt="2024-02-20T18:31:47.994" v="1288" actId="20577"/>
+          <ac:spMkLst>
+            <pc:docMk/>
+            <pc:sldMk cId="1196559129" sldId="264"/>
+            <ac:spMk id="7" creationId="{4247D23F-F3F9-676F-BDEB-E69E1F0AB32C}"/>
+          </ac:spMkLst>
+        </pc:spChg>
+      </pc:sldChg>
+      <pc:sldChg chg="modSp mod">
+        <pc:chgData name="Gibbons, Carl" userId="d2b037bc-8fb4-4222-845c-61440543a456" providerId="ADAL" clId="{6BB3E98D-F381-4EFF-81EB-11D831A89BCC}" dt="2024-02-20T18:43:59.847" v="2393" actId="1076"/>
+        <pc:sldMkLst>
+          <pc:docMk/>
+          <pc:sldMk cId="1400208519" sldId="265"/>
+        </pc:sldMkLst>
+        <pc:spChg chg="mod">
+          <ac:chgData name="Gibbons, Carl" userId="d2b037bc-8fb4-4222-845c-61440543a456" providerId="ADAL" clId="{6BB3E98D-F381-4EFF-81EB-11D831A89BCC}" dt="2024-02-20T18:43:25.492" v="2389" actId="20577"/>
+          <ac:spMkLst>
+            <pc:docMk/>
+            <pc:sldMk cId="1400208519" sldId="265"/>
+            <ac:spMk id="2" creationId="{832B45BA-6309-D8F6-D552-10D836B4EB21}"/>
+          </ac:spMkLst>
+        </pc:spChg>
+        <pc:spChg chg="mod">
+          <ac:chgData name="Gibbons, Carl" userId="d2b037bc-8fb4-4222-845c-61440543a456" providerId="ADAL" clId="{6BB3E98D-F381-4EFF-81EB-11D831A89BCC}" dt="2024-02-20T18:43:59.847" v="2393" actId="1076"/>
+          <ac:spMkLst>
+            <pc:docMk/>
+            <pc:sldMk cId="1400208519" sldId="265"/>
+            <ac:spMk id="7" creationId="{3CE889EF-4605-DB73-C7B2-D7E3C4957F48}"/>
+          </ac:spMkLst>
+        </pc:spChg>
+      </pc:sldChg>
+      <pc:sldChg chg="modSp add mod">
+        <pc:chgData name="Gibbons, Carl" userId="d2b037bc-8fb4-4222-845c-61440543a456" providerId="ADAL" clId="{6BB3E98D-F381-4EFF-81EB-11D831A89BCC}" dt="2024-02-20T18:54:58.017" v="3521" actId="20577"/>
+        <pc:sldMkLst>
+          <pc:docMk/>
+          <pc:sldMk cId="1467586035" sldId="266"/>
+        </pc:sldMkLst>
+        <pc:spChg chg="mod">
+          <ac:chgData name="Gibbons, Carl" userId="d2b037bc-8fb4-4222-845c-61440543a456" providerId="ADAL" clId="{6BB3E98D-F381-4EFF-81EB-11D831A89BCC}" dt="2024-02-20T18:49:47.829" v="3239" actId="20577"/>
+          <ac:spMkLst>
+            <pc:docMk/>
+            <pc:sldMk cId="1467586035" sldId="266"/>
+            <ac:spMk id="2" creationId="{F5533765-AE4D-3586-BFF0-C73FF51C6B9B}"/>
+          </ac:spMkLst>
+        </pc:spChg>
+        <pc:spChg chg="mod">
+          <ac:chgData name="Gibbons, Carl" userId="d2b037bc-8fb4-4222-845c-61440543a456" providerId="ADAL" clId="{6BB3E98D-F381-4EFF-81EB-11D831A89BCC}" dt="2024-02-20T18:54:58.017" v="3521" actId="20577"/>
+          <ac:spMkLst>
+            <pc:docMk/>
+            <pc:sldMk cId="1467586035" sldId="266"/>
+            <ac:spMk id="7" creationId="{56F98B9D-53CB-0D01-51DD-F6B452AAB6C5}"/>
+          </ac:spMkLst>
+        </pc:spChg>
+      </pc:sldChg>
+    </pc:docChg>
+  </pc:docChgLst>
+  <pc:docChgLst>
+    <pc:chgData name="Gibbons, Carl" userId="d2b037bc-8fb4-4222-845c-61440543a456" providerId="ADAL" clId="{6DFE05B7-7BB4-417C-8826-34A6C37E3109}"/>
+    <pc:docChg chg="custSel modSld">
+      <pc:chgData name="Gibbons, Carl" userId="d2b037bc-8fb4-4222-845c-61440543a456" providerId="ADAL" clId="{6DFE05B7-7BB4-417C-8826-34A6C37E3109}" dt="2024-02-20T15:40:11.315" v="2156" actId="1076"/>
+      <pc:docMkLst>
+        <pc:docMk/>
+      </pc:docMkLst>
+      <pc:sldChg chg="modSp mod">
+        <pc:chgData name="Gibbons, Carl" userId="d2b037bc-8fb4-4222-845c-61440543a456" providerId="ADAL" clId="{6DFE05B7-7BB4-417C-8826-34A6C37E3109}" dt="2024-02-10T23:25:06.485" v="25" actId="20577"/>
+        <pc:sldMkLst>
+          <pc:docMk/>
+          <pc:sldMk cId="3308175748" sldId="256"/>
+        </pc:sldMkLst>
+        <pc:spChg chg="mod">
+          <ac:chgData name="Gibbons, Carl" userId="d2b037bc-8fb4-4222-845c-61440543a456" providerId="ADAL" clId="{6DFE05B7-7BB4-417C-8826-34A6C37E3109}" dt="2024-02-10T23:25:06.485" v="25" actId="20577"/>
+          <ac:spMkLst>
+            <pc:docMk/>
+            <pc:sldMk cId="3308175748" sldId="256"/>
+            <ac:spMk id="3" creationId="{EEC4D41B-E776-05F2-BE0B-89BB339485AB}"/>
+          </ac:spMkLst>
+        </pc:spChg>
+      </pc:sldChg>
+      <pc:sldChg chg="addSp delSp modSp mod">
+        <pc:chgData name="Gibbons, Carl" userId="d2b037bc-8fb4-4222-845c-61440543a456" providerId="ADAL" clId="{6DFE05B7-7BB4-417C-8826-34A6C37E3109}" dt="2024-02-10T23:47:50.077" v="678" actId="1076"/>
+        <pc:sldMkLst>
+          <pc:docMk/>
+          <pc:sldMk cId="2312486803" sldId="261"/>
+        </pc:sldMkLst>
+        <pc:spChg chg="mod">
+          <ac:chgData name="Gibbons, Carl" userId="d2b037bc-8fb4-4222-845c-61440543a456" providerId="ADAL" clId="{6DFE05B7-7BB4-417C-8826-34A6C37E3109}" dt="2024-02-10T23:25:43.747" v="72" actId="20577"/>
+          <ac:spMkLst>
+            <pc:docMk/>
+            <pc:sldMk cId="2312486803" sldId="261"/>
+            <ac:spMk id="2" creationId="{31B75992-5098-A283-4925-2CCEBB801DC5}"/>
+          </ac:spMkLst>
+        </pc:spChg>
+        <pc:spChg chg="del mod">
+          <ac:chgData name="Gibbons, Carl" userId="d2b037bc-8fb4-4222-845c-61440543a456" providerId="ADAL" clId="{6DFE05B7-7BB4-417C-8826-34A6C37E3109}" dt="2024-02-10T23:35:03.418" v="416"/>
+          <ac:spMkLst>
+            <pc:docMk/>
+            <pc:sldMk cId="2312486803" sldId="261"/>
+            <ac:spMk id="3" creationId="{B5924E0F-A977-1710-779D-EEB74261AF34}"/>
+          </ac:spMkLst>
+        </pc:spChg>
+        <pc:spChg chg="add del mod">
+          <ac:chgData name="Gibbons, Carl" userId="d2b037bc-8fb4-4222-845c-61440543a456" providerId="ADAL" clId="{6DFE05B7-7BB4-417C-8826-34A6C37E3109}" dt="2024-02-10T23:35:18.368" v="421"/>
+          <ac:spMkLst>
+            <pc:docMk/>
+            <pc:sldMk cId="2312486803" sldId="261"/>
+            <ac:spMk id="5" creationId="{5E1F0042-F2D7-082C-DE33-6A607ADAA329}"/>
+          </ac:spMkLst>
+        </pc:spChg>
+        <pc:spChg chg="add mod">
+          <ac:chgData name="Gibbons, Carl" userId="d2b037bc-8fb4-4222-845c-61440543a456" providerId="ADAL" clId="{6DFE05B7-7BB4-417C-8826-34A6C37E3109}" dt="2024-02-10T23:47:50.077" v="678" actId="1076"/>
+          <ac:spMkLst>
+            <pc:docMk/>
+            <pc:sldMk cId="2312486803" sldId="261"/>
+            <ac:spMk id="7" creationId="{F19E524F-C936-E6CE-A06A-9068EF0D1C67}"/>
+          </ac:spMkLst>
+        </pc:spChg>
+        <pc:picChg chg="add mod">
+          <ac:chgData name="Gibbons, Carl" userId="d2b037bc-8fb4-4222-845c-61440543a456" providerId="ADAL" clId="{6DFE05B7-7BB4-417C-8826-34A6C37E3109}" dt="2024-02-10T23:35:03.411" v="414"/>
+          <ac:picMkLst>
+            <pc:docMk/>
+            <pc:sldMk cId="2312486803" sldId="261"/>
+            <ac:picMk id="4" creationId="{96BD58E6-1F26-880B-6B7D-26B06301A218}"/>
+          </ac:picMkLst>
+        </pc:picChg>
+        <pc:picChg chg="add mod">
+          <ac:chgData name="Gibbons, Carl" userId="d2b037bc-8fb4-4222-845c-61440543a456" providerId="ADAL" clId="{6DFE05B7-7BB4-417C-8826-34A6C37E3109}" dt="2024-02-10T23:35:42.045" v="423" actId="1076"/>
+          <ac:picMkLst>
+            <pc:docMk/>
+            <pc:sldMk cId="2312486803" sldId="261"/>
+            <ac:picMk id="6" creationId="{EC52FD38-E213-5177-DDDA-7287F93BD393}"/>
+          </ac:picMkLst>
+        </pc:picChg>
+      </pc:sldChg>
+      <pc:sldChg chg="modSp mod">
+        <pc:chgData name="Gibbons, Carl" userId="d2b037bc-8fb4-4222-845c-61440543a456" providerId="ADAL" clId="{6DFE05B7-7BB4-417C-8826-34A6C37E3109}" dt="2024-02-11T00:43:14.770" v="2154" actId="20577"/>
+        <pc:sldMkLst>
+          <pc:docMk/>
+          <pc:sldMk cId="3885141102" sldId="262"/>
+        </pc:sldMkLst>
+        <pc:spChg chg="mod">
+          <ac:chgData name="Gibbons, Carl" userId="d2b037bc-8fb4-4222-845c-61440543a456" providerId="ADAL" clId="{6DFE05B7-7BB4-417C-8826-34A6C37E3109}" dt="2024-02-11T00:43:14.770" v="2154" actId="20577"/>
+          <ac:spMkLst>
+            <pc:docMk/>
+            <pc:sldMk cId="3885141102" sldId="262"/>
+            <ac:spMk id="3" creationId="{B5924E0F-A977-1710-779D-EEB74261AF34}"/>
+          </ac:spMkLst>
+        </pc:spChg>
+      </pc:sldChg>
+      <pc:sldChg chg="delSp modSp mod">
+        <pc:chgData name="Gibbons, Carl" userId="d2b037bc-8fb4-4222-845c-61440543a456" providerId="ADAL" clId="{6DFE05B7-7BB4-417C-8826-34A6C37E3109}" dt="2024-02-20T15:40:11.315" v="2156" actId="1076"/>
+        <pc:sldMkLst>
+          <pc:docMk/>
+          <pc:sldMk cId="538849350" sldId="263"/>
+        </pc:sldMkLst>
+        <pc:spChg chg="mod">
+          <ac:chgData name="Gibbons, Carl" userId="d2b037bc-8fb4-4222-845c-61440543a456" providerId="ADAL" clId="{6DFE05B7-7BB4-417C-8826-34A6C37E3109}" dt="2024-02-10T23:49:58.261" v="728" actId="20577"/>
+          <ac:spMkLst>
+            <pc:docMk/>
+            <pc:sldMk cId="538849350" sldId="263"/>
+            <ac:spMk id="2" creationId="{3D63CD28-05F6-EAAC-4E88-DBFBCF6B207B}"/>
+          </ac:spMkLst>
+        </pc:spChg>
+        <pc:spChg chg="mod">
+          <ac:chgData name="Gibbons, Carl" userId="d2b037bc-8fb4-4222-845c-61440543a456" providerId="ADAL" clId="{6DFE05B7-7BB4-417C-8826-34A6C37E3109}" dt="2024-02-20T15:40:11.315" v="2156" actId="1076"/>
+          <ac:spMkLst>
+            <pc:docMk/>
+            <pc:sldMk cId="538849350" sldId="263"/>
+            <ac:spMk id="7" creationId="{729440C3-A558-AF83-79BF-585206231CA4}"/>
+          </ac:spMkLst>
+        </pc:spChg>
+        <pc:picChg chg="del">
+          <ac:chgData name="Gibbons, Carl" userId="d2b037bc-8fb4-4222-845c-61440543a456" providerId="ADAL" clId="{6DFE05B7-7BB4-417C-8826-34A6C37E3109}" dt="2024-02-10T23:49:25.054" v="679" actId="478"/>
+          <ac:picMkLst>
+            <pc:docMk/>
+            <pc:sldMk cId="538849350" sldId="263"/>
+            <ac:picMk id="6" creationId="{D4950415-3AFA-6AEB-D962-FC2F30B31239}"/>
+          </ac:picMkLst>
+        </pc:picChg>
+      </pc:sldChg>
+      <pc:sldChg chg="modSp mod">
+        <pc:chgData name="Gibbons, Carl" userId="d2b037bc-8fb4-4222-845c-61440543a456" providerId="ADAL" clId="{6DFE05B7-7BB4-417C-8826-34A6C37E3109}" dt="2024-02-11T00:42:04.856" v="2084" actId="20577"/>
+        <pc:sldMkLst>
+          <pc:docMk/>
+          <pc:sldMk cId="1196559129" sldId="264"/>
+        </pc:sldMkLst>
+        <pc:spChg chg="mod">
+          <ac:chgData name="Gibbons, Carl" userId="d2b037bc-8fb4-4222-845c-61440543a456" providerId="ADAL" clId="{6DFE05B7-7BB4-417C-8826-34A6C37E3109}" dt="2024-02-11T00:28:46.758" v="1489" actId="20577"/>
+          <ac:spMkLst>
+            <pc:docMk/>
+            <pc:sldMk cId="1196559129" sldId="264"/>
+            <ac:spMk id="2" creationId="{0E6A2DEF-4501-FAEA-A31C-4FDCBD076712}"/>
+          </ac:spMkLst>
+        </pc:spChg>
+        <pc:spChg chg="mod">
+          <ac:chgData name="Gibbons, Carl" userId="d2b037bc-8fb4-4222-845c-61440543a456" providerId="ADAL" clId="{6DFE05B7-7BB4-417C-8826-34A6C37E3109}" dt="2024-02-11T00:42:04.856" v="2084" actId="20577"/>
+          <ac:spMkLst>
+            <pc:docMk/>
+            <pc:sldMk cId="1196559129" sldId="264"/>
+            <ac:spMk id="7" creationId="{4247D23F-F3F9-676F-BDEB-E69E1F0AB32C}"/>
+          </ac:spMkLst>
+        </pc:spChg>
       </pc:sldChg>
     </pc:docChg>
   </pc:docChgLst>
@@ -423,20 +2411,20 @@
     </pc:docChg>
   </pc:docChgLst>
   <pc:docChgLst>
-    <pc:chgData name="Gibbons, Carl" userId="d2b037bc-8fb4-4222-845c-61440543a456" providerId="ADAL" clId="{AA20781C-E693-4A15-9A9D-8345B65B3F1D}"/>
-    <pc:docChg chg="undo redo custSel modSld">
-      <pc:chgData name="Gibbons, Carl" userId="d2b037bc-8fb4-4222-845c-61440543a456" providerId="ADAL" clId="{AA20781C-E693-4A15-9A9D-8345B65B3F1D}" dt="2024-05-23T21:31:01.738" v="4787" actId="20577"/>
+    <pc:chgData name="Gibbons, Carl" userId="d2b037bc-8fb4-4222-845c-61440543a456" providerId="ADAL" clId="{B22431BF-FF40-422E-84B9-DE35C0B96CC3}"/>
+    <pc:docChg chg="undo custSel delSld modSld">
+      <pc:chgData name="Gibbons, Carl" userId="d2b037bc-8fb4-4222-845c-61440543a456" providerId="ADAL" clId="{B22431BF-FF40-422E-84B9-DE35C0B96CC3}" dt="2024-01-04T23:02:20.392" v="6116" actId="20577"/>
       <pc:docMkLst>
         <pc:docMk/>
       </pc:docMkLst>
       <pc:sldChg chg="modSp mod">
-        <pc:chgData name="Gibbons, Carl" userId="d2b037bc-8fb4-4222-845c-61440543a456" providerId="ADAL" clId="{AA20781C-E693-4A15-9A9D-8345B65B3F1D}" dt="2024-05-23T18:19:28.406" v="19" actId="20577"/>
+        <pc:chgData name="Gibbons, Carl" userId="d2b037bc-8fb4-4222-845c-61440543a456" providerId="ADAL" clId="{B22431BF-FF40-422E-84B9-DE35C0B96CC3}" dt="2023-12-29T21:56:55.022" v="36" actId="20577"/>
         <pc:sldMkLst>
           <pc:docMk/>
           <pc:sldMk cId="3308175748" sldId="256"/>
         </pc:sldMkLst>
         <pc:spChg chg="mod">
-          <ac:chgData name="Gibbons, Carl" userId="d2b037bc-8fb4-4222-845c-61440543a456" providerId="ADAL" clId="{AA20781C-E693-4A15-9A9D-8345B65B3F1D}" dt="2024-05-23T18:19:28.406" v="19" actId="20577"/>
+          <ac:chgData name="Gibbons, Carl" userId="d2b037bc-8fb4-4222-845c-61440543a456" providerId="ADAL" clId="{B22431BF-FF40-422E-84B9-DE35C0B96CC3}" dt="2023-12-29T21:56:55.022" v="36" actId="20577"/>
           <ac:spMkLst>
             <pc:docMk/>
             <pc:sldMk cId="3308175748" sldId="256"/>
@@ -445,137 +2433,13 @@
         </pc:spChg>
       </pc:sldChg>
       <pc:sldChg chg="modSp mod">
-        <pc:chgData name="Gibbons, Carl" userId="d2b037bc-8fb4-4222-845c-61440543a456" providerId="ADAL" clId="{AA20781C-E693-4A15-9A9D-8345B65B3F1D}" dt="2024-05-23T20:24:35.054" v="4771" actId="20577"/>
-        <pc:sldMkLst>
-          <pc:docMk/>
-          <pc:sldMk cId="3885141102" sldId="262"/>
-        </pc:sldMkLst>
-        <pc:spChg chg="mod">
-          <ac:chgData name="Gibbons, Carl" userId="d2b037bc-8fb4-4222-845c-61440543a456" providerId="ADAL" clId="{AA20781C-E693-4A15-9A9D-8345B65B3F1D}" dt="2024-05-23T20:24:35.054" v="4771" actId="20577"/>
-          <ac:spMkLst>
-            <pc:docMk/>
-            <pc:sldMk cId="3885141102" sldId="262"/>
-            <ac:spMk id="3" creationId="{B5924E0F-A977-1710-779D-EEB74261AF34}"/>
-          </ac:spMkLst>
-        </pc:spChg>
-      </pc:sldChg>
-      <pc:sldChg chg="addSp modSp mod">
-        <pc:chgData name="Gibbons, Carl" userId="d2b037bc-8fb4-4222-845c-61440543a456" providerId="ADAL" clId="{AA20781C-E693-4A15-9A9D-8345B65B3F1D}" dt="2024-05-23T21:31:01.738" v="4787" actId="20577"/>
-        <pc:sldMkLst>
-          <pc:docMk/>
-          <pc:sldMk cId="1196559129" sldId="264"/>
-        </pc:sldMkLst>
-        <pc:spChg chg="mod">
-          <ac:chgData name="Gibbons, Carl" userId="d2b037bc-8fb4-4222-845c-61440543a456" providerId="ADAL" clId="{AA20781C-E693-4A15-9A9D-8345B65B3F1D}" dt="2024-05-23T19:41:13.692" v="2966" actId="20577"/>
-          <ac:spMkLst>
-            <pc:docMk/>
-            <pc:sldMk cId="1196559129" sldId="264"/>
-            <ac:spMk id="2" creationId="{0E6A2DEF-4501-FAEA-A31C-4FDCBD076712}"/>
-          </ac:spMkLst>
-        </pc:spChg>
-        <pc:spChg chg="add mod">
-          <ac:chgData name="Gibbons, Carl" userId="d2b037bc-8fb4-4222-845c-61440543a456" providerId="ADAL" clId="{AA20781C-E693-4A15-9A9D-8345B65B3F1D}" dt="2024-05-23T20:01:54.455" v="3649" actId="15"/>
-          <ac:spMkLst>
-            <pc:docMk/>
-            <pc:sldMk cId="1196559129" sldId="264"/>
-            <ac:spMk id="3" creationId="{6DB565A6-DDA9-BD81-B7C7-3069323CA90A}"/>
-          </ac:spMkLst>
-        </pc:spChg>
-        <pc:spChg chg="add mod">
-          <ac:chgData name="Gibbons, Carl" userId="d2b037bc-8fb4-4222-845c-61440543a456" providerId="ADAL" clId="{AA20781C-E693-4A15-9A9D-8345B65B3F1D}" dt="2024-05-23T21:31:01.738" v="4787" actId="20577"/>
-          <ac:spMkLst>
-            <pc:docMk/>
-            <pc:sldMk cId="1196559129" sldId="264"/>
-            <ac:spMk id="4" creationId="{5F95AB98-4F6F-01E3-47E3-C88B1F1E9664}"/>
-          </ac:spMkLst>
-        </pc:spChg>
-        <pc:spChg chg="mod">
-          <ac:chgData name="Gibbons, Carl" userId="d2b037bc-8fb4-4222-845c-61440543a456" providerId="ADAL" clId="{AA20781C-E693-4A15-9A9D-8345B65B3F1D}" dt="2024-05-23T20:01:46.060" v="3645" actId="15"/>
-          <ac:spMkLst>
-            <pc:docMk/>
-            <pc:sldMk cId="1196559129" sldId="264"/>
-            <ac:spMk id="7" creationId="{4247D23F-F3F9-676F-BDEB-E69E1F0AB32C}"/>
-          </ac:spMkLst>
-        </pc:spChg>
-      </pc:sldChg>
-      <pc:sldChg chg="modSp mod">
-        <pc:chgData name="Gibbons, Carl" userId="d2b037bc-8fb4-4222-845c-61440543a456" providerId="ADAL" clId="{AA20781C-E693-4A15-9A9D-8345B65B3F1D}" dt="2024-05-23T19:39:33.179" v="2853" actId="2711"/>
-        <pc:sldMkLst>
-          <pc:docMk/>
-          <pc:sldMk cId="1400208519" sldId="265"/>
-        </pc:sldMkLst>
-        <pc:spChg chg="mod">
-          <ac:chgData name="Gibbons, Carl" userId="d2b037bc-8fb4-4222-845c-61440543a456" providerId="ADAL" clId="{AA20781C-E693-4A15-9A9D-8345B65B3F1D}" dt="2024-05-23T19:01:29.624" v="970" actId="20577"/>
-          <ac:spMkLst>
-            <pc:docMk/>
-            <pc:sldMk cId="1400208519" sldId="265"/>
-            <ac:spMk id="2" creationId="{832B45BA-6309-D8F6-D552-10D836B4EB21}"/>
-          </ac:spMkLst>
-        </pc:spChg>
-        <pc:spChg chg="mod">
-          <ac:chgData name="Gibbons, Carl" userId="d2b037bc-8fb4-4222-845c-61440543a456" providerId="ADAL" clId="{AA20781C-E693-4A15-9A9D-8345B65B3F1D}" dt="2024-05-23T19:39:33.179" v="2853" actId="2711"/>
-          <ac:spMkLst>
-            <pc:docMk/>
-            <pc:sldMk cId="1400208519" sldId="265"/>
-            <ac:spMk id="7" creationId="{3CE889EF-4605-DB73-C7B2-D7E3C4957F48}"/>
-          </ac:spMkLst>
-        </pc:spChg>
-      </pc:sldChg>
-      <pc:sldChg chg="modSp mod">
-        <pc:chgData name="Gibbons, Carl" userId="d2b037bc-8fb4-4222-845c-61440543a456" providerId="ADAL" clId="{AA20781C-E693-4A15-9A9D-8345B65B3F1D}" dt="2024-05-23T20:21:13.456" v="4392" actId="20577"/>
-        <pc:sldMkLst>
-          <pc:docMk/>
-          <pc:sldMk cId="1467586035" sldId="266"/>
-        </pc:sldMkLst>
-        <pc:spChg chg="mod">
-          <ac:chgData name="Gibbons, Carl" userId="d2b037bc-8fb4-4222-845c-61440543a456" providerId="ADAL" clId="{AA20781C-E693-4A15-9A9D-8345B65B3F1D}" dt="2024-05-23T20:06:18.037" v="3951" actId="20577"/>
-          <ac:spMkLst>
-            <pc:docMk/>
-            <pc:sldMk cId="1467586035" sldId="266"/>
-            <ac:spMk id="2" creationId="{F5533765-AE4D-3586-BFF0-C73FF51C6B9B}"/>
-          </ac:spMkLst>
-        </pc:spChg>
-        <pc:spChg chg="mod">
-          <ac:chgData name="Gibbons, Carl" userId="d2b037bc-8fb4-4222-845c-61440543a456" providerId="ADAL" clId="{AA20781C-E693-4A15-9A9D-8345B65B3F1D}" dt="2024-05-23T20:21:13.456" v="4392" actId="20577"/>
-          <ac:spMkLst>
-            <pc:docMk/>
-            <pc:sldMk cId="1467586035" sldId="266"/>
-            <ac:spMk id="7" creationId="{56F98B9D-53CB-0D01-51DD-F6B452AAB6C5}"/>
-          </ac:spMkLst>
-        </pc:spChg>
-      </pc:sldChg>
-    </pc:docChg>
-  </pc:docChgLst>
-  <pc:docChgLst>
-    <pc:chgData name="Gibbons, Carl" userId="d2b037bc-8fb4-4222-845c-61440543a456" providerId="ADAL" clId="{8B117223-2596-4D61-9C62-CC9BD4B9A421}"/>
-    <pc:docChg chg="custSel addSld delSld modSld">
-      <pc:chgData name="Gibbons, Carl" userId="d2b037bc-8fb4-4222-845c-61440543a456" providerId="ADAL" clId="{8B117223-2596-4D61-9C62-CC9BD4B9A421}" dt="2024-01-24T22:00:55.310" v="2286" actId="20577"/>
-      <pc:docMkLst>
-        <pc:docMk/>
-      </pc:docMkLst>
-      <pc:sldChg chg="modSp mod">
-        <pc:chgData name="Gibbons, Carl" userId="d2b037bc-8fb4-4222-845c-61440543a456" providerId="ADAL" clId="{8B117223-2596-4D61-9C62-CC9BD4B9A421}" dt="2024-01-16T00:57:55.449" v="2005" actId="20577"/>
-        <pc:sldMkLst>
-          <pc:docMk/>
-          <pc:sldMk cId="3308175748" sldId="256"/>
-        </pc:sldMkLst>
-        <pc:spChg chg="mod">
-          <ac:chgData name="Gibbons, Carl" userId="d2b037bc-8fb4-4222-845c-61440543a456" providerId="ADAL" clId="{8B117223-2596-4D61-9C62-CC9BD4B9A421}" dt="2024-01-16T00:57:55.449" v="2005" actId="20577"/>
-          <ac:spMkLst>
-            <pc:docMk/>
-            <pc:sldMk cId="3308175748" sldId="256"/>
-            <ac:spMk id="3" creationId="{EEC4D41B-E776-05F2-BE0B-89BB339485AB}"/>
-          </ac:spMkLst>
-        </pc:spChg>
-      </pc:sldChg>
-      <pc:sldChg chg="modSp mod">
-        <pc:chgData name="Gibbons, Carl" userId="d2b037bc-8fb4-4222-845c-61440543a456" providerId="ADAL" clId="{8B117223-2596-4D61-9C62-CC9BD4B9A421}" dt="2024-01-24T22:00:55.310" v="2286" actId="20577"/>
+        <pc:chgData name="Gibbons, Carl" userId="d2b037bc-8fb4-4222-845c-61440543a456" providerId="ADAL" clId="{B22431BF-FF40-422E-84B9-DE35C0B96CC3}" dt="2024-01-04T23:00:14.898" v="6013" actId="20577"/>
         <pc:sldMkLst>
           <pc:docMk/>
           <pc:sldMk cId="2312486803" sldId="261"/>
         </pc:sldMkLst>
         <pc:spChg chg="mod">
-          <ac:chgData name="Gibbons, Carl" userId="d2b037bc-8fb4-4222-845c-61440543a456" providerId="ADAL" clId="{8B117223-2596-4D61-9C62-CC9BD4B9A421}" dt="2024-01-16T00:15:29.289" v="286" actId="20577"/>
+          <ac:chgData name="Gibbons, Carl" userId="d2b037bc-8fb4-4222-845c-61440543a456" providerId="ADAL" clId="{B22431BF-FF40-422E-84B9-DE35C0B96CC3}" dt="2023-12-29T22:08:30.114" v="43" actId="20577"/>
           <ac:spMkLst>
             <pc:docMk/>
             <pc:sldMk cId="2312486803" sldId="261"/>
@@ -583,7 +2447,7 @@
           </ac:spMkLst>
         </pc:spChg>
         <pc:spChg chg="mod">
-          <ac:chgData name="Gibbons, Carl" userId="d2b037bc-8fb4-4222-845c-61440543a456" providerId="ADAL" clId="{8B117223-2596-4D61-9C62-CC9BD4B9A421}" dt="2024-01-24T22:00:55.310" v="2286" actId="20577"/>
+          <ac:chgData name="Gibbons, Carl" userId="d2b037bc-8fb4-4222-845c-61440543a456" providerId="ADAL" clId="{B22431BF-FF40-422E-84B9-DE35C0B96CC3}" dt="2024-01-04T23:00:14.898" v="6013" actId="20577"/>
           <ac:spMkLst>
             <pc:docMk/>
             <pc:sldMk cId="2312486803" sldId="261"/>
@@ -591,70 +2455,193 @@
           </ac:spMkLst>
         </pc:spChg>
       </pc:sldChg>
-      <pc:sldChg chg="modSp add mod">
-        <pc:chgData name="Gibbons, Carl" userId="d2b037bc-8fb4-4222-845c-61440543a456" providerId="ADAL" clId="{8B117223-2596-4D61-9C62-CC9BD4B9A421}" dt="2024-01-16T01:00:51.762" v="2281" actId="313"/>
-        <pc:sldMkLst>
-          <pc:docMk/>
-          <pc:sldMk cId="3885141102" sldId="262"/>
-        </pc:sldMkLst>
-        <pc:spChg chg="mod">
-          <ac:chgData name="Gibbons, Carl" userId="d2b037bc-8fb4-4222-845c-61440543a456" providerId="ADAL" clId="{8B117223-2596-4D61-9C62-CC9BD4B9A421}" dt="2024-01-16T00:42:42.463" v="1503" actId="20577"/>
-          <ac:spMkLst>
-            <pc:docMk/>
-            <pc:sldMk cId="3885141102" sldId="262"/>
+      <pc:sldChg chg="del">
+        <pc:chgData name="Gibbons, Carl" userId="d2b037bc-8fb4-4222-845c-61440543a456" providerId="ADAL" clId="{B22431BF-FF40-422E-84B9-DE35C0B96CC3}" dt="2023-12-30T00:06:35.373" v="5939" actId="47"/>
+        <pc:sldMkLst>
+          <pc:docMk/>
+          <pc:sldMk cId="657795359" sldId="277"/>
+        </pc:sldMkLst>
+      </pc:sldChg>
+      <pc:sldChg chg="modSp mod">
+        <pc:chgData name="Gibbons, Carl" userId="d2b037bc-8fb4-4222-845c-61440543a456" providerId="ADAL" clId="{B22431BF-FF40-422E-84B9-DE35C0B96CC3}" dt="2023-12-29T22:43:19.687" v="2380" actId="20577"/>
+        <pc:sldMkLst>
+          <pc:docMk/>
+          <pc:sldMk cId="3989541258" sldId="278"/>
+        </pc:sldMkLst>
+        <pc:spChg chg="mod">
+          <ac:chgData name="Gibbons, Carl" userId="d2b037bc-8fb4-4222-845c-61440543a456" providerId="ADAL" clId="{B22431BF-FF40-422E-84B9-DE35C0B96CC3}" dt="2023-12-29T22:43:19.687" v="2380" actId="20577"/>
+          <ac:spMkLst>
+            <pc:docMk/>
+            <pc:sldMk cId="3989541258" sldId="278"/>
             <ac:spMk id="2" creationId="{31B75992-5098-A283-4925-2CCEBB801DC5}"/>
           </ac:spMkLst>
         </pc:spChg>
         <pc:spChg chg="mod">
-          <ac:chgData name="Gibbons, Carl" userId="d2b037bc-8fb4-4222-845c-61440543a456" providerId="ADAL" clId="{8B117223-2596-4D61-9C62-CC9BD4B9A421}" dt="2024-01-16T01:00:51.762" v="2281" actId="313"/>
-          <ac:spMkLst>
-            <pc:docMk/>
-            <pc:sldMk cId="3885141102" sldId="262"/>
+          <ac:chgData name="Gibbons, Carl" userId="d2b037bc-8fb4-4222-845c-61440543a456" providerId="ADAL" clId="{B22431BF-FF40-422E-84B9-DE35C0B96CC3}" dt="2023-12-29T22:42:57.446" v="2316" actId="21"/>
+          <ac:spMkLst>
+            <pc:docMk/>
+            <pc:sldMk cId="3989541258" sldId="278"/>
             <ac:spMk id="3" creationId="{B5924E0F-A977-1710-779D-EEB74261AF34}"/>
           </ac:spMkLst>
         </pc:spChg>
       </pc:sldChg>
-      <pc:sldChg chg="add">
-        <pc:chgData name="Gibbons, Carl" userId="d2b037bc-8fb4-4222-845c-61440543a456" providerId="ADAL" clId="{8B117223-2596-4D61-9C62-CC9BD4B9A421}" dt="2024-01-16T00:58:20.162" v="2006"/>
-        <pc:sldMkLst>
-          <pc:docMk/>
-          <pc:sldMk cId="1719402288" sldId="263"/>
-        </pc:sldMkLst>
+      <pc:sldChg chg="modSp mod">
+        <pc:chgData name="Gibbons, Carl" userId="d2b037bc-8fb4-4222-845c-61440543a456" providerId="ADAL" clId="{B22431BF-FF40-422E-84B9-DE35C0B96CC3}" dt="2024-01-04T23:02:20.392" v="6116" actId="20577"/>
+        <pc:sldMkLst>
+          <pc:docMk/>
+          <pc:sldMk cId="1861646120" sldId="293"/>
+        </pc:sldMkLst>
+        <pc:spChg chg="mod">
+          <ac:chgData name="Gibbons, Carl" userId="d2b037bc-8fb4-4222-845c-61440543a456" providerId="ADAL" clId="{B22431BF-FF40-422E-84B9-DE35C0B96CC3}" dt="2023-12-29T22:43:38.151" v="2422" actId="20577"/>
+          <ac:spMkLst>
+            <pc:docMk/>
+            <pc:sldMk cId="1861646120" sldId="293"/>
+            <ac:spMk id="2" creationId="{31B75992-5098-A283-4925-2CCEBB801DC5}"/>
+          </ac:spMkLst>
+        </pc:spChg>
+        <pc:spChg chg="mod">
+          <ac:chgData name="Gibbons, Carl" userId="d2b037bc-8fb4-4222-845c-61440543a456" providerId="ADAL" clId="{B22431BF-FF40-422E-84B9-DE35C0B96CC3}" dt="2024-01-04T23:02:20.392" v="6116" actId="20577"/>
+          <ac:spMkLst>
+            <pc:docMk/>
+            <pc:sldMk cId="1861646120" sldId="293"/>
+            <ac:spMk id="3" creationId="{B5924E0F-A977-1710-779D-EEB74261AF34}"/>
+          </ac:spMkLst>
+        </pc:spChg>
+      </pc:sldChg>
+      <pc:sldChg chg="modSp mod">
+        <pc:chgData name="Gibbons, Carl" userId="d2b037bc-8fb4-4222-845c-61440543a456" providerId="ADAL" clId="{B22431BF-FF40-422E-84B9-DE35C0B96CC3}" dt="2023-12-30T00:07:46.447" v="5951" actId="20577"/>
+        <pc:sldMkLst>
+          <pc:docMk/>
+          <pc:sldMk cId="2232562783" sldId="294"/>
+        </pc:sldMkLst>
+        <pc:spChg chg="mod">
+          <ac:chgData name="Gibbons, Carl" userId="d2b037bc-8fb4-4222-845c-61440543a456" providerId="ADAL" clId="{B22431BF-FF40-422E-84B9-DE35C0B96CC3}" dt="2023-12-30T00:07:46.447" v="5951" actId="20577"/>
+          <ac:spMkLst>
+            <pc:docMk/>
+            <pc:sldMk cId="2232562783" sldId="294"/>
+            <ac:spMk id="2" creationId="{31B75992-5098-A283-4925-2CCEBB801DC5}"/>
+          </ac:spMkLst>
+        </pc:spChg>
+        <pc:spChg chg="mod">
+          <ac:chgData name="Gibbons, Carl" userId="d2b037bc-8fb4-4222-845c-61440543a456" providerId="ADAL" clId="{B22431BF-FF40-422E-84B9-DE35C0B96CC3}" dt="2023-12-29T23:10:49.132" v="4131" actId="20577"/>
+          <ac:spMkLst>
+            <pc:docMk/>
+            <pc:sldMk cId="2232562783" sldId="294"/>
+            <ac:spMk id="3" creationId="{B5924E0F-A977-1710-779D-EEB74261AF34}"/>
+          </ac:spMkLst>
+        </pc:spChg>
+      </pc:sldChg>
+      <pc:sldChg chg="modSp del mod">
+        <pc:chgData name="Gibbons, Carl" userId="d2b037bc-8fb4-4222-845c-61440543a456" providerId="ADAL" clId="{B22431BF-FF40-422E-84B9-DE35C0B96CC3}" dt="2023-12-30T00:06:31.761" v="5934" actId="47"/>
+        <pc:sldMkLst>
+          <pc:docMk/>
+          <pc:sldMk cId="806767687" sldId="295"/>
+        </pc:sldMkLst>
+        <pc:spChg chg="mod">
+          <ac:chgData name="Gibbons, Carl" userId="d2b037bc-8fb4-4222-845c-61440543a456" providerId="ADAL" clId="{B22431BF-FF40-422E-84B9-DE35C0B96CC3}" dt="2023-12-29T23:17:23.085" v="4333" actId="20577"/>
+          <ac:spMkLst>
+            <pc:docMk/>
+            <pc:sldMk cId="806767687" sldId="295"/>
+            <ac:spMk id="3" creationId="{B5924E0F-A977-1710-779D-EEB74261AF34}"/>
+          </ac:spMkLst>
+        </pc:spChg>
       </pc:sldChg>
       <pc:sldChg chg="del">
-        <pc:chgData name="Gibbons, Carl" userId="d2b037bc-8fb4-4222-845c-61440543a456" providerId="ADAL" clId="{8B117223-2596-4D61-9C62-CC9BD4B9A421}" dt="2024-01-16T00:11:26.015" v="227" actId="47"/>
-        <pc:sldMkLst>
-          <pc:docMk/>
-          <pc:sldMk cId="3989541258" sldId="278"/>
+        <pc:chgData name="Gibbons, Carl" userId="d2b037bc-8fb4-4222-845c-61440543a456" providerId="ADAL" clId="{B22431BF-FF40-422E-84B9-DE35C0B96CC3}" dt="2023-12-30T00:06:32.570" v="5935" actId="47"/>
+        <pc:sldMkLst>
+          <pc:docMk/>
+          <pc:sldMk cId="3145157247" sldId="296"/>
         </pc:sldMkLst>
       </pc:sldChg>
       <pc:sldChg chg="del">
-        <pc:chgData name="Gibbons, Carl" userId="d2b037bc-8fb4-4222-845c-61440543a456" providerId="ADAL" clId="{8B117223-2596-4D61-9C62-CC9BD4B9A421}" dt="2024-01-16T00:11:26.575" v="228" actId="47"/>
-        <pc:sldMkLst>
-          <pc:docMk/>
-          <pc:sldMk cId="1861646120" sldId="293"/>
+        <pc:chgData name="Gibbons, Carl" userId="d2b037bc-8fb4-4222-845c-61440543a456" providerId="ADAL" clId="{B22431BF-FF40-422E-84B9-DE35C0B96CC3}" dt="2023-12-30T00:06:33.242" v="5936" actId="47"/>
+        <pc:sldMkLst>
+          <pc:docMk/>
+          <pc:sldMk cId="2424714671" sldId="297"/>
         </pc:sldMkLst>
       </pc:sldChg>
       <pc:sldChg chg="del">
-        <pc:chgData name="Gibbons, Carl" userId="d2b037bc-8fb4-4222-845c-61440543a456" providerId="ADAL" clId="{8B117223-2596-4D61-9C62-CC9BD4B9A421}" dt="2024-01-16T00:11:27.206" v="229" actId="47"/>
-        <pc:sldMkLst>
-          <pc:docMk/>
-          <pc:sldMk cId="2232562783" sldId="294"/>
+        <pc:chgData name="Gibbons, Carl" userId="d2b037bc-8fb4-4222-845c-61440543a456" providerId="ADAL" clId="{B22431BF-FF40-422E-84B9-DE35C0B96CC3}" dt="2023-12-30T00:06:33.834" v="5937" actId="47"/>
+        <pc:sldMkLst>
+          <pc:docMk/>
+          <pc:sldMk cId="3450195044" sldId="298"/>
         </pc:sldMkLst>
       </pc:sldChg>
       <pc:sldChg chg="del">
-        <pc:chgData name="Gibbons, Carl" userId="d2b037bc-8fb4-4222-845c-61440543a456" providerId="ADAL" clId="{8B117223-2596-4D61-9C62-CC9BD4B9A421}" dt="2024-01-16T00:11:27.766" v="230" actId="47"/>
+        <pc:chgData name="Gibbons, Carl" userId="d2b037bc-8fb4-4222-845c-61440543a456" providerId="ADAL" clId="{B22431BF-FF40-422E-84B9-DE35C0B96CC3}" dt="2023-12-30T00:06:34.432" v="5938" actId="47"/>
+        <pc:sldMkLst>
+          <pc:docMk/>
+          <pc:sldMk cId="3633122843" sldId="299"/>
+        </pc:sldMkLst>
+      </pc:sldChg>
+      <pc:sldChg chg="modSp mod">
+        <pc:chgData name="Gibbons, Carl" userId="d2b037bc-8fb4-4222-845c-61440543a456" providerId="ADAL" clId="{B22431BF-FF40-422E-84B9-DE35C0B96CC3}" dt="2023-12-30T00:07:51.836" v="5963" actId="20577"/>
         <pc:sldMkLst>
           <pc:docMk/>
           <pc:sldMk cId="845747584" sldId="300"/>
         </pc:sldMkLst>
-      </pc:sldChg>
-      <pc:sldChg chg="del">
-        <pc:chgData name="Gibbons, Carl" userId="d2b037bc-8fb4-4222-845c-61440543a456" providerId="ADAL" clId="{8B117223-2596-4D61-9C62-CC9BD4B9A421}" dt="2024-01-16T00:11:30.314" v="231" actId="47"/>
+        <pc:spChg chg="mod">
+          <ac:chgData name="Gibbons, Carl" userId="d2b037bc-8fb4-4222-845c-61440543a456" providerId="ADAL" clId="{B22431BF-FF40-422E-84B9-DE35C0B96CC3}" dt="2023-12-30T00:07:51.836" v="5963" actId="20577"/>
+          <ac:spMkLst>
+            <pc:docMk/>
+            <pc:sldMk cId="845747584" sldId="300"/>
+            <ac:spMk id="2" creationId="{31B75992-5098-A283-4925-2CCEBB801DC5}"/>
+          </ac:spMkLst>
+        </pc:spChg>
+        <pc:spChg chg="mod">
+          <ac:chgData name="Gibbons, Carl" userId="d2b037bc-8fb4-4222-845c-61440543a456" providerId="ADAL" clId="{B22431BF-FF40-422E-84B9-DE35C0B96CC3}" dt="2023-12-29T23:21:57.151" v="4600" actId="20577"/>
+          <ac:spMkLst>
+            <pc:docMk/>
+            <pc:sldMk cId="845747584" sldId="300"/>
+            <ac:spMk id="3" creationId="{B5924E0F-A977-1710-779D-EEB74261AF34}"/>
+          </ac:spMkLst>
+        </pc:spChg>
+      </pc:sldChg>
+      <pc:sldChg chg="modSp mod">
+        <pc:chgData name="Gibbons, Carl" userId="d2b037bc-8fb4-4222-845c-61440543a456" providerId="ADAL" clId="{B22431BF-FF40-422E-84B9-DE35C0B96CC3}" dt="2023-12-30T00:07:56.869" v="5975" actId="20577"/>
         <pc:sldMkLst>
           <pc:docMk/>
           <pc:sldMk cId="3372579319" sldId="301"/>
         </pc:sldMkLst>
+        <pc:spChg chg="mod">
+          <ac:chgData name="Gibbons, Carl" userId="d2b037bc-8fb4-4222-845c-61440543a456" providerId="ADAL" clId="{B22431BF-FF40-422E-84B9-DE35C0B96CC3}" dt="2023-12-30T00:07:56.869" v="5975" actId="20577"/>
+          <ac:spMkLst>
+            <pc:docMk/>
+            <pc:sldMk cId="3372579319" sldId="301"/>
+            <ac:spMk id="2" creationId="{31B75992-5098-A283-4925-2CCEBB801DC5}"/>
+          </ac:spMkLst>
+        </pc:spChg>
+        <pc:spChg chg="mod">
+          <ac:chgData name="Gibbons, Carl" userId="d2b037bc-8fb4-4222-845c-61440543a456" providerId="ADAL" clId="{B22431BF-FF40-422E-84B9-DE35C0B96CC3}" dt="2023-12-30T00:06:13.959" v="5932" actId="20577"/>
+          <ac:spMkLst>
+            <pc:docMk/>
+            <pc:sldMk cId="3372579319" sldId="301"/>
+            <ac:spMk id="3" creationId="{B5924E0F-A977-1710-779D-EEB74261AF34}"/>
+          </ac:spMkLst>
+        </pc:spChg>
+      </pc:sldChg>
+      <pc:sldChg chg="modSp del mod">
+        <pc:chgData name="Gibbons, Carl" userId="d2b037bc-8fb4-4222-845c-61440543a456" providerId="ADAL" clId="{B22431BF-FF40-422E-84B9-DE35C0B96CC3}" dt="2023-12-30T00:06:30.511" v="5933" actId="47"/>
+        <pc:sldMkLst>
+          <pc:docMk/>
+          <pc:sldMk cId="3488854045" sldId="302"/>
+        </pc:sldMkLst>
+        <pc:spChg chg="mod">
+          <ac:chgData name="Gibbons, Carl" userId="d2b037bc-8fb4-4222-845c-61440543a456" providerId="ADAL" clId="{B22431BF-FF40-422E-84B9-DE35C0B96CC3}" dt="2023-12-29T23:32:30.137" v="5532" actId="20577"/>
+          <ac:spMkLst>
+            <pc:docMk/>
+            <pc:sldMk cId="3488854045" sldId="302"/>
+            <ac:spMk id="2" creationId="{31B75992-5098-A283-4925-2CCEBB801DC5}"/>
+          </ac:spMkLst>
+        </pc:spChg>
+        <pc:spChg chg="mod">
+          <ac:chgData name="Gibbons, Carl" userId="d2b037bc-8fb4-4222-845c-61440543a456" providerId="ADAL" clId="{B22431BF-FF40-422E-84B9-DE35C0B96CC3}" dt="2023-12-29T23:35:41.617" v="5912" actId="20577"/>
+          <ac:spMkLst>
+            <pc:docMk/>
+            <pc:sldMk cId="3488854045" sldId="302"/>
+            <ac:spMk id="3" creationId="{B5924E0F-A977-1710-779D-EEB74261AF34}"/>
+          </ac:spMkLst>
+        </pc:spChg>
       </pc:sldChg>
     </pc:docChg>
   </pc:docChgLst>
@@ -751,585 +2738,6 @@
     </pc:docChg>
   </pc:docChgLst>
   <pc:docChgLst>
-    <pc:chgData name="Gibbons, Carl" userId="d2b037bc-8fb4-4222-845c-61440543a456" providerId="ADAL" clId="{6DFE05B7-7BB4-417C-8826-34A6C37E3109}"/>
-    <pc:docChg chg="custSel modSld">
-      <pc:chgData name="Gibbons, Carl" userId="d2b037bc-8fb4-4222-845c-61440543a456" providerId="ADAL" clId="{6DFE05B7-7BB4-417C-8826-34A6C37E3109}" dt="2024-02-20T15:40:11.315" v="2156" actId="1076"/>
-      <pc:docMkLst>
-        <pc:docMk/>
-      </pc:docMkLst>
-      <pc:sldChg chg="modSp mod">
-        <pc:chgData name="Gibbons, Carl" userId="d2b037bc-8fb4-4222-845c-61440543a456" providerId="ADAL" clId="{6DFE05B7-7BB4-417C-8826-34A6C37E3109}" dt="2024-02-10T23:25:06.485" v="25" actId="20577"/>
-        <pc:sldMkLst>
-          <pc:docMk/>
-          <pc:sldMk cId="3308175748" sldId="256"/>
-        </pc:sldMkLst>
-        <pc:spChg chg="mod">
-          <ac:chgData name="Gibbons, Carl" userId="d2b037bc-8fb4-4222-845c-61440543a456" providerId="ADAL" clId="{6DFE05B7-7BB4-417C-8826-34A6C37E3109}" dt="2024-02-10T23:25:06.485" v="25" actId="20577"/>
-          <ac:spMkLst>
-            <pc:docMk/>
-            <pc:sldMk cId="3308175748" sldId="256"/>
-            <ac:spMk id="3" creationId="{EEC4D41B-E776-05F2-BE0B-89BB339485AB}"/>
-          </ac:spMkLst>
-        </pc:spChg>
-      </pc:sldChg>
-      <pc:sldChg chg="addSp delSp modSp mod">
-        <pc:chgData name="Gibbons, Carl" userId="d2b037bc-8fb4-4222-845c-61440543a456" providerId="ADAL" clId="{6DFE05B7-7BB4-417C-8826-34A6C37E3109}" dt="2024-02-10T23:47:50.077" v="678" actId="1076"/>
-        <pc:sldMkLst>
-          <pc:docMk/>
-          <pc:sldMk cId="2312486803" sldId="261"/>
-        </pc:sldMkLst>
-        <pc:spChg chg="mod">
-          <ac:chgData name="Gibbons, Carl" userId="d2b037bc-8fb4-4222-845c-61440543a456" providerId="ADAL" clId="{6DFE05B7-7BB4-417C-8826-34A6C37E3109}" dt="2024-02-10T23:25:43.747" v="72" actId="20577"/>
-          <ac:spMkLst>
-            <pc:docMk/>
-            <pc:sldMk cId="2312486803" sldId="261"/>
-            <ac:spMk id="2" creationId="{31B75992-5098-A283-4925-2CCEBB801DC5}"/>
-          </ac:spMkLst>
-        </pc:spChg>
-        <pc:spChg chg="del mod">
-          <ac:chgData name="Gibbons, Carl" userId="d2b037bc-8fb4-4222-845c-61440543a456" providerId="ADAL" clId="{6DFE05B7-7BB4-417C-8826-34A6C37E3109}" dt="2024-02-10T23:35:03.418" v="416"/>
-          <ac:spMkLst>
-            <pc:docMk/>
-            <pc:sldMk cId="2312486803" sldId="261"/>
-            <ac:spMk id="3" creationId="{B5924E0F-A977-1710-779D-EEB74261AF34}"/>
-          </ac:spMkLst>
-        </pc:spChg>
-        <pc:spChg chg="add del mod">
-          <ac:chgData name="Gibbons, Carl" userId="d2b037bc-8fb4-4222-845c-61440543a456" providerId="ADAL" clId="{6DFE05B7-7BB4-417C-8826-34A6C37E3109}" dt="2024-02-10T23:35:18.368" v="421"/>
-          <ac:spMkLst>
-            <pc:docMk/>
-            <pc:sldMk cId="2312486803" sldId="261"/>
-            <ac:spMk id="5" creationId="{5E1F0042-F2D7-082C-DE33-6A607ADAA329}"/>
-          </ac:spMkLst>
-        </pc:spChg>
-        <pc:spChg chg="add mod">
-          <ac:chgData name="Gibbons, Carl" userId="d2b037bc-8fb4-4222-845c-61440543a456" providerId="ADAL" clId="{6DFE05B7-7BB4-417C-8826-34A6C37E3109}" dt="2024-02-10T23:47:50.077" v="678" actId="1076"/>
-          <ac:spMkLst>
-            <pc:docMk/>
-            <pc:sldMk cId="2312486803" sldId="261"/>
-            <ac:spMk id="7" creationId="{F19E524F-C936-E6CE-A06A-9068EF0D1C67}"/>
-          </ac:spMkLst>
-        </pc:spChg>
-        <pc:picChg chg="add mod">
-          <ac:chgData name="Gibbons, Carl" userId="d2b037bc-8fb4-4222-845c-61440543a456" providerId="ADAL" clId="{6DFE05B7-7BB4-417C-8826-34A6C37E3109}" dt="2024-02-10T23:35:03.411" v="414"/>
-          <ac:picMkLst>
-            <pc:docMk/>
-            <pc:sldMk cId="2312486803" sldId="261"/>
-            <ac:picMk id="4" creationId="{96BD58E6-1F26-880B-6B7D-26B06301A218}"/>
-          </ac:picMkLst>
-        </pc:picChg>
-        <pc:picChg chg="add mod">
-          <ac:chgData name="Gibbons, Carl" userId="d2b037bc-8fb4-4222-845c-61440543a456" providerId="ADAL" clId="{6DFE05B7-7BB4-417C-8826-34A6C37E3109}" dt="2024-02-10T23:35:42.045" v="423" actId="1076"/>
-          <ac:picMkLst>
-            <pc:docMk/>
-            <pc:sldMk cId="2312486803" sldId="261"/>
-            <ac:picMk id="6" creationId="{EC52FD38-E213-5177-DDDA-7287F93BD393}"/>
-          </ac:picMkLst>
-        </pc:picChg>
-      </pc:sldChg>
-      <pc:sldChg chg="modSp mod">
-        <pc:chgData name="Gibbons, Carl" userId="d2b037bc-8fb4-4222-845c-61440543a456" providerId="ADAL" clId="{6DFE05B7-7BB4-417C-8826-34A6C37E3109}" dt="2024-02-11T00:43:14.770" v="2154" actId="20577"/>
-        <pc:sldMkLst>
-          <pc:docMk/>
-          <pc:sldMk cId="3885141102" sldId="262"/>
-        </pc:sldMkLst>
-        <pc:spChg chg="mod">
-          <ac:chgData name="Gibbons, Carl" userId="d2b037bc-8fb4-4222-845c-61440543a456" providerId="ADAL" clId="{6DFE05B7-7BB4-417C-8826-34A6C37E3109}" dt="2024-02-11T00:43:14.770" v="2154" actId="20577"/>
-          <ac:spMkLst>
-            <pc:docMk/>
-            <pc:sldMk cId="3885141102" sldId="262"/>
-            <ac:spMk id="3" creationId="{B5924E0F-A977-1710-779D-EEB74261AF34}"/>
-          </ac:spMkLst>
-        </pc:spChg>
-      </pc:sldChg>
-      <pc:sldChg chg="delSp modSp mod">
-        <pc:chgData name="Gibbons, Carl" userId="d2b037bc-8fb4-4222-845c-61440543a456" providerId="ADAL" clId="{6DFE05B7-7BB4-417C-8826-34A6C37E3109}" dt="2024-02-20T15:40:11.315" v="2156" actId="1076"/>
-        <pc:sldMkLst>
-          <pc:docMk/>
-          <pc:sldMk cId="538849350" sldId="263"/>
-        </pc:sldMkLst>
-        <pc:spChg chg="mod">
-          <ac:chgData name="Gibbons, Carl" userId="d2b037bc-8fb4-4222-845c-61440543a456" providerId="ADAL" clId="{6DFE05B7-7BB4-417C-8826-34A6C37E3109}" dt="2024-02-10T23:49:58.261" v="728" actId="20577"/>
-          <ac:spMkLst>
-            <pc:docMk/>
-            <pc:sldMk cId="538849350" sldId="263"/>
-            <ac:spMk id="2" creationId="{3D63CD28-05F6-EAAC-4E88-DBFBCF6B207B}"/>
-          </ac:spMkLst>
-        </pc:spChg>
-        <pc:spChg chg="mod">
-          <ac:chgData name="Gibbons, Carl" userId="d2b037bc-8fb4-4222-845c-61440543a456" providerId="ADAL" clId="{6DFE05B7-7BB4-417C-8826-34A6C37E3109}" dt="2024-02-20T15:40:11.315" v="2156" actId="1076"/>
-          <ac:spMkLst>
-            <pc:docMk/>
-            <pc:sldMk cId="538849350" sldId="263"/>
-            <ac:spMk id="7" creationId="{729440C3-A558-AF83-79BF-585206231CA4}"/>
-          </ac:spMkLst>
-        </pc:spChg>
-        <pc:picChg chg="del">
-          <ac:chgData name="Gibbons, Carl" userId="d2b037bc-8fb4-4222-845c-61440543a456" providerId="ADAL" clId="{6DFE05B7-7BB4-417C-8826-34A6C37E3109}" dt="2024-02-10T23:49:25.054" v="679" actId="478"/>
-          <ac:picMkLst>
-            <pc:docMk/>
-            <pc:sldMk cId="538849350" sldId="263"/>
-            <ac:picMk id="6" creationId="{D4950415-3AFA-6AEB-D962-FC2F30B31239}"/>
-          </ac:picMkLst>
-        </pc:picChg>
-      </pc:sldChg>
-      <pc:sldChg chg="modSp mod">
-        <pc:chgData name="Gibbons, Carl" userId="d2b037bc-8fb4-4222-845c-61440543a456" providerId="ADAL" clId="{6DFE05B7-7BB4-417C-8826-34A6C37E3109}" dt="2024-02-11T00:42:04.856" v="2084" actId="20577"/>
-        <pc:sldMkLst>
-          <pc:docMk/>
-          <pc:sldMk cId="1196559129" sldId="264"/>
-        </pc:sldMkLst>
-        <pc:spChg chg="mod">
-          <ac:chgData name="Gibbons, Carl" userId="d2b037bc-8fb4-4222-845c-61440543a456" providerId="ADAL" clId="{6DFE05B7-7BB4-417C-8826-34A6C37E3109}" dt="2024-02-11T00:28:46.758" v="1489" actId="20577"/>
-          <ac:spMkLst>
-            <pc:docMk/>
-            <pc:sldMk cId="1196559129" sldId="264"/>
-            <ac:spMk id="2" creationId="{0E6A2DEF-4501-FAEA-A31C-4FDCBD076712}"/>
-          </ac:spMkLst>
-        </pc:spChg>
-        <pc:spChg chg="mod">
-          <ac:chgData name="Gibbons, Carl" userId="d2b037bc-8fb4-4222-845c-61440543a456" providerId="ADAL" clId="{6DFE05B7-7BB4-417C-8826-34A6C37E3109}" dt="2024-02-11T00:42:04.856" v="2084" actId="20577"/>
-          <ac:spMkLst>
-            <pc:docMk/>
-            <pc:sldMk cId="1196559129" sldId="264"/>
-            <ac:spMk id="7" creationId="{4247D23F-F3F9-676F-BDEB-E69E1F0AB32C}"/>
-          </ac:spMkLst>
-        </pc:spChg>
-      </pc:sldChg>
-    </pc:docChg>
-  </pc:docChgLst>
-  <pc:docChgLst>
-    <pc:chgData name="Gibbons, Carl" userId="d2b037bc-8fb4-4222-845c-61440543a456" providerId="ADAL" clId="{6FB22382-79C8-4292-898E-4F4477C84372}"/>
-    <pc:docChg chg="custSel addSld modSld">
-      <pc:chgData name="Gibbons, Carl" userId="d2b037bc-8fb4-4222-845c-61440543a456" providerId="ADAL" clId="{6FB22382-79C8-4292-898E-4F4477C84372}" dt="2024-02-04T06:13:38.323" v="4155" actId="20577"/>
-      <pc:docMkLst>
-        <pc:docMk/>
-      </pc:docMkLst>
-      <pc:sldChg chg="modSp mod">
-        <pc:chgData name="Gibbons, Carl" userId="d2b037bc-8fb4-4222-845c-61440543a456" providerId="ADAL" clId="{6FB22382-79C8-4292-898E-4F4477C84372}" dt="2024-02-04T05:20:30.900" v="17" actId="20577"/>
-        <pc:sldMkLst>
-          <pc:docMk/>
-          <pc:sldMk cId="3308175748" sldId="256"/>
-        </pc:sldMkLst>
-        <pc:spChg chg="mod">
-          <ac:chgData name="Gibbons, Carl" userId="d2b037bc-8fb4-4222-845c-61440543a456" providerId="ADAL" clId="{6FB22382-79C8-4292-898E-4F4477C84372}" dt="2024-02-04T05:20:30.900" v="17" actId="20577"/>
-          <ac:spMkLst>
-            <pc:docMk/>
-            <pc:sldMk cId="3308175748" sldId="256"/>
-            <ac:spMk id="3" creationId="{EEC4D41B-E776-05F2-BE0B-89BB339485AB}"/>
-          </ac:spMkLst>
-        </pc:spChg>
-      </pc:sldChg>
-      <pc:sldChg chg="modSp mod">
-        <pc:chgData name="Gibbons, Carl" userId="d2b037bc-8fb4-4222-845c-61440543a456" providerId="ADAL" clId="{6FB22382-79C8-4292-898E-4F4477C84372}" dt="2024-02-04T06:13:38.323" v="4155" actId="20577"/>
-        <pc:sldMkLst>
-          <pc:docMk/>
-          <pc:sldMk cId="2312486803" sldId="261"/>
-        </pc:sldMkLst>
-        <pc:spChg chg="mod">
-          <ac:chgData name="Gibbons, Carl" userId="d2b037bc-8fb4-4222-845c-61440543a456" providerId="ADAL" clId="{6FB22382-79C8-4292-898E-4F4477C84372}" dt="2024-02-04T05:21:30.141" v="60" actId="20577"/>
-          <ac:spMkLst>
-            <pc:docMk/>
-            <pc:sldMk cId="2312486803" sldId="261"/>
-            <ac:spMk id="2" creationId="{31B75992-5098-A283-4925-2CCEBB801DC5}"/>
-          </ac:spMkLst>
-        </pc:spChg>
-        <pc:spChg chg="mod">
-          <ac:chgData name="Gibbons, Carl" userId="d2b037bc-8fb4-4222-845c-61440543a456" providerId="ADAL" clId="{6FB22382-79C8-4292-898E-4F4477C84372}" dt="2024-02-04T06:13:38.323" v="4155" actId="20577"/>
-          <ac:spMkLst>
-            <pc:docMk/>
-            <pc:sldMk cId="2312486803" sldId="261"/>
-            <ac:spMk id="3" creationId="{B5924E0F-A977-1710-779D-EEB74261AF34}"/>
-          </ac:spMkLst>
-        </pc:spChg>
-      </pc:sldChg>
-      <pc:sldChg chg="modSp mod">
-        <pc:chgData name="Gibbons, Carl" userId="d2b037bc-8fb4-4222-845c-61440543a456" providerId="ADAL" clId="{6FB22382-79C8-4292-898E-4F4477C84372}" dt="2024-02-04T06:07:58.163" v="3852" actId="20577"/>
-        <pc:sldMkLst>
-          <pc:docMk/>
-          <pc:sldMk cId="3885141102" sldId="262"/>
-        </pc:sldMkLst>
-        <pc:spChg chg="mod">
-          <ac:chgData name="Gibbons, Carl" userId="d2b037bc-8fb4-4222-845c-61440543a456" providerId="ADAL" clId="{6FB22382-79C8-4292-898E-4F4477C84372}" dt="2024-02-04T06:07:58.163" v="3852" actId="20577"/>
-          <ac:spMkLst>
-            <pc:docMk/>
-            <pc:sldMk cId="3885141102" sldId="262"/>
-            <ac:spMk id="3" creationId="{B5924E0F-A977-1710-779D-EEB74261AF34}"/>
-          </ac:spMkLst>
-        </pc:spChg>
-      </pc:sldChg>
-      <pc:sldChg chg="modSp mod">
-        <pc:chgData name="Gibbons, Carl" userId="d2b037bc-8fb4-4222-845c-61440543a456" providerId="ADAL" clId="{6FB22382-79C8-4292-898E-4F4477C84372}" dt="2024-02-04T05:35:49.521" v="1241" actId="20577"/>
-        <pc:sldMkLst>
-          <pc:docMk/>
-          <pc:sldMk cId="2993794741" sldId="265"/>
-        </pc:sldMkLst>
-        <pc:spChg chg="mod">
-          <ac:chgData name="Gibbons, Carl" userId="d2b037bc-8fb4-4222-845c-61440543a456" providerId="ADAL" clId="{6FB22382-79C8-4292-898E-4F4477C84372}" dt="2024-02-04T05:26:32.059" v="571" actId="20577"/>
-          <ac:spMkLst>
-            <pc:docMk/>
-            <pc:sldMk cId="2993794741" sldId="265"/>
-            <ac:spMk id="2" creationId="{31B75992-5098-A283-4925-2CCEBB801DC5}"/>
-          </ac:spMkLst>
-        </pc:spChg>
-        <pc:spChg chg="mod">
-          <ac:chgData name="Gibbons, Carl" userId="d2b037bc-8fb4-4222-845c-61440543a456" providerId="ADAL" clId="{6FB22382-79C8-4292-898E-4F4477C84372}" dt="2024-02-04T05:35:49.521" v="1241" actId="20577"/>
-          <ac:spMkLst>
-            <pc:docMk/>
-            <pc:sldMk cId="2993794741" sldId="265"/>
-            <ac:spMk id="3" creationId="{B5924E0F-A977-1710-779D-EEB74261AF34}"/>
-          </ac:spMkLst>
-        </pc:spChg>
-      </pc:sldChg>
-      <pc:sldChg chg="modSp mod">
-        <pc:chgData name="Gibbons, Carl" userId="d2b037bc-8fb4-4222-845c-61440543a456" providerId="ADAL" clId="{6FB22382-79C8-4292-898E-4F4477C84372}" dt="2024-02-04T05:45:18.786" v="1941" actId="20577"/>
-        <pc:sldMkLst>
-          <pc:docMk/>
-          <pc:sldMk cId="1337022352" sldId="266"/>
-        </pc:sldMkLst>
-        <pc:spChg chg="mod">
-          <ac:chgData name="Gibbons, Carl" userId="d2b037bc-8fb4-4222-845c-61440543a456" providerId="ADAL" clId="{6FB22382-79C8-4292-898E-4F4477C84372}" dt="2024-02-04T05:36:29.682" v="1255" actId="20577"/>
-          <ac:spMkLst>
-            <pc:docMk/>
-            <pc:sldMk cId="1337022352" sldId="266"/>
-            <ac:spMk id="2" creationId="{31B75992-5098-A283-4925-2CCEBB801DC5}"/>
-          </ac:spMkLst>
-        </pc:spChg>
-        <pc:spChg chg="mod">
-          <ac:chgData name="Gibbons, Carl" userId="d2b037bc-8fb4-4222-845c-61440543a456" providerId="ADAL" clId="{6FB22382-79C8-4292-898E-4F4477C84372}" dt="2024-02-04T05:45:18.786" v="1941" actId="20577"/>
-          <ac:spMkLst>
-            <pc:docMk/>
-            <pc:sldMk cId="1337022352" sldId="266"/>
-            <ac:spMk id="3" creationId="{B5924E0F-A977-1710-779D-EEB74261AF34}"/>
-          </ac:spMkLst>
-        </pc:spChg>
-      </pc:sldChg>
-      <pc:sldChg chg="modSp add mod">
-        <pc:chgData name="Gibbons, Carl" userId="d2b037bc-8fb4-4222-845c-61440543a456" providerId="ADAL" clId="{6FB22382-79C8-4292-898E-4F4477C84372}" dt="2024-02-04T05:44:39.205" v="1897" actId="12"/>
-        <pc:sldMkLst>
-          <pc:docMk/>
-          <pc:sldMk cId="3576168196" sldId="267"/>
-        </pc:sldMkLst>
-        <pc:spChg chg="mod">
-          <ac:chgData name="Gibbons, Carl" userId="d2b037bc-8fb4-4222-845c-61440543a456" providerId="ADAL" clId="{6FB22382-79C8-4292-898E-4F4477C84372}" dt="2024-02-04T05:41:13.380" v="1714" actId="20577"/>
-          <ac:spMkLst>
-            <pc:docMk/>
-            <pc:sldMk cId="3576168196" sldId="267"/>
-            <ac:spMk id="2" creationId="{31B75992-5098-A283-4925-2CCEBB801DC5}"/>
-          </ac:spMkLst>
-        </pc:spChg>
-        <pc:spChg chg="mod">
-          <ac:chgData name="Gibbons, Carl" userId="d2b037bc-8fb4-4222-845c-61440543a456" providerId="ADAL" clId="{6FB22382-79C8-4292-898E-4F4477C84372}" dt="2024-02-04T05:44:39.205" v="1897" actId="12"/>
-          <ac:spMkLst>
-            <pc:docMk/>
-            <pc:sldMk cId="3576168196" sldId="267"/>
-            <ac:spMk id="3" creationId="{B5924E0F-A977-1710-779D-EEB74261AF34}"/>
-          </ac:spMkLst>
-        </pc:spChg>
-      </pc:sldChg>
-      <pc:sldChg chg="addSp modSp new mod">
-        <pc:chgData name="Gibbons, Carl" userId="d2b037bc-8fb4-4222-845c-61440543a456" providerId="ADAL" clId="{6FB22382-79C8-4292-898E-4F4477C84372}" dt="2024-02-04T06:11:39.022" v="4076" actId="20577"/>
-        <pc:sldMkLst>
-          <pc:docMk/>
-          <pc:sldMk cId="1066671753" sldId="268"/>
-        </pc:sldMkLst>
-        <pc:spChg chg="mod">
-          <ac:chgData name="Gibbons, Carl" userId="d2b037bc-8fb4-4222-845c-61440543a456" providerId="ADAL" clId="{6FB22382-79C8-4292-898E-4F4477C84372}" dt="2024-02-04T05:45:07.756" v="1926" actId="20577"/>
-          <ac:spMkLst>
-            <pc:docMk/>
-            <pc:sldMk cId="1066671753" sldId="268"/>
-            <ac:spMk id="2" creationId="{1697FD53-1B2D-FA1E-85ED-8261A111660A}"/>
-          </ac:spMkLst>
-        </pc:spChg>
-        <pc:spChg chg="add mod">
-          <ac:chgData name="Gibbons, Carl" userId="d2b037bc-8fb4-4222-845c-61440543a456" providerId="ADAL" clId="{6FB22382-79C8-4292-898E-4F4477C84372}" dt="2024-02-04T06:11:39.022" v="4076" actId="20577"/>
-          <ac:spMkLst>
-            <pc:docMk/>
-            <pc:sldMk cId="1066671753" sldId="268"/>
-            <ac:spMk id="3" creationId="{76A2A896-1BFA-0E85-4155-672FD7F5CC95}"/>
-          </ac:spMkLst>
-        </pc:spChg>
-      </pc:sldChg>
-      <pc:sldChg chg="modSp mod">
-        <pc:chgData name="Gibbons, Carl" userId="d2b037bc-8fb4-4222-845c-61440543a456" providerId="ADAL" clId="{6FB22382-79C8-4292-898E-4F4477C84372}" dt="2024-02-04T06:10:10.836" v="3893" actId="12"/>
-        <pc:sldMkLst>
-          <pc:docMk/>
-          <pc:sldMk cId="465083765" sldId="269"/>
-        </pc:sldMkLst>
-        <pc:spChg chg="mod">
-          <ac:chgData name="Gibbons, Carl" userId="d2b037bc-8fb4-4222-845c-61440543a456" providerId="ADAL" clId="{6FB22382-79C8-4292-898E-4F4477C84372}" dt="2024-02-04T06:09:43.021" v="3884" actId="20577"/>
-          <ac:spMkLst>
-            <pc:docMk/>
-            <pc:sldMk cId="465083765" sldId="269"/>
-            <ac:spMk id="2" creationId="{1697FD53-1B2D-FA1E-85ED-8261A111660A}"/>
-          </ac:spMkLst>
-        </pc:spChg>
-        <pc:spChg chg="mod">
-          <ac:chgData name="Gibbons, Carl" userId="d2b037bc-8fb4-4222-845c-61440543a456" providerId="ADAL" clId="{6FB22382-79C8-4292-898E-4F4477C84372}" dt="2024-02-04T06:10:10.836" v="3893" actId="12"/>
-          <ac:spMkLst>
-            <pc:docMk/>
-            <pc:sldMk cId="465083765" sldId="269"/>
-            <ac:spMk id="3" creationId="{76A2A896-1BFA-0E85-4155-672FD7F5CC95}"/>
-          </ac:spMkLst>
-        </pc:spChg>
-      </pc:sldChg>
-    </pc:docChg>
-  </pc:docChgLst>
-  <pc:docChgLst>
-    <pc:chgData name="Gibbons, Carl" userId="d2b037bc-8fb4-4222-845c-61440543a456" providerId="ADAL" clId="{14F797DE-E75B-4062-A6FB-AA9F07155580}"/>
-    <pc:docChg chg="undo custSel addSld modSld">
-      <pc:chgData name="Gibbons, Carl" userId="d2b037bc-8fb4-4222-845c-61440543a456" providerId="ADAL" clId="{14F797DE-E75B-4062-A6FB-AA9F07155580}" dt="2023-12-29T21:55:15.574" v="6853" actId="255"/>
-      <pc:docMkLst>
-        <pc:docMk/>
-      </pc:docMkLst>
-      <pc:sldChg chg="modSp mod">
-        <pc:chgData name="Gibbons, Carl" userId="d2b037bc-8fb4-4222-845c-61440543a456" providerId="ADAL" clId="{14F797DE-E75B-4062-A6FB-AA9F07155580}" dt="2023-12-29T17:10:38.181" v="10" actId="20577"/>
-        <pc:sldMkLst>
-          <pc:docMk/>
-          <pc:sldMk cId="3308175748" sldId="256"/>
-        </pc:sldMkLst>
-        <pc:spChg chg="mod">
-          <ac:chgData name="Gibbons, Carl" userId="d2b037bc-8fb4-4222-845c-61440543a456" providerId="ADAL" clId="{14F797DE-E75B-4062-A6FB-AA9F07155580}" dt="2023-12-29T17:10:38.181" v="10" actId="20577"/>
-          <ac:spMkLst>
-            <pc:docMk/>
-            <pc:sldMk cId="3308175748" sldId="256"/>
-            <ac:spMk id="3" creationId="{EEC4D41B-E776-05F2-BE0B-89BB339485AB}"/>
-          </ac:spMkLst>
-        </pc:spChg>
-      </pc:sldChg>
-      <pc:sldChg chg="modSp mod">
-        <pc:chgData name="Gibbons, Carl" userId="d2b037bc-8fb4-4222-845c-61440543a456" providerId="ADAL" clId="{14F797DE-E75B-4062-A6FB-AA9F07155580}" dt="2023-12-29T17:51:52.012" v="2089" actId="20577"/>
-        <pc:sldMkLst>
-          <pc:docMk/>
-          <pc:sldMk cId="2312486803" sldId="261"/>
-        </pc:sldMkLst>
-        <pc:spChg chg="mod">
-          <ac:chgData name="Gibbons, Carl" userId="d2b037bc-8fb4-4222-845c-61440543a456" providerId="ADAL" clId="{14F797DE-E75B-4062-A6FB-AA9F07155580}" dt="2023-12-29T17:23:59.510" v="341" actId="20577"/>
-          <ac:spMkLst>
-            <pc:docMk/>
-            <pc:sldMk cId="2312486803" sldId="261"/>
-            <ac:spMk id="2" creationId="{31B75992-5098-A283-4925-2CCEBB801DC5}"/>
-          </ac:spMkLst>
-        </pc:spChg>
-        <pc:spChg chg="mod">
-          <ac:chgData name="Gibbons, Carl" userId="d2b037bc-8fb4-4222-845c-61440543a456" providerId="ADAL" clId="{14F797DE-E75B-4062-A6FB-AA9F07155580}" dt="2023-12-29T17:51:52.012" v="2089" actId="20577"/>
-          <ac:spMkLst>
-            <pc:docMk/>
-            <pc:sldMk cId="2312486803" sldId="261"/>
-            <ac:spMk id="3" creationId="{B5924E0F-A977-1710-779D-EEB74261AF34}"/>
-          </ac:spMkLst>
-        </pc:spChg>
-      </pc:sldChg>
-      <pc:sldChg chg="addSp modSp mod">
-        <pc:chgData name="Gibbons, Carl" userId="d2b037bc-8fb4-4222-845c-61440543a456" providerId="ADAL" clId="{14F797DE-E75B-4062-A6FB-AA9F07155580}" dt="2023-12-29T21:53:53.831" v="6845" actId="20577"/>
-        <pc:sldMkLst>
-          <pc:docMk/>
-          <pc:sldMk cId="657795359" sldId="277"/>
-        </pc:sldMkLst>
-        <pc:spChg chg="mod">
-          <ac:chgData name="Gibbons, Carl" userId="d2b037bc-8fb4-4222-845c-61440543a456" providerId="ADAL" clId="{14F797DE-E75B-4062-A6FB-AA9F07155580}" dt="2023-12-29T21:45:47.422" v="6393" actId="20577"/>
-          <ac:spMkLst>
-            <pc:docMk/>
-            <pc:sldMk cId="657795359" sldId="277"/>
-            <ac:spMk id="2" creationId="{1862E903-3C56-BB42-2361-009F2336475A}"/>
-          </ac:spMkLst>
-        </pc:spChg>
-        <pc:spChg chg="add mod">
-          <ac:chgData name="Gibbons, Carl" userId="d2b037bc-8fb4-4222-845c-61440543a456" providerId="ADAL" clId="{14F797DE-E75B-4062-A6FB-AA9F07155580}" dt="2023-12-29T21:53:53.831" v="6845" actId="20577"/>
-          <ac:spMkLst>
-            <pc:docMk/>
-            <pc:sldMk cId="657795359" sldId="277"/>
-            <ac:spMk id="3" creationId="{D9D594D6-F4EE-B0AB-C128-26D2D32F8E21}"/>
-          </ac:spMkLst>
-        </pc:spChg>
-      </pc:sldChg>
-      <pc:sldChg chg="modSp mod">
-        <pc:chgData name="Gibbons, Carl" userId="d2b037bc-8fb4-4222-845c-61440543a456" providerId="ADAL" clId="{14F797DE-E75B-4062-A6FB-AA9F07155580}" dt="2023-12-29T18:26:31.431" v="3669" actId="20577"/>
-        <pc:sldMkLst>
-          <pc:docMk/>
-          <pc:sldMk cId="3989541258" sldId="278"/>
-        </pc:sldMkLst>
-        <pc:spChg chg="mod">
-          <ac:chgData name="Gibbons, Carl" userId="d2b037bc-8fb4-4222-845c-61440543a456" providerId="ADAL" clId="{14F797DE-E75B-4062-A6FB-AA9F07155580}" dt="2023-12-29T17:53:20.837" v="2147" actId="20577"/>
-          <ac:spMkLst>
-            <pc:docMk/>
-            <pc:sldMk cId="3989541258" sldId="278"/>
-            <ac:spMk id="2" creationId="{31B75992-5098-A283-4925-2CCEBB801DC5}"/>
-          </ac:spMkLst>
-        </pc:spChg>
-        <pc:spChg chg="mod">
-          <ac:chgData name="Gibbons, Carl" userId="d2b037bc-8fb4-4222-845c-61440543a456" providerId="ADAL" clId="{14F797DE-E75B-4062-A6FB-AA9F07155580}" dt="2023-12-29T18:26:31.431" v="3669" actId="20577"/>
-          <ac:spMkLst>
-            <pc:docMk/>
-            <pc:sldMk cId="3989541258" sldId="278"/>
-            <ac:spMk id="3" creationId="{B5924E0F-A977-1710-779D-EEB74261AF34}"/>
-          </ac:spMkLst>
-        </pc:spChg>
-      </pc:sldChg>
-      <pc:sldChg chg="modSp mod">
-        <pc:chgData name="Gibbons, Carl" userId="d2b037bc-8fb4-4222-845c-61440543a456" providerId="ADAL" clId="{14F797DE-E75B-4062-A6FB-AA9F07155580}" dt="2023-12-29T21:55:15.574" v="6853" actId="255"/>
-        <pc:sldMkLst>
-          <pc:docMk/>
-          <pc:sldMk cId="1861646120" sldId="293"/>
-        </pc:sldMkLst>
-        <pc:spChg chg="mod">
-          <ac:chgData name="Gibbons, Carl" userId="d2b037bc-8fb4-4222-845c-61440543a456" providerId="ADAL" clId="{14F797DE-E75B-4062-A6FB-AA9F07155580}" dt="2023-12-29T18:01:10.039" v="2767" actId="20577"/>
-          <ac:spMkLst>
-            <pc:docMk/>
-            <pc:sldMk cId="1861646120" sldId="293"/>
-            <ac:spMk id="2" creationId="{31B75992-5098-A283-4925-2CCEBB801DC5}"/>
-          </ac:spMkLst>
-        </pc:spChg>
-        <pc:spChg chg="mod">
-          <ac:chgData name="Gibbons, Carl" userId="d2b037bc-8fb4-4222-845c-61440543a456" providerId="ADAL" clId="{14F797DE-E75B-4062-A6FB-AA9F07155580}" dt="2023-12-29T21:55:15.574" v="6853" actId="255"/>
-          <ac:spMkLst>
-            <pc:docMk/>
-            <pc:sldMk cId="1861646120" sldId="293"/>
-            <ac:spMk id="3" creationId="{B5924E0F-A977-1710-779D-EEB74261AF34}"/>
-          </ac:spMkLst>
-        </pc:spChg>
-      </pc:sldChg>
-      <pc:sldChg chg="modSp mod">
-        <pc:chgData name="Gibbons, Carl" userId="d2b037bc-8fb4-4222-845c-61440543a456" providerId="ADAL" clId="{14F797DE-E75B-4062-A6FB-AA9F07155580}" dt="2023-12-29T21:55:08.313" v="6852" actId="255"/>
-        <pc:sldMkLst>
-          <pc:docMk/>
-          <pc:sldMk cId="2232562783" sldId="294"/>
-        </pc:sldMkLst>
-        <pc:spChg chg="mod">
-          <ac:chgData name="Gibbons, Carl" userId="d2b037bc-8fb4-4222-845c-61440543a456" providerId="ADAL" clId="{14F797DE-E75B-4062-A6FB-AA9F07155580}" dt="2023-12-29T18:24:14.937" v="3546" actId="20577"/>
-          <ac:spMkLst>
-            <pc:docMk/>
-            <pc:sldMk cId="2232562783" sldId="294"/>
-            <ac:spMk id="2" creationId="{31B75992-5098-A283-4925-2CCEBB801DC5}"/>
-          </ac:spMkLst>
-        </pc:spChg>
-        <pc:spChg chg="mod">
-          <ac:chgData name="Gibbons, Carl" userId="d2b037bc-8fb4-4222-845c-61440543a456" providerId="ADAL" clId="{14F797DE-E75B-4062-A6FB-AA9F07155580}" dt="2023-12-29T21:55:08.313" v="6852" actId="255"/>
-          <ac:spMkLst>
-            <pc:docMk/>
-            <pc:sldMk cId="2232562783" sldId="294"/>
-            <ac:spMk id="3" creationId="{B5924E0F-A977-1710-779D-EEB74261AF34}"/>
-          </ac:spMkLst>
-        </pc:spChg>
-      </pc:sldChg>
-      <pc:sldChg chg="modSp add mod">
-        <pc:chgData name="Gibbons, Carl" userId="d2b037bc-8fb4-4222-845c-61440543a456" providerId="ADAL" clId="{14F797DE-E75B-4062-A6FB-AA9F07155580}" dt="2023-12-29T21:55:02.689" v="6851" actId="255"/>
-        <pc:sldMkLst>
-          <pc:docMk/>
-          <pc:sldMk cId="806767687" sldId="295"/>
-        </pc:sldMkLst>
-        <pc:spChg chg="mod">
-          <ac:chgData name="Gibbons, Carl" userId="d2b037bc-8fb4-4222-845c-61440543a456" providerId="ADAL" clId="{14F797DE-E75B-4062-A6FB-AA9F07155580}" dt="2023-12-29T18:50:33.208" v="4036" actId="113"/>
-          <ac:spMkLst>
-            <pc:docMk/>
-            <pc:sldMk cId="806767687" sldId="295"/>
-            <ac:spMk id="2" creationId="{31B75992-5098-A283-4925-2CCEBB801DC5}"/>
-          </ac:spMkLst>
-        </pc:spChg>
-        <pc:spChg chg="mod">
-          <ac:chgData name="Gibbons, Carl" userId="d2b037bc-8fb4-4222-845c-61440543a456" providerId="ADAL" clId="{14F797DE-E75B-4062-A6FB-AA9F07155580}" dt="2023-12-29T21:55:02.689" v="6851" actId="255"/>
-          <ac:spMkLst>
-            <pc:docMk/>
-            <pc:sldMk cId="806767687" sldId="295"/>
-            <ac:spMk id="3" creationId="{B5924E0F-A977-1710-779D-EEB74261AF34}"/>
-          </ac:spMkLst>
-        </pc:spChg>
-      </pc:sldChg>
-      <pc:sldChg chg="modSp mod">
-        <pc:chgData name="Gibbons, Carl" userId="d2b037bc-8fb4-4222-845c-61440543a456" providerId="ADAL" clId="{14F797DE-E75B-4062-A6FB-AA9F07155580}" dt="2023-12-29T21:54:48.370" v="6850" actId="255"/>
-        <pc:sldMkLst>
-          <pc:docMk/>
-          <pc:sldMk cId="3145157247" sldId="296"/>
-        </pc:sldMkLst>
-        <pc:spChg chg="mod">
-          <ac:chgData name="Gibbons, Carl" userId="d2b037bc-8fb4-4222-845c-61440543a456" providerId="ADAL" clId="{14F797DE-E75B-4062-A6FB-AA9F07155580}" dt="2023-12-29T21:07:20.782" v="4695" actId="20577"/>
-          <ac:spMkLst>
-            <pc:docMk/>
-            <pc:sldMk cId="3145157247" sldId="296"/>
-            <ac:spMk id="2" creationId="{31B75992-5098-A283-4925-2CCEBB801DC5}"/>
-          </ac:spMkLst>
-        </pc:spChg>
-        <pc:spChg chg="mod">
-          <ac:chgData name="Gibbons, Carl" userId="d2b037bc-8fb4-4222-845c-61440543a456" providerId="ADAL" clId="{14F797DE-E75B-4062-A6FB-AA9F07155580}" dt="2023-12-29T21:54:48.370" v="6850" actId="255"/>
-          <ac:spMkLst>
-            <pc:docMk/>
-            <pc:sldMk cId="3145157247" sldId="296"/>
-            <ac:spMk id="3" creationId="{B5924E0F-A977-1710-779D-EEB74261AF34}"/>
-          </ac:spMkLst>
-        </pc:spChg>
-      </pc:sldChg>
-      <pc:sldChg chg="modSp mod">
-        <pc:chgData name="Gibbons, Carl" userId="d2b037bc-8fb4-4222-845c-61440543a456" providerId="ADAL" clId="{14F797DE-E75B-4062-A6FB-AA9F07155580}" dt="2023-12-29T21:54:42.630" v="6849" actId="255"/>
-        <pc:sldMkLst>
-          <pc:docMk/>
-          <pc:sldMk cId="2424714671" sldId="297"/>
-        </pc:sldMkLst>
-        <pc:spChg chg="mod">
-          <ac:chgData name="Gibbons, Carl" userId="d2b037bc-8fb4-4222-845c-61440543a456" providerId="ADAL" clId="{14F797DE-E75B-4062-A6FB-AA9F07155580}" dt="2023-12-29T21:07:54.964" v="4712" actId="20577"/>
-          <ac:spMkLst>
-            <pc:docMk/>
-            <pc:sldMk cId="2424714671" sldId="297"/>
-            <ac:spMk id="2" creationId="{31B75992-5098-A283-4925-2CCEBB801DC5}"/>
-          </ac:spMkLst>
-        </pc:spChg>
-        <pc:spChg chg="mod">
-          <ac:chgData name="Gibbons, Carl" userId="d2b037bc-8fb4-4222-845c-61440543a456" providerId="ADAL" clId="{14F797DE-E75B-4062-A6FB-AA9F07155580}" dt="2023-12-29T21:54:42.630" v="6849" actId="255"/>
-          <ac:spMkLst>
-            <pc:docMk/>
-            <pc:sldMk cId="2424714671" sldId="297"/>
-            <ac:spMk id="3" creationId="{B5924E0F-A977-1710-779D-EEB74261AF34}"/>
-          </ac:spMkLst>
-        </pc:spChg>
-      </pc:sldChg>
-      <pc:sldChg chg="modSp mod">
-        <pc:chgData name="Gibbons, Carl" userId="d2b037bc-8fb4-4222-845c-61440543a456" providerId="ADAL" clId="{14F797DE-E75B-4062-A6FB-AA9F07155580}" dt="2023-12-29T21:54:28.975" v="6848" actId="255"/>
-        <pc:sldMkLst>
-          <pc:docMk/>
-          <pc:sldMk cId="3450195044" sldId="298"/>
-        </pc:sldMkLst>
-        <pc:spChg chg="mod">
-          <ac:chgData name="Gibbons, Carl" userId="d2b037bc-8fb4-4222-845c-61440543a456" providerId="ADAL" clId="{14F797DE-E75B-4062-A6FB-AA9F07155580}" dt="2023-12-29T21:23:42.216" v="5202" actId="20577"/>
-          <ac:spMkLst>
-            <pc:docMk/>
-            <pc:sldMk cId="3450195044" sldId="298"/>
-            <ac:spMk id="2" creationId="{31B75992-5098-A283-4925-2CCEBB801DC5}"/>
-          </ac:spMkLst>
-        </pc:spChg>
-        <pc:spChg chg="mod">
-          <ac:chgData name="Gibbons, Carl" userId="d2b037bc-8fb4-4222-845c-61440543a456" providerId="ADAL" clId="{14F797DE-E75B-4062-A6FB-AA9F07155580}" dt="2023-12-29T21:54:28.975" v="6848" actId="255"/>
-          <ac:spMkLst>
-            <pc:docMk/>
-            <pc:sldMk cId="3450195044" sldId="298"/>
-            <ac:spMk id="3" creationId="{B5924E0F-A977-1710-779D-EEB74261AF34}"/>
-          </ac:spMkLst>
-        </pc:spChg>
-      </pc:sldChg>
-      <pc:sldChg chg="modSp mod">
-        <pc:chgData name="Gibbons, Carl" userId="d2b037bc-8fb4-4222-845c-61440543a456" providerId="ADAL" clId="{14F797DE-E75B-4062-A6FB-AA9F07155580}" dt="2023-12-29T21:54:18.720" v="6846" actId="255"/>
-        <pc:sldMkLst>
-          <pc:docMk/>
-          <pc:sldMk cId="3633122843" sldId="299"/>
-        </pc:sldMkLst>
-        <pc:spChg chg="mod">
-          <ac:chgData name="Gibbons, Carl" userId="d2b037bc-8fb4-4222-845c-61440543a456" providerId="ADAL" clId="{14F797DE-E75B-4062-A6FB-AA9F07155580}" dt="2023-12-29T21:31:23.761" v="5684" actId="20577"/>
-          <ac:spMkLst>
-            <pc:docMk/>
-            <pc:sldMk cId="3633122843" sldId="299"/>
-            <ac:spMk id="2" creationId="{31B75992-5098-A283-4925-2CCEBB801DC5}"/>
-          </ac:spMkLst>
-        </pc:spChg>
-        <pc:spChg chg="mod">
-          <ac:chgData name="Gibbons, Carl" userId="d2b037bc-8fb4-4222-845c-61440543a456" providerId="ADAL" clId="{14F797DE-E75B-4062-A6FB-AA9F07155580}" dt="2023-12-29T21:54:18.720" v="6846" actId="255"/>
-          <ac:spMkLst>
-            <pc:docMk/>
-            <pc:sldMk cId="3633122843" sldId="299"/>
-            <ac:spMk id="3" creationId="{B5924E0F-A977-1710-779D-EEB74261AF34}"/>
-          </ac:spMkLst>
-        </pc:spChg>
-      </pc:sldChg>
-    </pc:docChg>
-  </pc:docChgLst>
-  <pc:docChgLst>
     <pc:chgData name="Gibbons, Carl" userId="d2b037bc-8fb4-4222-845c-61440543a456" providerId="ADAL" clId="{C1E6ABF6-BAED-4B26-97DB-20A1E8B7A1A4}"/>
     <pc:docChg chg="custSel modSld">
       <pc:chgData name="Gibbons, Carl" userId="d2b037bc-8fb4-4222-845c-61440543a456" providerId="ADAL" clId="{C1E6ABF6-BAED-4B26-97DB-20A1E8B7A1A4}" dt="2023-12-06T02:23:48.337" v="274" actId="20577"/>
@@ -1417,6 +2825,459 @@
             <pc:docMk/>
             <pc:sldMk cId="657795359" sldId="277"/>
             <ac:spMk id="3" creationId="{90179172-96B3-95D0-A137-257770BE7642}"/>
+          </ac:spMkLst>
+        </pc:spChg>
+      </pc:sldChg>
+    </pc:docChg>
+  </pc:docChgLst>
+  <pc:docChgLst>
+    <pc:chgData name="Gibbons, Carl" userId="d2b037bc-8fb4-4222-845c-61440543a456" providerId="ADAL" clId="{AA20781C-E693-4A15-9A9D-8345B65B3F1D}"/>
+    <pc:docChg chg="undo redo custSel modSld">
+      <pc:chgData name="Gibbons, Carl" userId="d2b037bc-8fb4-4222-845c-61440543a456" providerId="ADAL" clId="{AA20781C-E693-4A15-9A9D-8345B65B3F1D}" dt="2024-05-23T21:31:01.738" v="4787" actId="20577"/>
+      <pc:docMkLst>
+        <pc:docMk/>
+      </pc:docMkLst>
+      <pc:sldChg chg="modSp mod">
+        <pc:chgData name="Gibbons, Carl" userId="d2b037bc-8fb4-4222-845c-61440543a456" providerId="ADAL" clId="{AA20781C-E693-4A15-9A9D-8345B65B3F1D}" dt="2024-05-23T18:19:28.406" v="19" actId="20577"/>
+        <pc:sldMkLst>
+          <pc:docMk/>
+          <pc:sldMk cId="3308175748" sldId="256"/>
+        </pc:sldMkLst>
+        <pc:spChg chg="mod">
+          <ac:chgData name="Gibbons, Carl" userId="d2b037bc-8fb4-4222-845c-61440543a456" providerId="ADAL" clId="{AA20781C-E693-4A15-9A9D-8345B65B3F1D}" dt="2024-05-23T18:19:28.406" v="19" actId="20577"/>
+          <ac:spMkLst>
+            <pc:docMk/>
+            <pc:sldMk cId="3308175748" sldId="256"/>
+            <ac:spMk id="3" creationId="{EEC4D41B-E776-05F2-BE0B-89BB339485AB}"/>
+          </ac:spMkLst>
+        </pc:spChg>
+      </pc:sldChg>
+      <pc:sldChg chg="modSp mod">
+        <pc:chgData name="Gibbons, Carl" userId="d2b037bc-8fb4-4222-845c-61440543a456" providerId="ADAL" clId="{AA20781C-E693-4A15-9A9D-8345B65B3F1D}" dt="2024-05-23T20:24:35.054" v="4771" actId="20577"/>
+        <pc:sldMkLst>
+          <pc:docMk/>
+          <pc:sldMk cId="3885141102" sldId="262"/>
+        </pc:sldMkLst>
+        <pc:spChg chg="mod">
+          <ac:chgData name="Gibbons, Carl" userId="d2b037bc-8fb4-4222-845c-61440543a456" providerId="ADAL" clId="{AA20781C-E693-4A15-9A9D-8345B65B3F1D}" dt="2024-05-23T20:24:35.054" v="4771" actId="20577"/>
+          <ac:spMkLst>
+            <pc:docMk/>
+            <pc:sldMk cId="3885141102" sldId="262"/>
+            <ac:spMk id="3" creationId="{B5924E0F-A977-1710-779D-EEB74261AF34}"/>
+          </ac:spMkLst>
+        </pc:spChg>
+      </pc:sldChg>
+      <pc:sldChg chg="addSp modSp mod">
+        <pc:chgData name="Gibbons, Carl" userId="d2b037bc-8fb4-4222-845c-61440543a456" providerId="ADAL" clId="{AA20781C-E693-4A15-9A9D-8345B65B3F1D}" dt="2024-05-23T21:31:01.738" v="4787" actId="20577"/>
+        <pc:sldMkLst>
+          <pc:docMk/>
+          <pc:sldMk cId="1196559129" sldId="264"/>
+        </pc:sldMkLst>
+        <pc:spChg chg="mod">
+          <ac:chgData name="Gibbons, Carl" userId="d2b037bc-8fb4-4222-845c-61440543a456" providerId="ADAL" clId="{AA20781C-E693-4A15-9A9D-8345B65B3F1D}" dt="2024-05-23T19:41:13.692" v="2966" actId="20577"/>
+          <ac:spMkLst>
+            <pc:docMk/>
+            <pc:sldMk cId="1196559129" sldId="264"/>
+            <ac:spMk id="2" creationId="{0E6A2DEF-4501-FAEA-A31C-4FDCBD076712}"/>
+          </ac:spMkLst>
+        </pc:spChg>
+        <pc:spChg chg="add mod">
+          <ac:chgData name="Gibbons, Carl" userId="d2b037bc-8fb4-4222-845c-61440543a456" providerId="ADAL" clId="{AA20781C-E693-4A15-9A9D-8345B65B3F1D}" dt="2024-05-23T20:01:54.455" v="3649" actId="15"/>
+          <ac:spMkLst>
+            <pc:docMk/>
+            <pc:sldMk cId="1196559129" sldId="264"/>
+            <ac:spMk id="3" creationId="{6DB565A6-DDA9-BD81-B7C7-3069323CA90A}"/>
+          </ac:spMkLst>
+        </pc:spChg>
+        <pc:spChg chg="add mod">
+          <ac:chgData name="Gibbons, Carl" userId="d2b037bc-8fb4-4222-845c-61440543a456" providerId="ADAL" clId="{AA20781C-E693-4A15-9A9D-8345B65B3F1D}" dt="2024-05-23T21:31:01.738" v="4787" actId="20577"/>
+          <ac:spMkLst>
+            <pc:docMk/>
+            <pc:sldMk cId="1196559129" sldId="264"/>
+            <ac:spMk id="4" creationId="{5F95AB98-4F6F-01E3-47E3-C88B1F1E9664}"/>
+          </ac:spMkLst>
+        </pc:spChg>
+        <pc:spChg chg="mod">
+          <ac:chgData name="Gibbons, Carl" userId="d2b037bc-8fb4-4222-845c-61440543a456" providerId="ADAL" clId="{AA20781C-E693-4A15-9A9D-8345B65B3F1D}" dt="2024-05-23T20:01:46.060" v="3645" actId="15"/>
+          <ac:spMkLst>
+            <pc:docMk/>
+            <pc:sldMk cId="1196559129" sldId="264"/>
+            <ac:spMk id="7" creationId="{4247D23F-F3F9-676F-BDEB-E69E1F0AB32C}"/>
+          </ac:spMkLst>
+        </pc:spChg>
+      </pc:sldChg>
+      <pc:sldChg chg="modSp mod">
+        <pc:chgData name="Gibbons, Carl" userId="d2b037bc-8fb4-4222-845c-61440543a456" providerId="ADAL" clId="{AA20781C-E693-4A15-9A9D-8345B65B3F1D}" dt="2024-05-23T19:39:33.179" v="2853" actId="2711"/>
+        <pc:sldMkLst>
+          <pc:docMk/>
+          <pc:sldMk cId="1400208519" sldId="265"/>
+        </pc:sldMkLst>
+        <pc:spChg chg="mod">
+          <ac:chgData name="Gibbons, Carl" userId="d2b037bc-8fb4-4222-845c-61440543a456" providerId="ADAL" clId="{AA20781C-E693-4A15-9A9D-8345B65B3F1D}" dt="2024-05-23T19:01:29.624" v="970" actId="20577"/>
+          <ac:spMkLst>
+            <pc:docMk/>
+            <pc:sldMk cId="1400208519" sldId="265"/>
+            <ac:spMk id="2" creationId="{832B45BA-6309-D8F6-D552-10D836B4EB21}"/>
+          </ac:spMkLst>
+        </pc:spChg>
+        <pc:spChg chg="mod">
+          <ac:chgData name="Gibbons, Carl" userId="d2b037bc-8fb4-4222-845c-61440543a456" providerId="ADAL" clId="{AA20781C-E693-4A15-9A9D-8345B65B3F1D}" dt="2024-05-23T19:39:33.179" v="2853" actId="2711"/>
+          <ac:spMkLst>
+            <pc:docMk/>
+            <pc:sldMk cId="1400208519" sldId="265"/>
+            <ac:spMk id="7" creationId="{3CE889EF-4605-DB73-C7B2-D7E3C4957F48}"/>
+          </ac:spMkLst>
+        </pc:spChg>
+      </pc:sldChg>
+      <pc:sldChg chg="modSp mod">
+        <pc:chgData name="Gibbons, Carl" userId="d2b037bc-8fb4-4222-845c-61440543a456" providerId="ADAL" clId="{AA20781C-E693-4A15-9A9D-8345B65B3F1D}" dt="2024-05-23T20:21:13.456" v="4392" actId="20577"/>
+        <pc:sldMkLst>
+          <pc:docMk/>
+          <pc:sldMk cId="1467586035" sldId="266"/>
+        </pc:sldMkLst>
+        <pc:spChg chg="mod">
+          <ac:chgData name="Gibbons, Carl" userId="d2b037bc-8fb4-4222-845c-61440543a456" providerId="ADAL" clId="{AA20781C-E693-4A15-9A9D-8345B65B3F1D}" dt="2024-05-23T20:06:18.037" v="3951" actId="20577"/>
+          <ac:spMkLst>
+            <pc:docMk/>
+            <pc:sldMk cId="1467586035" sldId="266"/>
+            <ac:spMk id="2" creationId="{F5533765-AE4D-3586-BFF0-C73FF51C6B9B}"/>
+          </ac:spMkLst>
+        </pc:spChg>
+        <pc:spChg chg="mod">
+          <ac:chgData name="Gibbons, Carl" userId="d2b037bc-8fb4-4222-845c-61440543a456" providerId="ADAL" clId="{AA20781C-E693-4A15-9A9D-8345B65B3F1D}" dt="2024-05-23T20:21:13.456" v="4392" actId="20577"/>
+          <ac:spMkLst>
+            <pc:docMk/>
+            <pc:sldMk cId="1467586035" sldId="266"/>
+            <ac:spMk id="7" creationId="{56F98B9D-53CB-0D01-51DD-F6B452AAB6C5}"/>
+          </ac:spMkLst>
+        </pc:spChg>
+      </pc:sldChg>
+    </pc:docChg>
+  </pc:docChgLst>
+  <pc:docChgLst>
+    <pc:chgData name="Gibbons, Carl" userId="d2b037bc-8fb4-4222-845c-61440543a456" providerId="ADAL" clId="{3F16957D-3CF8-4F94-B0D9-126F32AD7D53}"/>
+    <pc:docChg chg="custSel delSld modSld">
+      <pc:chgData name="Gibbons, Carl" userId="d2b037bc-8fb4-4222-845c-61440543a456" providerId="ADAL" clId="{3F16957D-3CF8-4F94-B0D9-126F32AD7D53}" dt="2024-02-20T18:17:07.896" v="2268" actId="20577"/>
+      <pc:docMkLst>
+        <pc:docMk/>
+      </pc:docMkLst>
+      <pc:sldChg chg="modSp mod">
+        <pc:chgData name="Gibbons, Carl" userId="d2b037bc-8fb4-4222-845c-61440543a456" providerId="ADAL" clId="{3F16957D-3CF8-4F94-B0D9-126F32AD7D53}" dt="2024-02-20T17:54:02.532" v="23" actId="20577"/>
+        <pc:sldMkLst>
+          <pc:docMk/>
+          <pc:sldMk cId="3308175748" sldId="256"/>
+        </pc:sldMkLst>
+        <pc:spChg chg="mod">
+          <ac:chgData name="Gibbons, Carl" userId="d2b037bc-8fb4-4222-845c-61440543a456" providerId="ADAL" clId="{3F16957D-3CF8-4F94-B0D9-126F32AD7D53}" dt="2024-02-20T17:54:02.532" v="23" actId="20577"/>
+          <ac:spMkLst>
+            <pc:docMk/>
+            <pc:sldMk cId="3308175748" sldId="256"/>
+            <ac:spMk id="3" creationId="{EEC4D41B-E776-05F2-BE0B-89BB339485AB}"/>
+          </ac:spMkLst>
+        </pc:spChg>
+      </pc:sldChg>
+      <pc:sldChg chg="del">
+        <pc:chgData name="Gibbons, Carl" userId="d2b037bc-8fb4-4222-845c-61440543a456" providerId="ADAL" clId="{3F16957D-3CF8-4F94-B0D9-126F32AD7D53}" dt="2024-02-20T17:54:06.303" v="24" actId="47"/>
+        <pc:sldMkLst>
+          <pc:docMk/>
+          <pc:sldMk cId="3979649407" sldId="259"/>
+        </pc:sldMkLst>
+      </pc:sldChg>
+      <pc:sldChg chg="modSp mod">
+        <pc:chgData name="Gibbons, Carl" userId="d2b037bc-8fb4-4222-845c-61440543a456" providerId="ADAL" clId="{3F16957D-3CF8-4F94-B0D9-126F32AD7D53}" dt="2024-02-20T18:06:52.868" v="1177" actId="313"/>
+        <pc:sldMkLst>
+          <pc:docMk/>
+          <pc:sldMk cId="3885141102" sldId="262"/>
+        </pc:sldMkLst>
+        <pc:spChg chg="mod">
+          <ac:chgData name="Gibbons, Carl" userId="d2b037bc-8fb4-4222-845c-61440543a456" providerId="ADAL" clId="{3F16957D-3CF8-4F94-B0D9-126F32AD7D53}" dt="2024-02-20T18:06:52.868" v="1177" actId="313"/>
+          <ac:spMkLst>
+            <pc:docMk/>
+            <pc:sldMk cId="3885141102" sldId="262"/>
+            <ac:spMk id="3" creationId="{B5924E0F-A977-1710-779D-EEB74261AF34}"/>
+          </ac:spMkLst>
+        </pc:spChg>
+      </pc:sldChg>
+      <pc:sldChg chg="delSp modSp mod">
+        <pc:chgData name="Gibbons, Carl" userId="d2b037bc-8fb4-4222-845c-61440543a456" providerId="ADAL" clId="{3F16957D-3CF8-4F94-B0D9-126F32AD7D53}" dt="2024-02-20T18:04:22.967" v="1114" actId="20577"/>
+        <pc:sldMkLst>
+          <pc:docMk/>
+          <pc:sldMk cId="1196559129" sldId="264"/>
+        </pc:sldMkLst>
+        <pc:spChg chg="mod">
+          <ac:chgData name="Gibbons, Carl" userId="d2b037bc-8fb4-4222-845c-61440543a456" providerId="ADAL" clId="{3F16957D-3CF8-4F94-B0D9-126F32AD7D53}" dt="2024-02-20T17:54:51.385" v="108" actId="20577"/>
+          <ac:spMkLst>
+            <pc:docMk/>
+            <pc:sldMk cId="1196559129" sldId="264"/>
+            <ac:spMk id="2" creationId="{0E6A2DEF-4501-FAEA-A31C-4FDCBD076712}"/>
+          </ac:spMkLst>
+        </pc:spChg>
+        <pc:spChg chg="del">
+          <ac:chgData name="Gibbons, Carl" userId="d2b037bc-8fb4-4222-845c-61440543a456" providerId="ADAL" clId="{3F16957D-3CF8-4F94-B0D9-126F32AD7D53}" dt="2024-02-20T17:55:30.328" v="123" actId="478"/>
+          <ac:spMkLst>
+            <pc:docMk/>
+            <pc:sldMk cId="1196559129" sldId="264"/>
+            <ac:spMk id="3" creationId="{3D14E407-E782-7E7A-34C1-5C9B517D7996}"/>
+          </ac:spMkLst>
+        </pc:spChg>
+        <pc:spChg chg="del">
+          <ac:chgData name="Gibbons, Carl" userId="d2b037bc-8fb4-4222-845c-61440543a456" providerId="ADAL" clId="{3F16957D-3CF8-4F94-B0D9-126F32AD7D53}" dt="2024-02-20T17:55:35.116" v="124" actId="478"/>
+          <ac:spMkLst>
+            <pc:docMk/>
+            <pc:sldMk cId="1196559129" sldId="264"/>
+            <ac:spMk id="4" creationId="{A5C2117C-95FD-BD27-85E2-3A7873734773}"/>
+          </ac:spMkLst>
+        </pc:spChg>
+        <pc:spChg chg="mod">
+          <ac:chgData name="Gibbons, Carl" userId="d2b037bc-8fb4-4222-845c-61440543a456" providerId="ADAL" clId="{3F16957D-3CF8-4F94-B0D9-126F32AD7D53}" dt="2024-02-20T18:04:22.967" v="1114" actId="20577"/>
+          <ac:spMkLst>
+            <pc:docMk/>
+            <pc:sldMk cId="1196559129" sldId="264"/>
+            <ac:spMk id="7" creationId="{4247D23F-F3F9-676F-BDEB-E69E1F0AB32C}"/>
+          </ac:spMkLst>
+        </pc:spChg>
+      </pc:sldChg>
+      <pc:sldChg chg="modSp mod">
+        <pc:chgData name="Gibbons, Carl" userId="d2b037bc-8fb4-4222-845c-61440543a456" providerId="ADAL" clId="{3F16957D-3CF8-4F94-B0D9-126F32AD7D53}" dt="2024-02-20T18:17:07.896" v="2268" actId="20577"/>
+        <pc:sldMkLst>
+          <pc:docMk/>
+          <pc:sldMk cId="1400208519" sldId="265"/>
+        </pc:sldMkLst>
+        <pc:spChg chg="mod">
+          <ac:chgData name="Gibbons, Carl" userId="d2b037bc-8fb4-4222-845c-61440543a456" providerId="ADAL" clId="{3F16957D-3CF8-4F94-B0D9-126F32AD7D53}" dt="2024-02-20T18:06:08.798" v="1133" actId="20577"/>
+          <ac:spMkLst>
+            <pc:docMk/>
+            <pc:sldMk cId="1400208519" sldId="265"/>
+            <ac:spMk id="2" creationId="{832B45BA-6309-D8F6-D552-10D836B4EB21}"/>
+          </ac:spMkLst>
+        </pc:spChg>
+        <pc:spChg chg="mod">
+          <ac:chgData name="Gibbons, Carl" userId="d2b037bc-8fb4-4222-845c-61440543a456" providerId="ADAL" clId="{3F16957D-3CF8-4F94-B0D9-126F32AD7D53}" dt="2024-02-20T18:17:07.896" v="2268" actId="20577"/>
+          <ac:spMkLst>
+            <pc:docMk/>
+            <pc:sldMk cId="1400208519" sldId="265"/>
+            <ac:spMk id="7" creationId="{3CE889EF-4605-DB73-C7B2-D7E3C4957F48}"/>
+          </ac:spMkLst>
+        </pc:spChg>
+      </pc:sldChg>
+      <pc:sldChg chg="del">
+        <pc:chgData name="Gibbons, Carl" userId="d2b037bc-8fb4-4222-845c-61440543a456" providerId="ADAL" clId="{3F16957D-3CF8-4F94-B0D9-126F32AD7D53}" dt="2024-02-20T18:06:16.494" v="1134" actId="2696"/>
+        <pc:sldMkLst>
+          <pc:docMk/>
+          <pc:sldMk cId="1959728496" sldId="266"/>
+        </pc:sldMkLst>
+      </pc:sldChg>
+    </pc:docChg>
+  </pc:docChgLst>
+  <pc:docChgLst>
+    <pc:chgData name="Gibbons, Carl" userId="d2b037bc-8fb4-4222-845c-61440543a456" providerId="ADAL" clId="{8C497311-FA0D-4174-880A-DAA4EEB2BF3B}"/>
+    <pc:docChg chg="custSel delSld modSld">
+      <pc:chgData name="Gibbons, Carl" userId="d2b037bc-8fb4-4222-845c-61440543a456" providerId="ADAL" clId="{8C497311-FA0D-4174-880A-DAA4EEB2BF3B}" dt="2023-12-29T17:07:57.293" v="7187" actId="20577"/>
+      <pc:docMkLst>
+        <pc:docMk/>
+      </pc:docMkLst>
+      <pc:sldChg chg="modSp mod">
+        <pc:chgData name="Gibbons, Carl" userId="d2b037bc-8fb4-4222-845c-61440543a456" providerId="ADAL" clId="{8C497311-FA0D-4174-880A-DAA4EEB2BF3B}" dt="2023-12-29T17:06:57.427" v="7098" actId="20577"/>
+        <pc:sldMkLst>
+          <pc:docMk/>
+          <pc:sldMk cId="3308175748" sldId="256"/>
+        </pc:sldMkLst>
+        <pc:spChg chg="mod">
+          <ac:chgData name="Gibbons, Carl" userId="d2b037bc-8fb4-4222-845c-61440543a456" providerId="ADAL" clId="{8C497311-FA0D-4174-880A-DAA4EEB2BF3B}" dt="2023-12-29T17:06:57.427" v="7098" actId="20577"/>
+          <ac:spMkLst>
+            <pc:docMk/>
+            <pc:sldMk cId="3308175748" sldId="256"/>
+            <ac:spMk id="3" creationId="{EEC4D41B-E776-05F2-BE0B-89BB339485AB}"/>
+          </ac:spMkLst>
+        </pc:spChg>
+      </pc:sldChg>
+      <pc:sldChg chg="modSp mod">
+        <pc:chgData name="Gibbons, Carl" userId="d2b037bc-8fb4-4222-845c-61440543a456" providerId="ADAL" clId="{8C497311-FA0D-4174-880A-DAA4EEB2BF3B}" dt="2023-12-29T15:08:44.674" v="3403" actId="20577"/>
+        <pc:sldMkLst>
+          <pc:docMk/>
+          <pc:sldMk cId="2312486803" sldId="261"/>
+        </pc:sldMkLst>
+        <pc:spChg chg="mod">
+          <ac:chgData name="Gibbons, Carl" userId="d2b037bc-8fb4-4222-845c-61440543a456" providerId="ADAL" clId="{8C497311-FA0D-4174-880A-DAA4EEB2BF3B}" dt="2023-12-29T14:20:41.496" v="51" actId="20577"/>
+          <ac:spMkLst>
+            <pc:docMk/>
+            <pc:sldMk cId="2312486803" sldId="261"/>
+            <ac:spMk id="2" creationId="{31B75992-5098-A283-4925-2CCEBB801DC5}"/>
+          </ac:spMkLst>
+        </pc:spChg>
+        <pc:spChg chg="mod">
+          <ac:chgData name="Gibbons, Carl" userId="d2b037bc-8fb4-4222-845c-61440543a456" providerId="ADAL" clId="{8C497311-FA0D-4174-880A-DAA4EEB2BF3B}" dt="2023-12-29T15:08:44.674" v="3403" actId="20577"/>
+          <ac:spMkLst>
+            <pc:docMk/>
+            <pc:sldMk cId="2312486803" sldId="261"/>
+            <ac:spMk id="3" creationId="{B5924E0F-A977-1710-779D-EEB74261AF34}"/>
+          </ac:spMkLst>
+        </pc:spChg>
+      </pc:sldChg>
+      <pc:sldChg chg="delSp modSp mod">
+        <pc:chgData name="Gibbons, Carl" userId="d2b037bc-8fb4-4222-845c-61440543a456" providerId="ADAL" clId="{8C497311-FA0D-4174-880A-DAA4EEB2BF3B}" dt="2023-12-29T17:07:57.293" v="7187" actId="20577"/>
+        <pc:sldMkLst>
+          <pc:docMk/>
+          <pc:sldMk cId="657795359" sldId="277"/>
+        </pc:sldMkLst>
+        <pc:spChg chg="mod">
+          <ac:chgData name="Gibbons, Carl" userId="d2b037bc-8fb4-4222-845c-61440543a456" providerId="ADAL" clId="{8C497311-FA0D-4174-880A-DAA4EEB2BF3B}" dt="2023-12-29T17:07:57.293" v="7187" actId="20577"/>
+          <ac:spMkLst>
+            <pc:docMk/>
+            <pc:sldMk cId="657795359" sldId="277"/>
+            <ac:spMk id="2" creationId="{1862E903-3C56-BB42-2361-009F2336475A}"/>
+          </ac:spMkLst>
+        </pc:spChg>
+        <pc:spChg chg="del mod">
+          <ac:chgData name="Gibbons, Carl" userId="d2b037bc-8fb4-4222-845c-61440543a456" providerId="ADAL" clId="{8C497311-FA0D-4174-880A-DAA4EEB2BF3B}" dt="2023-12-29T17:07:50.480" v="7185"/>
+          <ac:spMkLst>
+            <pc:docMk/>
+            <pc:sldMk cId="657795359" sldId="277"/>
+            <ac:spMk id="3" creationId="{90179172-96B3-95D0-A137-257770BE7642}"/>
+          </ac:spMkLst>
+        </pc:spChg>
+      </pc:sldChg>
+      <pc:sldChg chg="modSp mod">
+        <pc:chgData name="Gibbons, Carl" userId="d2b037bc-8fb4-4222-845c-61440543a456" providerId="ADAL" clId="{8C497311-FA0D-4174-880A-DAA4EEB2BF3B}" dt="2023-12-29T15:35:37.192" v="6042" actId="5793"/>
+        <pc:sldMkLst>
+          <pc:docMk/>
+          <pc:sldMk cId="3989541258" sldId="278"/>
+        </pc:sldMkLst>
+        <pc:spChg chg="mod">
+          <ac:chgData name="Gibbons, Carl" userId="d2b037bc-8fb4-4222-845c-61440543a456" providerId="ADAL" clId="{8C497311-FA0D-4174-880A-DAA4EEB2BF3B}" dt="2023-12-29T15:09:22.213" v="3411" actId="20577"/>
+          <ac:spMkLst>
+            <pc:docMk/>
+            <pc:sldMk cId="3989541258" sldId="278"/>
+            <ac:spMk id="2" creationId="{31B75992-5098-A283-4925-2CCEBB801DC5}"/>
+          </ac:spMkLst>
+        </pc:spChg>
+        <pc:spChg chg="mod">
+          <ac:chgData name="Gibbons, Carl" userId="d2b037bc-8fb4-4222-845c-61440543a456" providerId="ADAL" clId="{8C497311-FA0D-4174-880A-DAA4EEB2BF3B}" dt="2023-12-29T15:35:37.192" v="6042" actId="5793"/>
+          <ac:spMkLst>
+            <pc:docMk/>
+            <pc:sldMk cId="3989541258" sldId="278"/>
+            <ac:spMk id="3" creationId="{B5924E0F-A977-1710-779D-EEB74261AF34}"/>
+          </ac:spMkLst>
+        </pc:spChg>
+      </pc:sldChg>
+      <pc:sldChg chg="del">
+        <pc:chgData name="Gibbons, Carl" userId="d2b037bc-8fb4-4222-845c-61440543a456" providerId="ADAL" clId="{8C497311-FA0D-4174-880A-DAA4EEB2BF3B}" dt="2023-12-29T17:07:06.467" v="7099" actId="47"/>
+        <pc:sldMkLst>
+          <pc:docMk/>
+          <pc:sldMk cId="2335633195" sldId="279"/>
+        </pc:sldMkLst>
+      </pc:sldChg>
+      <pc:sldChg chg="del">
+        <pc:chgData name="Gibbons, Carl" userId="d2b037bc-8fb4-4222-845c-61440543a456" providerId="ADAL" clId="{8C497311-FA0D-4174-880A-DAA4EEB2BF3B}" dt="2023-12-29T17:07:07.395" v="7100" actId="47"/>
+        <pc:sldMkLst>
+          <pc:docMk/>
+          <pc:sldMk cId="1284534978" sldId="280"/>
+        </pc:sldMkLst>
+      </pc:sldChg>
+      <pc:sldChg chg="del">
+        <pc:chgData name="Gibbons, Carl" userId="d2b037bc-8fb4-4222-845c-61440543a456" providerId="ADAL" clId="{8C497311-FA0D-4174-880A-DAA4EEB2BF3B}" dt="2023-12-29T17:07:07.895" v="7101" actId="47"/>
+        <pc:sldMkLst>
+          <pc:docMk/>
+          <pc:sldMk cId="1802585387" sldId="281"/>
+        </pc:sldMkLst>
+      </pc:sldChg>
+      <pc:sldChg chg="del">
+        <pc:chgData name="Gibbons, Carl" userId="d2b037bc-8fb4-4222-845c-61440543a456" providerId="ADAL" clId="{8C497311-FA0D-4174-880A-DAA4EEB2BF3B}" dt="2023-12-29T17:07:08.365" v="7102" actId="47"/>
+        <pc:sldMkLst>
+          <pc:docMk/>
+          <pc:sldMk cId="724803187" sldId="282"/>
+        </pc:sldMkLst>
+      </pc:sldChg>
+      <pc:sldChg chg="del">
+        <pc:chgData name="Gibbons, Carl" userId="d2b037bc-8fb4-4222-845c-61440543a456" providerId="ADAL" clId="{8C497311-FA0D-4174-880A-DAA4EEB2BF3B}" dt="2023-12-29T17:07:08.842" v="7103" actId="47"/>
+        <pc:sldMkLst>
+          <pc:docMk/>
+          <pc:sldMk cId="1926009205" sldId="283"/>
+        </pc:sldMkLst>
+      </pc:sldChg>
+      <pc:sldChg chg="del">
+        <pc:chgData name="Gibbons, Carl" userId="d2b037bc-8fb4-4222-845c-61440543a456" providerId="ADAL" clId="{8C497311-FA0D-4174-880A-DAA4EEB2BF3B}" dt="2023-12-29T17:07:09.362" v="7104" actId="47"/>
+        <pc:sldMkLst>
+          <pc:docMk/>
+          <pc:sldMk cId="2366216895" sldId="284"/>
+        </pc:sldMkLst>
+      </pc:sldChg>
+      <pc:sldChg chg="del">
+        <pc:chgData name="Gibbons, Carl" userId="d2b037bc-8fb4-4222-845c-61440543a456" providerId="ADAL" clId="{8C497311-FA0D-4174-880A-DAA4EEB2BF3B}" dt="2023-12-29T17:07:09.925" v="7105" actId="47"/>
+        <pc:sldMkLst>
+          <pc:docMk/>
+          <pc:sldMk cId="3371896289" sldId="285"/>
+        </pc:sldMkLst>
+      </pc:sldChg>
+      <pc:sldChg chg="del">
+        <pc:chgData name="Gibbons, Carl" userId="d2b037bc-8fb4-4222-845c-61440543a456" providerId="ADAL" clId="{8C497311-FA0D-4174-880A-DAA4EEB2BF3B}" dt="2023-12-29T17:07:10.474" v="7106" actId="47"/>
+        <pc:sldMkLst>
+          <pc:docMk/>
+          <pc:sldMk cId="3193160409" sldId="286"/>
+        </pc:sldMkLst>
+      </pc:sldChg>
+      <pc:sldChg chg="del">
+        <pc:chgData name="Gibbons, Carl" userId="d2b037bc-8fb4-4222-845c-61440543a456" providerId="ADAL" clId="{8C497311-FA0D-4174-880A-DAA4EEB2BF3B}" dt="2023-12-29T17:07:11.056" v="7107" actId="47"/>
+        <pc:sldMkLst>
+          <pc:docMk/>
+          <pc:sldMk cId="2688338374" sldId="287"/>
+        </pc:sldMkLst>
+      </pc:sldChg>
+      <pc:sldChg chg="del">
+        <pc:chgData name="Gibbons, Carl" userId="d2b037bc-8fb4-4222-845c-61440543a456" providerId="ADAL" clId="{8C497311-FA0D-4174-880A-DAA4EEB2BF3B}" dt="2023-12-29T17:07:11.624" v="7108" actId="47"/>
+        <pc:sldMkLst>
+          <pc:docMk/>
+          <pc:sldMk cId="2142935017" sldId="288"/>
+        </pc:sldMkLst>
+      </pc:sldChg>
+      <pc:sldChg chg="del">
+        <pc:chgData name="Gibbons, Carl" userId="d2b037bc-8fb4-4222-845c-61440543a456" providerId="ADAL" clId="{8C497311-FA0D-4174-880A-DAA4EEB2BF3B}" dt="2023-12-29T17:07:12.218" v="7109" actId="47"/>
+        <pc:sldMkLst>
+          <pc:docMk/>
+          <pc:sldMk cId="2784625941" sldId="289"/>
+        </pc:sldMkLst>
+      </pc:sldChg>
+      <pc:sldChg chg="del">
+        <pc:chgData name="Gibbons, Carl" userId="d2b037bc-8fb4-4222-845c-61440543a456" providerId="ADAL" clId="{8C497311-FA0D-4174-880A-DAA4EEB2BF3B}" dt="2023-12-29T17:07:12.802" v="7110" actId="47"/>
+        <pc:sldMkLst>
+          <pc:docMk/>
+          <pc:sldMk cId="1677974689" sldId="290"/>
+        </pc:sldMkLst>
+      </pc:sldChg>
+      <pc:sldChg chg="del">
+        <pc:chgData name="Gibbons, Carl" userId="d2b037bc-8fb4-4222-845c-61440543a456" providerId="ADAL" clId="{8C497311-FA0D-4174-880A-DAA4EEB2BF3B}" dt="2023-12-29T17:07:13.420" v="7111" actId="47"/>
+        <pc:sldMkLst>
+          <pc:docMk/>
+          <pc:sldMk cId="4219326696" sldId="291"/>
+        </pc:sldMkLst>
+      </pc:sldChg>
+      <pc:sldChg chg="del">
+        <pc:chgData name="Gibbons, Carl" userId="d2b037bc-8fb4-4222-845c-61440543a456" providerId="ADAL" clId="{8C497311-FA0D-4174-880A-DAA4EEB2BF3B}" dt="2023-12-29T17:07:14.054" v="7112" actId="47"/>
+        <pc:sldMkLst>
+          <pc:docMk/>
+          <pc:sldMk cId="33911121" sldId="292"/>
+        </pc:sldMkLst>
+      </pc:sldChg>
+      <pc:sldChg chg="modSp mod">
+        <pc:chgData name="Gibbons, Carl" userId="d2b037bc-8fb4-4222-845c-61440543a456" providerId="ADAL" clId="{8C497311-FA0D-4174-880A-DAA4EEB2BF3B}" dt="2023-12-29T15:43:57.081" v="7062" actId="20577"/>
+        <pc:sldMkLst>
+          <pc:docMk/>
+          <pc:sldMk cId="1861646120" sldId="293"/>
+        </pc:sldMkLst>
+        <pc:spChg chg="mod">
+          <ac:chgData name="Gibbons, Carl" userId="d2b037bc-8fb4-4222-845c-61440543a456" providerId="ADAL" clId="{8C497311-FA0D-4174-880A-DAA4EEB2BF3B}" dt="2023-12-29T15:36:21.703" v="6112" actId="20577"/>
+          <ac:spMkLst>
+            <pc:docMk/>
+            <pc:sldMk cId="1861646120" sldId="293"/>
+            <ac:spMk id="2" creationId="{31B75992-5098-A283-4925-2CCEBB801DC5}"/>
+          </ac:spMkLst>
+        </pc:spChg>
+        <pc:spChg chg="mod">
+          <ac:chgData name="Gibbons, Carl" userId="d2b037bc-8fb4-4222-845c-61440543a456" providerId="ADAL" clId="{8C497311-FA0D-4174-880A-DAA4EEB2BF3B}" dt="2023-12-29T15:43:57.081" v="7062" actId="20577"/>
+          <ac:spMkLst>
+            <pc:docMk/>
+            <pc:sldMk cId="1861646120" sldId="293"/>
+            <ac:spMk id="3" creationId="{B5924E0F-A977-1710-779D-EEB74261AF34}"/>
           </ac:spMkLst>
         </pc:spChg>
       </pc:sldChg>
@@ -2099,20 +3960,20 @@
     </pc:docChg>
   </pc:docChgLst>
   <pc:docChgLst>
-    <pc:chgData name="Gibbons, Carl" userId="d2b037bc-8fb4-4222-845c-61440543a456" providerId="ADAL" clId="{3CE3119B-1917-4F7B-A5AD-6C146E3F914B}"/>
-    <pc:docChg chg="undo custSel addSld delSld modSld sldOrd">
-      <pc:chgData name="Gibbons, Carl" userId="d2b037bc-8fb4-4222-845c-61440543a456" providerId="ADAL" clId="{3CE3119B-1917-4F7B-A5AD-6C146E3F914B}" dt="2023-12-28T21:57:42.900" v="13126" actId="20577"/>
+    <pc:chgData name="Gibbons, Carl" userId="d2b037bc-8fb4-4222-845c-61440543a456" providerId="ADAL" clId="{B3D2C303-A9BA-4764-AC97-ADBDEAC925E6}"/>
+    <pc:docChg chg="undo redo custSel addSld delSld modSld">
+      <pc:chgData name="Gibbons, Carl" userId="d2b037bc-8fb4-4222-845c-61440543a456" providerId="ADAL" clId="{B3D2C303-A9BA-4764-AC97-ADBDEAC925E6}" dt="2024-05-28T17:03:25.684" v="20431" actId="1076"/>
       <pc:docMkLst>
         <pc:docMk/>
       </pc:docMkLst>
       <pc:sldChg chg="modSp mod">
-        <pc:chgData name="Gibbons, Carl" userId="d2b037bc-8fb4-4222-845c-61440543a456" providerId="ADAL" clId="{3CE3119B-1917-4F7B-A5AD-6C146E3F914B}" dt="2023-12-24T03:25:35.899" v="17" actId="20577"/>
+        <pc:chgData name="Gibbons, Carl" userId="d2b037bc-8fb4-4222-845c-61440543a456" providerId="ADAL" clId="{B3D2C303-A9BA-4764-AC97-ADBDEAC925E6}" dt="2024-05-25T00:03:54.535" v="65" actId="20577"/>
         <pc:sldMkLst>
           <pc:docMk/>
           <pc:sldMk cId="3308175748" sldId="256"/>
         </pc:sldMkLst>
         <pc:spChg chg="mod">
-          <ac:chgData name="Gibbons, Carl" userId="d2b037bc-8fb4-4222-845c-61440543a456" providerId="ADAL" clId="{3CE3119B-1917-4F7B-A5AD-6C146E3F914B}" dt="2023-12-24T03:25:35.899" v="17" actId="20577"/>
+          <ac:chgData name="Gibbons, Carl" userId="d2b037bc-8fb4-4222-845c-61440543a456" providerId="ADAL" clId="{B3D2C303-A9BA-4764-AC97-ADBDEAC925E6}" dt="2024-05-25T00:03:54.535" v="65" actId="20577"/>
           <ac:spMkLst>
             <pc:docMk/>
             <pc:sldMk cId="3308175748" sldId="256"/>
@@ -2120,671 +3981,628 @@
           </ac:spMkLst>
         </pc:spChg>
       </pc:sldChg>
+      <pc:sldChg chg="modSp mod">
+        <pc:chgData name="Gibbons, Carl" userId="d2b037bc-8fb4-4222-845c-61440543a456" providerId="ADAL" clId="{B3D2C303-A9BA-4764-AC97-ADBDEAC925E6}" dt="2024-05-26T07:02:07.988" v="20257" actId="20577"/>
+        <pc:sldMkLst>
+          <pc:docMk/>
+          <pc:sldMk cId="3885141102" sldId="262"/>
+        </pc:sldMkLst>
+        <pc:spChg chg="mod">
+          <ac:chgData name="Gibbons, Carl" userId="d2b037bc-8fb4-4222-845c-61440543a456" providerId="ADAL" clId="{B3D2C303-A9BA-4764-AC97-ADBDEAC925E6}" dt="2024-05-26T07:02:07.988" v="20257" actId="20577"/>
+          <ac:spMkLst>
+            <pc:docMk/>
+            <pc:sldMk cId="3885141102" sldId="262"/>
+            <ac:spMk id="3" creationId="{B5924E0F-A977-1710-779D-EEB74261AF34}"/>
+          </ac:spMkLst>
+        </pc:spChg>
+      </pc:sldChg>
+      <pc:sldChg chg="modSp mod">
+        <pc:chgData name="Gibbons, Carl" userId="d2b037bc-8fb4-4222-845c-61440543a456" providerId="ADAL" clId="{B3D2C303-A9BA-4764-AC97-ADBDEAC925E6}" dt="2024-05-25T14:27:28.873" v="4120" actId="14"/>
+        <pc:sldMkLst>
+          <pc:docMk/>
+          <pc:sldMk cId="1467586035" sldId="266"/>
+        </pc:sldMkLst>
+        <pc:spChg chg="mod">
+          <ac:chgData name="Gibbons, Carl" userId="d2b037bc-8fb4-4222-845c-61440543a456" providerId="ADAL" clId="{B3D2C303-A9BA-4764-AC97-ADBDEAC925E6}" dt="2024-05-25T14:10:20.704" v="2095" actId="14100"/>
+          <ac:spMkLst>
+            <pc:docMk/>
+            <pc:sldMk cId="1467586035" sldId="266"/>
+            <ac:spMk id="2" creationId="{F5533765-AE4D-3586-BFF0-C73FF51C6B9B}"/>
+          </ac:spMkLst>
+        </pc:spChg>
+        <pc:spChg chg="mod">
+          <ac:chgData name="Gibbons, Carl" userId="d2b037bc-8fb4-4222-845c-61440543a456" providerId="ADAL" clId="{B3D2C303-A9BA-4764-AC97-ADBDEAC925E6}" dt="2024-05-25T14:27:28.873" v="4120" actId="14"/>
+          <ac:spMkLst>
+            <pc:docMk/>
+            <pc:sldMk cId="1467586035" sldId="266"/>
+            <ac:spMk id="7" creationId="{56F98B9D-53CB-0D01-51DD-F6B452AAB6C5}"/>
+          </ac:spMkLst>
+        </pc:spChg>
+      </pc:sldChg>
+      <pc:sldChg chg="modSp mod">
+        <pc:chgData name="Gibbons, Carl" userId="d2b037bc-8fb4-4222-845c-61440543a456" providerId="ADAL" clId="{B3D2C303-A9BA-4764-AC97-ADBDEAC925E6}" dt="2024-05-25T15:27:28.105" v="7253" actId="20577"/>
+        <pc:sldMkLst>
+          <pc:docMk/>
+          <pc:sldMk cId="975540593" sldId="267"/>
+        </pc:sldMkLst>
+        <pc:spChg chg="mod">
+          <ac:chgData name="Gibbons, Carl" userId="d2b037bc-8fb4-4222-845c-61440543a456" providerId="ADAL" clId="{B3D2C303-A9BA-4764-AC97-ADBDEAC925E6}" dt="2024-05-25T15:00:24.938" v="6089" actId="20577"/>
+          <ac:spMkLst>
+            <pc:docMk/>
+            <pc:sldMk cId="975540593" sldId="267"/>
+            <ac:spMk id="2" creationId="{F5533765-AE4D-3586-BFF0-C73FF51C6B9B}"/>
+          </ac:spMkLst>
+        </pc:spChg>
+        <pc:spChg chg="mod">
+          <ac:chgData name="Gibbons, Carl" userId="d2b037bc-8fb4-4222-845c-61440543a456" providerId="ADAL" clId="{B3D2C303-A9BA-4764-AC97-ADBDEAC925E6}" dt="2024-05-25T15:27:28.105" v="7253" actId="20577"/>
+          <ac:spMkLst>
+            <pc:docMk/>
+            <pc:sldMk cId="975540593" sldId="267"/>
+            <ac:spMk id="7" creationId="{56F98B9D-53CB-0D01-51DD-F6B452AAB6C5}"/>
+          </ac:spMkLst>
+        </pc:spChg>
+      </pc:sldChg>
       <pc:sldChg chg="del">
-        <pc:chgData name="Gibbons, Carl" userId="d2b037bc-8fb4-4222-845c-61440543a456" providerId="ADAL" clId="{3CE3119B-1917-4F7B-A5AD-6C146E3F914B}" dt="2023-12-24T04:15:13.652" v="2206" actId="47"/>
-        <pc:sldMkLst>
-          <pc:docMk/>
-          <pc:sldMk cId="519357719" sldId="260"/>
-        </pc:sldMkLst>
-      </pc:sldChg>
-      <pc:sldChg chg="delSp modSp mod">
-        <pc:chgData name="Gibbons, Carl" userId="d2b037bc-8fb4-4222-845c-61440543a456" providerId="ADAL" clId="{3CE3119B-1917-4F7B-A5AD-6C146E3F914B}" dt="2023-12-28T19:44:28.921" v="4873" actId="20577"/>
-        <pc:sldMkLst>
-          <pc:docMk/>
-          <pc:sldMk cId="2312486803" sldId="261"/>
-        </pc:sldMkLst>
-        <pc:spChg chg="mod">
-          <ac:chgData name="Gibbons, Carl" userId="d2b037bc-8fb4-4222-845c-61440543a456" providerId="ADAL" clId="{3CE3119B-1917-4F7B-A5AD-6C146E3F914B}" dt="2023-12-24T03:44:40.577" v="592" actId="20577"/>
-          <ac:spMkLst>
-            <pc:docMk/>
-            <pc:sldMk cId="2312486803" sldId="261"/>
-            <ac:spMk id="2" creationId="{31B75992-5098-A283-4925-2CCEBB801DC5}"/>
-          </ac:spMkLst>
-        </pc:spChg>
-        <pc:spChg chg="mod">
-          <ac:chgData name="Gibbons, Carl" userId="d2b037bc-8fb4-4222-845c-61440543a456" providerId="ADAL" clId="{3CE3119B-1917-4F7B-A5AD-6C146E3F914B}" dt="2023-12-28T19:44:28.921" v="4873" actId="20577"/>
-          <ac:spMkLst>
-            <pc:docMk/>
-            <pc:sldMk cId="2312486803" sldId="261"/>
-            <ac:spMk id="3" creationId="{B5924E0F-A977-1710-779D-EEB74261AF34}"/>
-          </ac:spMkLst>
-        </pc:spChg>
-        <pc:picChg chg="del">
-          <ac:chgData name="Gibbons, Carl" userId="d2b037bc-8fb4-4222-845c-61440543a456" providerId="ADAL" clId="{3CE3119B-1917-4F7B-A5AD-6C146E3F914B}" dt="2023-12-24T03:25:42.885" v="18" actId="478"/>
+        <pc:chgData name="Gibbons, Carl" userId="d2b037bc-8fb4-4222-845c-61440543a456" providerId="ADAL" clId="{B3D2C303-A9BA-4764-AC97-ADBDEAC925E6}" dt="2024-05-25T00:05:23.362" v="66" actId="47"/>
+        <pc:sldMkLst>
+          <pc:docMk/>
+          <pc:sldMk cId="2729151594" sldId="267"/>
+        </pc:sldMkLst>
+      </pc:sldChg>
+      <pc:sldChg chg="modSp add mod">
+        <pc:chgData name="Gibbons, Carl" userId="d2b037bc-8fb4-4222-845c-61440543a456" providerId="ADAL" clId="{B3D2C303-A9BA-4764-AC97-ADBDEAC925E6}" dt="2024-05-25T20:47:36.739" v="15356" actId="20577"/>
+        <pc:sldMkLst>
+          <pc:docMk/>
+          <pc:sldMk cId="698900845" sldId="268"/>
+        </pc:sldMkLst>
+        <pc:spChg chg="mod">
+          <ac:chgData name="Gibbons, Carl" userId="d2b037bc-8fb4-4222-845c-61440543a456" providerId="ADAL" clId="{B3D2C303-A9BA-4764-AC97-ADBDEAC925E6}" dt="2024-05-25T15:08:39.811" v="6636" actId="20577"/>
+          <ac:spMkLst>
+            <pc:docMk/>
+            <pc:sldMk cId="698900845" sldId="268"/>
+            <ac:spMk id="2" creationId="{F5533765-AE4D-3586-BFF0-C73FF51C6B9B}"/>
+          </ac:spMkLst>
+        </pc:spChg>
+        <pc:spChg chg="mod">
+          <ac:chgData name="Gibbons, Carl" userId="d2b037bc-8fb4-4222-845c-61440543a456" providerId="ADAL" clId="{B3D2C303-A9BA-4764-AC97-ADBDEAC925E6}" dt="2024-05-25T20:47:36.739" v="15356" actId="20577"/>
+          <ac:spMkLst>
+            <pc:docMk/>
+            <pc:sldMk cId="698900845" sldId="268"/>
+            <ac:spMk id="7" creationId="{56F98B9D-53CB-0D01-51DD-F6B452AAB6C5}"/>
+          </ac:spMkLst>
+        </pc:spChg>
+      </pc:sldChg>
+      <pc:sldChg chg="del">
+        <pc:chgData name="Gibbons, Carl" userId="d2b037bc-8fb4-4222-845c-61440543a456" providerId="ADAL" clId="{B3D2C303-A9BA-4764-AC97-ADBDEAC925E6}" dt="2024-05-25T00:05:30.700" v="67" actId="47"/>
+        <pc:sldMkLst>
+          <pc:docMk/>
+          <pc:sldMk cId="4065848836" sldId="268"/>
+        </pc:sldMkLst>
+      </pc:sldChg>
+      <pc:sldChg chg="del">
+        <pc:chgData name="Gibbons, Carl" userId="d2b037bc-8fb4-4222-845c-61440543a456" providerId="ADAL" clId="{B3D2C303-A9BA-4764-AC97-ADBDEAC925E6}" dt="2024-05-25T00:05:31.493" v="68" actId="47"/>
+        <pc:sldMkLst>
+          <pc:docMk/>
+          <pc:sldMk cId="1266817191" sldId="269"/>
+        </pc:sldMkLst>
+      </pc:sldChg>
+      <pc:sldChg chg="modSp add mod">
+        <pc:chgData name="Gibbons, Carl" userId="d2b037bc-8fb4-4222-845c-61440543a456" providerId="ADAL" clId="{B3D2C303-A9BA-4764-AC97-ADBDEAC925E6}" dt="2024-05-25T21:31:57.726" v="16369" actId="20577"/>
+        <pc:sldMkLst>
+          <pc:docMk/>
+          <pc:sldMk cId="1322807556" sldId="269"/>
+        </pc:sldMkLst>
+        <pc:spChg chg="mod">
+          <ac:chgData name="Gibbons, Carl" userId="d2b037bc-8fb4-4222-845c-61440543a456" providerId="ADAL" clId="{B3D2C303-A9BA-4764-AC97-ADBDEAC925E6}" dt="2024-05-25T16:34:53.139" v="8693" actId="20577"/>
+          <ac:spMkLst>
+            <pc:docMk/>
+            <pc:sldMk cId="1322807556" sldId="269"/>
+            <ac:spMk id="2" creationId="{F5533765-AE4D-3586-BFF0-C73FF51C6B9B}"/>
+          </ac:spMkLst>
+        </pc:spChg>
+        <pc:spChg chg="mod">
+          <ac:chgData name="Gibbons, Carl" userId="d2b037bc-8fb4-4222-845c-61440543a456" providerId="ADAL" clId="{B3D2C303-A9BA-4764-AC97-ADBDEAC925E6}" dt="2024-05-25T21:31:57.726" v="16369" actId="20577"/>
+          <ac:spMkLst>
+            <pc:docMk/>
+            <pc:sldMk cId="1322807556" sldId="269"/>
+            <ac:spMk id="7" creationId="{56F98B9D-53CB-0D01-51DD-F6B452AAB6C5}"/>
+          </ac:spMkLst>
+        </pc:spChg>
+      </pc:sldChg>
+      <pc:sldChg chg="new del">
+        <pc:chgData name="Gibbons, Carl" userId="d2b037bc-8fb4-4222-845c-61440543a456" providerId="ADAL" clId="{B3D2C303-A9BA-4764-AC97-ADBDEAC925E6}" dt="2024-05-25T16:34:27.972" v="8627" actId="2696"/>
+        <pc:sldMkLst>
+          <pc:docMk/>
+          <pc:sldMk cId="2817110775" sldId="269"/>
+        </pc:sldMkLst>
+      </pc:sldChg>
+      <pc:sldChg chg="modSp add mod">
+        <pc:chgData name="Gibbons, Carl" userId="d2b037bc-8fb4-4222-845c-61440543a456" providerId="ADAL" clId="{B3D2C303-A9BA-4764-AC97-ADBDEAC925E6}" dt="2024-05-25T20:47:18.551" v="15348" actId="20577"/>
+        <pc:sldMkLst>
+          <pc:docMk/>
+          <pc:sldMk cId="226173953" sldId="270"/>
+        </pc:sldMkLst>
+        <pc:spChg chg="mod">
+          <ac:chgData name="Gibbons, Carl" userId="d2b037bc-8fb4-4222-845c-61440543a456" providerId="ADAL" clId="{B3D2C303-A9BA-4764-AC97-ADBDEAC925E6}" dt="2024-05-25T19:52:41.802" v="11966" actId="20577"/>
+          <ac:spMkLst>
+            <pc:docMk/>
+            <pc:sldMk cId="226173953" sldId="270"/>
+            <ac:spMk id="2" creationId="{F5533765-AE4D-3586-BFF0-C73FF51C6B9B}"/>
+          </ac:spMkLst>
+        </pc:spChg>
+        <pc:spChg chg="mod">
+          <ac:chgData name="Gibbons, Carl" userId="d2b037bc-8fb4-4222-845c-61440543a456" providerId="ADAL" clId="{B3D2C303-A9BA-4764-AC97-ADBDEAC925E6}" dt="2024-05-25T20:47:18.551" v="15348" actId="20577"/>
+          <ac:spMkLst>
+            <pc:docMk/>
+            <pc:sldMk cId="226173953" sldId="270"/>
+            <ac:spMk id="7" creationId="{56F98B9D-53CB-0D01-51DD-F6B452AAB6C5}"/>
+          </ac:spMkLst>
+        </pc:spChg>
+      </pc:sldChg>
+      <pc:sldChg chg="del">
+        <pc:chgData name="Gibbons, Carl" userId="d2b037bc-8fb4-4222-845c-61440543a456" providerId="ADAL" clId="{B3D2C303-A9BA-4764-AC97-ADBDEAC925E6}" dt="2024-05-25T00:05:33.628" v="73" actId="47"/>
+        <pc:sldMkLst>
+          <pc:docMk/>
+          <pc:sldMk cId="844227169" sldId="271"/>
+        </pc:sldMkLst>
+      </pc:sldChg>
+      <pc:sldChg chg="modSp add mod">
+        <pc:chgData name="Gibbons, Carl" userId="d2b037bc-8fb4-4222-845c-61440543a456" providerId="ADAL" clId="{B3D2C303-A9BA-4764-AC97-ADBDEAC925E6}" dt="2024-05-25T20:47:13.130" v="15346" actId="20577"/>
+        <pc:sldMkLst>
+          <pc:docMk/>
+          <pc:sldMk cId="1194914730" sldId="271"/>
+        </pc:sldMkLst>
+        <pc:spChg chg="mod">
+          <ac:chgData name="Gibbons, Carl" userId="d2b037bc-8fb4-4222-845c-61440543a456" providerId="ADAL" clId="{B3D2C303-A9BA-4764-AC97-ADBDEAC925E6}" dt="2024-05-25T19:52:35.359" v="11964" actId="20577"/>
+          <ac:spMkLst>
+            <pc:docMk/>
+            <pc:sldMk cId="1194914730" sldId="271"/>
+            <ac:spMk id="2" creationId="{F5533765-AE4D-3586-BFF0-C73FF51C6B9B}"/>
+          </ac:spMkLst>
+        </pc:spChg>
+        <pc:spChg chg="mod">
+          <ac:chgData name="Gibbons, Carl" userId="d2b037bc-8fb4-4222-845c-61440543a456" providerId="ADAL" clId="{B3D2C303-A9BA-4764-AC97-ADBDEAC925E6}" dt="2024-05-25T20:47:13.130" v="15346" actId="20577"/>
+          <ac:spMkLst>
+            <pc:docMk/>
+            <pc:sldMk cId="1194914730" sldId="271"/>
+            <ac:spMk id="7" creationId="{56F98B9D-53CB-0D01-51DD-F6B452AAB6C5}"/>
+          </ac:spMkLst>
+        </pc:spChg>
+      </pc:sldChg>
+      <pc:sldChg chg="del">
+        <pc:chgData name="Gibbons, Carl" userId="d2b037bc-8fb4-4222-845c-61440543a456" providerId="ADAL" clId="{B3D2C303-A9BA-4764-AC97-ADBDEAC925E6}" dt="2024-05-25T00:05:31.963" v="69" actId="47"/>
+        <pc:sldMkLst>
+          <pc:docMk/>
+          <pc:sldMk cId="331132001" sldId="272"/>
+        </pc:sldMkLst>
+      </pc:sldChg>
+      <pc:sldChg chg="modSp add mod">
+        <pc:chgData name="Gibbons, Carl" userId="d2b037bc-8fb4-4222-845c-61440543a456" providerId="ADAL" clId="{B3D2C303-A9BA-4764-AC97-ADBDEAC925E6}" dt="2024-05-25T20:47:07.776" v="15343" actId="20577"/>
+        <pc:sldMkLst>
+          <pc:docMk/>
+          <pc:sldMk cId="3863050939" sldId="272"/>
+        </pc:sldMkLst>
+        <pc:spChg chg="mod">
+          <ac:chgData name="Gibbons, Carl" userId="d2b037bc-8fb4-4222-845c-61440543a456" providerId="ADAL" clId="{B3D2C303-A9BA-4764-AC97-ADBDEAC925E6}" dt="2024-05-25T19:52:29.999" v="11962" actId="20577"/>
+          <ac:spMkLst>
+            <pc:docMk/>
+            <pc:sldMk cId="3863050939" sldId="272"/>
+            <ac:spMk id="2" creationId="{F5533765-AE4D-3586-BFF0-C73FF51C6B9B}"/>
+          </ac:spMkLst>
+        </pc:spChg>
+        <pc:spChg chg="mod">
+          <ac:chgData name="Gibbons, Carl" userId="d2b037bc-8fb4-4222-845c-61440543a456" providerId="ADAL" clId="{B3D2C303-A9BA-4764-AC97-ADBDEAC925E6}" dt="2024-05-25T20:47:07.776" v="15343" actId="20577"/>
+          <ac:spMkLst>
+            <pc:docMk/>
+            <pc:sldMk cId="3863050939" sldId="272"/>
+            <ac:spMk id="7" creationId="{56F98B9D-53CB-0D01-51DD-F6B452AAB6C5}"/>
+          </ac:spMkLst>
+        </pc:spChg>
+      </pc:sldChg>
+      <pc:sldChg chg="del">
+        <pc:chgData name="Gibbons, Carl" userId="d2b037bc-8fb4-4222-845c-61440543a456" providerId="ADAL" clId="{B3D2C303-A9BA-4764-AC97-ADBDEAC925E6}" dt="2024-05-25T00:05:32.379" v="70" actId="47"/>
+        <pc:sldMkLst>
+          <pc:docMk/>
+          <pc:sldMk cId="455766816" sldId="273"/>
+        </pc:sldMkLst>
+      </pc:sldChg>
+      <pc:sldChg chg="modSp mod">
+        <pc:chgData name="Gibbons, Carl" userId="d2b037bc-8fb4-4222-845c-61440543a456" providerId="ADAL" clId="{B3D2C303-A9BA-4764-AC97-ADBDEAC925E6}" dt="2024-05-25T21:30:56.963" v="16360" actId="20577"/>
+        <pc:sldMkLst>
+          <pc:docMk/>
+          <pc:sldMk cId="3041912824" sldId="273"/>
+        </pc:sldMkLst>
+        <pc:spChg chg="mod">
+          <ac:chgData name="Gibbons, Carl" userId="d2b037bc-8fb4-4222-845c-61440543a456" providerId="ADAL" clId="{B3D2C303-A9BA-4764-AC97-ADBDEAC925E6}" dt="2024-05-25T19:53:43.172" v="11986" actId="20577"/>
+          <ac:spMkLst>
+            <pc:docMk/>
+            <pc:sldMk cId="3041912824" sldId="273"/>
+            <ac:spMk id="2" creationId="{F5533765-AE4D-3586-BFF0-C73FF51C6B9B}"/>
+          </ac:spMkLst>
+        </pc:spChg>
+        <pc:spChg chg="mod">
+          <ac:chgData name="Gibbons, Carl" userId="d2b037bc-8fb4-4222-845c-61440543a456" providerId="ADAL" clId="{B3D2C303-A9BA-4764-AC97-ADBDEAC925E6}" dt="2024-05-25T21:30:56.963" v="16360" actId="20577"/>
+          <ac:spMkLst>
+            <pc:docMk/>
+            <pc:sldMk cId="3041912824" sldId="273"/>
+            <ac:spMk id="7" creationId="{56F98B9D-53CB-0D01-51DD-F6B452AAB6C5}"/>
+          </ac:spMkLst>
+        </pc:spChg>
+      </pc:sldChg>
+      <pc:sldChg chg="del">
+        <pc:chgData name="Gibbons, Carl" userId="d2b037bc-8fb4-4222-845c-61440543a456" providerId="ADAL" clId="{B3D2C303-A9BA-4764-AC97-ADBDEAC925E6}" dt="2024-05-25T00:05:33.188" v="72" actId="47"/>
+        <pc:sldMkLst>
+          <pc:docMk/>
+          <pc:sldMk cId="1350015310" sldId="274"/>
+        </pc:sldMkLst>
+      </pc:sldChg>
+      <pc:sldChg chg="modSp mod">
+        <pc:chgData name="Gibbons, Carl" userId="d2b037bc-8fb4-4222-845c-61440543a456" providerId="ADAL" clId="{B3D2C303-A9BA-4764-AC97-ADBDEAC925E6}" dt="2024-05-25T20:46:59.514" v="15340" actId="20577"/>
+        <pc:sldMkLst>
+          <pc:docMk/>
+          <pc:sldMk cId="3210929690" sldId="274"/>
+        </pc:sldMkLst>
+        <pc:spChg chg="mod">
+          <ac:chgData name="Gibbons, Carl" userId="d2b037bc-8fb4-4222-845c-61440543a456" providerId="ADAL" clId="{B3D2C303-A9BA-4764-AC97-ADBDEAC925E6}" dt="2024-05-25T20:12:14.061" v="13303" actId="20577"/>
+          <ac:spMkLst>
+            <pc:docMk/>
+            <pc:sldMk cId="3210929690" sldId="274"/>
+            <ac:spMk id="2" creationId="{F5533765-AE4D-3586-BFF0-C73FF51C6B9B}"/>
+          </ac:spMkLst>
+        </pc:spChg>
+        <pc:spChg chg="mod">
+          <ac:chgData name="Gibbons, Carl" userId="d2b037bc-8fb4-4222-845c-61440543a456" providerId="ADAL" clId="{B3D2C303-A9BA-4764-AC97-ADBDEAC925E6}" dt="2024-05-25T20:46:59.514" v="15340" actId="20577"/>
+          <ac:spMkLst>
+            <pc:docMk/>
+            <pc:sldMk cId="3210929690" sldId="274"/>
+            <ac:spMk id="7" creationId="{56F98B9D-53CB-0D01-51DD-F6B452AAB6C5}"/>
+          </ac:spMkLst>
+        </pc:spChg>
+      </pc:sldChg>
+      <pc:sldChg chg="addSp modSp add mod">
+        <pc:chgData name="Gibbons, Carl" userId="d2b037bc-8fb4-4222-845c-61440543a456" providerId="ADAL" clId="{B3D2C303-A9BA-4764-AC97-ADBDEAC925E6}" dt="2024-05-25T20:50:06.922" v="15411" actId="20577"/>
+        <pc:sldMkLst>
+          <pc:docMk/>
+          <pc:sldMk cId="374312383" sldId="275"/>
+        </pc:sldMkLst>
+        <pc:spChg chg="mod">
+          <ac:chgData name="Gibbons, Carl" userId="d2b037bc-8fb4-4222-845c-61440543a456" providerId="ADAL" clId="{B3D2C303-A9BA-4764-AC97-ADBDEAC925E6}" dt="2024-05-25T20:50:06.922" v="15411" actId="20577"/>
+          <ac:spMkLst>
+            <pc:docMk/>
+            <pc:sldMk cId="374312383" sldId="275"/>
+            <ac:spMk id="2" creationId="{F5533765-AE4D-3586-BFF0-C73FF51C6B9B}"/>
+          </ac:spMkLst>
+        </pc:spChg>
+        <pc:spChg chg="mod">
+          <ac:chgData name="Gibbons, Carl" userId="d2b037bc-8fb4-4222-845c-61440543a456" providerId="ADAL" clId="{B3D2C303-A9BA-4764-AC97-ADBDEAC925E6}" dt="2024-05-25T20:22:01.654" v="14086" actId="20577"/>
+          <ac:spMkLst>
+            <pc:docMk/>
+            <pc:sldMk cId="374312383" sldId="275"/>
+            <ac:spMk id="7" creationId="{56F98B9D-53CB-0D01-51DD-F6B452AAB6C5}"/>
+          </ac:spMkLst>
+        </pc:spChg>
+        <pc:picChg chg="add mod">
+          <ac:chgData name="Gibbons, Carl" userId="d2b037bc-8fb4-4222-845c-61440543a456" providerId="ADAL" clId="{B3D2C303-A9BA-4764-AC97-ADBDEAC925E6}" dt="2024-05-25T20:22:08.698" v="14087" actId="1076"/>
           <ac:picMkLst>
             <pc:docMk/>
-            <pc:sldMk cId="2312486803" sldId="261"/>
-            <ac:picMk id="5" creationId="{95F1B758-8221-A28F-F68D-1A79ADBC274D}"/>
+            <pc:sldMk cId="374312383" sldId="275"/>
+            <ac:picMk id="3" creationId="{D5483313-1B5C-31A3-8F96-EC482604F0B3}"/>
           </ac:picMkLst>
         </pc:picChg>
       </pc:sldChg>
       <pc:sldChg chg="del">
-        <pc:chgData name="Gibbons, Carl" userId="d2b037bc-8fb4-4222-845c-61440543a456" providerId="ADAL" clId="{3CE3119B-1917-4F7B-A5AD-6C146E3F914B}" dt="2023-12-24T04:15:12.349" v="2205" actId="47"/>
-        <pc:sldMkLst>
-          <pc:docMk/>
-          <pc:sldMk cId="378743348" sldId="270"/>
-        </pc:sldMkLst>
-      </pc:sldChg>
-      <pc:sldChg chg="modSp mod">
-        <pc:chgData name="Gibbons, Carl" userId="d2b037bc-8fb4-4222-845c-61440543a456" providerId="ADAL" clId="{3CE3119B-1917-4F7B-A5AD-6C146E3F914B}" dt="2023-12-28T21:57:42.900" v="13126" actId="20577"/>
-        <pc:sldMkLst>
-          <pc:docMk/>
-          <pc:sldMk cId="657795359" sldId="277"/>
-        </pc:sldMkLst>
-        <pc:spChg chg="mod">
-          <ac:chgData name="Gibbons, Carl" userId="d2b037bc-8fb4-4222-845c-61440543a456" providerId="ADAL" clId="{3CE3119B-1917-4F7B-A5AD-6C146E3F914B}" dt="2023-12-28T21:57:42.900" v="13126" actId="20577"/>
-          <ac:spMkLst>
-            <pc:docMk/>
-            <pc:sldMk cId="657795359" sldId="277"/>
-            <ac:spMk id="2" creationId="{1862E903-3C56-BB42-2361-009F2336475A}"/>
-          </ac:spMkLst>
-        </pc:spChg>
-        <pc:spChg chg="mod">
-          <ac:chgData name="Gibbons, Carl" userId="d2b037bc-8fb4-4222-845c-61440543a456" providerId="ADAL" clId="{3CE3119B-1917-4F7B-A5AD-6C146E3F914B}" dt="2023-12-28T21:57:39.566" v="13125" actId="20577"/>
-          <ac:spMkLst>
-            <pc:docMk/>
-            <pc:sldMk cId="657795359" sldId="277"/>
-            <ac:spMk id="3" creationId="{90179172-96B3-95D0-A137-257770BE7642}"/>
-          </ac:spMkLst>
-        </pc:spChg>
+        <pc:chgData name="Gibbons, Carl" userId="d2b037bc-8fb4-4222-845c-61440543a456" providerId="ADAL" clId="{B3D2C303-A9BA-4764-AC97-ADBDEAC925E6}" dt="2024-05-25T00:05:32.775" v="71" actId="47"/>
+        <pc:sldMkLst>
+          <pc:docMk/>
+          <pc:sldMk cId="2566493574" sldId="275"/>
+        </pc:sldMkLst>
       </pc:sldChg>
       <pc:sldChg chg="del">
-        <pc:chgData name="Gibbons, Carl" userId="d2b037bc-8fb4-4222-845c-61440543a456" providerId="ADAL" clId="{3CE3119B-1917-4F7B-A5AD-6C146E3F914B}" dt="2023-12-24T04:15:14.863" v="2207" actId="47"/>
-        <pc:sldMkLst>
-          <pc:docMk/>
-          <pc:sldMk cId="376509629" sldId="278"/>
-        </pc:sldMkLst>
+        <pc:chgData name="Gibbons, Carl" userId="d2b037bc-8fb4-4222-845c-61440543a456" providerId="ADAL" clId="{B3D2C303-A9BA-4764-AC97-ADBDEAC925E6}" dt="2024-05-25T00:05:34.240" v="74" actId="47"/>
+        <pc:sldMkLst>
+          <pc:docMk/>
+          <pc:sldMk cId="2886391867" sldId="276"/>
+        </pc:sldMkLst>
+      </pc:sldChg>
+      <pc:sldChg chg="delSp modSp mod">
+        <pc:chgData name="Gibbons, Carl" userId="d2b037bc-8fb4-4222-845c-61440543a456" providerId="ADAL" clId="{B3D2C303-A9BA-4764-AC97-ADBDEAC925E6}" dt="2024-05-25T21:29:56.251" v="16345" actId="255"/>
+        <pc:sldMkLst>
+          <pc:docMk/>
+          <pc:sldMk cId="4157299586" sldId="276"/>
+        </pc:sldMkLst>
+        <pc:spChg chg="mod">
+          <ac:chgData name="Gibbons, Carl" userId="d2b037bc-8fb4-4222-845c-61440543a456" providerId="ADAL" clId="{B3D2C303-A9BA-4764-AC97-ADBDEAC925E6}" dt="2024-05-25T20:34:06.145" v="14128" actId="20577"/>
+          <ac:spMkLst>
+            <pc:docMk/>
+            <pc:sldMk cId="4157299586" sldId="276"/>
+            <ac:spMk id="2" creationId="{F5533765-AE4D-3586-BFF0-C73FF51C6B9B}"/>
+          </ac:spMkLst>
+        </pc:spChg>
+        <pc:spChg chg="mod">
+          <ac:chgData name="Gibbons, Carl" userId="d2b037bc-8fb4-4222-845c-61440543a456" providerId="ADAL" clId="{B3D2C303-A9BA-4764-AC97-ADBDEAC925E6}" dt="2024-05-25T21:29:56.251" v="16345" actId="255"/>
+          <ac:spMkLst>
+            <pc:docMk/>
+            <pc:sldMk cId="4157299586" sldId="276"/>
+            <ac:spMk id="7" creationId="{56F98B9D-53CB-0D01-51DD-F6B452AAB6C5}"/>
+          </ac:spMkLst>
+        </pc:spChg>
+        <pc:picChg chg="del">
+          <ac:chgData name="Gibbons, Carl" userId="d2b037bc-8fb4-4222-845c-61440543a456" providerId="ADAL" clId="{B3D2C303-A9BA-4764-AC97-ADBDEAC925E6}" dt="2024-05-25T20:38:17.158" v="14645" actId="478"/>
+          <ac:picMkLst>
+            <pc:docMk/>
+            <pc:sldMk cId="4157299586" sldId="276"/>
+            <ac:picMk id="3" creationId="{D5483313-1B5C-31A3-8F96-EC482604F0B3}"/>
+          </ac:picMkLst>
+        </pc:picChg>
       </pc:sldChg>
       <pc:sldChg chg="del">
-        <pc:chgData name="Gibbons, Carl" userId="d2b037bc-8fb4-4222-845c-61440543a456" providerId="ADAL" clId="{3CE3119B-1917-4F7B-A5AD-6C146E3F914B}" dt="2023-12-24T04:15:16.084" v="2208" actId="47"/>
-        <pc:sldMkLst>
-          <pc:docMk/>
-          <pc:sldMk cId="3153831418" sldId="279"/>
-        </pc:sldMkLst>
+        <pc:chgData name="Gibbons, Carl" userId="d2b037bc-8fb4-4222-845c-61440543a456" providerId="ADAL" clId="{B3D2C303-A9BA-4764-AC97-ADBDEAC925E6}" dt="2024-05-25T00:05:34.727" v="75" actId="47"/>
+        <pc:sldMkLst>
+          <pc:docMk/>
+          <pc:sldMk cId="3206843051" sldId="277"/>
+        </pc:sldMkLst>
+      </pc:sldChg>
+      <pc:sldChg chg="addSp delSp modSp mod">
+        <pc:chgData name="Gibbons, Carl" userId="d2b037bc-8fb4-4222-845c-61440543a456" providerId="ADAL" clId="{B3D2C303-A9BA-4764-AC97-ADBDEAC925E6}" dt="2024-05-25T21:40:09.891" v="16737" actId="20577"/>
+        <pc:sldMkLst>
+          <pc:docMk/>
+          <pc:sldMk cId="4138936798" sldId="277"/>
+        </pc:sldMkLst>
+        <pc:spChg chg="mod">
+          <ac:chgData name="Gibbons, Carl" userId="d2b037bc-8fb4-4222-845c-61440543a456" providerId="ADAL" clId="{B3D2C303-A9BA-4764-AC97-ADBDEAC925E6}" dt="2024-05-25T20:52:57.555" v="15526" actId="20577"/>
+          <ac:spMkLst>
+            <pc:docMk/>
+            <pc:sldMk cId="4138936798" sldId="277"/>
+            <ac:spMk id="2" creationId="{F5533765-AE4D-3586-BFF0-C73FF51C6B9B}"/>
+          </ac:spMkLst>
+        </pc:spChg>
+        <pc:spChg chg="add mod">
+          <ac:chgData name="Gibbons, Carl" userId="d2b037bc-8fb4-4222-845c-61440543a456" providerId="ADAL" clId="{B3D2C303-A9BA-4764-AC97-ADBDEAC925E6}" dt="2024-05-25T21:35:05.186" v="16381" actId="692"/>
+          <ac:spMkLst>
+            <pc:docMk/>
+            <pc:sldMk cId="4138936798" sldId="277"/>
+            <ac:spMk id="4" creationId="{D3A2E575-7663-C0EA-EA9D-69C1F6F5D269}"/>
+          </ac:spMkLst>
+        </pc:spChg>
+        <pc:spChg chg="add mod">
+          <ac:chgData name="Gibbons, Carl" userId="d2b037bc-8fb4-4222-845c-61440543a456" providerId="ADAL" clId="{B3D2C303-A9BA-4764-AC97-ADBDEAC925E6}" dt="2024-05-25T21:40:09.891" v="16737" actId="20577"/>
+          <ac:spMkLst>
+            <pc:docMk/>
+            <pc:sldMk cId="4138936798" sldId="277"/>
+            <ac:spMk id="6" creationId="{BABB9FC2-5161-74E4-A7CF-4DD333FCD1A4}"/>
+          </ac:spMkLst>
+        </pc:spChg>
+        <pc:spChg chg="mod">
+          <ac:chgData name="Gibbons, Carl" userId="d2b037bc-8fb4-4222-845c-61440543a456" providerId="ADAL" clId="{B3D2C303-A9BA-4764-AC97-ADBDEAC925E6}" dt="2024-05-25T21:35:43.746" v="16385" actId="1076"/>
+          <ac:spMkLst>
+            <pc:docMk/>
+            <pc:sldMk cId="4138936798" sldId="277"/>
+            <ac:spMk id="7" creationId="{56F98B9D-53CB-0D01-51DD-F6B452AAB6C5}"/>
+          </ac:spMkLst>
+        </pc:spChg>
+        <pc:picChg chg="del">
+          <ac:chgData name="Gibbons, Carl" userId="d2b037bc-8fb4-4222-845c-61440543a456" providerId="ADAL" clId="{B3D2C303-A9BA-4764-AC97-ADBDEAC925E6}" dt="2024-05-25T20:56:41.366" v="15700" actId="478"/>
+          <ac:picMkLst>
+            <pc:docMk/>
+            <pc:sldMk cId="4138936798" sldId="277"/>
+            <ac:picMk id="3" creationId="{D5483313-1B5C-31A3-8F96-EC482604F0B3}"/>
+          </ac:picMkLst>
+        </pc:picChg>
+        <pc:picChg chg="add del mod">
+          <ac:chgData name="Gibbons, Carl" userId="d2b037bc-8fb4-4222-845c-61440543a456" providerId="ADAL" clId="{B3D2C303-A9BA-4764-AC97-ADBDEAC925E6}" dt="2024-05-25T21:04:34.493" v="15851" actId="478"/>
+          <ac:picMkLst>
+            <pc:docMk/>
+            <pc:sldMk cId="4138936798" sldId="277"/>
+            <ac:picMk id="5" creationId="{21E6E9CE-26F4-F115-84B8-FDB225E96291}"/>
+          </ac:picMkLst>
+        </pc:picChg>
       </pc:sldChg>
       <pc:sldChg chg="del">
-        <pc:chgData name="Gibbons, Carl" userId="d2b037bc-8fb4-4222-845c-61440543a456" providerId="ADAL" clId="{3CE3119B-1917-4F7B-A5AD-6C146E3F914B}" dt="2023-12-24T04:15:16.999" v="2209" actId="47"/>
-        <pc:sldMkLst>
-          <pc:docMk/>
-          <pc:sldMk cId="1730491475" sldId="280"/>
+        <pc:chgData name="Gibbons, Carl" userId="d2b037bc-8fb4-4222-845c-61440543a456" providerId="ADAL" clId="{B3D2C303-A9BA-4764-AC97-ADBDEAC925E6}" dt="2024-05-25T21:34:28.554" v="16379" actId="2696"/>
+        <pc:sldMkLst>
+          <pc:docMk/>
+          <pc:sldMk cId="1115159853" sldId="278"/>
         </pc:sldMkLst>
       </pc:sldChg>
       <pc:sldChg chg="del">
-        <pc:chgData name="Gibbons, Carl" userId="d2b037bc-8fb4-4222-845c-61440543a456" providerId="ADAL" clId="{3CE3119B-1917-4F7B-A5AD-6C146E3F914B}" dt="2023-12-24T04:15:17.902" v="2210" actId="47"/>
-        <pc:sldMkLst>
-          <pc:docMk/>
-          <pc:sldMk cId="2142935958" sldId="281"/>
-        </pc:sldMkLst>
+        <pc:chgData name="Gibbons, Carl" userId="d2b037bc-8fb4-4222-845c-61440543a456" providerId="ADAL" clId="{B3D2C303-A9BA-4764-AC97-ADBDEAC925E6}" dt="2024-05-25T00:05:35.952" v="76" actId="47"/>
+        <pc:sldMkLst>
+          <pc:docMk/>
+          <pc:sldMk cId="1773917204" sldId="278"/>
+        </pc:sldMkLst>
+      </pc:sldChg>
+      <pc:sldChg chg="modSp add mod">
+        <pc:chgData name="Gibbons, Carl" userId="d2b037bc-8fb4-4222-845c-61440543a456" providerId="ADAL" clId="{B3D2C303-A9BA-4764-AC97-ADBDEAC925E6}" dt="2024-05-26T07:16:20.480" v="20430" actId="255"/>
+        <pc:sldMkLst>
+          <pc:docMk/>
+          <pc:sldMk cId="3487968633" sldId="278"/>
+        </pc:sldMkLst>
+        <pc:spChg chg="mod">
+          <ac:chgData name="Gibbons, Carl" userId="d2b037bc-8fb4-4222-845c-61440543a456" providerId="ADAL" clId="{B3D2C303-A9BA-4764-AC97-ADBDEAC925E6}" dt="2024-05-26T05:42:22.778" v="16752" actId="20577"/>
+          <ac:spMkLst>
+            <pc:docMk/>
+            <pc:sldMk cId="3487968633" sldId="278"/>
+            <ac:spMk id="2" creationId="{F5533765-AE4D-3586-BFF0-C73FF51C6B9B}"/>
+          </ac:spMkLst>
+        </pc:spChg>
+        <pc:spChg chg="mod">
+          <ac:chgData name="Gibbons, Carl" userId="d2b037bc-8fb4-4222-845c-61440543a456" providerId="ADAL" clId="{B3D2C303-A9BA-4764-AC97-ADBDEAC925E6}" dt="2024-05-26T07:16:20.480" v="20430" actId="255"/>
+          <ac:spMkLst>
+            <pc:docMk/>
+            <pc:sldMk cId="3487968633" sldId="278"/>
+            <ac:spMk id="7" creationId="{56F98B9D-53CB-0D01-51DD-F6B452AAB6C5}"/>
+          </ac:spMkLst>
+        </pc:spChg>
       </pc:sldChg>
       <pc:sldChg chg="del">
-        <pc:chgData name="Gibbons, Carl" userId="d2b037bc-8fb4-4222-845c-61440543a456" providerId="ADAL" clId="{3CE3119B-1917-4F7B-A5AD-6C146E3F914B}" dt="2023-12-24T04:15:18.904" v="2211" actId="47"/>
-        <pc:sldMkLst>
-          <pc:docMk/>
-          <pc:sldMk cId="1371681654" sldId="282"/>
-        </pc:sldMkLst>
-      </pc:sldChg>
-      <pc:sldChg chg="addSp modSp mod">
-        <pc:chgData name="Gibbons, Carl" userId="d2b037bc-8fb4-4222-845c-61440543a456" providerId="ADAL" clId="{3CE3119B-1917-4F7B-A5AD-6C146E3F914B}" dt="2023-12-24T04:21:46.824" v="2699" actId="20577"/>
-        <pc:sldMkLst>
-          <pc:docMk/>
-          <pc:sldMk cId="2959024232" sldId="283"/>
-        </pc:sldMkLst>
-        <pc:spChg chg="mod">
-          <ac:chgData name="Gibbons, Carl" userId="d2b037bc-8fb4-4222-845c-61440543a456" providerId="ADAL" clId="{3CE3119B-1917-4F7B-A5AD-6C146E3F914B}" dt="2023-12-24T03:51:38.841" v="820" actId="20577"/>
-          <ac:spMkLst>
-            <pc:docMk/>
-            <pc:sldMk cId="2959024232" sldId="283"/>
-            <ac:spMk id="2" creationId="{31B75992-5098-A283-4925-2CCEBB801DC5}"/>
-          </ac:spMkLst>
-        </pc:spChg>
-        <pc:spChg chg="mod">
-          <ac:chgData name="Gibbons, Carl" userId="d2b037bc-8fb4-4222-845c-61440543a456" providerId="ADAL" clId="{3CE3119B-1917-4F7B-A5AD-6C146E3F914B}" dt="2023-12-24T03:50:43.198" v="773" actId="20577"/>
-          <ac:spMkLst>
-            <pc:docMk/>
-            <pc:sldMk cId="2959024232" sldId="283"/>
-            <ac:spMk id="3" creationId="{B5924E0F-A977-1710-779D-EEB74261AF34}"/>
+        <pc:chgData name="Gibbons, Carl" userId="d2b037bc-8fb4-4222-845c-61440543a456" providerId="ADAL" clId="{B3D2C303-A9BA-4764-AC97-ADBDEAC925E6}" dt="2024-05-25T00:05:38.383" v="77" actId="47"/>
+        <pc:sldMkLst>
+          <pc:docMk/>
+          <pc:sldMk cId="3134089708" sldId="279"/>
+        </pc:sldMkLst>
+      </pc:sldChg>
+      <pc:sldChg chg="modSp add mod">
+        <pc:chgData name="Gibbons, Carl" userId="d2b037bc-8fb4-4222-845c-61440543a456" providerId="ADAL" clId="{B3D2C303-A9BA-4764-AC97-ADBDEAC925E6}" dt="2024-05-26T06:03:48.479" v="17713" actId="20577"/>
+        <pc:sldMkLst>
+          <pc:docMk/>
+          <pc:sldMk cId="3323886684" sldId="279"/>
+        </pc:sldMkLst>
+        <pc:spChg chg="mod">
+          <ac:chgData name="Gibbons, Carl" userId="d2b037bc-8fb4-4222-845c-61440543a456" providerId="ADAL" clId="{B3D2C303-A9BA-4764-AC97-ADBDEAC925E6}" dt="2024-05-26T06:03:48.479" v="17713" actId="20577"/>
+          <ac:spMkLst>
+            <pc:docMk/>
+            <pc:sldMk cId="3323886684" sldId="279"/>
+            <ac:spMk id="2" creationId="{F5533765-AE4D-3586-BFF0-C73FF51C6B9B}"/>
+          </ac:spMkLst>
+        </pc:spChg>
+        <pc:spChg chg="mod">
+          <ac:chgData name="Gibbons, Carl" userId="d2b037bc-8fb4-4222-845c-61440543a456" providerId="ADAL" clId="{B3D2C303-A9BA-4764-AC97-ADBDEAC925E6}" dt="2024-05-26T06:01:48.062" v="17675" actId="5793"/>
+          <ac:spMkLst>
+            <pc:docMk/>
+            <pc:sldMk cId="3323886684" sldId="279"/>
+            <ac:spMk id="7" creationId="{56F98B9D-53CB-0D01-51DD-F6B452AAB6C5}"/>
+          </ac:spMkLst>
+        </pc:spChg>
+      </pc:sldChg>
+      <pc:sldChg chg="addSp delSp modSp mod">
+        <pc:chgData name="Gibbons, Carl" userId="d2b037bc-8fb4-4222-845c-61440543a456" providerId="ADAL" clId="{B3D2C303-A9BA-4764-AC97-ADBDEAC925E6}" dt="2024-05-26T06:12:37.682" v="17883" actId="22"/>
+        <pc:sldMkLst>
+          <pc:docMk/>
+          <pc:sldMk cId="1058319013" sldId="280"/>
+        </pc:sldMkLst>
+        <pc:spChg chg="mod">
+          <ac:chgData name="Gibbons, Carl" userId="d2b037bc-8fb4-4222-845c-61440543a456" providerId="ADAL" clId="{B3D2C303-A9BA-4764-AC97-ADBDEAC925E6}" dt="2024-05-26T06:10:33.732" v="17881" actId="20577"/>
+          <ac:spMkLst>
+            <pc:docMk/>
+            <pc:sldMk cId="1058319013" sldId="280"/>
+            <ac:spMk id="2" creationId="{F5533765-AE4D-3586-BFF0-C73FF51C6B9B}"/>
+          </ac:spMkLst>
+        </pc:spChg>
+        <pc:spChg chg="add del">
+          <ac:chgData name="Gibbons, Carl" userId="d2b037bc-8fb4-4222-845c-61440543a456" providerId="ADAL" clId="{B3D2C303-A9BA-4764-AC97-ADBDEAC925E6}" dt="2024-05-26T06:12:37.682" v="17883" actId="22"/>
+          <ac:spMkLst>
+            <pc:docMk/>
+            <pc:sldMk cId="1058319013" sldId="280"/>
+            <ac:spMk id="4" creationId="{4A83E252-2FD2-5F94-6610-78E0DAC4AB85}"/>
+          </ac:spMkLst>
+        </pc:spChg>
+        <pc:spChg chg="mod">
+          <ac:chgData name="Gibbons, Carl" userId="d2b037bc-8fb4-4222-845c-61440543a456" providerId="ADAL" clId="{B3D2C303-A9BA-4764-AC97-ADBDEAC925E6}" dt="2024-05-26T06:10:08.730" v="17865" actId="1076"/>
+          <ac:spMkLst>
+            <pc:docMk/>
+            <pc:sldMk cId="1058319013" sldId="280"/>
+            <ac:spMk id="7" creationId="{56F98B9D-53CB-0D01-51DD-F6B452AAB6C5}"/>
+          </ac:spMkLst>
+        </pc:spChg>
+      </pc:sldChg>
+      <pc:sldChg chg="modSp add mod">
+        <pc:chgData name="Gibbons, Carl" userId="d2b037bc-8fb4-4222-845c-61440543a456" providerId="ADAL" clId="{B3D2C303-A9BA-4764-AC97-ADBDEAC925E6}" dt="2024-05-26T06:23:24.980" v="18187" actId="5793"/>
+        <pc:sldMkLst>
+          <pc:docMk/>
+          <pc:sldMk cId="3331937710" sldId="281"/>
+        </pc:sldMkLst>
+        <pc:spChg chg="mod">
+          <ac:chgData name="Gibbons, Carl" userId="d2b037bc-8fb4-4222-845c-61440543a456" providerId="ADAL" clId="{B3D2C303-A9BA-4764-AC97-ADBDEAC925E6}" dt="2024-05-26T06:13:35.808" v="17997" actId="20577"/>
+          <ac:spMkLst>
+            <pc:docMk/>
+            <pc:sldMk cId="3331937710" sldId="281"/>
+            <ac:spMk id="2" creationId="{F5533765-AE4D-3586-BFF0-C73FF51C6B9B}"/>
+          </ac:spMkLst>
+        </pc:spChg>
+        <pc:spChg chg="mod">
+          <ac:chgData name="Gibbons, Carl" userId="d2b037bc-8fb4-4222-845c-61440543a456" providerId="ADAL" clId="{B3D2C303-A9BA-4764-AC97-ADBDEAC925E6}" dt="2024-05-26T06:23:24.980" v="18187" actId="5793"/>
+          <ac:spMkLst>
+            <pc:docMk/>
+            <pc:sldMk cId="3331937710" sldId="281"/>
+            <ac:spMk id="7" creationId="{56F98B9D-53CB-0D01-51DD-F6B452AAB6C5}"/>
+          </ac:spMkLst>
+        </pc:spChg>
+      </pc:sldChg>
+      <pc:sldChg chg="addSp delSp modSp add mod">
+        <pc:chgData name="Gibbons, Carl" userId="d2b037bc-8fb4-4222-845c-61440543a456" providerId="ADAL" clId="{B3D2C303-A9BA-4764-AC97-ADBDEAC925E6}" dt="2024-05-26T06:38:07.454" v="18741" actId="114"/>
+        <pc:sldMkLst>
+          <pc:docMk/>
+          <pc:sldMk cId="2722703799" sldId="282"/>
+        </pc:sldMkLst>
+        <pc:spChg chg="mod">
+          <ac:chgData name="Gibbons, Carl" userId="d2b037bc-8fb4-4222-845c-61440543a456" providerId="ADAL" clId="{B3D2C303-A9BA-4764-AC97-ADBDEAC925E6}" dt="2024-05-26T06:24:24.507" v="18209" actId="20577"/>
+          <ac:spMkLst>
+            <pc:docMk/>
+            <pc:sldMk cId="2722703799" sldId="282"/>
+            <ac:spMk id="2" creationId="{F5533765-AE4D-3586-BFF0-C73FF51C6B9B}"/>
           </ac:spMkLst>
         </pc:spChg>
         <pc:spChg chg="add mod">
-          <ac:chgData name="Gibbons, Carl" userId="d2b037bc-8fb4-4222-845c-61440543a456" providerId="ADAL" clId="{3CE3119B-1917-4F7B-A5AD-6C146E3F914B}" dt="2023-12-24T03:51:05.835" v="812" actId="20577"/>
-          <ac:spMkLst>
-            <pc:docMk/>
-            <pc:sldMk cId="2959024232" sldId="283"/>
-            <ac:spMk id="4" creationId="{6B5EF911-ED83-01C5-8F00-FD1AD80E90D2}"/>
+          <ac:chgData name="Gibbons, Carl" userId="d2b037bc-8fb4-4222-845c-61440543a456" providerId="ADAL" clId="{B3D2C303-A9BA-4764-AC97-ADBDEAC925E6}" dt="2024-05-26T06:38:07.454" v="18741" actId="114"/>
+          <ac:spMkLst>
+            <pc:docMk/>
+            <pc:sldMk cId="2722703799" sldId="282"/>
+            <ac:spMk id="3" creationId="{E43BCC1A-9319-7A2B-8C5E-AEE775288396}"/>
           </ac:spMkLst>
         </pc:spChg>
         <pc:spChg chg="add mod">
-          <ac:chgData name="Gibbons, Carl" userId="d2b037bc-8fb4-4222-845c-61440543a456" providerId="ADAL" clId="{3CE3119B-1917-4F7B-A5AD-6C146E3F914B}" dt="2023-12-24T04:21:46.824" v="2699" actId="20577"/>
-          <ac:spMkLst>
-            <pc:docMk/>
-            <pc:sldMk cId="2959024232" sldId="283"/>
-            <ac:spMk id="5" creationId="{746F0B3D-627C-BF49-CF83-A524927EBEDE}"/>
-          </ac:spMkLst>
-        </pc:spChg>
-      </pc:sldChg>
-      <pc:sldChg chg="delSp modSp mod">
-        <pc:chgData name="Gibbons, Carl" userId="d2b037bc-8fb4-4222-845c-61440543a456" providerId="ADAL" clId="{3CE3119B-1917-4F7B-A5AD-6C146E3F914B}" dt="2023-12-28T21:03:44.041" v="10649" actId="20577"/>
-        <pc:sldMkLst>
-          <pc:docMk/>
-          <pc:sldMk cId="3114675387" sldId="284"/>
-        </pc:sldMkLst>
-        <pc:spChg chg="mod">
-          <ac:chgData name="Gibbons, Carl" userId="d2b037bc-8fb4-4222-845c-61440543a456" providerId="ADAL" clId="{3CE3119B-1917-4F7B-A5AD-6C146E3F914B}" dt="2023-12-24T04:15:28.805" v="2213" actId="20577"/>
-          <ac:spMkLst>
-            <pc:docMk/>
-            <pc:sldMk cId="3114675387" sldId="284"/>
-            <ac:spMk id="2" creationId="{31B75992-5098-A283-4925-2CCEBB801DC5}"/>
-          </ac:spMkLst>
-        </pc:spChg>
-        <pc:spChg chg="mod">
-          <ac:chgData name="Gibbons, Carl" userId="d2b037bc-8fb4-4222-845c-61440543a456" providerId="ADAL" clId="{3CE3119B-1917-4F7B-A5AD-6C146E3F914B}" dt="2023-12-28T21:03:44.041" v="10649" actId="20577"/>
-          <ac:spMkLst>
-            <pc:docMk/>
-            <pc:sldMk cId="3114675387" sldId="284"/>
-            <ac:spMk id="3" creationId="{B5924E0F-A977-1710-779D-EEB74261AF34}"/>
+          <ac:chgData name="Gibbons, Carl" userId="d2b037bc-8fb4-4222-845c-61440543a456" providerId="ADAL" clId="{B3D2C303-A9BA-4764-AC97-ADBDEAC925E6}" dt="2024-05-26T06:35:40.082" v="18674" actId="1076"/>
+          <ac:spMkLst>
+            <pc:docMk/>
+            <pc:sldMk cId="2722703799" sldId="282"/>
+            <ac:spMk id="4" creationId="{E819EA8D-296D-D065-CE31-3A447F5E3BCE}"/>
+          </ac:spMkLst>
+        </pc:spChg>
+        <pc:spChg chg="add mod">
+          <ac:chgData name="Gibbons, Carl" userId="d2b037bc-8fb4-4222-845c-61440543a456" providerId="ADAL" clId="{B3D2C303-A9BA-4764-AC97-ADBDEAC925E6}" dt="2024-05-26T06:35:59.619" v="18676" actId="1076"/>
+          <ac:spMkLst>
+            <pc:docMk/>
+            <pc:sldMk cId="2722703799" sldId="282"/>
+            <ac:spMk id="5" creationId="{85892FC5-E2A5-20BC-22F4-E384CA8C6FC1}"/>
+          </ac:spMkLst>
+        </pc:spChg>
+        <pc:spChg chg="add mod">
+          <ac:chgData name="Gibbons, Carl" userId="d2b037bc-8fb4-4222-845c-61440543a456" providerId="ADAL" clId="{B3D2C303-A9BA-4764-AC97-ADBDEAC925E6}" dt="2024-05-26T06:34:03.502" v="18650" actId="20577"/>
+          <ac:spMkLst>
+            <pc:docMk/>
+            <pc:sldMk cId="2722703799" sldId="282"/>
+            <ac:spMk id="6" creationId="{130F1397-5089-4EBB-BB40-09DC9FB5116A}"/>
           </ac:spMkLst>
         </pc:spChg>
         <pc:spChg chg="del mod">
-          <ac:chgData name="Gibbons, Carl" userId="d2b037bc-8fb4-4222-845c-61440543a456" providerId="ADAL" clId="{3CE3119B-1917-4F7B-A5AD-6C146E3F914B}" dt="2023-12-24T04:17:34.876" v="2369" actId="478"/>
-          <ac:spMkLst>
-            <pc:docMk/>
-            <pc:sldMk cId="3114675387" sldId="284"/>
-            <ac:spMk id="4" creationId="{6B5EF911-ED83-01C5-8F00-FD1AD80E90D2}"/>
-          </ac:spMkLst>
-        </pc:spChg>
-        <pc:spChg chg="mod">
-          <ac:chgData name="Gibbons, Carl" userId="d2b037bc-8fb4-4222-845c-61440543a456" providerId="ADAL" clId="{3CE3119B-1917-4F7B-A5AD-6C146E3F914B}" dt="2023-12-24T04:25:41.312" v="2946" actId="20577"/>
-          <ac:spMkLst>
-            <pc:docMk/>
-            <pc:sldMk cId="3114675387" sldId="284"/>
-            <ac:spMk id="5" creationId="{746F0B3D-627C-BF49-CF83-A524927EBEDE}"/>
-          </ac:spMkLst>
-        </pc:spChg>
-      </pc:sldChg>
-      <pc:sldChg chg="modSp mod">
-        <pc:chgData name="Gibbons, Carl" userId="d2b037bc-8fb4-4222-845c-61440543a456" providerId="ADAL" clId="{3CE3119B-1917-4F7B-A5AD-6C146E3F914B}" dt="2023-12-28T20:27:51.520" v="8472" actId="20577"/>
-        <pc:sldMkLst>
-          <pc:docMk/>
-          <pc:sldMk cId="1243134729" sldId="285"/>
-        </pc:sldMkLst>
-        <pc:spChg chg="mod">
-          <ac:chgData name="Gibbons, Carl" userId="d2b037bc-8fb4-4222-845c-61440543a456" providerId="ADAL" clId="{3CE3119B-1917-4F7B-A5AD-6C146E3F914B}" dt="2023-12-28T18:55:00.802" v="3019" actId="20577"/>
-          <ac:spMkLst>
-            <pc:docMk/>
-            <pc:sldMk cId="1243134729" sldId="285"/>
-            <ac:spMk id="2" creationId="{31B75992-5098-A283-4925-2CCEBB801DC5}"/>
-          </ac:spMkLst>
-        </pc:spChg>
-        <pc:spChg chg="mod">
-          <ac:chgData name="Gibbons, Carl" userId="d2b037bc-8fb4-4222-845c-61440543a456" providerId="ADAL" clId="{3CE3119B-1917-4F7B-A5AD-6C146E3F914B}" dt="2023-12-28T19:11:28.137" v="4139" actId="20577"/>
-          <ac:spMkLst>
-            <pc:docMk/>
-            <pc:sldMk cId="1243134729" sldId="285"/>
-            <ac:spMk id="3" creationId="{B5924E0F-A977-1710-779D-EEB74261AF34}"/>
-          </ac:spMkLst>
-        </pc:spChg>
-        <pc:spChg chg="mod">
-          <ac:chgData name="Gibbons, Carl" userId="d2b037bc-8fb4-4222-845c-61440543a456" providerId="ADAL" clId="{3CE3119B-1917-4F7B-A5AD-6C146E3F914B}" dt="2023-12-28T20:27:51.520" v="8472" actId="20577"/>
-          <ac:spMkLst>
-            <pc:docMk/>
-            <pc:sldMk cId="1243134729" sldId="285"/>
-            <ac:spMk id="5" creationId="{746F0B3D-627C-BF49-CF83-A524927EBEDE}"/>
-          </ac:spMkLst>
-        </pc:spChg>
-      </pc:sldChg>
-      <pc:sldChg chg="modSp mod ord">
-        <pc:chgData name="Gibbons, Carl" userId="d2b037bc-8fb4-4222-845c-61440543a456" providerId="ADAL" clId="{3CE3119B-1917-4F7B-A5AD-6C146E3F914B}" dt="2023-12-28T20:26:55.852" v="8407" actId="20577"/>
-        <pc:sldMkLst>
-          <pc:docMk/>
-          <pc:sldMk cId="954591853" sldId="286"/>
-        </pc:sldMkLst>
-        <pc:spChg chg="mod">
-          <ac:chgData name="Gibbons, Carl" userId="d2b037bc-8fb4-4222-845c-61440543a456" providerId="ADAL" clId="{3CE3119B-1917-4F7B-A5AD-6C146E3F914B}" dt="2023-12-28T19:12:25.523" v="4250" actId="20577"/>
-          <ac:spMkLst>
-            <pc:docMk/>
-            <pc:sldMk cId="954591853" sldId="286"/>
-            <ac:spMk id="2" creationId="{31B75992-5098-A283-4925-2CCEBB801DC5}"/>
-          </ac:spMkLst>
-        </pc:spChg>
-        <pc:spChg chg="mod">
-          <ac:chgData name="Gibbons, Carl" userId="d2b037bc-8fb4-4222-845c-61440543a456" providerId="ADAL" clId="{3CE3119B-1917-4F7B-A5AD-6C146E3F914B}" dt="2023-12-28T20:11:15.517" v="7216" actId="20577"/>
-          <ac:spMkLst>
-            <pc:docMk/>
-            <pc:sldMk cId="954591853" sldId="286"/>
-            <ac:spMk id="3" creationId="{B5924E0F-A977-1710-779D-EEB74261AF34}"/>
-          </ac:spMkLst>
-        </pc:spChg>
-        <pc:spChg chg="mod">
-          <ac:chgData name="Gibbons, Carl" userId="d2b037bc-8fb4-4222-845c-61440543a456" providerId="ADAL" clId="{3CE3119B-1917-4F7B-A5AD-6C146E3F914B}" dt="2023-12-28T20:26:55.852" v="8407" actId="20577"/>
-          <ac:spMkLst>
-            <pc:docMk/>
-            <pc:sldMk cId="954591853" sldId="286"/>
-            <ac:spMk id="5" creationId="{746F0B3D-627C-BF49-CF83-A524927EBEDE}"/>
-          </ac:spMkLst>
-        </pc:spChg>
-      </pc:sldChg>
-      <pc:sldChg chg="addSp modSp mod">
-        <pc:chgData name="Gibbons, Carl" userId="d2b037bc-8fb4-4222-845c-61440543a456" providerId="ADAL" clId="{3CE3119B-1917-4F7B-A5AD-6C146E3F914B}" dt="2023-12-28T20:10:30.792" v="7202" actId="122"/>
-        <pc:sldMkLst>
-          <pc:docMk/>
-          <pc:sldMk cId="2614091779" sldId="287"/>
-        </pc:sldMkLst>
-        <pc:spChg chg="mod">
-          <ac:chgData name="Gibbons, Carl" userId="d2b037bc-8fb4-4222-845c-61440543a456" providerId="ADAL" clId="{3CE3119B-1917-4F7B-A5AD-6C146E3F914B}" dt="2023-12-28T19:52:51.742" v="5814" actId="20577"/>
-          <ac:spMkLst>
-            <pc:docMk/>
-            <pc:sldMk cId="2614091779" sldId="287"/>
-            <ac:spMk id="2" creationId="{31B75992-5098-A283-4925-2CCEBB801DC5}"/>
-          </ac:spMkLst>
-        </pc:spChg>
-        <pc:spChg chg="mod">
-          <ac:chgData name="Gibbons, Carl" userId="d2b037bc-8fb4-4222-845c-61440543a456" providerId="ADAL" clId="{3CE3119B-1917-4F7B-A5AD-6C146E3F914B}" dt="2023-12-28T19:48:55.211" v="5618" actId="14100"/>
-          <ac:spMkLst>
-            <pc:docMk/>
-            <pc:sldMk cId="2614091779" sldId="287"/>
-            <ac:spMk id="3" creationId="{B5924E0F-A977-1710-779D-EEB74261AF34}"/>
-          </ac:spMkLst>
-        </pc:spChg>
-        <pc:graphicFrameChg chg="add mod modGraphic">
-          <ac:chgData name="Gibbons, Carl" userId="d2b037bc-8fb4-4222-845c-61440543a456" providerId="ADAL" clId="{3CE3119B-1917-4F7B-A5AD-6C146E3F914B}" dt="2023-12-28T20:10:30.792" v="7202" actId="122"/>
-          <ac:graphicFrameMkLst>
-            <pc:docMk/>
-            <pc:sldMk cId="2614091779" sldId="287"/>
-            <ac:graphicFrameMk id="4" creationId="{3CFEF9C3-22C7-2157-EBC8-9116E36A6081}"/>
-          </ac:graphicFrameMkLst>
-        </pc:graphicFrameChg>
-      </pc:sldChg>
-      <pc:sldChg chg="delSp modSp mod">
-        <pc:chgData name="Gibbons, Carl" userId="d2b037bc-8fb4-4222-845c-61440543a456" providerId="ADAL" clId="{3CE3119B-1917-4F7B-A5AD-6C146E3F914B}" dt="2023-12-28T20:10:52.990" v="7204" actId="114"/>
-        <pc:sldMkLst>
-          <pc:docMk/>
-          <pc:sldMk cId="1341659426" sldId="288"/>
-        </pc:sldMkLst>
-        <pc:spChg chg="mod">
-          <ac:chgData name="Gibbons, Carl" userId="d2b037bc-8fb4-4222-845c-61440543a456" providerId="ADAL" clId="{3CE3119B-1917-4F7B-A5AD-6C146E3F914B}" dt="2023-12-28T19:53:19.425" v="5816" actId="20577"/>
-          <ac:spMkLst>
-            <pc:docMk/>
-            <pc:sldMk cId="1341659426" sldId="288"/>
-            <ac:spMk id="2" creationId="{31B75992-5098-A283-4925-2CCEBB801DC5}"/>
-          </ac:spMkLst>
-        </pc:spChg>
-        <pc:spChg chg="mod">
-          <ac:chgData name="Gibbons, Carl" userId="d2b037bc-8fb4-4222-845c-61440543a456" providerId="ADAL" clId="{3CE3119B-1917-4F7B-A5AD-6C146E3F914B}" dt="2023-12-28T20:10:52.990" v="7204" actId="114"/>
-          <ac:spMkLst>
-            <pc:docMk/>
-            <pc:sldMk cId="1341659426" sldId="288"/>
-            <ac:spMk id="3" creationId="{B5924E0F-A977-1710-779D-EEB74261AF34}"/>
-          </ac:spMkLst>
-        </pc:spChg>
-        <pc:graphicFrameChg chg="del modGraphic">
-          <ac:chgData name="Gibbons, Carl" userId="d2b037bc-8fb4-4222-845c-61440543a456" providerId="ADAL" clId="{3CE3119B-1917-4F7B-A5AD-6C146E3F914B}" dt="2023-12-28T19:53:27.454" v="5818" actId="21"/>
-          <ac:graphicFrameMkLst>
-            <pc:docMk/>
-            <pc:sldMk cId="1341659426" sldId="288"/>
-            <ac:graphicFrameMk id="4" creationId="{3CFEF9C3-22C7-2157-EBC8-9116E36A6081}"/>
-          </ac:graphicFrameMkLst>
-        </pc:graphicFrameChg>
-      </pc:sldChg>
-      <pc:sldChg chg="addSp modSp new mod">
-        <pc:chgData name="Gibbons, Carl" userId="d2b037bc-8fb4-4222-845c-61440543a456" providerId="ADAL" clId="{3CE3119B-1917-4F7B-A5AD-6C146E3F914B}" dt="2023-12-28T21:20:58.470" v="11391" actId="27636"/>
-        <pc:sldMkLst>
-          <pc:docMk/>
-          <pc:sldMk cId="2966054478" sldId="289"/>
-        </pc:sldMkLst>
-        <pc:spChg chg="mod">
-          <ac:chgData name="Gibbons, Carl" userId="d2b037bc-8fb4-4222-845c-61440543a456" providerId="ADAL" clId="{3CE3119B-1917-4F7B-A5AD-6C146E3F914B}" dt="2023-12-28T21:20:58.470" v="11391" actId="27636"/>
-          <ac:spMkLst>
-            <pc:docMk/>
-            <pc:sldMk cId="2966054478" sldId="289"/>
-            <ac:spMk id="2" creationId="{264BAEB2-591D-DEE6-3C00-0BAAC69880F0}"/>
-          </ac:spMkLst>
-        </pc:spChg>
-        <pc:spChg chg="add mod">
-          <ac:chgData name="Gibbons, Carl" userId="d2b037bc-8fb4-4222-845c-61440543a456" providerId="ADAL" clId="{3CE3119B-1917-4F7B-A5AD-6C146E3F914B}" dt="2023-12-28T21:02:37.455" v="10592" actId="20577"/>
-          <ac:spMkLst>
-            <pc:docMk/>
-            <pc:sldMk cId="2966054478" sldId="289"/>
-            <ac:spMk id="3" creationId="{0620B8A1-699E-C7B4-0A32-7D9C4529CA27}"/>
-          </ac:spMkLst>
-        </pc:spChg>
-      </pc:sldChg>
-      <pc:sldChg chg="modSp mod">
-        <pc:chgData name="Gibbons, Carl" userId="d2b037bc-8fb4-4222-845c-61440543a456" providerId="ADAL" clId="{3CE3119B-1917-4F7B-A5AD-6C146E3F914B}" dt="2023-12-28T20:25:14.044" v="8347" actId="20577"/>
-        <pc:sldMkLst>
-          <pc:docMk/>
-          <pc:sldMk cId="1014272238" sldId="290"/>
-        </pc:sldMkLst>
-        <pc:spChg chg="mod">
-          <ac:chgData name="Gibbons, Carl" userId="d2b037bc-8fb4-4222-845c-61440543a456" providerId="ADAL" clId="{3CE3119B-1917-4F7B-A5AD-6C146E3F914B}" dt="2023-12-28T20:14:14.888" v="7303" actId="20577"/>
-          <ac:spMkLst>
-            <pc:docMk/>
-            <pc:sldMk cId="1014272238" sldId="290"/>
-            <ac:spMk id="2" creationId="{31B75992-5098-A283-4925-2CCEBB801DC5}"/>
-          </ac:spMkLst>
-        </pc:spChg>
-        <pc:spChg chg="mod">
-          <ac:chgData name="Gibbons, Carl" userId="d2b037bc-8fb4-4222-845c-61440543a456" providerId="ADAL" clId="{3CE3119B-1917-4F7B-A5AD-6C146E3F914B}" dt="2023-12-28T20:25:14.044" v="8347" actId="20577"/>
-          <ac:spMkLst>
-            <pc:docMk/>
-            <pc:sldMk cId="1014272238" sldId="290"/>
-            <ac:spMk id="3" creationId="{B5924E0F-A977-1710-779D-EEB74261AF34}"/>
-          </ac:spMkLst>
-        </pc:spChg>
-      </pc:sldChg>
-      <pc:sldChg chg="modSp mod">
-        <pc:chgData name="Gibbons, Carl" userId="d2b037bc-8fb4-4222-845c-61440543a456" providerId="ADAL" clId="{3CE3119B-1917-4F7B-A5AD-6C146E3F914B}" dt="2023-12-28T21:21:03.949" v="11393" actId="27636"/>
-        <pc:sldMkLst>
-          <pc:docMk/>
-          <pc:sldMk cId="3689580349" sldId="291"/>
-        </pc:sldMkLst>
-        <pc:spChg chg="mod">
-          <ac:chgData name="Gibbons, Carl" userId="d2b037bc-8fb4-4222-845c-61440543a456" providerId="ADAL" clId="{3CE3119B-1917-4F7B-A5AD-6C146E3F914B}" dt="2023-12-28T21:21:03.949" v="11393" actId="27636"/>
-          <ac:spMkLst>
-            <pc:docMk/>
-            <pc:sldMk cId="3689580349" sldId="291"/>
-            <ac:spMk id="2" creationId="{264BAEB2-591D-DEE6-3C00-0BAAC69880F0}"/>
-          </ac:spMkLst>
-        </pc:spChg>
-        <pc:spChg chg="mod">
-          <ac:chgData name="Gibbons, Carl" userId="d2b037bc-8fb4-4222-845c-61440543a456" providerId="ADAL" clId="{3CE3119B-1917-4F7B-A5AD-6C146E3F914B}" dt="2023-12-28T21:02:59.174" v="10621" actId="20577"/>
-          <ac:spMkLst>
-            <pc:docMk/>
-            <pc:sldMk cId="3689580349" sldId="291"/>
-            <ac:spMk id="3" creationId="{0620B8A1-699E-C7B4-0A32-7D9C4529CA27}"/>
-          </ac:spMkLst>
-        </pc:spChg>
-      </pc:sldChg>
-      <pc:sldChg chg="modSp mod">
-        <pc:chgData name="Gibbons, Carl" userId="d2b037bc-8fb4-4222-845c-61440543a456" providerId="ADAL" clId="{3CE3119B-1917-4F7B-A5AD-6C146E3F914B}" dt="2023-12-28T21:30:34.709" v="11884" actId="20577"/>
-        <pc:sldMkLst>
-          <pc:docMk/>
-          <pc:sldMk cId="2738411615" sldId="292"/>
-        </pc:sldMkLst>
-        <pc:spChg chg="mod">
-          <ac:chgData name="Gibbons, Carl" userId="d2b037bc-8fb4-4222-845c-61440543a456" providerId="ADAL" clId="{3CE3119B-1917-4F7B-A5AD-6C146E3F914B}" dt="2023-12-28T21:27:00.893" v="11646" actId="20577"/>
-          <ac:spMkLst>
-            <pc:docMk/>
-            <pc:sldMk cId="2738411615" sldId="292"/>
-            <ac:spMk id="2" creationId="{31B75992-5098-A283-4925-2CCEBB801DC5}"/>
-          </ac:spMkLst>
-        </pc:spChg>
-        <pc:spChg chg="mod">
-          <ac:chgData name="Gibbons, Carl" userId="d2b037bc-8fb4-4222-845c-61440543a456" providerId="ADAL" clId="{3CE3119B-1917-4F7B-A5AD-6C146E3F914B}" dt="2023-12-28T21:30:34.709" v="11884" actId="20577"/>
-          <ac:spMkLst>
-            <pc:docMk/>
-            <pc:sldMk cId="2738411615" sldId="292"/>
-            <ac:spMk id="3" creationId="{B5924E0F-A977-1710-779D-EEB74261AF34}"/>
-          </ac:spMkLst>
-        </pc:spChg>
-      </pc:sldChg>
-      <pc:sldChg chg="modSp mod">
-        <pc:chgData name="Gibbons, Carl" userId="d2b037bc-8fb4-4222-845c-61440543a456" providerId="ADAL" clId="{3CE3119B-1917-4F7B-A5AD-6C146E3F914B}" dt="2023-12-28T21:56:49.002" v="13100" actId="20577"/>
-        <pc:sldMkLst>
-          <pc:docMk/>
-          <pc:sldMk cId="852415543" sldId="293"/>
-        </pc:sldMkLst>
-        <pc:spChg chg="mod">
-          <ac:chgData name="Gibbons, Carl" userId="d2b037bc-8fb4-4222-845c-61440543a456" providerId="ADAL" clId="{3CE3119B-1917-4F7B-A5AD-6C146E3F914B}" dt="2023-12-28T21:32:23.582" v="11900" actId="20577"/>
-          <ac:spMkLst>
-            <pc:docMk/>
-            <pc:sldMk cId="852415543" sldId="293"/>
-            <ac:spMk id="2" creationId="{264BAEB2-591D-DEE6-3C00-0BAAC69880F0}"/>
-          </ac:spMkLst>
-        </pc:spChg>
-        <pc:spChg chg="mod">
-          <ac:chgData name="Gibbons, Carl" userId="d2b037bc-8fb4-4222-845c-61440543a456" providerId="ADAL" clId="{3CE3119B-1917-4F7B-A5AD-6C146E3F914B}" dt="2023-12-28T21:56:49.002" v="13100" actId="20577"/>
-          <ac:spMkLst>
-            <pc:docMk/>
-            <pc:sldMk cId="852415543" sldId="293"/>
-            <ac:spMk id="3" creationId="{0620B8A1-699E-C7B4-0A32-7D9C4529CA27}"/>
-          </ac:spMkLst>
-        </pc:spChg>
-      </pc:sldChg>
-      <pc:sldMasterChg chg="delSldLayout">
-        <pc:chgData name="Gibbons, Carl" userId="d2b037bc-8fb4-4222-845c-61440543a456" providerId="ADAL" clId="{3CE3119B-1917-4F7B-A5AD-6C146E3F914B}" dt="2023-12-24T04:15:18.904" v="2211" actId="47"/>
-        <pc:sldMasterMkLst>
-          <pc:docMk/>
-          <pc:sldMasterMk cId="3616380004" sldId="2147483712"/>
-        </pc:sldMasterMkLst>
-        <pc:sldLayoutChg chg="del">
-          <pc:chgData name="Gibbons, Carl" userId="d2b037bc-8fb4-4222-845c-61440543a456" providerId="ADAL" clId="{3CE3119B-1917-4F7B-A5AD-6C146E3F914B}" dt="2023-12-24T04:15:18.904" v="2211" actId="47"/>
-          <pc:sldLayoutMkLst>
-            <pc:docMk/>
-            <pc:sldMasterMk cId="3616380004" sldId="2147483712"/>
-            <pc:sldLayoutMk cId="2633931619" sldId="2147483725"/>
-          </pc:sldLayoutMkLst>
-        </pc:sldLayoutChg>
-      </pc:sldMasterChg>
-    </pc:docChg>
-  </pc:docChgLst>
-  <pc:docChgLst>
-    <pc:chgData name="Gibbons, Carl" userId="d2b037bc-8fb4-4222-845c-61440543a456" providerId="ADAL" clId="{06905CFC-A46E-472D-890F-9117438C8D89}"/>
-    <pc:docChg chg="custSel addSld delSld modSld">
-      <pc:chgData name="Gibbons, Carl" userId="d2b037bc-8fb4-4222-845c-61440543a456" providerId="ADAL" clId="{06905CFC-A46E-472D-890F-9117438C8D89}" dt="2024-02-04T04:33:39.872" v="4931" actId="20577"/>
-      <pc:docMkLst>
-        <pc:docMk/>
-      </pc:docMkLst>
-      <pc:sldChg chg="modSp mod">
-        <pc:chgData name="Gibbons, Carl" userId="d2b037bc-8fb4-4222-845c-61440543a456" providerId="ADAL" clId="{06905CFC-A46E-472D-890F-9117438C8D89}" dt="2024-02-04T02:59:56.129" v="48" actId="20577"/>
-        <pc:sldMkLst>
-          <pc:docMk/>
-          <pc:sldMk cId="3308175748" sldId="256"/>
-        </pc:sldMkLst>
-        <pc:spChg chg="mod">
-          <ac:chgData name="Gibbons, Carl" userId="d2b037bc-8fb4-4222-845c-61440543a456" providerId="ADAL" clId="{06905CFC-A46E-472D-890F-9117438C8D89}" dt="2024-02-04T02:59:56.129" v="48" actId="20577"/>
-          <ac:spMkLst>
-            <pc:docMk/>
-            <pc:sldMk cId="3308175748" sldId="256"/>
-            <ac:spMk id="3" creationId="{EEC4D41B-E776-05F2-BE0B-89BB339485AB}"/>
-          </ac:spMkLst>
-        </pc:spChg>
-      </pc:sldChg>
-      <pc:sldChg chg="modSp mod">
-        <pc:chgData name="Gibbons, Carl" userId="d2b037bc-8fb4-4222-845c-61440543a456" providerId="ADAL" clId="{06905CFC-A46E-472D-890F-9117438C8D89}" dt="2024-02-04T03:54:18.112" v="2151" actId="15"/>
-        <pc:sldMkLst>
-          <pc:docMk/>
-          <pc:sldMk cId="2312486803" sldId="261"/>
-        </pc:sldMkLst>
-        <pc:spChg chg="mod">
-          <ac:chgData name="Gibbons, Carl" userId="d2b037bc-8fb4-4222-845c-61440543a456" providerId="ADAL" clId="{06905CFC-A46E-472D-890F-9117438C8D89}" dt="2024-02-04T03:52:20.850" v="2087" actId="20577"/>
-          <ac:spMkLst>
-            <pc:docMk/>
-            <pc:sldMk cId="2312486803" sldId="261"/>
-            <ac:spMk id="2" creationId="{31B75992-5098-A283-4925-2CCEBB801DC5}"/>
-          </ac:spMkLst>
-        </pc:spChg>
-        <pc:spChg chg="mod">
-          <ac:chgData name="Gibbons, Carl" userId="d2b037bc-8fb4-4222-845c-61440543a456" providerId="ADAL" clId="{06905CFC-A46E-472D-890F-9117438C8D89}" dt="2024-02-04T03:54:18.112" v="2151" actId="15"/>
-          <ac:spMkLst>
-            <pc:docMk/>
-            <pc:sldMk cId="2312486803" sldId="261"/>
-            <ac:spMk id="3" creationId="{B5924E0F-A977-1710-779D-EEB74261AF34}"/>
-          </ac:spMkLst>
-        </pc:spChg>
-      </pc:sldChg>
-      <pc:sldChg chg="modSp mod">
-        <pc:chgData name="Gibbons, Carl" userId="d2b037bc-8fb4-4222-845c-61440543a456" providerId="ADAL" clId="{06905CFC-A46E-472D-890F-9117438C8D89}" dt="2024-02-04T04:33:39.872" v="4931" actId="20577"/>
-        <pc:sldMkLst>
-          <pc:docMk/>
-          <pc:sldMk cId="3885141102" sldId="262"/>
-        </pc:sldMkLst>
-        <pc:spChg chg="mod">
-          <ac:chgData name="Gibbons, Carl" userId="d2b037bc-8fb4-4222-845c-61440543a456" providerId="ADAL" clId="{06905CFC-A46E-472D-890F-9117438C8D89}" dt="2024-02-04T04:33:39.872" v="4931" actId="20577"/>
-          <ac:spMkLst>
-            <pc:docMk/>
-            <pc:sldMk cId="3885141102" sldId="262"/>
-            <ac:spMk id="3" creationId="{B5924E0F-A977-1710-779D-EEB74261AF34}"/>
-          </ac:spMkLst>
-        </pc:spChg>
-      </pc:sldChg>
-      <pc:sldChg chg="modSp mod">
-        <pc:chgData name="Gibbons, Carl" userId="d2b037bc-8fb4-4222-845c-61440543a456" providerId="ADAL" clId="{06905CFC-A46E-472D-890F-9117438C8D89}" dt="2024-02-04T04:32:40.613" v="4865" actId="20577"/>
-        <pc:sldMkLst>
-          <pc:docMk/>
-          <pc:sldMk cId="1719402288" sldId="263"/>
-        </pc:sldMkLst>
-        <pc:spChg chg="mod">
-          <ac:chgData name="Gibbons, Carl" userId="d2b037bc-8fb4-4222-845c-61440543a456" providerId="ADAL" clId="{06905CFC-A46E-472D-890F-9117438C8D89}" dt="2024-02-04T04:12:26.573" v="3314" actId="20577"/>
-          <ac:spMkLst>
-            <pc:docMk/>
-            <pc:sldMk cId="1719402288" sldId="263"/>
-            <ac:spMk id="2" creationId="{31B75992-5098-A283-4925-2CCEBB801DC5}"/>
-          </ac:spMkLst>
-        </pc:spChg>
-        <pc:spChg chg="mod">
-          <ac:chgData name="Gibbons, Carl" userId="d2b037bc-8fb4-4222-845c-61440543a456" providerId="ADAL" clId="{06905CFC-A46E-472D-890F-9117438C8D89}" dt="2024-02-04T04:32:40.613" v="4865" actId="20577"/>
-          <ac:spMkLst>
-            <pc:docMk/>
-            <pc:sldMk cId="1719402288" sldId="263"/>
-            <ac:spMk id="3" creationId="{B5924E0F-A977-1710-779D-EEB74261AF34}"/>
-          </ac:spMkLst>
-        </pc:spChg>
-      </pc:sldChg>
-      <pc:sldChg chg="modSp new del mod">
-        <pc:chgData name="Gibbons, Carl" userId="d2b037bc-8fb4-4222-845c-61440543a456" providerId="ADAL" clId="{06905CFC-A46E-472D-890F-9117438C8D89}" dt="2024-02-04T03:52:51.701" v="2091" actId="2696"/>
-        <pc:sldMkLst>
-          <pc:docMk/>
-          <pc:sldMk cId="122773691" sldId="264"/>
-        </pc:sldMkLst>
-        <pc:spChg chg="mod">
-          <ac:chgData name="Gibbons, Carl" userId="d2b037bc-8fb4-4222-845c-61440543a456" providerId="ADAL" clId="{06905CFC-A46E-472D-890F-9117438C8D89}" dt="2024-02-04T03:52:47.108" v="2090" actId="27636"/>
-          <ac:spMkLst>
-            <pc:docMk/>
-            <pc:sldMk cId="122773691" sldId="264"/>
-            <ac:spMk id="2" creationId="{25B9B666-A3B3-5530-8F45-BA2562A6655A}"/>
-          </ac:spMkLst>
-        </pc:spChg>
-      </pc:sldChg>
-      <pc:sldChg chg="modSp add mod">
-        <pc:chgData name="Gibbons, Carl" userId="d2b037bc-8fb4-4222-845c-61440543a456" providerId="ADAL" clId="{06905CFC-A46E-472D-890F-9117438C8D89}" dt="2024-02-04T04:11:43.510" v="3278" actId="20577"/>
-        <pc:sldMkLst>
-          <pc:docMk/>
-          <pc:sldMk cId="2993794741" sldId="265"/>
-        </pc:sldMkLst>
-        <pc:spChg chg="mod">
-          <ac:chgData name="Gibbons, Carl" userId="d2b037bc-8fb4-4222-845c-61440543a456" providerId="ADAL" clId="{06905CFC-A46E-472D-890F-9117438C8D89}" dt="2024-02-04T03:53:00.875" v="2111" actId="20577"/>
-          <ac:spMkLst>
-            <pc:docMk/>
-            <pc:sldMk cId="2993794741" sldId="265"/>
-            <ac:spMk id="2" creationId="{31B75992-5098-A283-4925-2CCEBB801DC5}"/>
-          </ac:spMkLst>
-        </pc:spChg>
-        <pc:spChg chg="mod">
-          <ac:chgData name="Gibbons, Carl" userId="d2b037bc-8fb4-4222-845c-61440543a456" providerId="ADAL" clId="{06905CFC-A46E-472D-890F-9117438C8D89}" dt="2024-02-04T04:11:43.510" v="3278" actId="20577"/>
-          <ac:spMkLst>
-            <pc:docMk/>
-            <pc:sldMk cId="2993794741" sldId="265"/>
-            <ac:spMk id="3" creationId="{B5924E0F-A977-1710-779D-EEB74261AF34}"/>
-          </ac:spMkLst>
-        </pc:spChg>
-      </pc:sldChg>
-    </pc:docChg>
-  </pc:docChgLst>
-  <pc:docChgLst>
-    <pc:chgData name="Gibbons, Carl" userId="d2b037bc-8fb4-4222-845c-61440543a456" providerId="ADAL" clId="{6BB3E98D-F381-4EFF-81EB-11D831A89BCC}"/>
-    <pc:docChg chg="undo redo custSel addSld modSld">
-      <pc:chgData name="Gibbons, Carl" userId="d2b037bc-8fb4-4222-845c-61440543a456" providerId="ADAL" clId="{6BB3E98D-F381-4EFF-81EB-11D831A89BCC}" dt="2024-02-20T18:56:54.558" v="3667" actId="20577"/>
-      <pc:docMkLst>
-        <pc:docMk/>
-      </pc:docMkLst>
-      <pc:sldChg chg="modSp mod">
-        <pc:chgData name="Gibbons, Carl" userId="d2b037bc-8fb4-4222-845c-61440543a456" providerId="ADAL" clId="{6BB3E98D-F381-4EFF-81EB-11D831A89BCC}" dt="2024-02-20T18:19:38.071" v="41" actId="20577"/>
-        <pc:sldMkLst>
-          <pc:docMk/>
-          <pc:sldMk cId="3308175748" sldId="256"/>
-        </pc:sldMkLst>
-        <pc:spChg chg="mod">
-          <ac:chgData name="Gibbons, Carl" userId="d2b037bc-8fb4-4222-845c-61440543a456" providerId="ADAL" clId="{6BB3E98D-F381-4EFF-81EB-11D831A89BCC}" dt="2024-02-20T18:19:38.071" v="41" actId="20577"/>
-          <ac:spMkLst>
-            <pc:docMk/>
-            <pc:sldMk cId="3308175748" sldId="256"/>
-            <ac:spMk id="3" creationId="{EEC4D41B-E776-05F2-BE0B-89BB339485AB}"/>
-          </ac:spMkLst>
-        </pc:spChg>
-      </pc:sldChg>
-      <pc:sldChg chg="modSp mod">
-        <pc:chgData name="Gibbons, Carl" userId="d2b037bc-8fb4-4222-845c-61440543a456" providerId="ADAL" clId="{6BB3E98D-F381-4EFF-81EB-11D831A89BCC}" dt="2024-02-20T18:56:54.558" v="3667" actId="20577"/>
-        <pc:sldMkLst>
-          <pc:docMk/>
-          <pc:sldMk cId="3885141102" sldId="262"/>
-        </pc:sldMkLst>
-        <pc:spChg chg="mod">
-          <ac:chgData name="Gibbons, Carl" userId="d2b037bc-8fb4-4222-845c-61440543a456" providerId="ADAL" clId="{6BB3E98D-F381-4EFF-81EB-11D831A89BCC}" dt="2024-02-20T18:56:54.558" v="3667" actId="20577"/>
-          <ac:spMkLst>
-            <pc:docMk/>
-            <pc:sldMk cId="3885141102" sldId="262"/>
-            <ac:spMk id="3" creationId="{B5924E0F-A977-1710-779D-EEB74261AF34}"/>
-          </ac:spMkLst>
-        </pc:spChg>
-      </pc:sldChg>
-      <pc:sldChg chg="modSp mod">
-        <pc:chgData name="Gibbons, Carl" userId="d2b037bc-8fb4-4222-845c-61440543a456" providerId="ADAL" clId="{6BB3E98D-F381-4EFF-81EB-11D831A89BCC}" dt="2024-02-20T18:31:47.994" v="1288" actId="20577"/>
-        <pc:sldMkLst>
-          <pc:docMk/>
-          <pc:sldMk cId="1196559129" sldId="264"/>
-        </pc:sldMkLst>
-        <pc:spChg chg="mod">
-          <ac:chgData name="Gibbons, Carl" userId="d2b037bc-8fb4-4222-845c-61440543a456" providerId="ADAL" clId="{6BB3E98D-F381-4EFF-81EB-11D831A89BCC}" dt="2024-02-20T18:24:05.868" v="485" actId="20577"/>
-          <ac:spMkLst>
-            <pc:docMk/>
-            <pc:sldMk cId="1196559129" sldId="264"/>
-            <ac:spMk id="2" creationId="{0E6A2DEF-4501-FAEA-A31C-4FDCBD076712}"/>
-          </ac:spMkLst>
-        </pc:spChg>
-        <pc:spChg chg="mod">
-          <ac:chgData name="Gibbons, Carl" userId="d2b037bc-8fb4-4222-845c-61440543a456" providerId="ADAL" clId="{6BB3E98D-F381-4EFF-81EB-11D831A89BCC}" dt="2024-02-20T18:31:47.994" v="1288" actId="20577"/>
-          <ac:spMkLst>
-            <pc:docMk/>
-            <pc:sldMk cId="1196559129" sldId="264"/>
-            <ac:spMk id="7" creationId="{4247D23F-F3F9-676F-BDEB-E69E1F0AB32C}"/>
-          </ac:spMkLst>
-        </pc:spChg>
-      </pc:sldChg>
-      <pc:sldChg chg="modSp mod">
-        <pc:chgData name="Gibbons, Carl" userId="d2b037bc-8fb4-4222-845c-61440543a456" providerId="ADAL" clId="{6BB3E98D-F381-4EFF-81EB-11D831A89BCC}" dt="2024-02-20T18:43:59.847" v="2393" actId="1076"/>
-        <pc:sldMkLst>
-          <pc:docMk/>
-          <pc:sldMk cId="1400208519" sldId="265"/>
-        </pc:sldMkLst>
-        <pc:spChg chg="mod">
-          <ac:chgData name="Gibbons, Carl" userId="d2b037bc-8fb4-4222-845c-61440543a456" providerId="ADAL" clId="{6BB3E98D-F381-4EFF-81EB-11D831A89BCC}" dt="2024-02-20T18:43:25.492" v="2389" actId="20577"/>
-          <ac:spMkLst>
-            <pc:docMk/>
-            <pc:sldMk cId="1400208519" sldId="265"/>
-            <ac:spMk id="2" creationId="{832B45BA-6309-D8F6-D552-10D836B4EB21}"/>
-          </ac:spMkLst>
-        </pc:spChg>
-        <pc:spChg chg="mod">
-          <ac:chgData name="Gibbons, Carl" userId="d2b037bc-8fb4-4222-845c-61440543a456" providerId="ADAL" clId="{6BB3E98D-F381-4EFF-81EB-11D831A89BCC}" dt="2024-02-20T18:43:59.847" v="2393" actId="1076"/>
-          <ac:spMkLst>
-            <pc:docMk/>
-            <pc:sldMk cId="1400208519" sldId="265"/>
-            <ac:spMk id="7" creationId="{3CE889EF-4605-DB73-C7B2-D7E3C4957F48}"/>
-          </ac:spMkLst>
-        </pc:spChg>
-      </pc:sldChg>
-      <pc:sldChg chg="modSp add mod">
-        <pc:chgData name="Gibbons, Carl" userId="d2b037bc-8fb4-4222-845c-61440543a456" providerId="ADAL" clId="{6BB3E98D-F381-4EFF-81EB-11D831A89BCC}" dt="2024-02-20T18:54:58.017" v="3521" actId="20577"/>
-        <pc:sldMkLst>
-          <pc:docMk/>
-          <pc:sldMk cId="1467586035" sldId="266"/>
-        </pc:sldMkLst>
-        <pc:spChg chg="mod">
-          <ac:chgData name="Gibbons, Carl" userId="d2b037bc-8fb4-4222-845c-61440543a456" providerId="ADAL" clId="{6BB3E98D-F381-4EFF-81EB-11D831A89BCC}" dt="2024-02-20T18:49:47.829" v="3239" actId="20577"/>
-          <ac:spMkLst>
-            <pc:docMk/>
-            <pc:sldMk cId="1467586035" sldId="266"/>
+          <ac:chgData name="Gibbons, Carl" userId="d2b037bc-8fb4-4222-845c-61440543a456" providerId="ADAL" clId="{B3D2C303-A9BA-4764-AC97-ADBDEAC925E6}" dt="2024-05-26T06:24:55.727" v="18212"/>
+          <ac:spMkLst>
+            <pc:docMk/>
+            <pc:sldMk cId="2722703799" sldId="282"/>
+            <ac:spMk id="7" creationId="{56F98B9D-53CB-0D01-51DD-F6B452AAB6C5}"/>
+          </ac:spMkLst>
+        </pc:spChg>
+      </pc:sldChg>
+      <pc:sldChg chg="addSp modSp add mod">
+        <pc:chgData name="Gibbons, Carl" userId="d2b037bc-8fb4-4222-845c-61440543a456" providerId="ADAL" clId="{B3D2C303-A9BA-4764-AC97-ADBDEAC925E6}" dt="2024-05-28T17:03:25.684" v="20431" actId="1076"/>
+        <pc:sldMkLst>
+          <pc:docMk/>
+          <pc:sldMk cId="3069862466" sldId="283"/>
+        </pc:sldMkLst>
+        <pc:spChg chg="mod">
+          <ac:chgData name="Gibbons, Carl" userId="d2b037bc-8fb4-4222-845c-61440543a456" providerId="ADAL" clId="{B3D2C303-A9BA-4764-AC97-ADBDEAC925E6}" dt="2024-05-26T06:40:11.695" v="18788" actId="20577"/>
+          <ac:spMkLst>
+            <pc:docMk/>
+            <pc:sldMk cId="3069862466" sldId="283"/>
             <ac:spMk id="2" creationId="{F5533765-AE4D-3586-BFF0-C73FF51C6B9B}"/>
           </ac:spMkLst>
         </pc:spChg>
         <pc:spChg chg="mod">
-          <ac:chgData name="Gibbons, Carl" userId="d2b037bc-8fb4-4222-845c-61440543a456" providerId="ADAL" clId="{6BB3E98D-F381-4EFF-81EB-11D831A89BCC}" dt="2024-02-20T18:54:58.017" v="3521" actId="20577"/>
-          <ac:spMkLst>
-            <pc:docMk/>
-            <pc:sldMk cId="1467586035" sldId="266"/>
+          <ac:chgData name="Gibbons, Carl" userId="d2b037bc-8fb4-4222-845c-61440543a456" providerId="ADAL" clId="{B3D2C303-A9BA-4764-AC97-ADBDEAC925E6}" dt="2024-05-26T07:06:17.252" v="20390" actId="20577"/>
+          <ac:spMkLst>
+            <pc:docMk/>
+            <pc:sldMk cId="3069862466" sldId="283"/>
             <ac:spMk id="7" creationId="{56F98B9D-53CB-0D01-51DD-F6B452AAB6C5}"/>
           </ac:spMkLst>
         </pc:spChg>
+        <pc:picChg chg="add mod">
+          <ac:chgData name="Gibbons, Carl" userId="d2b037bc-8fb4-4222-845c-61440543a456" providerId="ADAL" clId="{B3D2C303-A9BA-4764-AC97-ADBDEAC925E6}" dt="2024-05-28T17:03:25.684" v="20431" actId="1076"/>
+          <ac:picMkLst>
+            <pc:docMk/>
+            <pc:sldMk cId="3069862466" sldId="283"/>
+            <ac:picMk id="4" creationId="{D66B4AEE-A634-413C-6B52-EEB079FE31C5}"/>
+          </ac:picMkLst>
+        </pc:picChg>
       </pc:sldChg>
     </pc:docChg>
   </pc:docChgLst>
@@ -3271,1824 +5089,6 @@
             <ac:spMk id="7" creationId="{56F98B9D-53CB-0D01-51DD-F6B452AAB6C5}"/>
           </ac:spMkLst>
         </pc:spChg>
-      </pc:sldChg>
-    </pc:docChg>
-  </pc:docChgLst>
-  <pc:docChgLst>
-    <pc:chgData name="Gibbons, Carl" userId="d2b037bc-8fb4-4222-845c-61440543a456" providerId="ADAL" clId="{B22431BF-FF40-422E-84B9-DE35C0B96CC3}"/>
-    <pc:docChg chg="undo custSel delSld modSld">
-      <pc:chgData name="Gibbons, Carl" userId="d2b037bc-8fb4-4222-845c-61440543a456" providerId="ADAL" clId="{B22431BF-FF40-422E-84B9-DE35C0B96CC3}" dt="2024-01-04T23:02:20.392" v="6116" actId="20577"/>
-      <pc:docMkLst>
-        <pc:docMk/>
-      </pc:docMkLst>
-      <pc:sldChg chg="modSp mod">
-        <pc:chgData name="Gibbons, Carl" userId="d2b037bc-8fb4-4222-845c-61440543a456" providerId="ADAL" clId="{B22431BF-FF40-422E-84B9-DE35C0B96CC3}" dt="2023-12-29T21:56:55.022" v="36" actId="20577"/>
-        <pc:sldMkLst>
-          <pc:docMk/>
-          <pc:sldMk cId="3308175748" sldId="256"/>
-        </pc:sldMkLst>
-        <pc:spChg chg="mod">
-          <ac:chgData name="Gibbons, Carl" userId="d2b037bc-8fb4-4222-845c-61440543a456" providerId="ADAL" clId="{B22431BF-FF40-422E-84B9-DE35C0B96CC3}" dt="2023-12-29T21:56:55.022" v="36" actId="20577"/>
-          <ac:spMkLst>
-            <pc:docMk/>
-            <pc:sldMk cId="3308175748" sldId="256"/>
-            <ac:spMk id="3" creationId="{EEC4D41B-E776-05F2-BE0B-89BB339485AB}"/>
-          </ac:spMkLst>
-        </pc:spChg>
-      </pc:sldChg>
-      <pc:sldChg chg="modSp mod">
-        <pc:chgData name="Gibbons, Carl" userId="d2b037bc-8fb4-4222-845c-61440543a456" providerId="ADAL" clId="{B22431BF-FF40-422E-84B9-DE35C0B96CC3}" dt="2024-01-04T23:00:14.898" v="6013" actId="20577"/>
-        <pc:sldMkLst>
-          <pc:docMk/>
-          <pc:sldMk cId="2312486803" sldId="261"/>
-        </pc:sldMkLst>
-        <pc:spChg chg="mod">
-          <ac:chgData name="Gibbons, Carl" userId="d2b037bc-8fb4-4222-845c-61440543a456" providerId="ADAL" clId="{B22431BF-FF40-422E-84B9-DE35C0B96CC3}" dt="2023-12-29T22:08:30.114" v="43" actId="20577"/>
-          <ac:spMkLst>
-            <pc:docMk/>
-            <pc:sldMk cId="2312486803" sldId="261"/>
-            <ac:spMk id="2" creationId="{31B75992-5098-A283-4925-2CCEBB801DC5}"/>
-          </ac:spMkLst>
-        </pc:spChg>
-        <pc:spChg chg="mod">
-          <ac:chgData name="Gibbons, Carl" userId="d2b037bc-8fb4-4222-845c-61440543a456" providerId="ADAL" clId="{B22431BF-FF40-422E-84B9-DE35C0B96CC3}" dt="2024-01-04T23:00:14.898" v="6013" actId="20577"/>
-          <ac:spMkLst>
-            <pc:docMk/>
-            <pc:sldMk cId="2312486803" sldId="261"/>
-            <ac:spMk id="3" creationId="{B5924E0F-A977-1710-779D-EEB74261AF34}"/>
-          </ac:spMkLst>
-        </pc:spChg>
-      </pc:sldChg>
-      <pc:sldChg chg="del">
-        <pc:chgData name="Gibbons, Carl" userId="d2b037bc-8fb4-4222-845c-61440543a456" providerId="ADAL" clId="{B22431BF-FF40-422E-84B9-DE35C0B96CC3}" dt="2023-12-30T00:06:35.373" v="5939" actId="47"/>
-        <pc:sldMkLst>
-          <pc:docMk/>
-          <pc:sldMk cId="657795359" sldId="277"/>
-        </pc:sldMkLst>
-      </pc:sldChg>
-      <pc:sldChg chg="modSp mod">
-        <pc:chgData name="Gibbons, Carl" userId="d2b037bc-8fb4-4222-845c-61440543a456" providerId="ADAL" clId="{B22431BF-FF40-422E-84B9-DE35C0B96CC3}" dt="2023-12-29T22:43:19.687" v="2380" actId="20577"/>
-        <pc:sldMkLst>
-          <pc:docMk/>
-          <pc:sldMk cId="3989541258" sldId="278"/>
-        </pc:sldMkLst>
-        <pc:spChg chg="mod">
-          <ac:chgData name="Gibbons, Carl" userId="d2b037bc-8fb4-4222-845c-61440543a456" providerId="ADAL" clId="{B22431BF-FF40-422E-84B9-DE35C0B96CC3}" dt="2023-12-29T22:43:19.687" v="2380" actId="20577"/>
-          <ac:spMkLst>
-            <pc:docMk/>
-            <pc:sldMk cId="3989541258" sldId="278"/>
-            <ac:spMk id="2" creationId="{31B75992-5098-A283-4925-2CCEBB801DC5}"/>
-          </ac:spMkLst>
-        </pc:spChg>
-        <pc:spChg chg="mod">
-          <ac:chgData name="Gibbons, Carl" userId="d2b037bc-8fb4-4222-845c-61440543a456" providerId="ADAL" clId="{B22431BF-FF40-422E-84B9-DE35C0B96CC3}" dt="2023-12-29T22:42:57.446" v="2316" actId="21"/>
-          <ac:spMkLst>
-            <pc:docMk/>
-            <pc:sldMk cId="3989541258" sldId="278"/>
-            <ac:spMk id="3" creationId="{B5924E0F-A977-1710-779D-EEB74261AF34}"/>
-          </ac:spMkLst>
-        </pc:spChg>
-      </pc:sldChg>
-      <pc:sldChg chg="modSp mod">
-        <pc:chgData name="Gibbons, Carl" userId="d2b037bc-8fb4-4222-845c-61440543a456" providerId="ADAL" clId="{B22431BF-FF40-422E-84B9-DE35C0B96CC3}" dt="2024-01-04T23:02:20.392" v="6116" actId="20577"/>
-        <pc:sldMkLst>
-          <pc:docMk/>
-          <pc:sldMk cId="1861646120" sldId="293"/>
-        </pc:sldMkLst>
-        <pc:spChg chg="mod">
-          <ac:chgData name="Gibbons, Carl" userId="d2b037bc-8fb4-4222-845c-61440543a456" providerId="ADAL" clId="{B22431BF-FF40-422E-84B9-DE35C0B96CC3}" dt="2023-12-29T22:43:38.151" v="2422" actId="20577"/>
-          <ac:spMkLst>
-            <pc:docMk/>
-            <pc:sldMk cId="1861646120" sldId="293"/>
-            <ac:spMk id="2" creationId="{31B75992-5098-A283-4925-2CCEBB801DC5}"/>
-          </ac:spMkLst>
-        </pc:spChg>
-        <pc:spChg chg="mod">
-          <ac:chgData name="Gibbons, Carl" userId="d2b037bc-8fb4-4222-845c-61440543a456" providerId="ADAL" clId="{B22431BF-FF40-422E-84B9-DE35C0B96CC3}" dt="2024-01-04T23:02:20.392" v="6116" actId="20577"/>
-          <ac:spMkLst>
-            <pc:docMk/>
-            <pc:sldMk cId="1861646120" sldId="293"/>
-            <ac:spMk id="3" creationId="{B5924E0F-A977-1710-779D-EEB74261AF34}"/>
-          </ac:spMkLst>
-        </pc:spChg>
-      </pc:sldChg>
-      <pc:sldChg chg="modSp mod">
-        <pc:chgData name="Gibbons, Carl" userId="d2b037bc-8fb4-4222-845c-61440543a456" providerId="ADAL" clId="{B22431BF-FF40-422E-84B9-DE35C0B96CC3}" dt="2023-12-30T00:07:46.447" v="5951" actId="20577"/>
-        <pc:sldMkLst>
-          <pc:docMk/>
-          <pc:sldMk cId="2232562783" sldId="294"/>
-        </pc:sldMkLst>
-        <pc:spChg chg="mod">
-          <ac:chgData name="Gibbons, Carl" userId="d2b037bc-8fb4-4222-845c-61440543a456" providerId="ADAL" clId="{B22431BF-FF40-422E-84B9-DE35C0B96CC3}" dt="2023-12-30T00:07:46.447" v="5951" actId="20577"/>
-          <ac:spMkLst>
-            <pc:docMk/>
-            <pc:sldMk cId="2232562783" sldId="294"/>
-            <ac:spMk id="2" creationId="{31B75992-5098-A283-4925-2CCEBB801DC5}"/>
-          </ac:spMkLst>
-        </pc:spChg>
-        <pc:spChg chg="mod">
-          <ac:chgData name="Gibbons, Carl" userId="d2b037bc-8fb4-4222-845c-61440543a456" providerId="ADAL" clId="{B22431BF-FF40-422E-84B9-DE35C0B96CC3}" dt="2023-12-29T23:10:49.132" v="4131" actId="20577"/>
-          <ac:spMkLst>
-            <pc:docMk/>
-            <pc:sldMk cId="2232562783" sldId="294"/>
-            <ac:spMk id="3" creationId="{B5924E0F-A977-1710-779D-EEB74261AF34}"/>
-          </ac:spMkLst>
-        </pc:spChg>
-      </pc:sldChg>
-      <pc:sldChg chg="modSp del mod">
-        <pc:chgData name="Gibbons, Carl" userId="d2b037bc-8fb4-4222-845c-61440543a456" providerId="ADAL" clId="{B22431BF-FF40-422E-84B9-DE35C0B96CC3}" dt="2023-12-30T00:06:31.761" v="5934" actId="47"/>
-        <pc:sldMkLst>
-          <pc:docMk/>
-          <pc:sldMk cId="806767687" sldId="295"/>
-        </pc:sldMkLst>
-        <pc:spChg chg="mod">
-          <ac:chgData name="Gibbons, Carl" userId="d2b037bc-8fb4-4222-845c-61440543a456" providerId="ADAL" clId="{B22431BF-FF40-422E-84B9-DE35C0B96CC3}" dt="2023-12-29T23:17:23.085" v="4333" actId="20577"/>
-          <ac:spMkLst>
-            <pc:docMk/>
-            <pc:sldMk cId="806767687" sldId="295"/>
-            <ac:spMk id="3" creationId="{B5924E0F-A977-1710-779D-EEB74261AF34}"/>
-          </ac:spMkLst>
-        </pc:spChg>
-      </pc:sldChg>
-      <pc:sldChg chg="del">
-        <pc:chgData name="Gibbons, Carl" userId="d2b037bc-8fb4-4222-845c-61440543a456" providerId="ADAL" clId="{B22431BF-FF40-422E-84B9-DE35C0B96CC3}" dt="2023-12-30T00:06:32.570" v="5935" actId="47"/>
-        <pc:sldMkLst>
-          <pc:docMk/>
-          <pc:sldMk cId="3145157247" sldId="296"/>
-        </pc:sldMkLst>
-      </pc:sldChg>
-      <pc:sldChg chg="del">
-        <pc:chgData name="Gibbons, Carl" userId="d2b037bc-8fb4-4222-845c-61440543a456" providerId="ADAL" clId="{B22431BF-FF40-422E-84B9-DE35C0B96CC3}" dt="2023-12-30T00:06:33.242" v="5936" actId="47"/>
-        <pc:sldMkLst>
-          <pc:docMk/>
-          <pc:sldMk cId="2424714671" sldId="297"/>
-        </pc:sldMkLst>
-      </pc:sldChg>
-      <pc:sldChg chg="del">
-        <pc:chgData name="Gibbons, Carl" userId="d2b037bc-8fb4-4222-845c-61440543a456" providerId="ADAL" clId="{B22431BF-FF40-422E-84B9-DE35C0B96CC3}" dt="2023-12-30T00:06:33.834" v="5937" actId="47"/>
-        <pc:sldMkLst>
-          <pc:docMk/>
-          <pc:sldMk cId="3450195044" sldId="298"/>
-        </pc:sldMkLst>
-      </pc:sldChg>
-      <pc:sldChg chg="del">
-        <pc:chgData name="Gibbons, Carl" userId="d2b037bc-8fb4-4222-845c-61440543a456" providerId="ADAL" clId="{B22431BF-FF40-422E-84B9-DE35C0B96CC3}" dt="2023-12-30T00:06:34.432" v="5938" actId="47"/>
-        <pc:sldMkLst>
-          <pc:docMk/>
-          <pc:sldMk cId="3633122843" sldId="299"/>
-        </pc:sldMkLst>
-      </pc:sldChg>
-      <pc:sldChg chg="modSp mod">
-        <pc:chgData name="Gibbons, Carl" userId="d2b037bc-8fb4-4222-845c-61440543a456" providerId="ADAL" clId="{B22431BF-FF40-422E-84B9-DE35C0B96CC3}" dt="2023-12-30T00:07:51.836" v="5963" actId="20577"/>
-        <pc:sldMkLst>
-          <pc:docMk/>
-          <pc:sldMk cId="845747584" sldId="300"/>
-        </pc:sldMkLst>
-        <pc:spChg chg="mod">
-          <ac:chgData name="Gibbons, Carl" userId="d2b037bc-8fb4-4222-845c-61440543a456" providerId="ADAL" clId="{B22431BF-FF40-422E-84B9-DE35C0B96CC3}" dt="2023-12-30T00:07:51.836" v="5963" actId="20577"/>
-          <ac:spMkLst>
-            <pc:docMk/>
-            <pc:sldMk cId="845747584" sldId="300"/>
-            <ac:spMk id="2" creationId="{31B75992-5098-A283-4925-2CCEBB801DC5}"/>
-          </ac:spMkLst>
-        </pc:spChg>
-        <pc:spChg chg="mod">
-          <ac:chgData name="Gibbons, Carl" userId="d2b037bc-8fb4-4222-845c-61440543a456" providerId="ADAL" clId="{B22431BF-FF40-422E-84B9-DE35C0B96CC3}" dt="2023-12-29T23:21:57.151" v="4600" actId="20577"/>
-          <ac:spMkLst>
-            <pc:docMk/>
-            <pc:sldMk cId="845747584" sldId="300"/>
-            <ac:spMk id="3" creationId="{B5924E0F-A977-1710-779D-EEB74261AF34}"/>
-          </ac:spMkLst>
-        </pc:spChg>
-      </pc:sldChg>
-      <pc:sldChg chg="modSp mod">
-        <pc:chgData name="Gibbons, Carl" userId="d2b037bc-8fb4-4222-845c-61440543a456" providerId="ADAL" clId="{B22431BF-FF40-422E-84B9-DE35C0B96CC3}" dt="2023-12-30T00:07:56.869" v="5975" actId="20577"/>
-        <pc:sldMkLst>
-          <pc:docMk/>
-          <pc:sldMk cId="3372579319" sldId="301"/>
-        </pc:sldMkLst>
-        <pc:spChg chg="mod">
-          <ac:chgData name="Gibbons, Carl" userId="d2b037bc-8fb4-4222-845c-61440543a456" providerId="ADAL" clId="{B22431BF-FF40-422E-84B9-DE35C0B96CC3}" dt="2023-12-30T00:07:56.869" v="5975" actId="20577"/>
-          <ac:spMkLst>
-            <pc:docMk/>
-            <pc:sldMk cId="3372579319" sldId="301"/>
-            <ac:spMk id="2" creationId="{31B75992-5098-A283-4925-2CCEBB801DC5}"/>
-          </ac:spMkLst>
-        </pc:spChg>
-        <pc:spChg chg="mod">
-          <ac:chgData name="Gibbons, Carl" userId="d2b037bc-8fb4-4222-845c-61440543a456" providerId="ADAL" clId="{B22431BF-FF40-422E-84B9-DE35C0B96CC3}" dt="2023-12-30T00:06:13.959" v="5932" actId="20577"/>
-          <ac:spMkLst>
-            <pc:docMk/>
-            <pc:sldMk cId="3372579319" sldId="301"/>
-            <ac:spMk id="3" creationId="{B5924E0F-A977-1710-779D-EEB74261AF34}"/>
-          </ac:spMkLst>
-        </pc:spChg>
-      </pc:sldChg>
-      <pc:sldChg chg="modSp del mod">
-        <pc:chgData name="Gibbons, Carl" userId="d2b037bc-8fb4-4222-845c-61440543a456" providerId="ADAL" clId="{B22431BF-FF40-422E-84B9-DE35C0B96CC3}" dt="2023-12-30T00:06:30.511" v="5933" actId="47"/>
-        <pc:sldMkLst>
-          <pc:docMk/>
-          <pc:sldMk cId="3488854045" sldId="302"/>
-        </pc:sldMkLst>
-        <pc:spChg chg="mod">
-          <ac:chgData name="Gibbons, Carl" userId="d2b037bc-8fb4-4222-845c-61440543a456" providerId="ADAL" clId="{B22431BF-FF40-422E-84B9-DE35C0B96CC3}" dt="2023-12-29T23:32:30.137" v="5532" actId="20577"/>
-          <ac:spMkLst>
-            <pc:docMk/>
-            <pc:sldMk cId="3488854045" sldId="302"/>
-            <ac:spMk id="2" creationId="{31B75992-5098-A283-4925-2CCEBB801DC5}"/>
-          </ac:spMkLst>
-        </pc:spChg>
-        <pc:spChg chg="mod">
-          <ac:chgData name="Gibbons, Carl" userId="d2b037bc-8fb4-4222-845c-61440543a456" providerId="ADAL" clId="{B22431BF-FF40-422E-84B9-DE35C0B96CC3}" dt="2023-12-29T23:35:41.617" v="5912" actId="20577"/>
-          <ac:spMkLst>
-            <pc:docMk/>
-            <pc:sldMk cId="3488854045" sldId="302"/>
-            <ac:spMk id="3" creationId="{B5924E0F-A977-1710-779D-EEB74261AF34}"/>
-          </ac:spMkLst>
-        </pc:spChg>
-      </pc:sldChg>
-    </pc:docChg>
-  </pc:docChgLst>
-  <pc:docChgLst>
-    <pc:chgData name="Gibbons, Carl" userId="d2b037bc-8fb4-4222-845c-61440543a456" providerId="ADAL" clId="{3D73FC3D-A932-426E-A7E0-475220CAB957}"/>
-    <pc:docChg chg="undo redo custSel addSld delSld modSld">
-      <pc:chgData name="Gibbons, Carl" userId="d2b037bc-8fb4-4222-845c-61440543a456" providerId="ADAL" clId="{3D73FC3D-A932-426E-A7E0-475220CAB957}" dt="2023-12-24T03:24:28.415" v="11663" actId="20577"/>
-      <pc:docMkLst>
-        <pc:docMk/>
-      </pc:docMkLst>
-      <pc:sldChg chg="modSp mod">
-        <pc:chgData name="Gibbons, Carl" userId="d2b037bc-8fb4-4222-845c-61440543a456" providerId="ADAL" clId="{3D73FC3D-A932-426E-A7E0-475220CAB957}" dt="2023-12-23T23:38:20.022" v="49" actId="20577"/>
-        <pc:sldMkLst>
-          <pc:docMk/>
-          <pc:sldMk cId="3308175748" sldId="256"/>
-        </pc:sldMkLst>
-        <pc:spChg chg="mod">
-          <ac:chgData name="Gibbons, Carl" userId="d2b037bc-8fb4-4222-845c-61440543a456" providerId="ADAL" clId="{3D73FC3D-A932-426E-A7E0-475220CAB957}" dt="2023-12-23T23:38:20.022" v="49" actId="20577"/>
-          <ac:spMkLst>
-            <pc:docMk/>
-            <pc:sldMk cId="3308175748" sldId="256"/>
-            <ac:spMk id="3" creationId="{EEC4D41B-E776-05F2-BE0B-89BB339485AB}"/>
-          </ac:spMkLst>
-        </pc:spChg>
-      </pc:sldChg>
-      <pc:sldChg chg="modSp mod">
-        <pc:chgData name="Gibbons, Carl" userId="d2b037bc-8fb4-4222-845c-61440543a456" providerId="ADAL" clId="{3D73FC3D-A932-426E-A7E0-475220CAB957}" dt="2023-12-24T01:13:09.893" v="3743" actId="20577"/>
-        <pc:sldMkLst>
-          <pc:docMk/>
-          <pc:sldMk cId="519357719" sldId="260"/>
-        </pc:sldMkLst>
-        <pc:spChg chg="mod">
-          <ac:chgData name="Gibbons, Carl" userId="d2b037bc-8fb4-4222-845c-61440543a456" providerId="ADAL" clId="{3D73FC3D-A932-426E-A7E0-475220CAB957}" dt="2023-12-24T00:45:38.249" v="1787" actId="20577"/>
-          <ac:spMkLst>
-            <pc:docMk/>
-            <pc:sldMk cId="519357719" sldId="260"/>
-            <ac:spMk id="2" creationId="{E8E7C5B6-3D55-D6F8-C2DE-9B6E32C23A9C}"/>
-          </ac:spMkLst>
-        </pc:spChg>
-        <pc:spChg chg="mod">
-          <ac:chgData name="Gibbons, Carl" userId="d2b037bc-8fb4-4222-845c-61440543a456" providerId="ADAL" clId="{3D73FC3D-A932-426E-A7E0-475220CAB957}" dt="2023-12-24T01:13:09.893" v="3743" actId="20577"/>
-          <ac:spMkLst>
-            <pc:docMk/>
-            <pc:sldMk cId="519357719" sldId="260"/>
-            <ac:spMk id="3" creationId="{17D02A72-79B4-B4A1-5F2B-4922B2F25909}"/>
-          </ac:spMkLst>
-        </pc:spChg>
-      </pc:sldChg>
-      <pc:sldChg chg="addSp modSp mod">
-        <pc:chgData name="Gibbons, Carl" userId="d2b037bc-8fb4-4222-845c-61440543a456" providerId="ADAL" clId="{3D73FC3D-A932-426E-A7E0-475220CAB957}" dt="2023-12-24T00:00:09.105" v="711" actId="20577"/>
-        <pc:sldMkLst>
-          <pc:docMk/>
-          <pc:sldMk cId="2312486803" sldId="261"/>
-        </pc:sldMkLst>
-        <pc:spChg chg="mod">
-          <ac:chgData name="Gibbons, Carl" userId="d2b037bc-8fb4-4222-845c-61440543a456" providerId="ADAL" clId="{3D73FC3D-A932-426E-A7E0-475220CAB957}" dt="2023-12-23T23:50:04.782" v="85" actId="20577"/>
-          <ac:spMkLst>
-            <pc:docMk/>
-            <pc:sldMk cId="2312486803" sldId="261"/>
-            <ac:spMk id="2" creationId="{31B75992-5098-A283-4925-2CCEBB801DC5}"/>
-          </ac:spMkLst>
-        </pc:spChg>
-        <pc:spChg chg="mod">
-          <ac:chgData name="Gibbons, Carl" userId="d2b037bc-8fb4-4222-845c-61440543a456" providerId="ADAL" clId="{3D73FC3D-A932-426E-A7E0-475220CAB957}" dt="2023-12-24T00:00:09.105" v="711" actId="20577"/>
-          <ac:spMkLst>
-            <pc:docMk/>
-            <pc:sldMk cId="2312486803" sldId="261"/>
-            <ac:spMk id="3" creationId="{B5924E0F-A977-1710-779D-EEB74261AF34}"/>
-          </ac:spMkLst>
-        </pc:spChg>
-        <pc:picChg chg="add mod">
-          <ac:chgData name="Gibbons, Carl" userId="d2b037bc-8fb4-4222-845c-61440543a456" providerId="ADAL" clId="{3D73FC3D-A932-426E-A7E0-475220CAB957}" dt="2023-12-23T23:51:02.278" v="91" actId="1076"/>
-          <ac:picMkLst>
-            <pc:docMk/>
-            <pc:sldMk cId="2312486803" sldId="261"/>
-            <ac:picMk id="5" creationId="{95F1B758-8221-A28F-F68D-1A79ADBC274D}"/>
-          </ac:picMkLst>
-        </pc:picChg>
-      </pc:sldChg>
-      <pc:sldChg chg="modSp mod">
-        <pc:chgData name="Gibbons, Carl" userId="d2b037bc-8fb4-4222-845c-61440543a456" providerId="ADAL" clId="{3D73FC3D-A932-426E-A7E0-475220CAB957}" dt="2023-12-24T00:44:00.546" v="1681" actId="20577"/>
-        <pc:sldMkLst>
-          <pc:docMk/>
-          <pc:sldMk cId="378743348" sldId="270"/>
-        </pc:sldMkLst>
-        <pc:spChg chg="mod">
-          <ac:chgData name="Gibbons, Carl" userId="d2b037bc-8fb4-4222-845c-61440543a456" providerId="ADAL" clId="{3D73FC3D-A932-426E-A7E0-475220CAB957}" dt="2023-12-24T00:42:29.049" v="1647" actId="114"/>
-          <ac:spMkLst>
-            <pc:docMk/>
-            <pc:sldMk cId="378743348" sldId="270"/>
-            <ac:spMk id="2" creationId="{C5822466-AC61-5579-F313-7B8A3FE65CC8}"/>
-          </ac:spMkLst>
-        </pc:spChg>
-        <pc:spChg chg="mod">
-          <ac:chgData name="Gibbons, Carl" userId="d2b037bc-8fb4-4222-845c-61440543a456" providerId="ADAL" clId="{3D73FC3D-A932-426E-A7E0-475220CAB957}" dt="2023-12-24T00:44:00.546" v="1681" actId="20577"/>
-          <ac:spMkLst>
-            <pc:docMk/>
-            <pc:sldMk cId="378743348" sldId="270"/>
-            <ac:spMk id="3" creationId="{80041865-9773-290D-EB35-F8AF8BFC505C}"/>
-          </ac:spMkLst>
-        </pc:spChg>
-      </pc:sldChg>
-      <pc:sldChg chg="modSp mod">
-        <pc:chgData name="Gibbons, Carl" userId="d2b037bc-8fb4-4222-845c-61440543a456" providerId="ADAL" clId="{3D73FC3D-A932-426E-A7E0-475220CAB957}" dt="2023-12-24T03:24:28.415" v="11663" actId="20577"/>
-        <pc:sldMkLst>
-          <pc:docMk/>
-          <pc:sldMk cId="657795359" sldId="277"/>
-        </pc:sldMkLst>
-        <pc:spChg chg="mod">
-          <ac:chgData name="Gibbons, Carl" userId="d2b037bc-8fb4-4222-845c-61440543a456" providerId="ADAL" clId="{3D73FC3D-A932-426E-A7E0-475220CAB957}" dt="2023-12-24T03:22:59.669" v="11407" actId="20577"/>
-          <ac:spMkLst>
-            <pc:docMk/>
-            <pc:sldMk cId="657795359" sldId="277"/>
-            <ac:spMk id="2" creationId="{1862E903-3C56-BB42-2361-009F2336475A}"/>
-          </ac:spMkLst>
-        </pc:spChg>
-        <pc:spChg chg="mod">
-          <ac:chgData name="Gibbons, Carl" userId="d2b037bc-8fb4-4222-845c-61440543a456" providerId="ADAL" clId="{3D73FC3D-A932-426E-A7E0-475220CAB957}" dt="2023-12-24T03:24:28.415" v="11663" actId="20577"/>
-          <ac:spMkLst>
-            <pc:docMk/>
-            <pc:sldMk cId="657795359" sldId="277"/>
-            <ac:spMk id="3" creationId="{90179172-96B3-95D0-A137-257770BE7642}"/>
-          </ac:spMkLst>
-        </pc:spChg>
-      </pc:sldChg>
-      <pc:sldChg chg="modSp mod">
-        <pc:chgData name="Gibbons, Carl" userId="d2b037bc-8fb4-4222-845c-61440543a456" providerId="ADAL" clId="{3D73FC3D-A932-426E-A7E0-475220CAB957}" dt="2023-12-24T01:34:56.666" v="4550" actId="20577"/>
-        <pc:sldMkLst>
-          <pc:docMk/>
-          <pc:sldMk cId="376509629" sldId="278"/>
-        </pc:sldMkLst>
-        <pc:spChg chg="mod">
-          <ac:chgData name="Gibbons, Carl" userId="d2b037bc-8fb4-4222-845c-61440543a456" providerId="ADAL" clId="{3D73FC3D-A932-426E-A7E0-475220CAB957}" dt="2023-12-24T01:29:35.543" v="4429" actId="20577"/>
-          <ac:spMkLst>
-            <pc:docMk/>
-            <pc:sldMk cId="376509629" sldId="278"/>
-            <ac:spMk id="2" creationId="{E8E7C5B6-3D55-D6F8-C2DE-9B6E32C23A9C}"/>
-          </ac:spMkLst>
-        </pc:spChg>
-        <pc:spChg chg="mod">
-          <ac:chgData name="Gibbons, Carl" userId="d2b037bc-8fb4-4222-845c-61440543a456" providerId="ADAL" clId="{3D73FC3D-A932-426E-A7E0-475220CAB957}" dt="2023-12-24T01:34:56.666" v="4550" actId="20577"/>
-          <ac:spMkLst>
-            <pc:docMk/>
-            <pc:sldMk cId="376509629" sldId="278"/>
-            <ac:spMk id="3" creationId="{17D02A72-79B4-B4A1-5F2B-4922B2F25909}"/>
-          </ac:spMkLst>
-        </pc:spChg>
-      </pc:sldChg>
-      <pc:sldChg chg="modSp add mod">
-        <pc:chgData name="Gibbons, Carl" userId="d2b037bc-8fb4-4222-845c-61440543a456" providerId="ADAL" clId="{3D73FC3D-A932-426E-A7E0-475220CAB957}" dt="2023-12-24T01:50:22.304" v="5579" actId="20577"/>
-        <pc:sldMkLst>
-          <pc:docMk/>
-          <pc:sldMk cId="3153831418" sldId="279"/>
-        </pc:sldMkLst>
-        <pc:spChg chg="mod">
-          <ac:chgData name="Gibbons, Carl" userId="d2b037bc-8fb4-4222-845c-61440543a456" providerId="ADAL" clId="{3D73FC3D-A932-426E-A7E0-475220CAB957}" dt="2023-12-24T01:36:49.541" v="4576" actId="20577"/>
-          <ac:spMkLst>
-            <pc:docMk/>
-            <pc:sldMk cId="3153831418" sldId="279"/>
-            <ac:spMk id="2" creationId="{E8E7C5B6-3D55-D6F8-C2DE-9B6E32C23A9C}"/>
-          </ac:spMkLst>
-        </pc:spChg>
-        <pc:spChg chg="mod">
-          <ac:chgData name="Gibbons, Carl" userId="d2b037bc-8fb4-4222-845c-61440543a456" providerId="ADAL" clId="{3D73FC3D-A932-426E-A7E0-475220CAB957}" dt="2023-12-24T01:50:22.304" v="5579" actId="20577"/>
-          <ac:spMkLst>
-            <pc:docMk/>
-            <pc:sldMk cId="3153831418" sldId="279"/>
-            <ac:spMk id="3" creationId="{17D02A72-79B4-B4A1-5F2B-4922B2F25909}"/>
-          </ac:spMkLst>
-        </pc:spChg>
-      </pc:sldChg>
-      <pc:sldChg chg="del">
-        <pc:chgData name="Gibbons, Carl" userId="d2b037bc-8fb4-4222-845c-61440543a456" providerId="ADAL" clId="{3D73FC3D-A932-426E-A7E0-475220CAB957}" dt="2023-12-24T01:36:36.846" v="4551"/>
-        <pc:sldMkLst>
-          <pc:docMk/>
-          <pc:sldMk cId="3319441950" sldId="279"/>
-        </pc:sldMkLst>
-      </pc:sldChg>
-      <pc:sldChg chg="addSp delSp modSp mod">
-        <pc:chgData name="Gibbons, Carl" userId="d2b037bc-8fb4-4222-845c-61440543a456" providerId="ADAL" clId="{3D73FC3D-A932-426E-A7E0-475220CAB957}" dt="2023-12-24T02:38:37.357" v="8076" actId="22"/>
-        <pc:sldMkLst>
-          <pc:docMk/>
-          <pc:sldMk cId="1730491475" sldId="280"/>
-        </pc:sldMkLst>
-        <pc:spChg chg="mod">
-          <ac:chgData name="Gibbons, Carl" userId="d2b037bc-8fb4-4222-845c-61440543a456" providerId="ADAL" clId="{3D73FC3D-A932-426E-A7E0-475220CAB957}" dt="2023-12-24T01:50:32.554" v="5581" actId="20577"/>
-          <ac:spMkLst>
-            <pc:docMk/>
-            <pc:sldMk cId="1730491475" sldId="280"/>
-            <ac:spMk id="2" creationId="{E8E7C5B6-3D55-D6F8-C2DE-9B6E32C23A9C}"/>
-          </ac:spMkLst>
-        </pc:spChg>
-        <pc:spChg chg="mod">
-          <ac:chgData name="Gibbons, Carl" userId="d2b037bc-8fb4-4222-845c-61440543a456" providerId="ADAL" clId="{3D73FC3D-A932-426E-A7E0-475220CAB957}" dt="2023-12-24T02:35:28.836" v="8074" actId="12"/>
-          <ac:spMkLst>
-            <pc:docMk/>
-            <pc:sldMk cId="1730491475" sldId="280"/>
-            <ac:spMk id="3" creationId="{17D02A72-79B4-B4A1-5F2B-4922B2F25909}"/>
-          </ac:spMkLst>
-        </pc:spChg>
-        <pc:spChg chg="add del">
-          <ac:chgData name="Gibbons, Carl" userId="d2b037bc-8fb4-4222-845c-61440543a456" providerId="ADAL" clId="{3D73FC3D-A932-426E-A7E0-475220CAB957}" dt="2023-12-24T02:38:37.357" v="8076" actId="22"/>
-          <ac:spMkLst>
-            <pc:docMk/>
-            <pc:sldMk cId="1730491475" sldId="280"/>
-            <ac:spMk id="5" creationId="{8BB9020B-ED8A-501F-CC80-C270A0022D15}"/>
-          </ac:spMkLst>
-        </pc:spChg>
-      </pc:sldChg>
-      <pc:sldChg chg="modSp mod">
-        <pc:chgData name="Gibbons, Carl" userId="d2b037bc-8fb4-4222-845c-61440543a456" providerId="ADAL" clId="{3D73FC3D-A932-426E-A7E0-475220CAB957}" dt="2023-12-24T03:05:20.109" v="10364" actId="20577"/>
-        <pc:sldMkLst>
-          <pc:docMk/>
-          <pc:sldMk cId="2142935958" sldId="281"/>
-        </pc:sldMkLst>
-        <pc:spChg chg="mod">
-          <ac:chgData name="Gibbons, Carl" userId="d2b037bc-8fb4-4222-845c-61440543a456" providerId="ADAL" clId="{3D73FC3D-A932-426E-A7E0-475220CAB957}" dt="2023-12-24T02:43:01.996" v="8436" actId="20577"/>
-          <ac:spMkLst>
-            <pc:docMk/>
-            <pc:sldMk cId="2142935958" sldId="281"/>
-            <ac:spMk id="2" creationId="{E8E7C5B6-3D55-D6F8-C2DE-9B6E32C23A9C}"/>
-          </ac:spMkLst>
-        </pc:spChg>
-        <pc:spChg chg="mod">
-          <ac:chgData name="Gibbons, Carl" userId="d2b037bc-8fb4-4222-845c-61440543a456" providerId="ADAL" clId="{3D73FC3D-A932-426E-A7E0-475220CAB957}" dt="2023-12-24T03:05:20.109" v="10364" actId="20577"/>
-          <ac:spMkLst>
-            <pc:docMk/>
-            <pc:sldMk cId="2142935958" sldId="281"/>
-            <ac:spMk id="3" creationId="{17D02A72-79B4-B4A1-5F2B-4922B2F25909}"/>
-          </ac:spMkLst>
-        </pc:spChg>
-      </pc:sldChg>
-      <pc:sldChg chg="modSp mod">
-        <pc:chgData name="Gibbons, Carl" userId="d2b037bc-8fb4-4222-845c-61440543a456" providerId="ADAL" clId="{3D73FC3D-A932-426E-A7E0-475220CAB957}" dt="2023-12-24T03:22:15.893" v="11397" actId="2711"/>
-        <pc:sldMkLst>
-          <pc:docMk/>
-          <pc:sldMk cId="1371681654" sldId="282"/>
-        </pc:sldMkLst>
-        <pc:spChg chg="mod">
-          <ac:chgData name="Gibbons, Carl" userId="d2b037bc-8fb4-4222-845c-61440543a456" providerId="ADAL" clId="{3D73FC3D-A932-426E-A7E0-475220CAB957}" dt="2023-12-24T03:12:22.296" v="10563" actId="1036"/>
-          <ac:spMkLst>
-            <pc:docMk/>
-            <pc:sldMk cId="1371681654" sldId="282"/>
-            <ac:spMk id="2" creationId="{E8E7C5B6-3D55-D6F8-C2DE-9B6E32C23A9C}"/>
-          </ac:spMkLst>
-        </pc:spChg>
-        <pc:spChg chg="mod">
-          <ac:chgData name="Gibbons, Carl" userId="d2b037bc-8fb4-4222-845c-61440543a456" providerId="ADAL" clId="{3D73FC3D-A932-426E-A7E0-475220CAB957}" dt="2023-12-24T03:22:15.893" v="11397" actId="2711"/>
-          <ac:spMkLst>
-            <pc:docMk/>
-            <pc:sldMk cId="1371681654" sldId="282"/>
-            <ac:spMk id="3" creationId="{17D02A72-79B4-B4A1-5F2B-4922B2F25909}"/>
-          </ac:spMkLst>
-        </pc:spChg>
-      </pc:sldChg>
-    </pc:docChg>
-  </pc:docChgLst>
-  <pc:docChgLst>
-    <pc:chgData name="Gibbons, Carl" userId="d2b037bc-8fb4-4222-845c-61440543a456" providerId="ADAL" clId="{0E0ED151-5F6D-4269-8E91-753BA0E65D54}"/>
-    <pc:docChg chg="undo redo custSel addSld delSld modSld">
-      <pc:chgData name="Gibbons, Carl" userId="d2b037bc-8fb4-4222-845c-61440543a456" providerId="ADAL" clId="{0E0ED151-5F6D-4269-8E91-753BA0E65D54}" dt="2024-02-20T17:52:12.549" v="3818" actId="20577"/>
-      <pc:docMkLst>
-        <pc:docMk/>
-      </pc:docMkLst>
-      <pc:sldChg chg="modSp mod">
-        <pc:chgData name="Gibbons, Carl" userId="d2b037bc-8fb4-4222-845c-61440543a456" providerId="ADAL" clId="{0E0ED151-5F6D-4269-8E91-753BA0E65D54}" dt="2024-02-20T17:21:53.283" v="1184" actId="20577"/>
-        <pc:sldMkLst>
-          <pc:docMk/>
-          <pc:sldMk cId="3308175748" sldId="256"/>
-        </pc:sldMkLst>
-        <pc:spChg chg="mod">
-          <ac:chgData name="Gibbons, Carl" userId="d2b037bc-8fb4-4222-845c-61440543a456" providerId="ADAL" clId="{0E0ED151-5F6D-4269-8E91-753BA0E65D54}" dt="2024-02-20T17:21:53.283" v="1184" actId="20577"/>
-          <ac:spMkLst>
-            <pc:docMk/>
-            <pc:sldMk cId="3308175748" sldId="256"/>
-            <ac:spMk id="3" creationId="{EEC4D41B-E776-05F2-BE0B-89BB339485AB}"/>
-          </ac:spMkLst>
-        </pc:spChg>
-      </pc:sldChg>
-      <pc:sldChg chg="addSp delSp modSp add mod">
-        <pc:chgData name="Gibbons, Carl" userId="d2b037bc-8fb4-4222-845c-61440543a456" providerId="ADAL" clId="{0E0ED151-5F6D-4269-8E91-753BA0E65D54}" dt="2024-02-20T17:21:20.491" v="1182" actId="20577"/>
-        <pc:sldMkLst>
-          <pc:docMk/>
-          <pc:sldMk cId="3979649407" sldId="259"/>
-        </pc:sldMkLst>
-        <pc:spChg chg="mod">
-          <ac:chgData name="Gibbons, Carl" userId="d2b037bc-8fb4-4222-845c-61440543a456" providerId="ADAL" clId="{0E0ED151-5F6D-4269-8E91-753BA0E65D54}" dt="2024-02-20T17:20:59.732" v="1170" actId="27636"/>
-          <ac:spMkLst>
-            <pc:docMk/>
-            <pc:sldMk cId="3979649407" sldId="259"/>
-            <ac:spMk id="2" creationId="{D9B85F3A-0D98-4AE5-8CED-AA4A4CF82188}"/>
-          </ac:spMkLst>
-        </pc:spChg>
-        <pc:spChg chg="add del">
-          <ac:chgData name="Gibbons, Carl" userId="d2b037bc-8fb4-4222-845c-61440543a456" providerId="ADAL" clId="{0E0ED151-5F6D-4269-8E91-753BA0E65D54}" dt="2024-02-20T17:12:54.823" v="955" actId="22"/>
-          <ac:spMkLst>
-            <pc:docMk/>
-            <pc:sldMk cId="3979649407" sldId="259"/>
-            <ac:spMk id="4" creationId="{F0A2166F-D3DC-6D6A-F3ED-70C2F2497263}"/>
-          </ac:spMkLst>
-        </pc:spChg>
-        <pc:spChg chg="mod">
-          <ac:chgData name="Gibbons, Carl" userId="d2b037bc-8fb4-4222-845c-61440543a456" providerId="ADAL" clId="{0E0ED151-5F6D-4269-8E91-753BA0E65D54}" dt="2024-02-20T17:12:22.348" v="947" actId="20577"/>
-          <ac:spMkLst>
-            <pc:docMk/>
-            <pc:sldMk cId="3979649407" sldId="259"/>
-            <ac:spMk id="52" creationId="{E9C172F0-0344-4EFE-B8E9-E58FDC2037A8}"/>
-          </ac:spMkLst>
-        </pc:spChg>
-        <pc:spChg chg="mod">
-          <ac:chgData name="Gibbons, Carl" userId="d2b037bc-8fb4-4222-845c-61440543a456" providerId="ADAL" clId="{0E0ED151-5F6D-4269-8E91-753BA0E65D54}" dt="2024-02-20T17:12:18.760" v="945" actId="20577"/>
-          <ac:spMkLst>
-            <pc:docMk/>
-            <pc:sldMk cId="3979649407" sldId="259"/>
-            <ac:spMk id="53" creationId="{F227699E-2FB2-4BA5-A6C0-07FCED90486F}"/>
-          </ac:spMkLst>
-        </pc:spChg>
-        <pc:spChg chg="mod">
-          <ac:chgData name="Gibbons, Carl" userId="d2b037bc-8fb4-4222-845c-61440543a456" providerId="ADAL" clId="{0E0ED151-5F6D-4269-8E91-753BA0E65D54}" dt="2024-02-20T17:12:12.996" v="941" actId="20577"/>
-          <ac:spMkLst>
-            <pc:docMk/>
-            <pc:sldMk cId="3979649407" sldId="259"/>
-            <ac:spMk id="54" creationId="{B53FCE22-8AE6-48B3-955A-06B8C516DF87}"/>
-          </ac:spMkLst>
-        </pc:spChg>
-        <pc:spChg chg="mod">
-          <ac:chgData name="Gibbons, Carl" userId="d2b037bc-8fb4-4222-845c-61440543a456" providerId="ADAL" clId="{0E0ED151-5F6D-4269-8E91-753BA0E65D54}" dt="2024-02-20T17:05:37.390" v="811" actId="20577"/>
-          <ac:spMkLst>
-            <pc:docMk/>
-            <pc:sldMk cId="3979649407" sldId="259"/>
-            <ac:spMk id="55" creationId="{CCE5A865-2455-4CF3-9E59-2E7499CAA85B}"/>
-          </ac:spMkLst>
-        </pc:spChg>
-        <pc:spChg chg="mod">
-          <ac:chgData name="Gibbons, Carl" userId="d2b037bc-8fb4-4222-845c-61440543a456" providerId="ADAL" clId="{0E0ED151-5F6D-4269-8E91-753BA0E65D54}" dt="2024-02-20T16:59:55.203" v="614" actId="20577"/>
-          <ac:spMkLst>
-            <pc:docMk/>
-            <pc:sldMk cId="3979649407" sldId="259"/>
-            <ac:spMk id="56" creationId="{70E32A94-B611-430A-B0D8-E075104FD478}"/>
-          </ac:spMkLst>
-        </pc:spChg>
-        <pc:spChg chg="mod">
-          <ac:chgData name="Gibbons, Carl" userId="d2b037bc-8fb4-4222-845c-61440543a456" providerId="ADAL" clId="{0E0ED151-5F6D-4269-8E91-753BA0E65D54}" dt="2024-02-20T16:55:13.809" v="450" actId="20577"/>
-          <ac:spMkLst>
-            <pc:docMk/>
-            <pc:sldMk cId="3979649407" sldId="259"/>
-            <ac:spMk id="57" creationId="{F7492B77-4D76-47C3-B338-BB6B8EDE5AAE}"/>
-          </ac:spMkLst>
-        </pc:spChg>
-        <pc:spChg chg="mod">
-          <ac:chgData name="Gibbons, Carl" userId="d2b037bc-8fb4-4222-845c-61440543a456" providerId="ADAL" clId="{0E0ED151-5F6D-4269-8E91-753BA0E65D54}" dt="2024-02-20T16:58:49.779" v="539" actId="20577"/>
-          <ac:spMkLst>
-            <pc:docMk/>
-            <pc:sldMk cId="3979649407" sldId="259"/>
-            <ac:spMk id="58" creationId="{8B46B6D0-199C-4EDD-9F52-809A17CFFA16}"/>
-          </ac:spMkLst>
-        </pc:spChg>
-        <pc:spChg chg="mod">
-          <ac:chgData name="Gibbons, Carl" userId="d2b037bc-8fb4-4222-845c-61440543a456" providerId="ADAL" clId="{0E0ED151-5F6D-4269-8E91-753BA0E65D54}" dt="2024-02-20T16:58:46.562" v="535" actId="20577"/>
-          <ac:spMkLst>
-            <pc:docMk/>
-            <pc:sldMk cId="3979649407" sldId="259"/>
-            <ac:spMk id="59" creationId="{D3EA3205-70F4-44BB-8BBC-4CA5F503DDFB}"/>
-          </ac:spMkLst>
-        </pc:spChg>
-        <pc:spChg chg="mod">
-          <ac:chgData name="Gibbons, Carl" userId="d2b037bc-8fb4-4222-845c-61440543a456" providerId="ADAL" clId="{0E0ED151-5F6D-4269-8E91-753BA0E65D54}" dt="2024-02-20T16:58:56.593" v="545" actId="20577"/>
-          <ac:spMkLst>
-            <pc:docMk/>
-            <pc:sldMk cId="3979649407" sldId="259"/>
-            <ac:spMk id="111" creationId="{A69036BC-0D44-4D27-9355-CA4588CF33E0}"/>
-          </ac:spMkLst>
-        </pc:spChg>
-        <pc:spChg chg="mod">
-          <ac:chgData name="Gibbons, Carl" userId="d2b037bc-8fb4-4222-845c-61440543a456" providerId="ADAL" clId="{0E0ED151-5F6D-4269-8E91-753BA0E65D54}" dt="2024-02-20T17:20:00.789" v="1149" actId="20577"/>
-          <ac:spMkLst>
-            <pc:docMk/>
-            <pc:sldMk cId="3979649407" sldId="259"/>
-            <ac:spMk id="112" creationId="{A36E9339-30D7-4E6E-808F-ECFECF9CA3E2}"/>
-          </ac:spMkLst>
-        </pc:spChg>
-        <pc:spChg chg="mod">
-          <ac:chgData name="Gibbons, Carl" userId="d2b037bc-8fb4-4222-845c-61440543a456" providerId="ADAL" clId="{0E0ED151-5F6D-4269-8E91-753BA0E65D54}" dt="2024-02-20T17:05:43.041" v="814" actId="20577"/>
-          <ac:spMkLst>
-            <pc:docMk/>
-            <pc:sldMk cId="3979649407" sldId="259"/>
-            <ac:spMk id="137" creationId="{DAB08F72-3AC3-4808-A6D6-55A2A22F8F08}"/>
-          </ac:spMkLst>
-        </pc:spChg>
-        <pc:spChg chg="mod">
-          <ac:chgData name="Gibbons, Carl" userId="d2b037bc-8fb4-4222-845c-61440543a456" providerId="ADAL" clId="{0E0ED151-5F6D-4269-8E91-753BA0E65D54}" dt="2024-02-20T17:06:38.049" v="890" actId="20577"/>
-          <ac:spMkLst>
-            <pc:docMk/>
-            <pc:sldMk cId="3979649407" sldId="259"/>
-            <ac:spMk id="138" creationId="{929E33A3-822C-41F0-8233-0F0986CC6786}"/>
-          </ac:spMkLst>
-        </pc:spChg>
-        <pc:spChg chg="mod">
-          <ac:chgData name="Gibbons, Carl" userId="d2b037bc-8fb4-4222-845c-61440543a456" providerId="ADAL" clId="{0E0ED151-5F6D-4269-8E91-753BA0E65D54}" dt="2024-02-20T17:14:08.242" v="1001" actId="20577"/>
-          <ac:spMkLst>
-            <pc:docMk/>
-            <pc:sldMk cId="3979649407" sldId="259"/>
-            <ac:spMk id="144" creationId="{AB47C076-B5BC-4BCF-996C-94C6360B8473}"/>
-          </ac:spMkLst>
-        </pc:spChg>
-        <pc:spChg chg="mod">
-          <ac:chgData name="Gibbons, Carl" userId="d2b037bc-8fb4-4222-845c-61440543a456" providerId="ADAL" clId="{0E0ED151-5F6D-4269-8E91-753BA0E65D54}" dt="2024-02-20T17:14:00.584" v="997"/>
-          <ac:spMkLst>
-            <pc:docMk/>
-            <pc:sldMk cId="3979649407" sldId="259"/>
-            <ac:spMk id="145" creationId="{454D4AE5-FDF0-4C13-8C2E-E03A1A8AAC2E}"/>
-          </ac:spMkLst>
-        </pc:spChg>
-        <pc:spChg chg="mod">
-          <ac:chgData name="Gibbons, Carl" userId="d2b037bc-8fb4-4222-845c-61440543a456" providerId="ADAL" clId="{0E0ED151-5F6D-4269-8E91-753BA0E65D54}" dt="2024-02-20T17:00:09.986" v="621" actId="20577"/>
-          <ac:spMkLst>
-            <pc:docMk/>
-            <pc:sldMk cId="3979649407" sldId="259"/>
-            <ac:spMk id="151" creationId="{83D0279C-C95D-4C6F-9E15-A12E3C06835F}"/>
-          </ac:spMkLst>
-        </pc:spChg>
-        <pc:spChg chg="mod">
-          <ac:chgData name="Gibbons, Carl" userId="d2b037bc-8fb4-4222-845c-61440543a456" providerId="ADAL" clId="{0E0ED151-5F6D-4269-8E91-753BA0E65D54}" dt="2024-02-20T16:57:57.026" v="530"/>
-          <ac:spMkLst>
-            <pc:docMk/>
-            <pc:sldMk cId="3979649407" sldId="259"/>
-            <ac:spMk id="152" creationId="{7F026F40-90E8-4664-8E43-32DC9077DF30}"/>
-          </ac:spMkLst>
-        </pc:spChg>
-        <pc:spChg chg="mod">
-          <ac:chgData name="Gibbons, Carl" userId="d2b037bc-8fb4-4222-845c-61440543a456" providerId="ADAL" clId="{0E0ED151-5F6D-4269-8E91-753BA0E65D54}" dt="2024-02-20T17:00:06.323" v="620" actId="20577"/>
-          <ac:spMkLst>
-            <pc:docMk/>
-            <pc:sldMk cId="3979649407" sldId="259"/>
-            <ac:spMk id="158" creationId="{8C583893-9F20-4A4B-8C02-0B77CF59D083}"/>
-          </ac:spMkLst>
-        </pc:spChg>
-        <pc:spChg chg="mod">
-          <ac:chgData name="Gibbons, Carl" userId="d2b037bc-8fb4-4222-845c-61440543a456" providerId="ADAL" clId="{0E0ED151-5F6D-4269-8E91-753BA0E65D54}" dt="2024-02-20T17:20:24.130" v="1151" actId="20577"/>
-          <ac:spMkLst>
-            <pc:docMk/>
-            <pc:sldMk cId="3979649407" sldId="259"/>
-            <ac:spMk id="159" creationId="{947547AB-256C-4012-93A7-2F832B6982B0}"/>
-          </ac:spMkLst>
-        </pc:spChg>
-        <pc:spChg chg="mod">
-          <ac:chgData name="Gibbons, Carl" userId="d2b037bc-8fb4-4222-845c-61440543a456" providerId="ADAL" clId="{0E0ED151-5F6D-4269-8E91-753BA0E65D54}" dt="2024-02-20T17:00:16.637" v="626" actId="20577"/>
-          <ac:spMkLst>
-            <pc:docMk/>
-            <pc:sldMk cId="3979649407" sldId="259"/>
-            <ac:spMk id="165" creationId="{0CA9E7E8-CA5E-4B65-8E41-21A53C41E5BB}"/>
-          </ac:spMkLst>
-        </pc:spChg>
-        <pc:spChg chg="mod">
-          <ac:chgData name="Gibbons, Carl" userId="d2b037bc-8fb4-4222-845c-61440543a456" providerId="ADAL" clId="{0E0ED151-5F6D-4269-8E91-753BA0E65D54}" dt="2024-02-20T16:57:51.193" v="529"/>
-          <ac:spMkLst>
-            <pc:docMk/>
-            <pc:sldMk cId="3979649407" sldId="259"/>
-            <ac:spMk id="166" creationId="{71CD5A9F-AED8-4979-A461-FC8E9ABDFE9F}"/>
-          </ac:spMkLst>
-        </pc:spChg>
-        <pc:spChg chg="mod">
-          <ac:chgData name="Gibbons, Carl" userId="d2b037bc-8fb4-4222-845c-61440543a456" providerId="ADAL" clId="{0E0ED151-5F6D-4269-8E91-753BA0E65D54}" dt="2024-02-20T17:12:30.771" v="951" actId="20577"/>
-          <ac:spMkLst>
-            <pc:docMk/>
-            <pc:sldMk cId="3979649407" sldId="259"/>
-            <ac:spMk id="172" creationId="{7A424591-E369-471C-BD8B-390A96A72053}"/>
-          </ac:spMkLst>
-        </pc:spChg>
-        <pc:spChg chg="mod">
-          <ac:chgData name="Gibbons, Carl" userId="d2b037bc-8fb4-4222-845c-61440543a456" providerId="ADAL" clId="{0E0ED151-5F6D-4269-8E91-753BA0E65D54}" dt="2024-02-20T17:16:07.812" v="1131" actId="20577"/>
-          <ac:spMkLst>
-            <pc:docMk/>
-            <pc:sldMk cId="3979649407" sldId="259"/>
-            <ac:spMk id="173" creationId="{E3FC1453-B301-4320-A2D9-DC78DC8B790F}"/>
-          </ac:spMkLst>
-        </pc:spChg>
-        <pc:spChg chg="mod">
-          <ac:chgData name="Gibbons, Carl" userId="d2b037bc-8fb4-4222-845c-61440543a456" providerId="ADAL" clId="{0E0ED151-5F6D-4269-8E91-753BA0E65D54}" dt="2024-02-20T17:13:19.660" v="960" actId="20577"/>
-          <ac:spMkLst>
-            <pc:docMk/>
-            <pc:sldMk cId="3979649407" sldId="259"/>
-            <ac:spMk id="179" creationId="{AD420581-041E-4C71-ACC5-CBCDD9519107}"/>
-          </ac:spMkLst>
-        </pc:spChg>
-        <pc:spChg chg="mod">
-          <ac:chgData name="Gibbons, Carl" userId="d2b037bc-8fb4-4222-845c-61440543a456" providerId="ADAL" clId="{0E0ED151-5F6D-4269-8E91-753BA0E65D54}" dt="2024-02-20T17:21:20.491" v="1182" actId="20577"/>
-          <ac:spMkLst>
-            <pc:docMk/>
-            <pc:sldMk cId="3979649407" sldId="259"/>
-            <ac:spMk id="180" creationId="{33D04C2E-0885-496F-9A39-A93E05B81CB2}"/>
-          </ac:spMkLst>
-        </pc:spChg>
-      </pc:sldChg>
-      <pc:sldChg chg="del">
-        <pc:chgData name="Gibbons, Carl" userId="d2b037bc-8fb4-4222-845c-61440543a456" providerId="ADAL" clId="{0E0ED151-5F6D-4269-8E91-753BA0E65D54}" dt="2024-02-20T16:48:13.621" v="24" actId="47"/>
-        <pc:sldMkLst>
-          <pc:docMk/>
-          <pc:sldMk cId="2312486803" sldId="261"/>
-        </pc:sldMkLst>
-      </pc:sldChg>
-      <pc:sldChg chg="modSp mod">
-        <pc:chgData name="Gibbons, Carl" userId="d2b037bc-8fb4-4222-845c-61440543a456" providerId="ADAL" clId="{0E0ED151-5F6D-4269-8E91-753BA0E65D54}" dt="2024-02-20T17:52:12.549" v="3818" actId="20577"/>
-        <pc:sldMkLst>
-          <pc:docMk/>
-          <pc:sldMk cId="3885141102" sldId="262"/>
-        </pc:sldMkLst>
-        <pc:spChg chg="mod">
-          <ac:chgData name="Gibbons, Carl" userId="d2b037bc-8fb4-4222-845c-61440543a456" providerId="ADAL" clId="{0E0ED151-5F6D-4269-8E91-753BA0E65D54}" dt="2024-02-20T17:52:12.549" v="3818" actId="20577"/>
-          <ac:spMkLst>
-            <pc:docMk/>
-            <pc:sldMk cId="3885141102" sldId="262"/>
-            <ac:spMk id="3" creationId="{B5924E0F-A977-1710-779D-EEB74261AF34}"/>
-          </ac:spMkLst>
-        </pc:spChg>
-      </pc:sldChg>
-      <pc:sldChg chg="del">
-        <pc:chgData name="Gibbons, Carl" userId="d2b037bc-8fb4-4222-845c-61440543a456" providerId="ADAL" clId="{0E0ED151-5F6D-4269-8E91-753BA0E65D54}" dt="2024-02-20T17:50:12.612" v="3668" actId="2696"/>
-        <pc:sldMkLst>
-          <pc:docMk/>
-          <pc:sldMk cId="538849350" sldId="263"/>
-        </pc:sldMkLst>
-      </pc:sldChg>
-      <pc:sldChg chg="addSp modSp mod">
-        <pc:chgData name="Gibbons, Carl" userId="d2b037bc-8fb4-4222-845c-61440543a456" providerId="ADAL" clId="{0E0ED151-5F6D-4269-8E91-753BA0E65D54}" dt="2024-02-20T17:34:25.197" v="2152" actId="20577"/>
-        <pc:sldMkLst>
-          <pc:docMk/>
-          <pc:sldMk cId="1196559129" sldId="264"/>
-        </pc:sldMkLst>
-        <pc:spChg chg="mod">
-          <ac:chgData name="Gibbons, Carl" userId="d2b037bc-8fb4-4222-845c-61440543a456" providerId="ADAL" clId="{0E0ED151-5F6D-4269-8E91-753BA0E65D54}" dt="2024-02-20T17:34:25.197" v="2152" actId="20577"/>
-          <ac:spMkLst>
-            <pc:docMk/>
-            <pc:sldMk cId="1196559129" sldId="264"/>
-            <ac:spMk id="2" creationId="{0E6A2DEF-4501-FAEA-A31C-4FDCBD076712}"/>
-          </ac:spMkLst>
-        </pc:spChg>
-        <pc:spChg chg="add mod">
-          <ac:chgData name="Gibbons, Carl" userId="d2b037bc-8fb4-4222-845c-61440543a456" providerId="ADAL" clId="{0E0ED151-5F6D-4269-8E91-753BA0E65D54}" dt="2024-02-20T17:31:33.001" v="1837" actId="20577"/>
-          <ac:spMkLst>
-            <pc:docMk/>
-            <pc:sldMk cId="1196559129" sldId="264"/>
-            <ac:spMk id="3" creationId="{3D14E407-E782-7E7A-34C1-5C9B517D7996}"/>
-          </ac:spMkLst>
-        </pc:spChg>
-        <pc:spChg chg="add mod">
-          <ac:chgData name="Gibbons, Carl" userId="d2b037bc-8fb4-4222-845c-61440543a456" providerId="ADAL" clId="{0E0ED151-5F6D-4269-8E91-753BA0E65D54}" dt="2024-02-20T17:34:09.182" v="2149" actId="20577"/>
-          <ac:spMkLst>
-            <pc:docMk/>
-            <pc:sldMk cId="1196559129" sldId="264"/>
-            <ac:spMk id="4" creationId="{A5C2117C-95FD-BD27-85E2-3A7873734773}"/>
-          </ac:spMkLst>
-        </pc:spChg>
-        <pc:spChg chg="mod">
-          <ac:chgData name="Gibbons, Carl" userId="d2b037bc-8fb4-4222-845c-61440543a456" providerId="ADAL" clId="{0E0ED151-5F6D-4269-8E91-753BA0E65D54}" dt="2024-02-20T17:31:36.749" v="1839" actId="20577"/>
-          <ac:spMkLst>
-            <pc:docMk/>
-            <pc:sldMk cId="1196559129" sldId="264"/>
-            <ac:spMk id="7" creationId="{4247D23F-F3F9-676F-BDEB-E69E1F0AB32C}"/>
-          </ac:spMkLst>
-        </pc:spChg>
-      </pc:sldChg>
-      <pc:sldChg chg="modSp mod">
-        <pc:chgData name="Gibbons, Carl" userId="d2b037bc-8fb4-4222-845c-61440543a456" providerId="ADAL" clId="{0E0ED151-5F6D-4269-8E91-753BA0E65D54}" dt="2024-02-20T17:40:43.651" v="2961" actId="20577"/>
-        <pc:sldMkLst>
-          <pc:docMk/>
-          <pc:sldMk cId="1400208519" sldId="265"/>
-        </pc:sldMkLst>
-        <pc:spChg chg="mod">
-          <ac:chgData name="Gibbons, Carl" userId="d2b037bc-8fb4-4222-845c-61440543a456" providerId="ADAL" clId="{0E0ED151-5F6D-4269-8E91-753BA0E65D54}" dt="2024-02-20T17:35:05.056" v="2176" actId="20577"/>
-          <ac:spMkLst>
-            <pc:docMk/>
-            <pc:sldMk cId="1400208519" sldId="265"/>
-            <ac:spMk id="2" creationId="{832B45BA-6309-D8F6-D552-10D836B4EB21}"/>
-          </ac:spMkLst>
-        </pc:spChg>
-        <pc:spChg chg="mod">
-          <ac:chgData name="Gibbons, Carl" userId="d2b037bc-8fb4-4222-845c-61440543a456" providerId="ADAL" clId="{0E0ED151-5F6D-4269-8E91-753BA0E65D54}" dt="2024-02-20T17:40:43.651" v="2961" actId="20577"/>
-          <ac:spMkLst>
-            <pc:docMk/>
-            <pc:sldMk cId="1400208519" sldId="265"/>
-            <ac:spMk id="7" creationId="{3CE889EF-4605-DB73-C7B2-D7E3C4957F48}"/>
-          </ac:spMkLst>
-        </pc:spChg>
-      </pc:sldChg>
-      <pc:sldChg chg="modSp mod">
-        <pc:chgData name="Gibbons, Carl" userId="d2b037bc-8fb4-4222-845c-61440543a456" providerId="ADAL" clId="{0E0ED151-5F6D-4269-8E91-753BA0E65D54}" dt="2024-02-20T17:49:26.156" v="3667" actId="2711"/>
-        <pc:sldMkLst>
-          <pc:docMk/>
-          <pc:sldMk cId="1959728496" sldId="266"/>
-        </pc:sldMkLst>
-        <pc:spChg chg="mod">
-          <ac:chgData name="Gibbons, Carl" userId="d2b037bc-8fb4-4222-845c-61440543a456" providerId="ADAL" clId="{0E0ED151-5F6D-4269-8E91-753BA0E65D54}" dt="2024-02-20T17:45:19.461" v="3199" actId="20577"/>
-          <ac:spMkLst>
-            <pc:docMk/>
-            <pc:sldMk cId="1959728496" sldId="266"/>
-            <ac:spMk id="2" creationId="{CE563C74-E990-3B77-1F46-668B8C1F1663}"/>
-          </ac:spMkLst>
-        </pc:spChg>
-        <pc:spChg chg="mod">
-          <ac:chgData name="Gibbons, Carl" userId="d2b037bc-8fb4-4222-845c-61440543a456" providerId="ADAL" clId="{0E0ED151-5F6D-4269-8E91-753BA0E65D54}" dt="2024-02-20T17:49:26.156" v="3667" actId="2711"/>
-          <ac:spMkLst>
-            <pc:docMk/>
-            <pc:sldMk cId="1959728496" sldId="266"/>
-            <ac:spMk id="7" creationId="{90027281-906B-E8EC-9F0D-DB9DF0665C9C}"/>
-          </ac:spMkLst>
-        </pc:spChg>
-      </pc:sldChg>
-    </pc:docChg>
-  </pc:docChgLst>
-  <pc:docChgLst>
-    <pc:chgData name="Gibbons, Carl" userId="d2b037bc-8fb4-4222-845c-61440543a456" providerId="ADAL" clId="{3F16957D-3CF8-4F94-B0D9-126F32AD7D53}"/>
-    <pc:docChg chg="custSel delSld modSld">
-      <pc:chgData name="Gibbons, Carl" userId="d2b037bc-8fb4-4222-845c-61440543a456" providerId="ADAL" clId="{3F16957D-3CF8-4F94-B0D9-126F32AD7D53}" dt="2024-02-20T18:17:07.896" v="2268" actId="20577"/>
-      <pc:docMkLst>
-        <pc:docMk/>
-      </pc:docMkLst>
-      <pc:sldChg chg="modSp mod">
-        <pc:chgData name="Gibbons, Carl" userId="d2b037bc-8fb4-4222-845c-61440543a456" providerId="ADAL" clId="{3F16957D-3CF8-4F94-B0D9-126F32AD7D53}" dt="2024-02-20T17:54:02.532" v="23" actId="20577"/>
-        <pc:sldMkLst>
-          <pc:docMk/>
-          <pc:sldMk cId="3308175748" sldId="256"/>
-        </pc:sldMkLst>
-        <pc:spChg chg="mod">
-          <ac:chgData name="Gibbons, Carl" userId="d2b037bc-8fb4-4222-845c-61440543a456" providerId="ADAL" clId="{3F16957D-3CF8-4F94-B0D9-126F32AD7D53}" dt="2024-02-20T17:54:02.532" v="23" actId="20577"/>
-          <ac:spMkLst>
-            <pc:docMk/>
-            <pc:sldMk cId="3308175748" sldId="256"/>
-            <ac:spMk id="3" creationId="{EEC4D41B-E776-05F2-BE0B-89BB339485AB}"/>
-          </ac:spMkLst>
-        </pc:spChg>
-      </pc:sldChg>
-      <pc:sldChg chg="del">
-        <pc:chgData name="Gibbons, Carl" userId="d2b037bc-8fb4-4222-845c-61440543a456" providerId="ADAL" clId="{3F16957D-3CF8-4F94-B0D9-126F32AD7D53}" dt="2024-02-20T17:54:06.303" v="24" actId="47"/>
-        <pc:sldMkLst>
-          <pc:docMk/>
-          <pc:sldMk cId="3979649407" sldId="259"/>
-        </pc:sldMkLst>
-      </pc:sldChg>
-      <pc:sldChg chg="modSp mod">
-        <pc:chgData name="Gibbons, Carl" userId="d2b037bc-8fb4-4222-845c-61440543a456" providerId="ADAL" clId="{3F16957D-3CF8-4F94-B0D9-126F32AD7D53}" dt="2024-02-20T18:06:52.868" v="1177" actId="313"/>
-        <pc:sldMkLst>
-          <pc:docMk/>
-          <pc:sldMk cId="3885141102" sldId="262"/>
-        </pc:sldMkLst>
-        <pc:spChg chg="mod">
-          <ac:chgData name="Gibbons, Carl" userId="d2b037bc-8fb4-4222-845c-61440543a456" providerId="ADAL" clId="{3F16957D-3CF8-4F94-B0D9-126F32AD7D53}" dt="2024-02-20T18:06:52.868" v="1177" actId="313"/>
-          <ac:spMkLst>
-            <pc:docMk/>
-            <pc:sldMk cId="3885141102" sldId="262"/>
-            <ac:spMk id="3" creationId="{B5924E0F-A977-1710-779D-EEB74261AF34}"/>
-          </ac:spMkLst>
-        </pc:spChg>
-      </pc:sldChg>
-      <pc:sldChg chg="delSp modSp mod">
-        <pc:chgData name="Gibbons, Carl" userId="d2b037bc-8fb4-4222-845c-61440543a456" providerId="ADAL" clId="{3F16957D-3CF8-4F94-B0D9-126F32AD7D53}" dt="2024-02-20T18:04:22.967" v="1114" actId="20577"/>
-        <pc:sldMkLst>
-          <pc:docMk/>
-          <pc:sldMk cId="1196559129" sldId="264"/>
-        </pc:sldMkLst>
-        <pc:spChg chg="mod">
-          <ac:chgData name="Gibbons, Carl" userId="d2b037bc-8fb4-4222-845c-61440543a456" providerId="ADAL" clId="{3F16957D-3CF8-4F94-B0D9-126F32AD7D53}" dt="2024-02-20T17:54:51.385" v="108" actId="20577"/>
-          <ac:spMkLst>
-            <pc:docMk/>
-            <pc:sldMk cId="1196559129" sldId="264"/>
-            <ac:spMk id="2" creationId="{0E6A2DEF-4501-FAEA-A31C-4FDCBD076712}"/>
-          </ac:spMkLst>
-        </pc:spChg>
-        <pc:spChg chg="del">
-          <ac:chgData name="Gibbons, Carl" userId="d2b037bc-8fb4-4222-845c-61440543a456" providerId="ADAL" clId="{3F16957D-3CF8-4F94-B0D9-126F32AD7D53}" dt="2024-02-20T17:55:30.328" v="123" actId="478"/>
-          <ac:spMkLst>
-            <pc:docMk/>
-            <pc:sldMk cId="1196559129" sldId="264"/>
-            <ac:spMk id="3" creationId="{3D14E407-E782-7E7A-34C1-5C9B517D7996}"/>
-          </ac:spMkLst>
-        </pc:spChg>
-        <pc:spChg chg="del">
-          <ac:chgData name="Gibbons, Carl" userId="d2b037bc-8fb4-4222-845c-61440543a456" providerId="ADAL" clId="{3F16957D-3CF8-4F94-B0D9-126F32AD7D53}" dt="2024-02-20T17:55:35.116" v="124" actId="478"/>
-          <ac:spMkLst>
-            <pc:docMk/>
-            <pc:sldMk cId="1196559129" sldId="264"/>
-            <ac:spMk id="4" creationId="{A5C2117C-95FD-BD27-85E2-3A7873734773}"/>
-          </ac:spMkLst>
-        </pc:spChg>
-        <pc:spChg chg="mod">
-          <ac:chgData name="Gibbons, Carl" userId="d2b037bc-8fb4-4222-845c-61440543a456" providerId="ADAL" clId="{3F16957D-3CF8-4F94-B0D9-126F32AD7D53}" dt="2024-02-20T18:04:22.967" v="1114" actId="20577"/>
-          <ac:spMkLst>
-            <pc:docMk/>
-            <pc:sldMk cId="1196559129" sldId="264"/>
-            <ac:spMk id="7" creationId="{4247D23F-F3F9-676F-BDEB-E69E1F0AB32C}"/>
-          </ac:spMkLst>
-        </pc:spChg>
-      </pc:sldChg>
-      <pc:sldChg chg="modSp mod">
-        <pc:chgData name="Gibbons, Carl" userId="d2b037bc-8fb4-4222-845c-61440543a456" providerId="ADAL" clId="{3F16957D-3CF8-4F94-B0D9-126F32AD7D53}" dt="2024-02-20T18:17:07.896" v="2268" actId="20577"/>
-        <pc:sldMkLst>
-          <pc:docMk/>
-          <pc:sldMk cId="1400208519" sldId="265"/>
-        </pc:sldMkLst>
-        <pc:spChg chg="mod">
-          <ac:chgData name="Gibbons, Carl" userId="d2b037bc-8fb4-4222-845c-61440543a456" providerId="ADAL" clId="{3F16957D-3CF8-4F94-B0D9-126F32AD7D53}" dt="2024-02-20T18:06:08.798" v="1133" actId="20577"/>
-          <ac:spMkLst>
-            <pc:docMk/>
-            <pc:sldMk cId="1400208519" sldId="265"/>
-            <ac:spMk id="2" creationId="{832B45BA-6309-D8F6-D552-10D836B4EB21}"/>
-          </ac:spMkLst>
-        </pc:spChg>
-        <pc:spChg chg="mod">
-          <ac:chgData name="Gibbons, Carl" userId="d2b037bc-8fb4-4222-845c-61440543a456" providerId="ADAL" clId="{3F16957D-3CF8-4F94-B0D9-126F32AD7D53}" dt="2024-02-20T18:17:07.896" v="2268" actId="20577"/>
-          <ac:spMkLst>
-            <pc:docMk/>
-            <pc:sldMk cId="1400208519" sldId="265"/>
-            <ac:spMk id="7" creationId="{3CE889EF-4605-DB73-C7B2-D7E3C4957F48}"/>
-          </ac:spMkLst>
-        </pc:spChg>
-      </pc:sldChg>
-      <pc:sldChg chg="del">
-        <pc:chgData name="Gibbons, Carl" userId="d2b037bc-8fb4-4222-845c-61440543a456" providerId="ADAL" clId="{3F16957D-3CF8-4F94-B0D9-126F32AD7D53}" dt="2024-02-20T18:06:16.494" v="1134" actId="2696"/>
-        <pc:sldMkLst>
-          <pc:docMk/>
-          <pc:sldMk cId="1959728496" sldId="266"/>
-        </pc:sldMkLst>
-      </pc:sldChg>
-    </pc:docChg>
-  </pc:docChgLst>
-  <pc:docChgLst>
-    <pc:chgData name="Gibbons, Carl" userId="d2b037bc-8fb4-4222-845c-61440543a456" providerId="ADAL" clId="{8C497311-FA0D-4174-880A-DAA4EEB2BF3B}"/>
-    <pc:docChg chg="custSel delSld modSld">
-      <pc:chgData name="Gibbons, Carl" userId="d2b037bc-8fb4-4222-845c-61440543a456" providerId="ADAL" clId="{8C497311-FA0D-4174-880A-DAA4EEB2BF3B}" dt="2023-12-29T17:07:57.293" v="7187" actId="20577"/>
-      <pc:docMkLst>
-        <pc:docMk/>
-      </pc:docMkLst>
-      <pc:sldChg chg="modSp mod">
-        <pc:chgData name="Gibbons, Carl" userId="d2b037bc-8fb4-4222-845c-61440543a456" providerId="ADAL" clId="{8C497311-FA0D-4174-880A-DAA4EEB2BF3B}" dt="2023-12-29T17:06:57.427" v="7098" actId="20577"/>
-        <pc:sldMkLst>
-          <pc:docMk/>
-          <pc:sldMk cId="3308175748" sldId="256"/>
-        </pc:sldMkLst>
-        <pc:spChg chg="mod">
-          <ac:chgData name="Gibbons, Carl" userId="d2b037bc-8fb4-4222-845c-61440543a456" providerId="ADAL" clId="{8C497311-FA0D-4174-880A-DAA4EEB2BF3B}" dt="2023-12-29T17:06:57.427" v="7098" actId="20577"/>
-          <ac:spMkLst>
-            <pc:docMk/>
-            <pc:sldMk cId="3308175748" sldId="256"/>
-            <ac:spMk id="3" creationId="{EEC4D41B-E776-05F2-BE0B-89BB339485AB}"/>
-          </ac:spMkLst>
-        </pc:spChg>
-      </pc:sldChg>
-      <pc:sldChg chg="modSp mod">
-        <pc:chgData name="Gibbons, Carl" userId="d2b037bc-8fb4-4222-845c-61440543a456" providerId="ADAL" clId="{8C497311-FA0D-4174-880A-DAA4EEB2BF3B}" dt="2023-12-29T15:08:44.674" v="3403" actId="20577"/>
-        <pc:sldMkLst>
-          <pc:docMk/>
-          <pc:sldMk cId="2312486803" sldId="261"/>
-        </pc:sldMkLst>
-        <pc:spChg chg="mod">
-          <ac:chgData name="Gibbons, Carl" userId="d2b037bc-8fb4-4222-845c-61440543a456" providerId="ADAL" clId="{8C497311-FA0D-4174-880A-DAA4EEB2BF3B}" dt="2023-12-29T14:20:41.496" v="51" actId="20577"/>
-          <ac:spMkLst>
-            <pc:docMk/>
-            <pc:sldMk cId="2312486803" sldId="261"/>
-            <ac:spMk id="2" creationId="{31B75992-5098-A283-4925-2CCEBB801DC5}"/>
-          </ac:spMkLst>
-        </pc:spChg>
-        <pc:spChg chg="mod">
-          <ac:chgData name="Gibbons, Carl" userId="d2b037bc-8fb4-4222-845c-61440543a456" providerId="ADAL" clId="{8C497311-FA0D-4174-880A-DAA4EEB2BF3B}" dt="2023-12-29T15:08:44.674" v="3403" actId="20577"/>
-          <ac:spMkLst>
-            <pc:docMk/>
-            <pc:sldMk cId="2312486803" sldId="261"/>
-            <ac:spMk id="3" creationId="{B5924E0F-A977-1710-779D-EEB74261AF34}"/>
-          </ac:spMkLst>
-        </pc:spChg>
-      </pc:sldChg>
-      <pc:sldChg chg="delSp modSp mod">
-        <pc:chgData name="Gibbons, Carl" userId="d2b037bc-8fb4-4222-845c-61440543a456" providerId="ADAL" clId="{8C497311-FA0D-4174-880A-DAA4EEB2BF3B}" dt="2023-12-29T17:07:57.293" v="7187" actId="20577"/>
-        <pc:sldMkLst>
-          <pc:docMk/>
-          <pc:sldMk cId="657795359" sldId="277"/>
-        </pc:sldMkLst>
-        <pc:spChg chg="mod">
-          <ac:chgData name="Gibbons, Carl" userId="d2b037bc-8fb4-4222-845c-61440543a456" providerId="ADAL" clId="{8C497311-FA0D-4174-880A-DAA4EEB2BF3B}" dt="2023-12-29T17:07:57.293" v="7187" actId="20577"/>
-          <ac:spMkLst>
-            <pc:docMk/>
-            <pc:sldMk cId="657795359" sldId="277"/>
-            <ac:spMk id="2" creationId="{1862E903-3C56-BB42-2361-009F2336475A}"/>
-          </ac:spMkLst>
-        </pc:spChg>
-        <pc:spChg chg="del mod">
-          <ac:chgData name="Gibbons, Carl" userId="d2b037bc-8fb4-4222-845c-61440543a456" providerId="ADAL" clId="{8C497311-FA0D-4174-880A-DAA4EEB2BF3B}" dt="2023-12-29T17:07:50.480" v="7185"/>
-          <ac:spMkLst>
-            <pc:docMk/>
-            <pc:sldMk cId="657795359" sldId="277"/>
-            <ac:spMk id="3" creationId="{90179172-96B3-95D0-A137-257770BE7642}"/>
-          </ac:spMkLst>
-        </pc:spChg>
-      </pc:sldChg>
-      <pc:sldChg chg="modSp mod">
-        <pc:chgData name="Gibbons, Carl" userId="d2b037bc-8fb4-4222-845c-61440543a456" providerId="ADAL" clId="{8C497311-FA0D-4174-880A-DAA4EEB2BF3B}" dt="2023-12-29T15:35:37.192" v="6042" actId="5793"/>
-        <pc:sldMkLst>
-          <pc:docMk/>
-          <pc:sldMk cId="3989541258" sldId="278"/>
-        </pc:sldMkLst>
-        <pc:spChg chg="mod">
-          <ac:chgData name="Gibbons, Carl" userId="d2b037bc-8fb4-4222-845c-61440543a456" providerId="ADAL" clId="{8C497311-FA0D-4174-880A-DAA4EEB2BF3B}" dt="2023-12-29T15:09:22.213" v="3411" actId="20577"/>
-          <ac:spMkLst>
-            <pc:docMk/>
-            <pc:sldMk cId="3989541258" sldId="278"/>
-            <ac:spMk id="2" creationId="{31B75992-5098-A283-4925-2CCEBB801DC5}"/>
-          </ac:spMkLst>
-        </pc:spChg>
-        <pc:spChg chg="mod">
-          <ac:chgData name="Gibbons, Carl" userId="d2b037bc-8fb4-4222-845c-61440543a456" providerId="ADAL" clId="{8C497311-FA0D-4174-880A-DAA4EEB2BF3B}" dt="2023-12-29T15:35:37.192" v="6042" actId="5793"/>
-          <ac:spMkLst>
-            <pc:docMk/>
-            <pc:sldMk cId="3989541258" sldId="278"/>
-            <ac:spMk id="3" creationId="{B5924E0F-A977-1710-779D-EEB74261AF34}"/>
-          </ac:spMkLst>
-        </pc:spChg>
-      </pc:sldChg>
-      <pc:sldChg chg="del">
-        <pc:chgData name="Gibbons, Carl" userId="d2b037bc-8fb4-4222-845c-61440543a456" providerId="ADAL" clId="{8C497311-FA0D-4174-880A-DAA4EEB2BF3B}" dt="2023-12-29T17:07:06.467" v="7099" actId="47"/>
-        <pc:sldMkLst>
-          <pc:docMk/>
-          <pc:sldMk cId="2335633195" sldId="279"/>
-        </pc:sldMkLst>
-      </pc:sldChg>
-      <pc:sldChg chg="del">
-        <pc:chgData name="Gibbons, Carl" userId="d2b037bc-8fb4-4222-845c-61440543a456" providerId="ADAL" clId="{8C497311-FA0D-4174-880A-DAA4EEB2BF3B}" dt="2023-12-29T17:07:07.395" v="7100" actId="47"/>
-        <pc:sldMkLst>
-          <pc:docMk/>
-          <pc:sldMk cId="1284534978" sldId="280"/>
-        </pc:sldMkLst>
-      </pc:sldChg>
-      <pc:sldChg chg="del">
-        <pc:chgData name="Gibbons, Carl" userId="d2b037bc-8fb4-4222-845c-61440543a456" providerId="ADAL" clId="{8C497311-FA0D-4174-880A-DAA4EEB2BF3B}" dt="2023-12-29T17:07:07.895" v="7101" actId="47"/>
-        <pc:sldMkLst>
-          <pc:docMk/>
-          <pc:sldMk cId="1802585387" sldId="281"/>
-        </pc:sldMkLst>
-      </pc:sldChg>
-      <pc:sldChg chg="del">
-        <pc:chgData name="Gibbons, Carl" userId="d2b037bc-8fb4-4222-845c-61440543a456" providerId="ADAL" clId="{8C497311-FA0D-4174-880A-DAA4EEB2BF3B}" dt="2023-12-29T17:07:08.365" v="7102" actId="47"/>
-        <pc:sldMkLst>
-          <pc:docMk/>
-          <pc:sldMk cId="724803187" sldId="282"/>
-        </pc:sldMkLst>
-      </pc:sldChg>
-      <pc:sldChg chg="del">
-        <pc:chgData name="Gibbons, Carl" userId="d2b037bc-8fb4-4222-845c-61440543a456" providerId="ADAL" clId="{8C497311-FA0D-4174-880A-DAA4EEB2BF3B}" dt="2023-12-29T17:07:08.842" v="7103" actId="47"/>
-        <pc:sldMkLst>
-          <pc:docMk/>
-          <pc:sldMk cId="1926009205" sldId="283"/>
-        </pc:sldMkLst>
-      </pc:sldChg>
-      <pc:sldChg chg="del">
-        <pc:chgData name="Gibbons, Carl" userId="d2b037bc-8fb4-4222-845c-61440543a456" providerId="ADAL" clId="{8C497311-FA0D-4174-880A-DAA4EEB2BF3B}" dt="2023-12-29T17:07:09.362" v="7104" actId="47"/>
-        <pc:sldMkLst>
-          <pc:docMk/>
-          <pc:sldMk cId="2366216895" sldId="284"/>
-        </pc:sldMkLst>
-      </pc:sldChg>
-      <pc:sldChg chg="del">
-        <pc:chgData name="Gibbons, Carl" userId="d2b037bc-8fb4-4222-845c-61440543a456" providerId="ADAL" clId="{8C497311-FA0D-4174-880A-DAA4EEB2BF3B}" dt="2023-12-29T17:07:09.925" v="7105" actId="47"/>
-        <pc:sldMkLst>
-          <pc:docMk/>
-          <pc:sldMk cId="3371896289" sldId="285"/>
-        </pc:sldMkLst>
-      </pc:sldChg>
-      <pc:sldChg chg="del">
-        <pc:chgData name="Gibbons, Carl" userId="d2b037bc-8fb4-4222-845c-61440543a456" providerId="ADAL" clId="{8C497311-FA0D-4174-880A-DAA4EEB2BF3B}" dt="2023-12-29T17:07:10.474" v="7106" actId="47"/>
-        <pc:sldMkLst>
-          <pc:docMk/>
-          <pc:sldMk cId="3193160409" sldId="286"/>
-        </pc:sldMkLst>
-      </pc:sldChg>
-      <pc:sldChg chg="del">
-        <pc:chgData name="Gibbons, Carl" userId="d2b037bc-8fb4-4222-845c-61440543a456" providerId="ADAL" clId="{8C497311-FA0D-4174-880A-DAA4EEB2BF3B}" dt="2023-12-29T17:07:11.056" v="7107" actId="47"/>
-        <pc:sldMkLst>
-          <pc:docMk/>
-          <pc:sldMk cId="2688338374" sldId="287"/>
-        </pc:sldMkLst>
-      </pc:sldChg>
-      <pc:sldChg chg="del">
-        <pc:chgData name="Gibbons, Carl" userId="d2b037bc-8fb4-4222-845c-61440543a456" providerId="ADAL" clId="{8C497311-FA0D-4174-880A-DAA4EEB2BF3B}" dt="2023-12-29T17:07:11.624" v="7108" actId="47"/>
-        <pc:sldMkLst>
-          <pc:docMk/>
-          <pc:sldMk cId="2142935017" sldId="288"/>
-        </pc:sldMkLst>
-      </pc:sldChg>
-      <pc:sldChg chg="del">
-        <pc:chgData name="Gibbons, Carl" userId="d2b037bc-8fb4-4222-845c-61440543a456" providerId="ADAL" clId="{8C497311-FA0D-4174-880A-DAA4EEB2BF3B}" dt="2023-12-29T17:07:12.218" v="7109" actId="47"/>
-        <pc:sldMkLst>
-          <pc:docMk/>
-          <pc:sldMk cId="2784625941" sldId="289"/>
-        </pc:sldMkLst>
-      </pc:sldChg>
-      <pc:sldChg chg="del">
-        <pc:chgData name="Gibbons, Carl" userId="d2b037bc-8fb4-4222-845c-61440543a456" providerId="ADAL" clId="{8C497311-FA0D-4174-880A-DAA4EEB2BF3B}" dt="2023-12-29T17:07:12.802" v="7110" actId="47"/>
-        <pc:sldMkLst>
-          <pc:docMk/>
-          <pc:sldMk cId="1677974689" sldId="290"/>
-        </pc:sldMkLst>
-      </pc:sldChg>
-      <pc:sldChg chg="del">
-        <pc:chgData name="Gibbons, Carl" userId="d2b037bc-8fb4-4222-845c-61440543a456" providerId="ADAL" clId="{8C497311-FA0D-4174-880A-DAA4EEB2BF3B}" dt="2023-12-29T17:07:13.420" v="7111" actId="47"/>
-        <pc:sldMkLst>
-          <pc:docMk/>
-          <pc:sldMk cId="4219326696" sldId="291"/>
-        </pc:sldMkLst>
-      </pc:sldChg>
-      <pc:sldChg chg="del">
-        <pc:chgData name="Gibbons, Carl" userId="d2b037bc-8fb4-4222-845c-61440543a456" providerId="ADAL" clId="{8C497311-FA0D-4174-880A-DAA4EEB2BF3B}" dt="2023-12-29T17:07:14.054" v="7112" actId="47"/>
-        <pc:sldMkLst>
-          <pc:docMk/>
-          <pc:sldMk cId="33911121" sldId="292"/>
-        </pc:sldMkLst>
-      </pc:sldChg>
-      <pc:sldChg chg="modSp mod">
-        <pc:chgData name="Gibbons, Carl" userId="d2b037bc-8fb4-4222-845c-61440543a456" providerId="ADAL" clId="{8C497311-FA0D-4174-880A-DAA4EEB2BF3B}" dt="2023-12-29T15:43:57.081" v="7062" actId="20577"/>
-        <pc:sldMkLst>
-          <pc:docMk/>
-          <pc:sldMk cId="1861646120" sldId="293"/>
-        </pc:sldMkLst>
-        <pc:spChg chg="mod">
-          <ac:chgData name="Gibbons, Carl" userId="d2b037bc-8fb4-4222-845c-61440543a456" providerId="ADAL" clId="{8C497311-FA0D-4174-880A-DAA4EEB2BF3B}" dt="2023-12-29T15:36:21.703" v="6112" actId="20577"/>
-          <ac:spMkLst>
-            <pc:docMk/>
-            <pc:sldMk cId="1861646120" sldId="293"/>
-            <ac:spMk id="2" creationId="{31B75992-5098-A283-4925-2CCEBB801DC5}"/>
-          </ac:spMkLst>
-        </pc:spChg>
-        <pc:spChg chg="mod">
-          <ac:chgData name="Gibbons, Carl" userId="d2b037bc-8fb4-4222-845c-61440543a456" providerId="ADAL" clId="{8C497311-FA0D-4174-880A-DAA4EEB2BF3B}" dt="2023-12-29T15:43:57.081" v="7062" actId="20577"/>
-          <ac:spMkLst>
-            <pc:docMk/>
-            <pc:sldMk cId="1861646120" sldId="293"/>
-            <ac:spMk id="3" creationId="{B5924E0F-A977-1710-779D-EEB74261AF34}"/>
-          </ac:spMkLst>
-        </pc:spChg>
-      </pc:sldChg>
-    </pc:docChg>
-  </pc:docChgLst>
-  <pc:docChgLst>
-    <pc:chgData name="Gibbons, Carl" userId="d2b037bc-8fb4-4222-845c-61440543a456" providerId="ADAL" clId="{B3D2C303-A9BA-4764-AC97-ADBDEAC925E6}"/>
-    <pc:docChg chg="undo redo custSel addSld delSld modSld">
-      <pc:chgData name="Gibbons, Carl" userId="d2b037bc-8fb4-4222-845c-61440543a456" providerId="ADAL" clId="{B3D2C303-A9BA-4764-AC97-ADBDEAC925E6}" dt="2024-05-28T17:03:25.684" v="20431" actId="1076"/>
-      <pc:docMkLst>
-        <pc:docMk/>
-      </pc:docMkLst>
-      <pc:sldChg chg="modSp mod">
-        <pc:chgData name="Gibbons, Carl" userId="d2b037bc-8fb4-4222-845c-61440543a456" providerId="ADAL" clId="{B3D2C303-A9BA-4764-AC97-ADBDEAC925E6}" dt="2024-05-25T00:03:54.535" v="65" actId="20577"/>
-        <pc:sldMkLst>
-          <pc:docMk/>
-          <pc:sldMk cId="3308175748" sldId="256"/>
-        </pc:sldMkLst>
-        <pc:spChg chg="mod">
-          <ac:chgData name="Gibbons, Carl" userId="d2b037bc-8fb4-4222-845c-61440543a456" providerId="ADAL" clId="{B3D2C303-A9BA-4764-AC97-ADBDEAC925E6}" dt="2024-05-25T00:03:54.535" v="65" actId="20577"/>
-          <ac:spMkLst>
-            <pc:docMk/>
-            <pc:sldMk cId="3308175748" sldId="256"/>
-            <ac:spMk id="3" creationId="{EEC4D41B-E776-05F2-BE0B-89BB339485AB}"/>
-          </ac:spMkLst>
-        </pc:spChg>
-      </pc:sldChg>
-      <pc:sldChg chg="modSp mod">
-        <pc:chgData name="Gibbons, Carl" userId="d2b037bc-8fb4-4222-845c-61440543a456" providerId="ADAL" clId="{B3D2C303-A9BA-4764-AC97-ADBDEAC925E6}" dt="2024-05-26T07:02:07.988" v="20257" actId="20577"/>
-        <pc:sldMkLst>
-          <pc:docMk/>
-          <pc:sldMk cId="3885141102" sldId="262"/>
-        </pc:sldMkLst>
-        <pc:spChg chg="mod">
-          <ac:chgData name="Gibbons, Carl" userId="d2b037bc-8fb4-4222-845c-61440543a456" providerId="ADAL" clId="{B3D2C303-A9BA-4764-AC97-ADBDEAC925E6}" dt="2024-05-26T07:02:07.988" v="20257" actId="20577"/>
-          <ac:spMkLst>
-            <pc:docMk/>
-            <pc:sldMk cId="3885141102" sldId="262"/>
-            <ac:spMk id="3" creationId="{B5924E0F-A977-1710-779D-EEB74261AF34}"/>
-          </ac:spMkLst>
-        </pc:spChg>
-      </pc:sldChg>
-      <pc:sldChg chg="modSp mod">
-        <pc:chgData name="Gibbons, Carl" userId="d2b037bc-8fb4-4222-845c-61440543a456" providerId="ADAL" clId="{B3D2C303-A9BA-4764-AC97-ADBDEAC925E6}" dt="2024-05-25T14:27:28.873" v="4120" actId="14"/>
-        <pc:sldMkLst>
-          <pc:docMk/>
-          <pc:sldMk cId="1467586035" sldId="266"/>
-        </pc:sldMkLst>
-        <pc:spChg chg="mod">
-          <ac:chgData name="Gibbons, Carl" userId="d2b037bc-8fb4-4222-845c-61440543a456" providerId="ADAL" clId="{B3D2C303-A9BA-4764-AC97-ADBDEAC925E6}" dt="2024-05-25T14:10:20.704" v="2095" actId="14100"/>
-          <ac:spMkLst>
-            <pc:docMk/>
-            <pc:sldMk cId="1467586035" sldId="266"/>
-            <ac:spMk id="2" creationId="{F5533765-AE4D-3586-BFF0-C73FF51C6B9B}"/>
-          </ac:spMkLst>
-        </pc:spChg>
-        <pc:spChg chg="mod">
-          <ac:chgData name="Gibbons, Carl" userId="d2b037bc-8fb4-4222-845c-61440543a456" providerId="ADAL" clId="{B3D2C303-A9BA-4764-AC97-ADBDEAC925E6}" dt="2024-05-25T14:27:28.873" v="4120" actId="14"/>
-          <ac:spMkLst>
-            <pc:docMk/>
-            <pc:sldMk cId="1467586035" sldId="266"/>
-            <ac:spMk id="7" creationId="{56F98B9D-53CB-0D01-51DD-F6B452AAB6C5}"/>
-          </ac:spMkLst>
-        </pc:spChg>
-      </pc:sldChg>
-      <pc:sldChg chg="modSp mod">
-        <pc:chgData name="Gibbons, Carl" userId="d2b037bc-8fb4-4222-845c-61440543a456" providerId="ADAL" clId="{B3D2C303-A9BA-4764-AC97-ADBDEAC925E6}" dt="2024-05-25T15:27:28.105" v="7253" actId="20577"/>
-        <pc:sldMkLst>
-          <pc:docMk/>
-          <pc:sldMk cId="975540593" sldId="267"/>
-        </pc:sldMkLst>
-        <pc:spChg chg="mod">
-          <ac:chgData name="Gibbons, Carl" userId="d2b037bc-8fb4-4222-845c-61440543a456" providerId="ADAL" clId="{B3D2C303-A9BA-4764-AC97-ADBDEAC925E6}" dt="2024-05-25T15:00:24.938" v="6089" actId="20577"/>
-          <ac:spMkLst>
-            <pc:docMk/>
-            <pc:sldMk cId="975540593" sldId="267"/>
-            <ac:spMk id="2" creationId="{F5533765-AE4D-3586-BFF0-C73FF51C6B9B}"/>
-          </ac:spMkLst>
-        </pc:spChg>
-        <pc:spChg chg="mod">
-          <ac:chgData name="Gibbons, Carl" userId="d2b037bc-8fb4-4222-845c-61440543a456" providerId="ADAL" clId="{B3D2C303-A9BA-4764-AC97-ADBDEAC925E6}" dt="2024-05-25T15:27:28.105" v="7253" actId="20577"/>
-          <ac:spMkLst>
-            <pc:docMk/>
-            <pc:sldMk cId="975540593" sldId="267"/>
-            <ac:spMk id="7" creationId="{56F98B9D-53CB-0D01-51DD-F6B452AAB6C5}"/>
-          </ac:spMkLst>
-        </pc:spChg>
-      </pc:sldChg>
-      <pc:sldChg chg="del">
-        <pc:chgData name="Gibbons, Carl" userId="d2b037bc-8fb4-4222-845c-61440543a456" providerId="ADAL" clId="{B3D2C303-A9BA-4764-AC97-ADBDEAC925E6}" dt="2024-05-25T00:05:23.362" v="66" actId="47"/>
-        <pc:sldMkLst>
-          <pc:docMk/>
-          <pc:sldMk cId="2729151594" sldId="267"/>
-        </pc:sldMkLst>
-      </pc:sldChg>
-      <pc:sldChg chg="modSp add mod">
-        <pc:chgData name="Gibbons, Carl" userId="d2b037bc-8fb4-4222-845c-61440543a456" providerId="ADAL" clId="{B3D2C303-A9BA-4764-AC97-ADBDEAC925E6}" dt="2024-05-25T20:47:36.739" v="15356" actId="20577"/>
-        <pc:sldMkLst>
-          <pc:docMk/>
-          <pc:sldMk cId="698900845" sldId="268"/>
-        </pc:sldMkLst>
-        <pc:spChg chg="mod">
-          <ac:chgData name="Gibbons, Carl" userId="d2b037bc-8fb4-4222-845c-61440543a456" providerId="ADAL" clId="{B3D2C303-A9BA-4764-AC97-ADBDEAC925E6}" dt="2024-05-25T15:08:39.811" v="6636" actId="20577"/>
-          <ac:spMkLst>
-            <pc:docMk/>
-            <pc:sldMk cId="698900845" sldId="268"/>
-            <ac:spMk id="2" creationId="{F5533765-AE4D-3586-BFF0-C73FF51C6B9B}"/>
-          </ac:spMkLst>
-        </pc:spChg>
-        <pc:spChg chg="mod">
-          <ac:chgData name="Gibbons, Carl" userId="d2b037bc-8fb4-4222-845c-61440543a456" providerId="ADAL" clId="{B3D2C303-A9BA-4764-AC97-ADBDEAC925E6}" dt="2024-05-25T20:47:36.739" v="15356" actId="20577"/>
-          <ac:spMkLst>
-            <pc:docMk/>
-            <pc:sldMk cId="698900845" sldId="268"/>
-            <ac:spMk id="7" creationId="{56F98B9D-53CB-0D01-51DD-F6B452AAB6C5}"/>
-          </ac:spMkLst>
-        </pc:spChg>
-      </pc:sldChg>
-      <pc:sldChg chg="del">
-        <pc:chgData name="Gibbons, Carl" userId="d2b037bc-8fb4-4222-845c-61440543a456" providerId="ADAL" clId="{B3D2C303-A9BA-4764-AC97-ADBDEAC925E6}" dt="2024-05-25T00:05:30.700" v="67" actId="47"/>
-        <pc:sldMkLst>
-          <pc:docMk/>
-          <pc:sldMk cId="4065848836" sldId="268"/>
-        </pc:sldMkLst>
-      </pc:sldChg>
-      <pc:sldChg chg="del">
-        <pc:chgData name="Gibbons, Carl" userId="d2b037bc-8fb4-4222-845c-61440543a456" providerId="ADAL" clId="{B3D2C303-A9BA-4764-AC97-ADBDEAC925E6}" dt="2024-05-25T00:05:31.493" v="68" actId="47"/>
-        <pc:sldMkLst>
-          <pc:docMk/>
-          <pc:sldMk cId="1266817191" sldId="269"/>
-        </pc:sldMkLst>
-      </pc:sldChg>
-      <pc:sldChg chg="modSp add mod">
-        <pc:chgData name="Gibbons, Carl" userId="d2b037bc-8fb4-4222-845c-61440543a456" providerId="ADAL" clId="{B3D2C303-A9BA-4764-AC97-ADBDEAC925E6}" dt="2024-05-25T21:31:57.726" v="16369" actId="20577"/>
-        <pc:sldMkLst>
-          <pc:docMk/>
-          <pc:sldMk cId="1322807556" sldId="269"/>
-        </pc:sldMkLst>
-        <pc:spChg chg="mod">
-          <ac:chgData name="Gibbons, Carl" userId="d2b037bc-8fb4-4222-845c-61440543a456" providerId="ADAL" clId="{B3D2C303-A9BA-4764-AC97-ADBDEAC925E6}" dt="2024-05-25T16:34:53.139" v="8693" actId="20577"/>
-          <ac:spMkLst>
-            <pc:docMk/>
-            <pc:sldMk cId="1322807556" sldId="269"/>
-            <ac:spMk id="2" creationId="{F5533765-AE4D-3586-BFF0-C73FF51C6B9B}"/>
-          </ac:spMkLst>
-        </pc:spChg>
-        <pc:spChg chg="mod">
-          <ac:chgData name="Gibbons, Carl" userId="d2b037bc-8fb4-4222-845c-61440543a456" providerId="ADAL" clId="{B3D2C303-A9BA-4764-AC97-ADBDEAC925E6}" dt="2024-05-25T21:31:57.726" v="16369" actId="20577"/>
-          <ac:spMkLst>
-            <pc:docMk/>
-            <pc:sldMk cId="1322807556" sldId="269"/>
-            <ac:spMk id="7" creationId="{56F98B9D-53CB-0D01-51DD-F6B452AAB6C5}"/>
-          </ac:spMkLst>
-        </pc:spChg>
-      </pc:sldChg>
-      <pc:sldChg chg="new del">
-        <pc:chgData name="Gibbons, Carl" userId="d2b037bc-8fb4-4222-845c-61440543a456" providerId="ADAL" clId="{B3D2C303-A9BA-4764-AC97-ADBDEAC925E6}" dt="2024-05-25T16:34:27.972" v="8627" actId="2696"/>
-        <pc:sldMkLst>
-          <pc:docMk/>
-          <pc:sldMk cId="2817110775" sldId="269"/>
-        </pc:sldMkLst>
-      </pc:sldChg>
-      <pc:sldChg chg="modSp add mod">
-        <pc:chgData name="Gibbons, Carl" userId="d2b037bc-8fb4-4222-845c-61440543a456" providerId="ADAL" clId="{B3D2C303-A9BA-4764-AC97-ADBDEAC925E6}" dt="2024-05-25T20:47:18.551" v="15348" actId="20577"/>
-        <pc:sldMkLst>
-          <pc:docMk/>
-          <pc:sldMk cId="226173953" sldId="270"/>
-        </pc:sldMkLst>
-        <pc:spChg chg="mod">
-          <ac:chgData name="Gibbons, Carl" userId="d2b037bc-8fb4-4222-845c-61440543a456" providerId="ADAL" clId="{B3D2C303-A9BA-4764-AC97-ADBDEAC925E6}" dt="2024-05-25T19:52:41.802" v="11966" actId="20577"/>
-          <ac:spMkLst>
-            <pc:docMk/>
-            <pc:sldMk cId="226173953" sldId="270"/>
-            <ac:spMk id="2" creationId="{F5533765-AE4D-3586-BFF0-C73FF51C6B9B}"/>
-          </ac:spMkLst>
-        </pc:spChg>
-        <pc:spChg chg="mod">
-          <ac:chgData name="Gibbons, Carl" userId="d2b037bc-8fb4-4222-845c-61440543a456" providerId="ADAL" clId="{B3D2C303-A9BA-4764-AC97-ADBDEAC925E6}" dt="2024-05-25T20:47:18.551" v="15348" actId="20577"/>
-          <ac:spMkLst>
-            <pc:docMk/>
-            <pc:sldMk cId="226173953" sldId="270"/>
-            <ac:spMk id="7" creationId="{56F98B9D-53CB-0D01-51DD-F6B452AAB6C5}"/>
-          </ac:spMkLst>
-        </pc:spChg>
-      </pc:sldChg>
-      <pc:sldChg chg="del">
-        <pc:chgData name="Gibbons, Carl" userId="d2b037bc-8fb4-4222-845c-61440543a456" providerId="ADAL" clId="{B3D2C303-A9BA-4764-AC97-ADBDEAC925E6}" dt="2024-05-25T00:05:33.628" v="73" actId="47"/>
-        <pc:sldMkLst>
-          <pc:docMk/>
-          <pc:sldMk cId="844227169" sldId="271"/>
-        </pc:sldMkLst>
-      </pc:sldChg>
-      <pc:sldChg chg="modSp add mod">
-        <pc:chgData name="Gibbons, Carl" userId="d2b037bc-8fb4-4222-845c-61440543a456" providerId="ADAL" clId="{B3D2C303-A9BA-4764-AC97-ADBDEAC925E6}" dt="2024-05-25T20:47:13.130" v="15346" actId="20577"/>
-        <pc:sldMkLst>
-          <pc:docMk/>
-          <pc:sldMk cId="1194914730" sldId="271"/>
-        </pc:sldMkLst>
-        <pc:spChg chg="mod">
-          <ac:chgData name="Gibbons, Carl" userId="d2b037bc-8fb4-4222-845c-61440543a456" providerId="ADAL" clId="{B3D2C303-A9BA-4764-AC97-ADBDEAC925E6}" dt="2024-05-25T19:52:35.359" v="11964" actId="20577"/>
-          <ac:spMkLst>
-            <pc:docMk/>
-            <pc:sldMk cId="1194914730" sldId="271"/>
-            <ac:spMk id="2" creationId="{F5533765-AE4D-3586-BFF0-C73FF51C6B9B}"/>
-          </ac:spMkLst>
-        </pc:spChg>
-        <pc:spChg chg="mod">
-          <ac:chgData name="Gibbons, Carl" userId="d2b037bc-8fb4-4222-845c-61440543a456" providerId="ADAL" clId="{B3D2C303-A9BA-4764-AC97-ADBDEAC925E6}" dt="2024-05-25T20:47:13.130" v="15346" actId="20577"/>
-          <ac:spMkLst>
-            <pc:docMk/>
-            <pc:sldMk cId="1194914730" sldId="271"/>
-            <ac:spMk id="7" creationId="{56F98B9D-53CB-0D01-51DD-F6B452AAB6C5}"/>
-          </ac:spMkLst>
-        </pc:spChg>
-      </pc:sldChg>
-      <pc:sldChg chg="del">
-        <pc:chgData name="Gibbons, Carl" userId="d2b037bc-8fb4-4222-845c-61440543a456" providerId="ADAL" clId="{B3D2C303-A9BA-4764-AC97-ADBDEAC925E6}" dt="2024-05-25T00:05:31.963" v="69" actId="47"/>
-        <pc:sldMkLst>
-          <pc:docMk/>
-          <pc:sldMk cId="331132001" sldId="272"/>
-        </pc:sldMkLst>
-      </pc:sldChg>
-      <pc:sldChg chg="modSp add mod">
-        <pc:chgData name="Gibbons, Carl" userId="d2b037bc-8fb4-4222-845c-61440543a456" providerId="ADAL" clId="{B3D2C303-A9BA-4764-AC97-ADBDEAC925E6}" dt="2024-05-25T20:47:07.776" v="15343" actId="20577"/>
-        <pc:sldMkLst>
-          <pc:docMk/>
-          <pc:sldMk cId="3863050939" sldId="272"/>
-        </pc:sldMkLst>
-        <pc:spChg chg="mod">
-          <ac:chgData name="Gibbons, Carl" userId="d2b037bc-8fb4-4222-845c-61440543a456" providerId="ADAL" clId="{B3D2C303-A9BA-4764-AC97-ADBDEAC925E6}" dt="2024-05-25T19:52:29.999" v="11962" actId="20577"/>
-          <ac:spMkLst>
-            <pc:docMk/>
-            <pc:sldMk cId="3863050939" sldId="272"/>
-            <ac:spMk id="2" creationId="{F5533765-AE4D-3586-BFF0-C73FF51C6B9B}"/>
-          </ac:spMkLst>
-        </pc:spChg>
-        <pc:spChg chg="mod">
-          <ac:chgData name="Gibbons, Carl" userId="d2b037bc-8fb4-4222-845c-61440543a456" providerId="ADAL" clId="{B3D2C303-A9BA-4764-AC97-ADBDEAC925E6}" dt="2024-05-25T20:47:07.776" v="15343" actId="20577"/>
-          <ac:spMkLst>
-            <pc:docMk/>
-            <pc:sldMk cId="3863050939" sldId="272"/>
-            <ac:spMk id="7" creationId="{56F98B9D-53CB-0D01-51DD-F6B452AAB6C5}"/>
-          </ac:spMkLst>
-        </pc:spChg>
-      </pc:sldChg>
-      <pc:sldChg chg="del">
-        <pc:chgData name="Gibbons, Carl" userId="d2b037bc-8fb4-4222-845c-61440543a456" providerId="ADAL" clId="{B3D2C303-A9BA-4764-AC97-ADBDEAC925E6}" dt="2024-05-25T00:05:32.379" v="70" actId="47"/>
-        <pc:sldMkLst>
-          <pc:docMk/>
-          <pc:sldMk cId="455766816" sldId="273"/>
-        </pc:sldMkLst>
-      </pc:sldChg>
-      <pc:sldChg chg="modSp mod">
-        <pc:chgData name="Gibbons, Carl" userId="d2b037bc-8fb4-4222-845c-61440543a456" providerId="ADAL" clId="{B3D2C303-A9BA-4764-AC97-ADBDEAC925E6}" dt="2024-05-25T21:30:56.963" v="16360" actId="20577"/>
-        <pc:sldMkLst>
-          <pc:docMk/>
-          <pc:sldMk cId="3041912824" sldId="273"/>
-        </pc:sldMkLst>
-        <pc:spChg chg="mod">
-          <ac:chgData name="Gibbons, Carl" userId="d2b037bc-8fb4-4222-845c-61440543a456" providerId="ADAL" clId="{B3D2C303-A9BA-4764-AC97-ADBDEAC925E6}" dt="2024-05-25T19:53:43.172" v="11986" actId="20577"/>
-          <ac:spMkLst>
-            <pc:docMk/>
-            <pc:sldMk cId="3041912824" sldId="273"/>
-            <ac:spMk id="2" creationId="{F5533765-AE4D-3586-BFF0-C73FF51C6B9B}"/>
-          </ac:spMkLst>
-        </pc:spChg>
-        <pc:spChg chg="mod">
-          <ac:chgData name="Gibbons, Carl" userId="d2b037bc-8fb4-4222-845c-61440543a456" providerId="ADAL" clId="{B3D2C303-A9BA-4764-AC97-ADBDEAC925E6}" dt="2024-05-25T21:30:56.963" v="16360" actId="20577"/>
-          <ac:spMkLst>
-            <pc:docMk/>
-            <pc:sldMk cId="3041912824" sldId="273"/>
-            <ac:spMk id="7" creationId="{56F98B9D-53CB-0D01-51DD-F6B452AAB6C5}"/>
-          </ac:spMkLst>
-        </pc:spChg>
-      </pc:sldChg>
-      <pc:sldChg chg="del">
-        <pc:chgData name="Gibbons, Carl" userId="d2b037bc-8fb4-4222-845c-61440543a456" providerId="ADAL" clId="{B3D2C303-A9BA-4764-AC97-ADBDEAC925E6}" dt="2024-05-25T00:05:33.188" v="72" actId="47"/>
-        <pc:sldMkLst>
-          <pc:docMk/>
-          <pc:sldMk cId="1350015310" sldId="274"/>
-        </pc:sldMkLst>
-      </pc:sldChg>
-      <pc:sldChg chg="modSp mod">
-        <pc:chgData name="Gibbons, Carl" userId="d2b037bc-8fb4-4222-845c-61440543a456" providerId="ADAL" clId="{B3D2C303-A9BA-4764-AC97-ADBDEAC925E6}" dt="2024-05-25T20:46:59.514" v="15340" actId="20577"/>
-        <pc:sldMkLst>
-          <pc:docMk/>
-          <pc:sldMk cId="3210929690" sldId="274"/>
-        </pc:sldMkLst>
-        <pc:spChg chg="mod">
-          <ac:chgData name="Gibbons, Carl" userId="d2b037bc-8fb4-4222-845c-61440543a456" providerId="ADAL" clId="{B3D2C303-A9BA-4764-AC97-ADBDEAC925E6}" dt="2024-05-25T20:12:14.061" v="13303" actId="20577"/>
-          <ac:spMkLst>
-            <pc:docMk/>
-            <pc:sldMk cId="3210929690" sldId="274"/>
-            <ac:spMk id="2" creationId="{F5533765-AE4D-3586-BFF0-C73FF51C6B9B}"/>
-          </ac:spMkLst>
-        </pc:spChg>
-        <pc:spChg chg="mod">
-          <ac:chgData name="Gibbons, Carl" userId="d2b037bc-8fb4-4222-845c-61440543a456" providerId="ADAL" clId="{B3D2C303-A9BA-4764-AC97-ADBDEAC925E6}" dt="2024-05-25T20:46:59.514" v="15340" actId="20577"/>
-          <ac:spMkLst>
-            <pc:docMk/>
-            <pc:sldMk cId="3210929690" sldId="274"/>
-            <ac:spMk id="7" creationId="{56F98B9D-53CB-0D01-51DD-F6B452AAB6C5}"/>
-          </ac:spMkLst>
-        </pc:spChg>
-      </pc:sldChg>
-      <pc:sldChg chg="addSp modSp add mod">
-        <pc:chgData name="Gibbons, Carl" userId="d2b037bc-8fb4-4222-845c-61440543a456" providerId="ADAL" clId="{B3D2C303-A9BA-4764-AC97-ADBDEAC925E6}" dt="2024-05-25T20:50:06.922" v="15411" actId="20577"/>
-        <pc:sldMkLst>
-          <pc:docMk/>
-          <pc:sldMk cId="374312383" sldId="275"/>
-        </pc:sldMkLst>
-        <pc:spChg chg="mod">
-          <ac:chgData name="Gibbons, Carl" userId="d2b037bc-8fb4-4222-845c-61440543a456" providerId="ADAL" clId="{B3D2C303-A9BA-4764-AC97-ADBDEAC925E6}" dt="2024-05-25T20:50:06.922" v="15411" actId="20577"/>
-          <ac:spMkLst>
-            <pc:docMk/>
-            <pc:sldMk cId="374312383" sldId="275"/>
-            <ac:spMk id="2" creationId="{F5533765-AE4D-3586-BFF0-C73FF51C6B9B}"/>
-          </ac:spMkLst>
-        </pc:spChg>
-        <pc:spChg chg="mod">
-          <ac:chgData name="Gibbons, Carl" userId="d2b037bc-8fb4-4222-845c-61440543a456" providerId="ADAL" clId="{B3D2C303-A9BA-4764-AC97-ADBDEAC925E6}" dt="2024-05-25T20:22:01.654" v="14086" actId="20577"/>
-          <ac:spMkLst>
-            <pc:docMk/>
-            <pc:sldMk cId="374312383" sldId="275"/>
-            <ac:spMk id="7" creationId="{56F98B9D-53CB-0D01-51DD-F6B452AAB6C5}"/>
-          </ac:spMkLst>
-        </pc:spChg>
-        <pc:picChg chg="add mod">
-          <ac:chgData name="Gibbons, Carl" userId="d2b037bc-8fb4-4222-845c-61440543a456" providerId="ADAL" clId="{B3D2C303-A9BA-4764-AC97-ADBDEAC925E6}" dt="2024-05-25T20:22:08.698" v="14087" actId="1076"/>
-          <ac:picMkLst>
-            <pc:docMk/>
-            <pc:sldMk cId="374312383" sldId="275"/>
-            <ac:picMk id="3" creationId="{D5483313-1B5C-31A3-8F96-EC482604F0B3}"/>
-          </ac:picMkLst>
-        </pc:picChg>
-      </pc:sldChg>
-      <pc:sldChg chg="del">
-        <pc:chgData name="Gibbons, Carl" userId="d2b037bc-8fb4-4222-845c-61440543a456" providerId="ADAL" clId="{B3D2C303-A9BA-4764-AC97-ADBDEAC925E6}" dt="2024-05-25T00:05:32.775" v="71" actId="47"/>
-        <pc:sldMkLst>
-          <pc:docMk/>
-          <pc:sldMk cId="2566493574" sldId="275"/>
-        </pc:sldMkLst>
-      </pc:sldChg>
-      <pc:sldChg chg="del">
-        <pc:chgData name="Gibbons, Carl" userId="d2b037bc-8fb4-4222-845c-61440543a456" providerId="ADAL" clId="{B3D2C303-A9BA-4764-AC97-ADBDEAC925E6}" dt="2024-05-25T00:05:34.240" v="74" actId="47"/>
-        <pc:sldMkLst>
-          <pc:docMk/>
-          <pc:sldMk cId="2886391867" sldId="276"/>
-        </pc:sldMkLst>
-      </pc:sldChg>
-      <pc:sldChg chg="delSp modSp mod">
-        <pc:chgData name="Gibbons, Carl" userId="d2b037bc-8fb4-4222-845c-61440543a456" providerId="ADAL" clId="{B3D2C303-A9BA-4764-AC97-ADBDEAC925E6}" dt="2024-05-25T21:29:56.251" v="16345" actId="255"/>
-        <pc:sldMkLst>
-          <pc:docMk/>
-          <pc:sldMk cId="4157299586" sldId="276"/>
-        </pc:sldMkLst>
-        <pc:spChg chg="mod">
-          <ac:chgData name="Gibbons, Carl" userId="d2b037bc-8fb4-4222-845c-61440543a456" providerId="ADAL" clId="{B3D2C303-A9BA-4764-AC97-ADBDEAC925E6}" dt="2024-05-25T20:34:06.145" v="14128" actId="20577"/>
-          <ac:spMkLst>
-            <pc:docMk/>
-            <pc:sldMk cId="4157299586" sldId="276"/>
-            <ac:spMk id="2" creationId="{F5533765-AE4D-3586-BFF0-C73FF51C6B9B}"/>
-          </ac:spMkLst>
-        </pc:spChg>
-        <pc:spChg chg="mod">
-          <ac:chgData name="Gibbons, Carl" userId="d2b037bc-8fb4-4222-845c-61440543a456" providerId="ADAL" clId="{B3D2C303-A9BA-4764-AC97-ADBDEAC925E6}" dt="2024-05-25T21:29:56.251" v="16345" actId="255"/>
-          <ac:spMkLst>
-            <pc:docMk/>
-            <pc:sldMk cId="4157299586" sldId="276"/>
-            <ac:spMk id="7" creationId="{56F98B9D-53CB-0D01-51DD-F6B452AAB6C5}"/>
-          </ac:spMkLst>
-        </pc:spChg>
-        <pc:picChg chg="del">
-          <ac:chgData name="Gibbons, Carl" userId="d2b037bc-8fb4-4222-845c-61440543a456" providerId="ADAL" clId="{B3D2C303-A9BA-4764-AC97-ADBDEAC925E6}" dt="2024-05-25T20:38:17.158" v="14645" actId="478"/>
-          <ac:picMkLst>
-            <pc:docMk/>
-            <pc:sldMk cId="4157299586" sldId="276"/>
-            <ac:picMk id="3" creationId="{D5483313-1B5C-31A3-8F96-EC482604F0B3}"/>
-          </ac:picMkLst>
-        </pc:picChg>
-      </pc:sldChg>
-      <pc:sldChg chg="del">
-        <pc:chgData name="Gibbons, Carl" userId="d2b037bc-8fb4-4222-845c-61440543a456" providerId="ADAL" clId="{B3D2C303-A9BA-4764-AC97-ADBDEAC925E6}" dt="2024-05-25T00:05:34.727" v="75" actId="47"/>
-        <pc:sldMkLst>
-          <pc:docMk/>
-          <pc:sldMk cId="3206843051" sldId="277"/>
-        </pc:sldMkLst>
-      </pc:sldChg>
-      <pc:sldChg chg="addSp delSp modSp mod">
-        <pc:chgData name="Gibbons, Carl" userId="d2b037bc-8fb4-4222-845c-61440543a456" providerId="ADAL" clId="{B3D2C303-A9BA-4764-AC97-ADBDEAC925E6}" dt="2024-05-25T21:40:09.891" v="16737" actId="20577"/>
-        <pc:sldMkLst>
-          <pc:docMk/>
-          <pc:sldMk cId="4138936798" sldId="277"/>
-        </pc:sldMkLst>
-        <pc:spChg chg="mod">
-          <ac:chgData name="Gibbons, Carl" userId="d2b037bc-8fb4-4222-845c-61440543a456" providerId="ADAL" clId="{B3D2C303-A9BA-4764-AC97-ADBDEAC925E6}" dt="2024-05-25T20:52:57.555" v="15526" actId="20577"/>
-          <ac:spMkLst>
-            <pc:docMk/>
-            <pc:sldMk cId="4138936798" sldId="277"/>
-            <ac:spMk id="2" creationId="{F5533765-AE4D-3586-BFF0-C73FF51C6B9B}"/>
-          </ac:spMkLst>
-        </pc:spChg>
-        <pc:spChg chg="add mod">
-          <ac:chgData name="Gibbons, Carl" userId="d2b037bc-8fb4-4222-845c-61440543a456" providerId="ADAL" clId="{B3D2C303-A9BA-4764-AC97-ADBDEAC925E6}" dt="2024-05-25T21:35:05.186" v="16381" actId="692"/>
-          <ac:spMkLst>
-            <pc:docMk/>
-            <pc:sldMk cId="4138936798" sldId="277"/>
-            <ac:spMk id="4" creationId="{D3A2E575-7663-C0EA-EA9D-69C1F6F5D269}"/>
-          </ac:spMkLst>
-        </pc:spChg>
-        <pc:spChg chg="add mod">
-          <ac:chgData name="Gibbons, Carl" userId="d2b037bc-8fb4-4222-845c-61440543a456" providerId="ADAL" clId="{B3D2C303-A9BA-4764-AC97-ADBDEAC925E6}" dt="2024-05-25T21:40:09.891" v="16737" actId="20577"/>
-          <ac:spMkLst>
-            <pc:docMk/>
-            <pc:sldMk cId="4138936798" sldId="277"/>
-            <ac:spMk id="6" creationId="{BABB9FC2-5161-74E4-A7CF-4DD333FCD1A4}"/>
-          </ac:spMkLst>
-        </pc:spChg>
-        <pc:spChg chg="mod">
-          <ac:chgData name="Gibbons, Carl" userId="d2b037bc-8fb4-4222-845c-61440543a456" providerId="ADAL" clId="{B3D2C303-A9BA-4764-AC97-ADBDEAC925E6}" dt="2024-05-25T21:35:43.746" v="16385" actId="1076"/>
-          <ac:spMkLst>
-            <pc:docMk/>
-            <pc:sldMk cId="4138936798" sldId="277"/>
-            <ac:spMk id="7" creationId="{56F98B9D-53CB-0D01-51DD-F6B452AAB6C5}"/>
-          </ac:spMkLst>
-        </pc:spChg>
-        <pc:picChg chg="del">
-          <ac:chgData name="Gibbons, Carl" userId="d2b037bc-8fb4-4222-845c-61440543a456" providerId="ADAL" clId="{B3D2C303-A9BA-4764-AC97-ADBDEAC925E6}" dt="2024-05-25T20:56:41.366" v="15700" actId="478"/>
-          <ac:picMkLst>
-            <pc:docMk/>
-            <pc:sldMk cId="4138936798" sldId="277"/>
-            <ac:picMk id="3" creationId="{D5483313-1B5C-31A3-8F96-EC482604F0B3}"/>
-          </ac:picMkLst>
-        </pc:picChg>
-        <pc:picChg chg="add del mod">
-          <ac:chgData name="Gibbons, Carl" userId="d2b037bc-8fb4-4222-845c-61440543a456" providerId="ADAL" clId="{B3D2C303-A9BA-4764-AC97-ADBDEAC925E6}" dt="2024-05-25T21:04:34.493" v="15851" actId="478"/>
-          <ac:picMkLst>
-            <pc:docMk/>
-            <pc:sldMk cId="4138936798" sldId="277"/>
-            <ac:picMk id="5" creationId="{21E6E9CE-26F4-F115-84B8-FDB225E96291}"/>
-          </ac:picMkLst>
-        </pc:picChg>
-      </pc:sldChg>
-      <pc:sldChg chg="del">
-        <pc:chgData name="Gibbons, Carl" userId="d2b037bc-8fb4-4222-845c-61440543a456" providerId="ADAL" clId="{B3D2C303-A9BA-4764-AC97-ADBDEAC925E6}" dt="2024-05-25T21:34:28.554" v="16379" actId="2696"/>
-        <pc:sldMkLst>
-          <pc:docMk/>
-          <pc:sldMk cId="1115159853" sldId="278"/>
-        </pc:sldMkLst>
-      </pc:sldChg>
-      <pc:sldChg chg="del">
-        <pc:chgData name="Gibbons, Carl" userId="d2b037bc-8fb4-4222-845c-61440543a456" providerId="ADAL" clId="{B3D2C303-A9BA-4764-AC97-ADBDEAC925E6}" dt="2024-05-25T00:05:35.952" v="76" actId="47"/>
-        <pc:sldMkLst>
-          <pc:docMk/>
-          <pc:sldMk cId="1773917204" sldId="278"/>
-        </pc:sldMkLst>
-      </pc:sldChg>
-      <pc:sldChg chg="modSp add mod">
-        <pc:chgData name="Gibbons, Carl" userId="d2b037bc-8fb4-4222-845c-61440543a456" providerId="ADAL" clId="{B3D2C303-A9BA-4764-AC97-ADBDEAC925E6}" dt="2024-05-26T07:16:20.480" v="20430" actId="255"/>
-        <pc:sldMkLst>
-          <pc:docMk/>
-          <pc:sldMk cId="3487968633" sldId="278"/>
-        </pc:sldMkLst>
-        <pc:spChg chg="mod">
-          <ac:chgData name="Gibbons, Carl" userId="d2b037bc-8fb4-4222-845c-61440543a456" providerId="ADAL" clId="{B3D2C303-A9BA-4764-AC97-ADBDEAC925E6}" dt="2024-05-26T05:42:22.778" v="16752" actId="20577"/>
-          <ac:spMkLst>
-            <pc:docMk/>
-            <pc:sldMk cId="3487968633" sldId="278"/>
-            <ac:spMk id="2" creationId="{F5533765-AE4D-3586-BFF0-C73FF51C6B9B}"/>
-          </ac:spMkLst>
-        </pc:spChg>
-        <pc:spChg chg="mod">
-          <ac:chgData name="Gibbons, Carl" userId="d2b037bc-8fb4-4222-845c-61440543a456" providerId="ADAL" clId="{B3D2C303-A9BA-4764-AC97-ADBDEAC925E6}" dt="2024-05-26T07:16:20.480" v="20430" actId="255"/>
-          <ac:spMkLst>
-            <pc:docMk/>
-            <pc:sldMk cId="3487968633" sldId="278"/>
-            <ac:spMk id="7" creationId="{56F98B9D-53CB-0D01-51DD-F6B452AAB6C5}"/>
-          </ac:spMkLst>
-        </pc:spChg>
-      </pc:sldChg>
-      <pc:sldChg chg="del">
-        <pc:chgData name="Gibbons, Carl" userId="d2b037bc-8fb4-4222-845c-61440543a456" providerId="ADAL" clId="{B3D2C303-A9BA-4764-AC97-ADBDEAC925E6}" dt="2024-05-25T00:05:38.383" v="77" actId="47"/>
-        <pc:sldMkLst>
-          <pc:docMk/>
-          <pc:sldMk cId="3134089708" sldId="279"/>
-        </pc:sldMkLst>
-      </pc:sldChg>
-      <pc:sldChg chg="modSp add mod">
-        <pc:chgData name="Gibbons, Carl" userId="d2b037bc-8fb4-4222-845c-61440543a456" providerId="ADAL" clId="{B3D2C303-A9BA-4764-AC97-ADBDEAC925E6}" dt="2024-05-26T06:03:48.479" v="17713" actId="20577"/>
-        <pc:sldMkLst>
-          <pc:docMk/>
-          <pc:sldMk cId="3323886684" sldId="279"/>
-        </pc:sldMkLst>
-        <pc:spChg chg="mod">
-          <ac:chgData name="Gibbons, Carl" userId="d2b037bc-8fb4-4222-845c-61440543a456" providerId="ADAL" clId="{B3D2C303-A9BA-4764-AC97-ADBDEAC925E6}" dt="2024-05-26T06:03:48.479" v="17713" actId="20577"/>
-          <ac:spMkLst>
-            <pc:docMk/>
-            <pc:sldMk cId="3323886684" sldId="279"/>
-            <ac:spMk id="2" creationId="{F5533765-AE4D-3586-BFF0-C73FF51C6B9B}"/>
-          </ac:spMkLst>
-        </pc:spChg>
-        <pc:spChg chg="mod">
-          <ac:chgData name="Gibbons, Carl" userId="d2b037bc-8fb4-4222-845c-61440543a456" providerId="ADAL" clId="{B3D2C303-A9BA-4764-AC97-ADBDEAC925E6}" dt="2024-05-26T06:01:48.062" v="17675" actId="5793"/>
-          <ac:spMkLst>
-            <pc:docMk/>
-            <pc:sldMk cId="3323886684" sldId="279"/>
-            <ac:spMk id="7" creationId="{56F98B9D-53CB-0D01-51DD-F6B452AAB6C5}"/>
-          </ac:spMkLst>
-        </pc:spChg>
-      </pc:sldChg>
-      <pc:sldChg chg="addSp delSp modSp mod">
-        <pc:chgData name="Gibbons, Carl" userId="d2b037bc-8fb4-4222-845c-61440543a456" providerId="ADAL" clId="{B3D2C303-A9BA-4764-AC97-ADBDEAC925E6}" dt="2024-05-26T06:12:37.682" v="17883" actId="22"/>
-        <pc:sldMkLst>
-          <pc:docMk/>
-          <pc:sldMk cId="1058319013" sldId="280"/>
-        </pc:sldMkLst>
-        <pc:spChg chg="mod">
-          <ac:chgData name="Gibbons, Carl" userId="d2b037bc-8fb4-4222-845c-61440543a456" providerId="ADAL" clId="{B3D2C303-A9BA-4764-AC97-ADBDEAC925E6}" dt="2024-05-26T06:10:33.732" v="17881" actId="20577"/>
-          <ac:spMkLst>
-            <pc:docMk/>
-            <pc:sldMk cId="1058319013" sldId="280"/>
-            <ac:spMk id="2" creationId="{F5533765-AE4D-3586-BFF0-C73FF51C6B9B}"/>
-          </ac:spMkLst>
-        </pc:spChg>
-        <pc:spChg chg="add del">
-          <ac:chgData name="Gibbons, Carl" userId="d2b037bc-8fb4-4222-845c-61440543a456" providerId="ADAL" clId="{B3D2C303-A9BA-4764-AC97-ADBDEAC925E6}" dt="2024-05-26T06:12:37.682" v="17883" actId="22"/>
-          <ac:spMkLst>
-            <pc:docMk/>
-            <pc:sldMk cId="1058319013" sldId="280"/>
-            <ac:spMk id="4" creationId="{4A83E252-2FD2-5F94-6610-78E0DAC4AB85}"/>
-          </ac:spMkLst>
-        </pc:spChg>
-        <pc:spChg chg="mod">
-          <ac:chgData name="Gibbons, Carl" userId="d2b037bc-8fb4-4222-845c-61440543a456" providerId="ADAL" clId="{B3D2C303-A9BA-4764-AC97-ADBDEAC925E6}" dt="2024-05-26T06:10:08.730" v="17865" actId="1076"/>
-          <ac:spMkLst>
-            <pc:docMk/>
-            <pc:sldMk cId="1058319013" sldId="280"/>
-            <ac:spMk id="7" creationId="{56F98B9D-53CB-0D01-51DD-F6B452AAB6C5}"/>
-          </ac:spMkLst>
-        </pc:spChg>
-      </pc:sldChg>
-      <pc:sldChg chg="modSp add mod">
-        <pc:chgData name="Gibbons, Carl" userId="d2b037bc-8fb4-4222-845c-61440543a456" providerId="ADAL" clId="{B3D2C303-A9BA-4764-AC97-ADBDEAC925E6}" dt="2024-05-26T06:23:24.980" v="18187" actId="5793"/>
-        <pc:sldMkLst>
-          <pc:docMk/>
-          <pc:sldMk cId="3331937710" sldId="281"/>
-        </pc:sldMkLst>
-        <pc:spChg chg="mod">
-          <ac:chgData name="Gibbons, Carl" userId="d2b037bc-8fb4-4222-845c-61440543a456" providerId="ADAL" clId="{B3D2C303-A9BA-4764-AC97-ADBDEAC925E6}" dt="2024-05-26T06:13:35.808" v="17997" actId="20577"/>
-          <ac:spMkLst>
-            <pc:docMk/>
-            <pc:sldMk cId="3331937710" sldId="281"/>
-            <ac:spMk id="2" creationId="{F5533765-AE4D-3586-BFF0-C73FF51C6B9B}"/>
-          </ac:spMkLst>
-        </pc:spChg>
-        <pc:spChg chg="mod">
-          <ac:chgData name="Gibbons, Carl" userId="d2b037bc-8fb4-4222-845c-61440543a456" providerId="ADAL" clId="{B3D2C303-A9BA-4764-AC97-ADBDEAC925E6}" dt="2024-05-26T06:23:24.980" v="18187" actId="5793"/>
-          <ac:spMkLst>
-            <pc:docMk/>
-            <pc:sldMk cId="3331937710" sldId="281"/>
-            <ac:spMk id="7" creationId="{56F98B9D-53CB-0D01-51DD-F6B452AAB6C5}"/>
-          </ac:spMkLst>
-        </pc:spChg>
-      </pc:sldChg>
-      <pc:sldChg chg="addSp delSp modSp add mod">
-        <pc:chgData name="Gibbons, Carl" userId="d2b037bc-8fb4-4222-845c-61440543a456" providerId="ADAL" clId="{B3D2C303-A9BA-4764-AC97-ADBDEAC925E6}" dt="2024-05-26T06:38:07.454" v="18741" actId="114"/>
-        <pc:sldMkLst>
-          <pc:docMk/>
-          <pc:sldMk cId="2722703799" sldId="282"/>
-        </pc:sldMkLst>
-        <pc:spChg chg="mod">
-          <ac:chgData name="Gibbons, Carl" userId="d2b037bc-8fb4-4222-845c-61440543a456" providerId="ADAL" clId="{B3D2C303-A9BA-4764-AC97-ADBDEAC925E6}" dt="2024-05-26T06:24:24.507" v="18209" actId="20577"/>
-          <ac:spMkLst>
-            <pc:docMk/>
-            <pc:sldMk cId="2722703799" sldId="282"/>
-            <ac:spMk id="2" creationId="{F5533765-AE4D-3586-BFF0-C73FF51C6B9B}"/>
-          </ac:spMkLst>
-        </pc:spChg>
-        <pc:spChg chg="add mod">
-          <ac:chgData name="Gibbons, Carl" userId="d2b037bc-8fb4-4222-845c-61440543a456" providerId="ADAL" clId="{B3D2C303-A9BA-4764-AC97-ADBDEAC925E6}" dt="2024-05-26T06:38:07.454" v="18741" actId="114"/>
-          <ac:spMkLst>
-            <pc:docMk/>
-            <pc:sldMk cId="2722703799" sldId="282"/>
-            <ac:spMk id="3" creationId="{E43BCC1A-9319-7A2B-8C5E-AEE775288396}"/>
-          </ac:spMkLst>
-        </pc:spChg>
-        <pc:spChg chg="add mod">
-          <ac:chgData name="Gibbons, Carl" userId="d2b037bc-8fb4-4222-845c-61440543a456" providerId="ADAL" clId="{B3D2C303-A9BA-4764-AC97-ADBDEAC925E6}" dt="2024-05-26T06:35:40.082" v="18674" actId="1076"/>
-          <ac:spMkLst>
-            <pc:docMk/>
-            <pc:sldMk cId="2722703799" sldId="282"/>
-            <ac:spMk id="4" creationId="{E819EA8D-296D-D065-CE31-3A447F5E3BCE}"/>
-          </ac:spMkLst>
-        </pc:spChg>
-        <pc:spChg chg="add mod">
-          <ac:chgData name="Gibbons, Carl" userId="d2b037bc-8fb4-4222-845c-61440543a456" providerId="ADAL" clId="{B3D2C303-A9BA-4764-AC97-ADBDEAC925E6}" dt="2024-05-26T06:35:59.619" v="18676" actId="1076"/>
-          <ac:spMkLst>
-            <pc:docMk/>
-            <pc:sldMk cId="2722703799" sldId="282"/>
-            <ac:spMk id="5" creationId="{85892FC5-E2A5-20BC-22F4-E384CA8C6FC1}"/>
-          </ac:spMkLst>
-        </pc:spChg>
-        <pc:spChg chg="add mod">
-          <ac:chgData name="Gibbons, Carl" userId="d2b037bc-8fb4-4222-845c-61440543a456" providerId="ADAL" clId="{B3D2C303-A9BA-4764-AC97-ADBDEAC925E6}" dt="2024-05-26T06:34:03.502" v="18650" actId="20577"/>
-          <ac:spMkLst>
-            <pc:docMk/>
-            <pc:sldMk cId="2722703799" sldId="282"/>
-            <ac:spMk id="6" creationId="{130F1397-5089-4EBB-BB40-09DC9FB5116A}"/>
-          </ac:spMkLst>
-        </pc:spChg>
-        <pc:spChg chg="del mod">
-          <ac:chgData name="Gibbons, Carl" userId="d2b037bc-8fb4-4222-845c-61440543a456" providerId="ADAL" clId="{B3D2C303-A9BA-4764-AC97-ADBDEAC925E6}" dt="2024-05-26T06:24:55.727" v="18212"/>
-          <ac:spMkLst>
-            <pc:docMk/>
-            <pc:sldMk cId="2722703799" sldId="282"/>
-            <ac:spMk id="7" creationId="{56F98B9D-53CB-0D01-51DD-F6B452AAB6C5}"/>
-          </ac:spMkLst>
-        </pc:spChg>
-      </pc:sldChg>
-      <pc:sldChg chg="addSp modSp add mod">
-        <pc:chgData name="Gibbons, Carl" userId="d2b037bc-8fb4-4222-845c-61440543a456" providerId="ADAL" clId="{B3D2C303-A9BA-4764-AC97-ADBDEAC925E6}" dt="2024-05-28T17:03:25.684" v="20431" actId="1076"/>
-        <pc:sldMkLst>
-          <pc:docMk/>
-          <pc:sldMk cId="3069862466" sldId="283"/>
-        </pc:sldMkLst>
-        <pc:spChg chg="mod">
-          <ac:chgData name="Gibbons, Carl" userId="d2b037bc-8fb4-4222-845c-61440543a456" providerId="ADAL" clId="{B3D2C303-A9BA-4764-AC97-ADBDEAC925E6}" dt="2024-05-26T06:40:11.695" v="18788" actId="20577"/>
-          <ac:spMkLst>
-            <pc:docMk/>
-            <pc:sldMk cId="3069862466" sldId="283"/>
-            <ac:spMk id="2" creationId="{F5533765-AE4D-3586-BFF0-C73FF51C6B9B}"/>
-          </ac:spMkLst>
-        </pc:spChg>
-        <pc:spChg chg="mod">
-          <ac:chgData name="Gibbons, Carl" userId="d2b037bc-8fb4-4222-845c-61440543a456" providerId="ADAL" clId="{B3D2C303-A9BA-4764-AC97-ADBDEAC925E6}" dt="2024-05-26T07:06:17.252" v="20390" actId="20577"/>
-          <ac:spMkLst>
-            <pc:docMk/>
-            <pc:sldMk cId="3069862466" sldId="283"/>
-            <ac:spMk id="7" creationId="{56F98B9D-53CB-0D01-51DD-F6B452AAB6C5}"/>
-          </ac:spMkLst>
-        </pc:spChg>
-        <pc:picChg chg="add mod">
-          <ac:chgData name="Gibbons, Carl" userId="d2b037bc-8fb4-4222-845c-61440543a456" providerId="ADAL" clId="{B3D2C303-A9BA-4764-AC97-ADBDEAC925E6}" dt="2024-05-28T17:03:25.684" v="20431" actId="1076"/>
-          <ac:picMkLst>
-            <pc:docMk/>
-            <pc:sldMk cId="3069862466" sldId="283"/>
-            <ac:picMk id="4" creationId="{D66B4AEE-A634-413C-6B52-EEB079FE31C5}"/>
-          </ac:picMkLst>
-        </pc:picChg>
       </pc:sldChg>
     </pc:docChg>
   </pc:docChgLst>
@@ -5242,7 +5242,7 @@
           <a:p>
             <a:fld id="{421996D4-4A1C-4BBC-AA2B-FD5B7FC395A0}" type="datetime1">
               <a:rPr lang="en-US" smtClean="0"/>
-              <a:t>5/28/2024</a:t>
+              <a:t>10/10/2024</a:t>
             </a:fld>
             <a:endParaRPr lang="en-US"/>
           </a:p>
@@ -5440,7 +5440,7 @@
           <a:p>
             <a:fld id="{CB43818D-5554-4105-BE04-CEE32DEBDA0A}" type="datetime1">
               <a:rPr lang="en-US" smtClean="0"/>
-              <a:t>5/28/2024</a:t>
+              <a:t>10/10/2024</a:t>
             </a:fld>
             <a:endParaRPr lang="en-US"/>
           </a:p>
@@ -5648,7 +5648,7 @@
           <a:p>
             <a:fld id="{AFAC11C6-1708-41BC-9474-3D7842023D96}" type="datetime1">
               <a:rPr lang="en-US" smtClean="0"/>
-              <a:t>5/28/2024</a:t>
+              <a:t>10/10/2024</a:t>
             </a:fld>
             <a:endParaRPr lang="en-US"/>
           </a:p>
@@ -5927,7 +5927,7 @@
           <a:p>
             <a:fld id="{490605F8-8C86-41F5-9F5E-04EDB8C2540B}" type="datetime1">
               <a:rPr lang="en-US" smtClean="0"/>
-              <a:t>5/28/2024</a:t>
+              <a:t>10/10/2024</a:t>
             </a:fld>
             <a:endParaRPr lang="en-US"/>
           </a:p>
@@ -6202,7 +6202,7 @@
           <a:p>
             <a:fld id="{CA355DA2-1E89-41CC-B722-CBFC08F260AE}" type="datetime1">
               <a:rPr lang="en-US" smtClean="0"/>
-              <a:t>5/28/2024</a:t>
+              <a:t>10/10/2024</a:t>
             </a:fld>
             <a:endParaRPr lang="en-US"/>
           </a:p>
@@ -6467,7 +6467,7 @@
           <a:p>
             <a:fld id="{7F6AFD48-C472-404E-B7B5-BA44CCF2F55D}" type="datetime1">
               <a:rPr lang="en-US" smtClean="0"/>
-              <a:t>5/28/2024</a:t>
+              <a:t>10/10/2024</a:t>
             </a:fld>
             <a:endParaRPr lang="en-US"/>
           </a:p>
@@ -6879,7 +6879,7 @@
           <a:p>
             <a:fld id="{B33F52E9-9255-4CAF-909C-660126F1B079}" type="datetime1">
               <a:rPr lang="en-US" smtClean="0"/>
-              <a:t>5/28/2024</a:t>
+              <a:t>10/10/2024</a:t>
             </a:fld>
             <a:endParaRPr lang="en-US"/>
           </a:p>
@@ -7020,7 +7020,7 @@
           <a:p>
             <a:fld id="{67F9F019-D13C-4797-8A9F-7B02D5B8121E}" type="datetime1">
               <a:rPr lang="en-US" smtClean="0"/>
-              <a:t>5/28/2024</a:t>
+              <a:t>10/10/2024</a:t>
             </a:fld>
             <a:endParaRPr lang="en-US"/>
           </a:p>
@@ -7133,7 +7133,7 @@
           <a:p>
             <a:fld id="{FDA143B9-A6C4-436D-945A-FF5B3EA2EF39}" type="datetime1">
               <a:rPr lang="en-US" smtClean="0"/>
-              <a:t>5/28/2024</a:t>
+              <a:t>10/10/2024</a:t>
             </a:fld>
             <a:endParaRPr lang="en-US"/>
           </a:p>
@@ -7444,7 +7444,7 @@
           <a:p>
             <a:fld id="{457E18FE-B6F9-4F6A-835B-8251F04458A0}" type="datetime1">
               <a:rPr lang="en-US" smtClean="0"/>
-              <a:t>5/28/2024</a:t>
+              <a:t>10/10/2024</a:t>
             </a:fld>
             <a:endParaRPr lang="en-US"/>
           </a:p>
@@ -7732,7 +7732,7 @@
           <a:p>
             <a:fld id="{5F2690CE-112A-455B-AD5F-E26CEA6A5331}" type="datetime1">
               <a:rPr lang="en-US" smtClean="0"/>
-              <a:t>5/28/2024</a:t>
+              <a:t>10/10/2024</a:t>
             </a:fld>
             <a:endParaRPr lang="en-US"/>
           </a:p>
@@ -7973,7 +7973,7 @@
           <a:p>
             <a:fld id="{9C4E342D-98AB-407C-88D4-A20ED0F70E1C}" type="datetime1">
               <a:rPr lang="en-US" smtClean="0"/>
-              <a:t>5/28/2024</a:t>
+              <a:t>10/10/2024</a:t>
             </a:fld>
             <a:endParaRPr lang="en-US"/>
           </a:p>
@@ -13945,8 +13945,17 @@
               <a:rPr lang="en-US" i="1" dirty="0">
                 <a:cs typeface="Consolas" panose="020B0609020204030204" pitchFamily="49" charset="0"/>
               </a:rPr>
-              <a:t> workflow endpoints.</a:t>
-            </a:r>
+              <a:t> </a:t>
+            </a:r>
+            <a:r>
+              <a:rPr lang="en-US" i="1">
+                <a:cs typeface="Consolas" panose="020B0609020204030204" pitchFamily="49" charset="0"/>
+              </a:rPr>
+              <a:t>workflow scripts.</a:t>
+            </a:r>
+            <a:endParaRPr lang="en-US" i="1" dirty="0">
+              <a:cs typeface="Consolas" panose="020B0609020204030204" pitchFamily="49" charset="0"/>
+            </a:endParaRPr>
           </a:p>
           <a:p>
             <a:pPr algn="r"/>

--- a/CYBER360-6.5-Jobs-Scheduled-Tasks.pptx
+++ b/CYBER360-6.5-Jobs-Scheduled-Tasks.pptx
@@ -761,7 +761,7 @@
           <a:p>
             <a:fld id="{71087A05-F855-4434-8DDE-39A8542098A6}" type="datetimeFigureOut">
               <a:rPr lang="en-US" smtClean="0"/>
-              <a:t>11/21/2024</a:t>
+              <a:t>2/11/2025</a:t>
             </a:fld>
             <a:endParaRPr lang="en-US"/>
           </a:p>
@@ -999,7 +999,7 @@
           <a:p>
             <a:fld id="{71087A05-F855-4434-8DDE-39A8542098A6}" type="datetimeFigureOut">
               <a:rPr lang="en-US" smtClean="0"/>
-              <a:t>11/21/2024</a:t>
+              <a:t>2/11/2025</a:t>
             </a:fld>
             <a:endParaRPr lang="en-US"/>
           </a:p>
@@ -1235,7 +1235,7 @@
           <a:p>
             <a:fld id="{421996D4-4A1C-4BBC-AA2B-FD5B7FC395A0}" type="datetime1">
               <a:rPr lang="en-US" smtClean="0"/>
-              <a:t>11/21/2024</a:t>
+              <a:t>2/11/2025</a:t>
             </a:fld>
             <a:endParaRPr lang="en-US"/>
           </a:p>
@@ -1538,7 +1538,7 @@
           <a:p>
             <a:fld id="{71087A05-F855-4434-8DDE-39A8542098A6}" type="datetimeFigureOut">
               <a:rPr lang="en-US" smtClean="0"/>
-              <a:t>11/21/2024</a:t>
+              <a:t>2/11/2025</a:t>
             </a:fld>
             <a:endParaRPr lang="en-US"/>
           </a:p>
@@ -1843,7 +1843,7 @@
           <a:p>
             <a:fld id="{71087A05-F855-4434-8DDE-39A8542098A6}" type="datetimeFigureOut">
               <a:rPr lang="en-US" smtClean="0"/>
-              <a:t>11/21/2024</a:t>
+              <a:t>2/11/2025</a:t>
             </a:fld>
             <a:endParaRPr lang="en-US"/>
           </a:p>
@@ -2146,7 +2146,7 @@
           <a:p>
             <a:fld id="{71087A05-F855-4434-8DDE-39A8542098A6}" type="datetimeFigureOut">
               <a:rPr lang="en-US" smtClean="0"/>
-              <a:t>11/21/2024</a:t>
+              <a:t>2/11/2025</a:t>
             </a:fld>
             <a:endParaRPr lang="en-US"/>
           </a:p>
@@ -2597,7 +2597,7 @@
           <a:p>
             <a:fld id="{71087A05-F855-4434-8DDE-39A8542098A6}" type="datetimeFigureOut">
               <a:rPr lang="en-US" smtClean="0"/>
-              <a:t>11/21/2024</a:t>
+              <a:t>2/11/2025</a:t>
             </a:fld>
             <a:endParaRPr lang="en-US"/>
           </a:p>
@@ -2770,7 +2770,7 @@
           <a:p>
             <a:fld id="{71087A05-F855-4434-8DDE-39A8542098A6}" type="datetimeFigureOut">
               <a:rPr lang="en-US" smtClean="0"/>
-              <a:t>11/21/2024</a:t>
+              <a:t>2/11/2025</a:t>
             </a:fld>
             <a:endParaRPr lang="en-US"/>
           </a:p>
@@ -2907,7 +2907,7 @@
           <a:p>
             <a:fld id="{71087A05-F855-4434-8DDE-39A8542098A6}" type="datetimeFigureOut">
               <a:rPr lang="en-US" smtClean="0"/>
-              <a:t>11/21/2024</a:t>
+              <a:t>2/11/2025</a:t>
             </a:fld>
             <a:endParaRPr lang="en-US"/>
           </a:p>
@@ -3251,7 +3251,7 @@
           <a:p>
             <a:fld id="{71087A05-F855-4434-8DDE-39A8542098A6}" type="datetimeFigureOut">
               <a:rPr lang="en-US" smtClean="0"/>
-              <a:t>11/21/2024</a:t>
+              <a:t>2/11/2025</a:t>
             </a:fld>
             <a:endParaRPr lang="en-US"/>
           </a:p>
@@ -3575,7 +3575,7 @@
           <a:p>
             <a:fld id="{71087A05-F855-4434-8DDE-39A8542098A6}" type="datetimeFigureOut">
               <a:rPr lang="en-US" smtClean="0"/>
-              <a:t>11/21/2024</a:t>
+              <a:t>2/11/2025</a:t>
             </a:fld>
             <a:endParaRPr lang="en-US"/>
           </a:p>
@@ -4950,7 +4950,7 @@
         <p:spPr>
           <a:xfrm>
             <a:off x="1169187" y="1858669"/>
-            <a:ext cx="9881881" cy="4647426"/>
+            <a:ext cx="9881881" cy="4893647"/>
           </a:xfrm>
           <a:prstGeom prst="rect">
             <a:avLst/>
@@ -5098,8 +5098,9 @@
               <a:rPr lang="en-US" sz="1600" dirty="0"/>
               <a:t>After a minute, we see the 30-second sleeper has completed:</a:t>
             </a:r>
-          </a:p>
-          <a:p>
+            <a:br>
+              <a:rPr lang="en-US" sz="1600" dirty="0"/>
+            </a:br>
             <a:endParaRPr lang="en-US" sz="1600" dirty="0"/>
           </a:p>
           <a:p>
@@ -5107,7 +5108,7 @@
               <a:rPr lang="en-US" sz="1600" dirty="0">
                 <a:latin typeface="Lucida Console" panose="020B0609040504020204" pitchFamily="49" charset="0"/>
               </a:rPr>
-              <a:t>Start-Sleep $_PS &gt; (Get-Job 19).</a:t>
+              <a:t>PS &gt; (Get-Job 19).</a:t>
             </a:r>
             <a:r>
               <a:rPr lang="en-US" sz="1600" dirty="0" err="1">
@@ -5120,6 +5121,11 @@
             </a:endParaRPr>
           </a:p>
           <a:p>
+            <a:br>
+              <a:rPr lang="en-US" sz="1600" dirty="0">
+                <a:latin typeface="Lucida Console" panose="020B0609040504020204" pitchFamily="49" charset="0"/>
+              </a:rPr>
+            </a:br>
             <a:r>
               <a:rPr lang="en-US" sz="1600" dirty="0">
                 <a:latin typeface="Lucida Console" panose="020B0609040504020204" pitchFamily="49" charset="0"/>
@@ -8475,7 +8481,7 @@
             </a:r>
             <a:r>
               <a:rPr lang="en-US" dirty="0"/>
-              <a:t> letting the command continue separately on its own, while the user keeps working with other commands. Executing more than one processes in parallel is called </a:t>
+              <a:t> letting the command continue separately on its own, while the user keeps working with other commands. Executing more than one process in parallel is called </a:t>
             </a:r>
             <a:r>
               <a:rPr lang="en-US" i="1" dirty="0"/>
